--- a/Presentations/cogsci-2017-poster.pptx
+++ b/Presentations/cogsci-2017-poster.pptx
@@ -206,7 +206,7 @@
           <a:p>
             <a:fld id="{CDC9373C-994F-E447-87BC-0883031F8899}" type="datetimeFigureOut">
               <a:rPr lang="en-US" smtClean="0"/>
-              <a:t>6/21/17</a:t>
+              <a:t>6/22/17</a:t>
             </a:fld>
             <a:endParaRPr lang="en-US"/>
           </a:p>
@@ -524,18 +524,16 @@
             </a:r>
           </a:p>
           <a:p>
-            <a:endParaRPr lang="en-US" smtClean="0"/>
+            <a:endParaRPr lang="en-US" dirty="0" smtClean="0"/>
           </a:p>
           <a:p>
             <a:r>
               <a:rPr lang="en-US" smtClean="0"/>
-              <a:t>Predictions for experiment</a:t>
-            </a:r>
-          </a:p>
-          <a:p>
+              <a:t>Generation </a:t>
+            </a:r>
             <a:r>
               <a:rPr lang="en-US" dirty="0" smtClean="0"/>
-              <a:t>Generation samples</a:t>
+              <a:t>samples</a:t>
             </a:r>
           </a:p>
           <a:p>
@@ -716,7 +714,7 @@
           <a:p>
             <a:fld id="{BE537D98-B3AD-A54B-94FE-0511E43D51EA}" type="datetimeFigureOut">
               <a:rPr lang="en-US" smtClean="0"/>
-              <a:t>6/21/17</a:t>
+              <a:t>6/22/17</a:t>
             </a:fld>
             <a:endParaRPr lang="en-US"/>
           </a:p>
@@ -881,7 +879,7 @@
           <a:p>
             <a:fld id="{BE537D98-B3AD-A54B-94FE-0511E43D51EA}" type="datetimeFigureOut">
               <a:rPr lang="en-US" smtClean="0"/>
-              <a:t>6/21/17</a:t>
+              <a:t>6/22/17</a:t>
             </a:fld>
             <a:endParaRPr lang="en-US"/>
           </a:p>
@@ -1056,7 +1054,7 @@
           <a:p>
             <a:fld id="{BE537D98-B3AD-A54B-94FE-0511E43D51EA}" type="datetimeFigureOut">
               <a:rPr lang="en-US" smtClean="0"/>
-              <a:t>6/21/17</a:t>
+              <a:t>6/22/17</a:t>
             </a:fld>
             <a:endParaRPr lang="en-US"/>
           </a:p>
@@ -1221,7 +1219,7 @@
           <a:p>
             <a:fld id="{BE537D98-B3AD-A54B-94FE-0511E43D51EA}" type="datetimeFigureOut">
               <a:rPr lang="en-US" smtClean="0"/>
-              <a:t>6/21/17</a:t>
+              <a:t>6/22/17</a:t>
             </a:fld>
             <a:endParaRPr lang="en-US"/>
           </a:p>
@@ -1460,7 +1458,7 @@
           <a:p>
             <a:fld id="{BE537D98-B3AD-A54B-94FE-0511E43D51EA}" type="datetimeFigureOut">
               <a:rPr lang="en-US" smtClean="0"/>
-              <a:t>6/21/17</a:t>
+              <a:t>6/22/17</a:t>
             </a:fld>
             <a:endParaRPr lang="en-US"/>
           </a:p>
@@ -1687,7 +1685,7 @@
           <a:p>
             <a:fld id="{BE537D98-B3AD-A54B-94FE-0511E43D51EA}" type="datetimeFigureOut">
               <a:rPr lang="en-US" smtClean="0"/>
-              <a:t>6/21/17</a:t>
+              <a:t>6/22/17</a:t>
             </a:fld>
             <a:endParaRPr lang="en-US"/>
           </a:p>
@@ -2049,7 +2047,7 @@
           <a:p>
             <a:fld id="{BE537D98-B3AD-A54B-94FE-0511E43D51EA}" type="datetimeFigureOut">
               <a:rPr lang="en-US" smtClean="0"/>
-              <a:t>6/21/17</a:t>
+              <a:t>6/22/17</a:t>
             </a:fld>
             <a:endParaRPr lang="en-US"/>
           </a:p>
@@ -2162,7 +2160,7 @@
           <a:p>
             <a:fld id="{BE537D98-B3AD-A54B-94FE-0511E43D51EA}" type="datetimeFigureOut">
               <a:rPr lang="en-US" smtClean="0"/>
-              <a:t>6/21/17</a:t>
+              <a:t>6/22/17</a:t>
             </a:fld>
             <a:endParaRPr lang="en-US"/>
           </a:p>
@@ -2252,7 +2250,7 @@
           <a:p>
             <a:fld id="{BE537D98-B3AD-A54B-94FE-0511E43D51EA}" type="datetimeFigureOut">
               <a:rPr lang="en-US" smtClean="0"/>
-              <a:t>6/21/17</a:t>
+              <a:t>6/22/17</a:t>
             </a:fld>
             <a:endParaRPr lang="en-US"/>
           </a:p>
@@ -2524,7 +2522,7 @@
           <a:p>
             <a:fld id="{BE537D98-B3AD-A54B-94FE-0511E43D51EA}" type="datetimeFigureOut">
               <a:rPr lang="en-US" smtClean="0"/>
-              <a:t>6/21/17</a:t>
+              <a:t>6/22/17</a:t>
             </a:fld>
             <a:endParaRPr lang="en-US"/>
           </a:p>
@@ -2776,7 +2774,7 @@
           <a:p>
             <a:fld id="{BE537D98-B3AD-A54B-94FE-0511E43D51EA}" type="datetimeFigureOut">
               <a:rPr lang="en-US" smtClean="0"/>
-              <a:t>6/21/17</a:t>
+              <a:t>6/22/17</a:t>
             </a:fld>
             <a:endParaRPr lang="en-US"/>
           </a:p>
@@ -2987,7 +2985,7 @@
           <a:p>
             <a:fld id="{BE537D98-B3AD-A54B-94FE-0511E43D51EA}" type="datetimeFigureOut">
               <a:rPr lang="en-US" smtClean="0"/>
-              <a:t>6/21/17</a:t>
+              <a:t>6/22/17</a:t>
             </a:fld>
             <a:endParaRPr lang="en-US"/>
           </a:p>
@@ -3457,7 +3455,7 @@
         </p:blipFill>
         <p:spPr>
           <a:xfrm>
-            <a:off x="3555999" y="1529750"/>
+            <a:off x="914399" y="1176130"/>
             <a:ext cx="7748801" cy="3228667"/>
           </a:xfrm>
           <a:prstGeom prst="rect">
@@ -4375,8 +4373,8 @@
         </p:blipFill>
         <p:spPr>
           <a:xfrm>
-            <a:off x="914399" y="1895415"/>
-            <a:ext cx="2593297" cy="2593297"/>
+            <a:off x="7430399" y="454652"/>
+            <a:ext cx="2035634" cy="2035634"/>
           </a:xfrm>
           <a:prstGeom prst="rect">
             <a:avLst/>
@@ -4466,8 +4464,8 @@
             </a:p>
           </p:txBody>
         </p:sp>
-        <mc:AlternateContent xmlns:mc="http://schemas.openxmlformats.org/markup-compatibility/2006">
-          <mc:Choice xmlns:a14="http://schemas.microsoft.com/office/drawing/2010/main" Requires="a14">
+        <mc:AlternateContent xmlns:mc="http://schemas.openxmlformats.org/markup-compatibility/2006" xmlns:a14="http://schemas.microsoft.com/office/drawing/2010/main">
+          <mc:Choice Requires="a14">
             <p:sp>
               <p:nvSpPr>
                 <p:cNvPr id="20" name="Rectangle 19"/>
@@ -4903,13 +4901,7 @@
                                             <a:rPr lang="en-US" sz="3600" i="1">
                                               <a:latin typeface="Cambria Math" charset="0"/>
                                             </a:rPr>
-                                            <m:t>𝑖</m:t>
-                                          </m:r>
-                                          <m:r>
-                                            <a:rPr lang="en-US" sz="3600" i="1">
-                                              <a:latin typeface="Cambria Math" charset="0"/>
-                                            </a:rPr>
-                                            <m:t>𝑘</m:t>
+                                            <m:t>𝑖𝑘</m:t>
                                           </m:r>
                                         </m:sub>
                                       </m:sSub>
@@ -4940,13 +4932,7 @@
                                             <a:rPr lang="en-US" sz="3600" i="1">
                                               <a:latin typeface="Cambria Math" charset="0"/>
                                             </a:rPr>
-                                            <m:t>𝑗</m:t>
-                                          </m:r>
-                                          <m:r>
-                                            <a:rPr lang="en-US" sz="3600" i="1">
-                                              <a:latin typeface="Cambria Math" charset="0"/>
-                                            </a:rPr>
-                                            <m:t>𝑘</m:t>
+                                            <m:t>𝑗𝑘</m:t>
                                           </m:r>
                                         </m:sub>
                                       </m:sSub>
@@ -5477,7 +5463,7 @@
               </p:txBody>
             </p:sp>
           </mc:Choice>
-          <mc:Fallback>
+          <mc:Fallback xmlns="">
             <p:sp>
               <p:nvSpPr>
                 <p:cNvPr id="20" name="Rectangle 19"/>
@@ -5555,8 +5541,8 @@
         </p:nvSpPr>
         <p:spPr>
           <a:xfrm>
-            <a:off x="13336954" y="16222374"/>
-            <a:ext cx="14641454" cy="12630363"/>
+            <a:off x="13336954" y="17988815"/>
+            <a:ext cx="14641454" cy="10863922"/>
           </a:xfrm>
           <a:prstGeom prst="rect">
             <a:avLst/>
@@ -5610,8 +5596,27 @@
                 <a:ea typeface="Raleway SemiBold" charset="0"/>
                 <a:cs typeface="Raleway SemiBold" charset="0"/>
               </a:rPr>
-              <a:t>Behavioral Results</a:t>
-            </a:r>
+              <a:t>Behavioral </a:t>
+            </a:r>
+            <a:r>
+              <a:rPr lang="en-US" sz="4400" b="1" dirty="0" smtClean="0">
+                <a:solidFill>
+                  <a:schemeClr val="accent6"/>
+                </a:solidFill>
+                <a:latin typeface="Raleway SemiBold" charset="0"/>
+                <a:ea typeface="Raleway SemiBold" charset="0"/>
+                <a:cs typeface="Raleway SemiBold" charset="0"/>
+              </a:rPr>
+              <a:t>Results</a:t>
+            </a:r>
+            <a:endParaRPr lang="en-US" sz="3600" dirty="0">
+              <a:solidFill>
+                <a:schemeClr val="accent6"/>
+              </a:solidFill>
+              <a:latin typeface="Raleway" charset="0"/>
+              <a:ea typeface="Raleway" charset="0"/>
+              <a:cs typeface="Raleway" charset="0"/>
+            </a:endParaRPr>
           </a:p>
           <a:p>
             <a:pPr>
@@ -5631,7 +5636,7 @@
                 <a:ea typeface="Raleway" charset="0"/>
                 <a:cs typeface="Raleway" charset="0"/>
               </a:rPr>
-              <a:t>. </a:t>
+              <a:t>Examples that are highly distant from Alpha category members are more likely to be generated. </a:t>
             </a:r>
             <a:endParaRPr lang="en-US" sz="3600" dirty="0">
               <a:solidFill>
@@ -5687,42 +5692,6 @@
                 <a:spcPts val="600"/>
               </a:spcAft>
             </a:pPr>
-            <a:endParaRPr lang="en-US" sz="3600" dirty="0" smtClean="0">
-              <a:solidFill>
-                <a:schemeClr val="accent6"/>
-              </a:solidFill>
-              <a:latin typeface="Raleway" charset="0"/>
-              <a:ea typeface="Raleway" charset="0"/>
-              <a:cs typeface="Raleway" charset="0"/>
-            </a:endParaRPr>
-          </a:p>
-          <a:p>
-            <a:pPr>
-              <a:spcBef>
-                <a:spcPts val="600"/>
-              </a:spcBef>
-              <a:spcAft>
-                <a:spcPts val="600"/>
-              </a:spcAft>
-            </a:pPr>
-            <a:endParaRPr lang="en-US" sz="3600" dirty="0">
-              <a:solidFill>
-                <a:schemeClr val="accent6"/>
-              </a:solidFill>
-              <a:latin typeface="Raleway" charset="0"/>
-              <a:ea typeface="Raleway" charset="0"/>
-              <a:cs typeface="Raleway" charset="0"/>
-            </a:endParaRPr>
-          </a:p>
-          <a:p>
-            <a:pPr>
-              <a:spcBef>
-                <a:spcPts val="600"/>
-              </a:spcBef>
-              <a:spcAft>
-                <a:spcPts val="600"/>
-              </a:spcAft>
-            </a:pPr>
             <a:endParaRPr lang="en-US" sz="4400" b="1" dirty="0">
               <a:solidFill>
                 <a:schemeClr val="accent6"/>
@@ -5743,14 +5712,14 @@
           <p:nvPr>
             <p:extLst>
               <p:ext uri="{D42A27DB-BD31-4B8C-83A1-F6EECF244321}">
-                <p14:modId xmlns:p14="http://schemas.microsoft.com/office/powerpoint/2010/main" val="537477942"/>
+                <p14:modId xmlns:p14="http://schemas.microsoft.com/office/powerpoint/2010/main" val="1744240205"/>
               </p:ext>
             </p:extLst>
           </p:nvPr>
         </p:nvGraphicFramePr>
         <p:xfrm>
-          <a:off x="13416466" y="24495423"/>
-          <a:ext cx="8637414" cy="4297680"/>
+          <a:off x="15461668" y="24741656"/>
+          <a:ext cx="7665337" cy="3870960"/>
         </p:xfrm>
         <a:graphic>
           <a:graphicData uri="http://schemas.openxmlformats.org/drawingml/2006/table">
@@ -5759,11 +5728,11 @@
                 <a:tableStyleId>{5940675A-B579-460E-94D1-54222C63F5DA}</a:tableStyleId>
               </a:tblPr>
               <a:tblGrid>
-                <a:gridCol w="3581320"/>
-                <a:gridCol w="2151529"/>
-                <a:gridCol w="2904565"/>
+                <a:gridCol w="3178269"/>
+                <a:gridCol w="1909391"/>
+                <a:gridCol w="2577677"/>
               </a:tblGrid>
-              <a:tr h="0">
+              <a:tr h="639576">
                 <a:tc>
                   <a:txBody>
                     <a:bodyPr/>
@@ -5771,14 +5740,14 @@
                     <a:p>
                       <a:pPr algn="ctr"/>
                       <a:r>
-                        <a:rPr lang="en-US" sz="4000" b="1" dirty="0" smtClean="0">
+                        <a:rPr lang="en-US" sz="3600" b="1" dirty="0" smtClean="0">
                           <a:latin typeface="Raleway" charset="0"/>
                           <a:ea typeface="Raleway" charset="0"/>
                           <a:cs typeface="Raleway" charset="0"/>
                         </a:rPr>
                         <a:t>Middle</a:t>
                       </a:r>
-                      <a:endParaRPr lang="en-US" sz="4400" b="1" dirty="0">
+                      <a:endParaRPr lang="en-US" sz="4000" b="1" dirty="0">
                         <a:latin typeface="Raleway" charset="0"/>
                         <a:ea typeface="Raleway" charset="0"/>
                         <a:cs typeface="Raleway" charset="0"/>
@@ -5821,14 +5790,14 @@
                     <a:p>
                       <a:pPr algn="ctr"/>
                       <a:r>
-                        <a:rPr lang="en-US" sz="3200" dirty="0" smtClean="0">
+                        <a:rPr lang="en-US" sz="2800" dirty="0" smtClean="0">
                           <a:latin typeface="Raleway" charset="0"/>
                           <a:ea typeface="Raleway" charset="0"/>
                           <a:cs typeface="Raleway" charset="0"/>
                         </a:rPr>
                         <a:t>Top Used</a:t>
                       </a:r>
-                      <a:endParaRPr lang="en-US" sz="3200" dirty="0">
+                      <a:endParaRPr lang="en-US" sz="2800" dirty="0">
                         <a:latin typeface="Raleway" charset="0"/>
                         <a:ea typeface="Raleway" charset="0"/>
                         <a:cs typeface="Raleway" charset="0"/>
@@ -5877,14 +5846,14 @@
                     <a:p>
                       <a:pPr algn="ctr"/>
                       <a:r>
-                        <a:rPr lang="en-US" sz="3200" dirty="0" smtClean="0">
+                        <a:rPr lang="en-US" sz="2800" dirty="0" smtClean="0">
                           <a:latin typeface="Raleway" charset="0"/>
                           <a:ea typeface="Raleway" charset="0"/>
                           <a:cs typeface="Raleway" charset="0"/>
                         </a:rPr>
                         <a:t>Top Not Used</a:t>
                       </a:r>
-                      <a:endParaRPr lang="en-US" sz="3200" dirty="0">
+                      <a:endParaRPr lang="en-US" sz="2800" dirty="0">
                         <a:latin typeface="Raleway" charset="0"/>
                         <a:ea typeface="Raleway" charset="0"/>
                         <a:cs typeface="Raleway" charset="0"/>
@@ -5927,7 +5896,7 @@
                   </a:tcPr>
                 </a:tc>
               </a:tr>
-              <a:tr h="370840">
+              <a:tr h="517752">
                 <a:tc>
                   <a:txBody>
                     <a:bodyPr/>
@@ -5935,14 +5904,14 @@
                     <a:p>
                       <a:pPr algn="r"/>
                       <a:r>
-                        <a:rPr lang="en-US" sz="3200" dirty="0" smtClean="0">
+                        <a:rPr lang="en-US" sz="2800" dirty="0" smtClean="0">
                           <a:latin typeface="Raleway" charset="0"/>
                           <a:ea typeface="Raleway" charset="0"/>
                           <a:cs typeface="Raleway" charset="0"/>
                         </a:rPr>
                         <a:t>Bottom Used</a:t>
                       </a:r>
-                      <a:endParaRPr lang="en-US" sz="3200" dirty="0">
+                      <a:endParaRPr lang="en-US" sz="2800" dirty="0">
                         <a:latin typeface="Raleway" charset="0"/>
                         <a:ea typeface="Raleway" charset="0"/>
                         <a:cs typeface="Raleway" charset="0"/>
@@ -5989,14 +5958,14 @@
                     <a:p>
                       <a:pPr algn="ctr"/>
                       <a:r>
-                        <a:rPr lang="en-US" sz="3200" b="1" dirty="0" smtClean="0">
+                        <a:rPr lang="en-US" sz="2800" b="1" dirty="0" smtClean="0">
                           <a:latin typeface="Raleway" charset="0"/>
                           <a:ea typeface="Raleway" charset="0"/>
                           <a:cs typeface="Raleway" charset="0"/>
                         </a:rPr>
                         <a:t>28</a:t>
                       </a:r>
-                      <a:endParaRPr lang="en-US" sz="3200" b="1" dirty="0">
+                      <a:endParaRPr lang="en-US" sz="2800" b="1" dirty="0">
                         <a:latin typeface="Raleway" charset="0"/>
                         <a:ea typeface="Raleway" charset="0"/>
                         <a:cs typeface="Raleway" charset="0"/>
@@ -6057,14 +6026,14 @@
                     <a:p>
                       <a:pPr algn="ctr"/>
                       <a:r>
-                        <a:rPr lang="en-US" sz="3200" dirty="0" smtClean="0">
+                        <a:rPr lang="en-US" sz="2800" dirty="0" smtClean="0">
                           <a:latin typeface="Raleway" charset="0"/>
                           <a:ea typeface="Raleway" charset="0"/>
                           <a:cs typeface="Raleway" charset="0"/>
                         </a:rPr>
                         <a:t>18</a:t>
                       </a:r>
-                      <a:endParaRPr lang="en-US" sz="3200" dirty="0">
+                      <a:endParaRPr lang="en-US" sz="2800" dirty="0">
                         <a:latin typeface="Raleway" charset="0"/>
                         <a:ea typeface="Raleway" charset="0"/>
                         <a:cs typeface="Raleway" charset="0"/>
@@ -6119,7 +6088,7 @@
                   </a:tcPr>
                 </a:tc>
               </a:tr>
-              <a:tr h="370840">
+              <a:tr h="517752">
                 <a:tc>
                   <a:txBody>
                     <a:bodyPr/>
@@ -6127,14 +6096,14 @@
                     <a:p>
                       <a:pPr algn="r"/>
                       <a:r>
-                        <a:rPr lang="en-US" sz="3200" dirty="0" smtClean="0">
+                        <a:rPr lang="en-US" sz="2800" dirty="0" smtClean="0">
                           <a:latin typeface="Raleway" charset="0"/>
                           <a:ea typeface="Raleway" charset="0"/>
                           <a:cs typeface="Raleway" charset="0"/>
                         </a:rPr>
                         <a:t>Bottom Not Used</a:t>
                       </a:r>
-                      <a:endParaRPr lang="en-US" sz="3200" dirty="0">
+                      <a:endParaRPr lang="en-US" sz="2800" dirty="0">
                         <a:latin typeface="Raleway" charset="0"/>
                         <a:ea typeface="Raleway" charset="0"/>
                         <a:cs typeface="Raleway" charset="0"/>
@@ -6181,14 +6150,14 @@
                     <a:p>
                       <a:pPr algn="ctr"/>
                       <a:r>
-                        <a:rPr lang="en-US" sz="3200" dirty="0" smtClean="0">
+                        <a:rPr lang="en-US" sz="2800" dirty="0" smtClean="0">
                           <a:latin typeface="Raleway" charset="0"/>
                           <a:ea typeface="Raleway" charset="0"/>
                           <a:cs typeface="Raleway" charset="0"/>
                         </a:rPr>
                         <a:t>11</a:t>
                       </a:r>
-                      <a:endParaRPr lang="en-US" sz="3200" dirty="0">
+                      <a:endParaRPr lang="en-US" sz="2800" dirty="0">
                         <a:latin typeface="Raleway" charset="0"/>
                         <a:ea typeface="Raleway" charset="0"/>
                         <a:cs typeface="Raleway" charset="0"/>
@@ -6247,7 +6216,7 @@
                     <a:p>
                       <a:pPr algn="ctr"/>
                       <a:r>
-                        <a:rPr lang="en-US" sz="3200" dirty="0" smtClean="0">
+                        <a:rPr lang="en-US" sz="2800" dirty="0" smtClean="0">
                           <a:latin typeface="Raleway" charset="0"/>
                           <a:ea typeface="Raleway" charset="0"/>
                           <a:cs typeface="Raleway" charset="0"/>
@@ -6302,14 +6271,14 @@
                   </a:tcPr>
                 </a:tc>
               </a:tr>
-              <a:tr h="370840">
+              <a:tr h="196790">
                 <a:tc>
                   <a:txBody>
                     <a:bodyPr/>
                     <a:lstStyle/>
                     <a:p>
                       <a:pPr algn="r"/>
-                      <a:endParaRPr lang="en-US" sz="3200" dirty="0">
+                      <a:endParaRPr lang="en-US" sz="2800" dirty="0">
                         <a:latin typeface="Raleway" charset="0"/>
                         <a:ea typeface="Raleway" charset="0"/>
                         <a:cs typeface="Raleway" charset="0"/>
@@ -6355,7 +6324,7 @@
                     <a:lstStyle/>
                     <a:p>
                       <a:pPr algn="ctr"/>
-                      <a:endParaRPr lang="en-US" sz="3200" dirty="0">
+                      <a:endParaRPr lang="en-US" sz="2800" dirty="0">
                         <a:latin typeface="Raleway" charset="0"/>
                         <a:ea typeface="Raleway" charset="0"/>
                         <a:cs typeface="Raleway" charset="0"/>
@@ -6413,7 +6382,7 @@
                     <a:lstStyle/>
                     <a:p>
                       <a:pPr algn="ctr"/>
-                      <a:endParaRPr lang="en-US" sz="3200" dirty="0" smtClean="0">
+                      <a:endParaRPr lang="en-US" sz="2800" dirty="0" smtClean="0">
                         <a:latin typeface="Raleway" charset="0"/>
                         <a:ea typeface="Raleway" charset="0"/>
                         <a:cs typeface="Raleway" charset="0"/>
@@ -6466,7 +6435,7 @@
                   </a:tcPr>
                 </a:tc>
               </a:tr>
-              <a:tr h="370840">
+              <a:tr h="639576">
                 <a:tc>
                   <a:txBody>
                     <a:bodyPr/>
@@ -6474,14 +6443,14 @@
                     <a:p>
                       <a:pPr algn="ctr"/>
                       <a:r>
-                        <a:rPr lang="en-US" sz="4000" b="1" dirty="0" smtClean="0">
+                        <a:rPr lang="en-US" sz="3600" b="1" dirty="0" smtClean="0">
                           <a:latin typeface="Raleway" charset="0"/>
                           <a:ea typeface="Raleway" charset="0"/>
                           <a:cs typeface="Raleway" charset="0"/>
                         </a:rPr>
                         <a:t>Bottom</a:t>
                       </a:r>
-                      <a:endParaRPr lang="en-US" sz="4000" b="1" dirty="0">
+                      <a:endParaRPr lang="en-US" sz="3600" b="1" dirty="0">
                         <a:latin typeface="Raleway" charset="0"/>
                         <a:ea typeface="Raleway" charset="0"/>
                         <a:cs typeface="Raleway" charset="0"/>
@@ -6528,14 +6497,14 @@
                     <a:p>
                       <a:pPr algn="ctr"/>
                       <a:r>
-                        <a:rPr lang="en-US" sz="3200" dirty="0" smtClean="0">
+                        <a:rPr lang="en-US" sz="2800" dirty="0" smtClean="0">
                           <a:latin typeface="Raleway" charset="0"/>
                           <a:ea typeface="Raleway" charset="0"/>
                           <a:cs typeface="Raleway" charset="0"/>
                         </a:rPr>
                         <a:t>Top Used</a:t>
                       </a:r>
-                      <a:endParaRPr lang="en-US" sz="3200" dirty="0">
+                      <a:endParaRPr lang="en-US" sz="2800" dirty="0">
                         <a:latin typeface="Raleway" charset="0"/>
                         <a:ea typeface="Raleway" charset="0"/>
                         <a:cs typeface="Raleway" charset="0"/>
@@ -6596,14 +6565,14 @@
                     <a:p>
                       <a:pPr algn="ctr"/>
                       <a:r>
-                        <a:rPr lang="en-US" sz="3200" dirty="0" smtClean="0">
+                        <a:rPr lang="en-US" sz="2800" dirty="0" smtClean="0">
                           <a:latin typeface="Raleway" charset="0"/>
                           <a:ea typeface="Raleway" charset="0"/>
                           <a:cs typeface="Raleway" charset="0"/>
                         </a:rPr>
                         <a:t>Top Not Used</a:t>
                       </a:r>
-                      <a:endParaRPr lang="en-US" sz="3200" dirty="0">
+                      <a:endParaRPr lang="en-US" sz="2800" dirty="0">
                         <a:latin typeface="Raleway" charset="0"/>
                         <a:ea typeface="Raleway" charset="0"/>
                         <a:cs typeface="Raleway" charset="0"/>
@@ -6658,7 +6627,7 @@
                   </a:tcPr>
                 </a:tc>
               </a:tr>
-              <a:tr h="370840">
+              <a:tr h="517752">
                 <a:tc>
                   <a:txBody>
                     <a:bodyPr/>
@@ -6666,14 +6635,14 @@
                     <a:p>
                       <a:pPr algn="r"/>
                       <a:r>
-                        <a:rPr lang="en-US" sz="3200" dirty="0" smtClean="0">
+                        <a:rPr lang="en-US" sz="2800" dirty="0" smtClean="0">
                           <a:latin typeface="Raleway" charset="0"/>
                           <a:ea typeface="Raleway" charset="0"/>
                           <a:cs typeface="Raleway" charset="0"/>
                         </a:rPr>
                         <a:t>Bottom Used</a:t>
                       </a:r>
-                      <a:endParaRPr lang="en-US" sz="3200" dirty="0">
+                      <a:endParaRPr lang="en-US" sz="2800" dirty="0">
                         <a:latin typeface="Raleway" charset="0"/>
                         <a:ea typeface="Raleway" charset="0"/>
                         <a:cs typeface="Raleway" charset="0"/>
@@ -6720,14 +6689,14 @@
                     <a:p>
                       <a:pPr algn="ctr"/>
                       <a:r>
-                        <a:rPr lang="en-US" sz="3200" b="1" dirty="0" smtClean="0">
+                        <a:rPr lang="en-US" sz="2800" b="1" dirty="0" smtClean="0">
                           <a:latin typeface="Raleway" charset="0"/>
                           <a:ea typeface="Raleway" charset="0"/>
                           <a:cs typeface="Raleway" charset="0"/>
                         </a:rPr>
                         <a:t>16</a:t>
                       </a:r>
-                      <a:endParaRPr lang="en-US" sz="3200" b="1" dirty="0">
+                      <a:endParaRPr lang="en-US" sz="2800" b="1" dirty="0">
                         <a:latin typeface="Raleway" charset="0"/>
                         <a:ea typeface="Raleway" charset="0"/>
                         <a:cs typeface="Raleway" charset="0"/>
@@ -6788,14 +6757,14 @@
                     <a:p>
                       <a:pPr algn="ctr"/>
                       <a:r>
-                        <a:rPr lang="en-US" sz="3200" dirty="0" smtClean="0">
+                        <a:rPr lang="en-US" sz="2800" dirty="0" smtClean="0">
                           <a:latin typeface="Raleway" charset="0"/>
                           <a:ea typeface="Raleway" charset="0"/>
                           <a:cs typeface="Raleway" charset="0"/>
                         </a:rPr>
                         <a:t>8</a:t>
                       </a:r>
-                      <a:endParaRPr lang="en-US" sz="3200" dirty="0">
+                      <a:endParaRPr lang="en-US" sz="2800" dirty="0">
                         <a:latin typeface="Raleway" charset="0"/>
                         <a:ea typeface="Raleway" charset="0"/>
                         <a:cs typeface="Raleway" charset="0"/>
@@ -6850,7 +6819,7 @@
                   </a:tcPr>
                 </a:tc>
               </a:tr>
-              <a:tr h="370840">
+              <a:tr h="517752">
                 <a:tc>
                   <a:txBody>
                     <a:bodyPr/>
@@ -6858,14 +6827,14 @@
                     <a:p>
                       <a:pPr algn="r"/>
                       <a:r>
-                        <a:rPr lang="en-US" sz="3200" dirty="0" smtClean="0">
+                        <a:rPr lang="en-US" sz="2800" dirty="0" smtClean="0">
                           <a:latin typeface="Raleway" charset="0"/>
                           <a:ea typeface="Raleway" charset="0"/>
                           <a:cs typeface="Raleway" charset="0"/>
                         </a:rPr>
                         <a:t>Bottom Not Used</a:t>
                       </a:r>
-                      <a:endParaRPr lang="en-US" sz="3200" dirty="0">
+                      <a:endParaRPr lang="en-US" sz="2800" dirty="0">
                         <a:latin typeface="Raleway" charset="0"/>
                         <a:ea typeface="Raleway" charset="0"/>
                         <a:cs typeface="Raleway" charset="0"/>
@@ -6912,14 +6881,14 @@
                     <a:p>
                       <a:pPr algn="ctr"/>
                       <a:r>
-                        <a:rPr lang="en-US" sz="3200" dirty="0" smtClean="0">
+                        <a:rPr lang="en-US" sz="2800" dirty="0" smtClean="0">
                           <a:latin typeface="Raleway" charset="0"/>
                           <a:ea typeface="Raleway" charset="0"/>
                           <a:cs typeface="Raleway" charset="0"/>
                         </a:rPr>
                         <a:t>31</a:t>
                       </a:r>
-                      <a:endParaRPr lang="en-US" sz="3200" dirty="0">
+                      <a:endParaRPr lang="en-US" sz="2800" dirty="0">
                         <a:latin typeface="Raleway" charset="0"/>
                         <a:ea typeface="Raleway" charset="0"/>
                         <a:cs typeface="Raleway" charset="0"/>
@@ -6978,14 +6947,14 @@
                     <a:p>
                       <a:pPr algn="ctr"/>
                       <a:r>
-                        <a:rPr lang="en-US" sz="3200" dirty="0" smtClean="0">
+                        <a:rPr lang="en-US" sz="2800" dirty="0" smtClean="0">
                           <a:latin typeface="Raleway" charset="0"/>
                           <a:ea typeface="Raleway" charset="0"/>
                           <a:cs typeface="Raleway" charset="0"/>
                         </a:rPr>
                         <a:t>6</a:t>
                       </a:r>
-                      <a:endParaRPr lang="en-US" sz="3200" dirty="0">
+                      <a:endParaRPr lang="en-US" sz="2800" dirty="0">
                         <a:latin typeface="Raleway" charset="0"/>
                         <a:ea typeface="Raleway" charset="0"/>
                         <a:cs typeface="Raleway" charset="0"/>
@@ -7042,39 +7011,248 @@
           </a:graphicData>
         </a:graphic>
       </p:graphicFrame>
+      <p:sp>
+        <p:nvSpPr>
+          <p:cNvPr id="65" name="Rectangle 64"/>
+          <p:cNvSpPr/>
+          <p:nvPr/>
+        </p:nvSpPr>
+        <p:spPr>
+          <a:xfrm>
+            <a:off x="28332929" y="16322133"/>
+            <a:ext cx="16472670" cy="10875405"/>
+          </a:xfrm>
+          <a:prstGeom prst="rect">
+            <a:avLst/>
+          </a:prstGeom>
+          <a:noFill/>
+          <a:ln>
+            <a:solidFill>
+              <a:schemeClr val="tx2"/>
+            </a:solidFill>
+          </a:ln>
+        </p:spPr>
+        <p:style>
+          <a:lnRef idx="2">
+            <a:schemeClr val="accent1">
+              <a:shade val="50000"/>
+            </a:schemeClr>
+          </a:lnRef>
+          <a:fillRef idx="1">
+            <a:schemeClr val="accent1"/>
+          </a:fillRef>
+          <a:effectRef idx="0">
+            <a:schemeClr val="accent1"/>
+          </a:effectRef>
+          <a:fontRef idx="minor">
+            <a:schemeClr val="lt1"/>
+          </a:fontRef>
+        </p:style>
+        <p:txBody>
+          <a:bodyPr lIns="91440" tIns="0" rIns="91440" rtlCol="0" anchor="t"/>
+          <a:lstStyle/>
+          <a:p>
+            <a:pPr>
+              <a:spcBef>
+                <a:spcPts val="600"/>
+              </a:spcBef>
+              <a:spcAft>
+                <a:spcPts val="600"/>
+              </a:spcAft>
+            </a:pPr>
+            <a:r>
+              <a:rPr lang="en-US" sz="4400" b="1" dirty="0" smtClean="0">
+                <a:solidFill>
+                  <a:schemeClr val="accent6"/>
+                </a:solidFill>
+                <a:latin typeface="Raleway SemiBold" charset="0"/>
+                <a:ea typeface="Raleway SemiBold" charset="0"/>
+                <a:cs typeface="Raleway SemiBold" charset="0"/>
+              </a:rPr>
+              <a:t>Modeling Results</a:t>
+            </a:r>
+          </a:p>
+          <a:p>
+            <a:pPr>
+              <a:spcBef>
+                <a:spcPts val="600"/>
+              </a:spcBef>
+              <a:spcAft>
+                <a:spcPts val="600"/>
+              </a:spcAft>
+            </a:pPr>
+            <a:r>
+              <a:rPr lang="en-US" sz="3600" dirty="0" smtClean="0">
+                <a:solidFill>
+                  <a:schemeClr val="accent6"/>
+                </a:solidFill>
+                <a:latin typeface="Raleway" charset="0"/>
+                <a:ea typeface="Raleway" charset="0"/>
+                <a:cs typeface="Raleway" charset="0"/>
+              </a:rPr>
+              <a:t>Fitted </a:t>
+            </a:r>
+            <a:r>
+              <a:rPr lang="en-US" sz="3600" b="1" dirty="0" smtClean="0">
+                <a:solidFill>
+                  <a:schemeClr val="accent6"/>
+                </a:solidFill>
+                <a:latin typeface="Raleway" charset="0"/>
+                <a:ea typeface="Raleway" charset="0"/>
+                <a:cs typeface="Raleway" charset="0"/>
+              </a:rPr>
+              <a:t>PACKER</a:t>
+            </a:r>
+            <a:r>
+              <a:rPr lang="en-US" sz="3600" dirty="0" smtClean="0">
+                <a:solidFill>
+                  <a:schemeClr val="accent6"/>
+                </a:solidFill>
+                <a:latin typeface="Raleway" charset="0"/>
+                <a:ea typeface="Raleway" charset="0"/>
+                <a:cs typeface="Raleway" charset="0"/>
+              </a:rPr>
+              <a:t>, </a:t>
+            </a:r>
+            <a:r>
+              <a:rPr lang="en-US" sz="3600" b="1" dirty="0" smtClean="0">
+                <a:solidFill>
+                  <a:schemeClr val="accent6"/>
+                </a:solidFill>
+                <a:latin typeface="Raleway" charset="0"/>
+                <a:ea typeface="Raleway" charset="0"/>
+                <a:cs typeface="Raleway" charset="0"/>
+              </a:rPr>
+              <a:t>Copy and Tweak</a:t>
+            </a:r>
+            <a:r>
+              <a:rPr lang="en-US" sz="3600" dirty="0" smtClean="0">
+                <a:solidFill>
+                  <a:schemeClr val="accent6"/>
+                </a:solidFill>
+                <a:latin typeface="Raleway" charset="0"/>
+                <a:ea typeface="Raleway" charset="0"/>
+                <a:cs typeface="Raleway" charset="0"/>
+              </a:rPr>
+              <a:t>, and </a:t>
+            </a:r>
+            <a:r>
+              <a:rPr lang="en-US" sz="3600" b="1" dirty="0" smtClean="0">
+                <a:solidFill>
+                  <a:schemeClr val="accent6"/>
+                </a:solidFill>
+                <a:latin typeface="Raleway" charset="0"/>
+                <a:ea typeface="Raleway" charset="0"/>
+                <a:cs typeface="Raleway" charset="0"/>
+              </a:rPr>
+              <a:t>Hierarchical Bayesian</a:t>
+            </a:r>
+            <a:r>
+              <a:rPr lang="en-US" sz="3600" dirty="0" smtClean="0">
+                <a:solidFill>
+                  <a:schemeClr val="accent6"/>
+                </a:solidFill>
+                <a:latin typeface="Raleway" charset="0"/>
+                <a:ea typeface="Raleway" charset="0"/>
+                <a:cs typeface="Raleway" charset="0"/>
+              </a:rPr>
+              <a:t> models, maximizing log-likelihood to every response in our dataset. </a:t>
+            </a:r>
+            <a:r>
+              <a:rPr lang="en-US" sz="3600" dirty="0" smtClean="0">
+                <a:solidFill>
+                  <a:schemeClr val="accent6"/>
+                </a:solidFill>
+                <a:latin typeface="Raleway" charset="0"/>
+                <a:ea typeface="Raleway" charset="0"/>
+                <a:cs typeface="Raleway" charset="0"/>
+              </a:rPr>
+              <a:t>PACKER produced an ~11% improvement in log-likelihood.</a:t>
+            </a:r>
+          </a:p>
+          <a:p>
+            <a:pPr>
+              <a:spcBef>
+                <a:spcPts val="1800"/>
+              </a:spcBef>
+              <a:spcAft>
+                <a:spcPts val="600"/>
+              </a:spcAft>
+            </a:pPr>
+            <a:r>
+              <a:rPr lang="en-US" sz="4000" b="1" dirty="0" smtClean="0">
+                <a:solidFill>
+                  <a:schemeClr val="accent6"/>
+                </a:solidFill>
+                <a:latin typeface="Raleway SemiBold" charset="0"/>
+                <a:ea typeface="Raleway SemiBold" charset="0"/>
+                <a:cs typeface="Raleway SemiBold" charset="0"/>
+              </a:rPr>
+              <a:t>Category Structure vs. Category Location</a:t>
+            </a:r>
+          </a:p>
+          <a:p>
+            <a:pPr>
+              <a:spcBef>
+                <a:spcPts val="600"/>
+              </a:spcBef>
+              <a:spcAft>
+                <a:spcPts val="600"/>
+              </a:spcAft>
+            </a:pPr>
+            <a:r>
+              <a:rPr lang="en-US" sz="3600" dirty="0" smtClean="0">
+                <a:solidFill>
+                  <a:schemeClr val="accent6"/>
+                </a:solidFill>
+                <a:latin typeface="Raleway" charset="0"/>
+                <a:ea typeface="Raleway" charset="0"/>
+                <a:cs typeface="Raleway" charset="0"/>
+              </a:rPr>
+              <a:t>Computed, for each stimulus, the difference between the X- and Y-axis  ranges of each category it was generated in. Categories oriented to increase dissimilarity to the Alpha categories.</a:t>
+            </a:r>
+            <a:endParaRPr lang="en-US" sz="4000" dirty="0">
+              <a:solidFill>
+                <a:schemeClr val="accent6"/>
+              </a:solidFill>
+              <a:latin typeface="Raleway" charset="0"/>
+              <a:ea typeface="Raleway" charset="0"/>
+              <a:cs typeface="Raleway" charset="0"/>
+            </a:endParaRPr>
+          </a:p>
+        </p:txBody>
+      </p:sp>
       <p:grpSp>
         <p:nvGrpSpPr>
-          <p:cNvPr id="64" name="Group 63"/>
+          <p:cNvPr id="66" name="Group 65"/>
           <p:cNvGrpSpPr/>
           <p:nvPr/>
         </p:nvGrpSpPr>
         <p:grpSpPr>
           <a:xfrm>
-            <a:off x="13336954" y="5078153"/>
-            <a:ext cx="14641454" cy="10959106"/>
-            <a:chOff x="30164145" y="5086290"/>
-            <a:chExt cx="14641454" cy="10959106"/>
+            <a:off x="13464063" y="11266168"/>
+            <a:ext cx="14517284" cy="4618691"/>
+            <a:chOff x="30345792" y="6264863"/>
+            <a:chExt cx="14517284" cy="4618691"/>
           </a:xfrm>
         </p:grpSpPr>
         <p:sp>
           <p:nvSpPr>
-            <p:cNvPr id="65" name="Rectangle 64"/>
+            <p:cNvPr id="89" name="Rectangle 88"/>
             <p:cNvSpPr/>
             <p:nvPr/>
           </p:nvSpPr>
           <p:spPr>
             <a:xfrm>
-              <a:off x="30164145" y="5086290"/>
-              <a:ext cx="14641454" cy="10825408"/>
+              <a:off x="30345792" y="7018619"/>
+              <a:ext cx="7849572" cy="3864935"/>
             </a:xfrm>
             <a:prstGeom prst="rect">
               <a:avLst/>
             </a:prstGeom>
             <a:noFill/>
             <a:ln>
-              <a:solidFill>
-                <a:schemeClr val="tx2"/>
-              </a:solidFill>
+              <a:noFill/>
             </a:ln>
           </p:spPr>
           <p:style>
@@ -7094,94 +7272,8 @@
             </a:fontRef>
           </p:style>
           <p:txBody>
-            <a:bodyPr lIns="91440" tIns="0" rIns="91440" rtlCol="0" anchor="t"/>
+            <a:bodyPr lIns="91440" tIns="0" rIns="91440" rtlCol="0" anchor="ctr"/>
             <a:lstStyle/>
-            <a:p>
-              <a:pPr>
-                <a:spcBef>
-                  <a:spcPts val="600"/>
-                </a:spcBef>
-                <a:spcAft>
-                  <a:spcPts val="600"/>
-                </a:spcAft>
-              </a:pPr>
-              <a:r>
-                <a:rPr lang="en-US" sz="4400" b="1" dirty="0" smtClean="0">
-                  <a:solidFill>
-                    <a:schemeClr val="accent6"/>
-                  </a:solidFill>
-                  <a:latin typeface="Raleway SemiBold" charset="0"/>
-                  <a:ea typeface="Raleway SemiBold" charset="0"/>
-                  <a:cs typeface="Raleway SemiBold" charset="0"/>
-                </a:rPr>
-                <a:t>Behavioral Experiment</a:t>
-              </a:r>
-            </a:p>
-            <a:p>
-              <a:pPr>
-                <a:spcBef>
-                  <a:spcPts val="600"/>
-                </a:spcBef>
-                <a:spcAft>
-                  <a:spcPts val="600"/>
-                </a:spcAft>
-              </a:pPr>
-              <a:r>
-                <a:rPr lang="en-US" sz="3600" b="1" dirty="0" smtClean="0">
-                  <a:solidFill>
-                    <a:schemeClr val="accent6"/>
-                  </a:solidFill>
-                  <a:latin typeface="Raleway" charset="0"/>
-                  <a:ea typeface="Raleway" charset="0"/>
-                  <a:cs typeface="Raleway" charset="0"/>
-                </a:rPr>
-                <a:t>Questions: </a:t>
-              </a:r>
-              <a:r>
-                <a:rPr lang="en-US" sz="3600" dirty="0">
-                  <a:solidFill>
-                    <a:schemeClr val="accent6"/>
-                  </a:solidFill>
-                  <a:latin typeface="Raleway" charset="0"/>
-                  <a:ea typeface="Raleway" charset="0"/>
-                  <a:cs typeface="Raleway" charset="0"/>
-                </a:rPr>
-                <a:t>D</a:t>
-              </a:r>
-              <a:r>
-                <a:rPr lang="en-US" sz="3600" dirty="0" smtClean="0">
-                  <a:solidFill>
-                    <a:schemeClr val="accent6"/>
-                  </a:solidFill>
-                  <a:latin typeface="Raleway" charset="0"/>
-                  <a:ea typeface="Raleway" charset="0"/>
-                  <a:cs typeface="Raleway" charset="0"/>
-                </a:rPr>
-                <a:t>o </a:t>
-              </a:r>
-              <a:r>
-                <a:rPr lang="en-US" sz="3600" dirty="0">
-                  <a:solidFill>
-                    <a:schemeClr val="accent6"/>
-                  </a:solidFill>
-                  <a:latin typeface="Raleway" charset="0"/>
-                  <a:ea typeface="Raleway" charset="0"/>
-                  <a:cs typeface="Raleway" charset="0"/>
-                </a:rPr>
-                <a:t>generated categories contrast with previously learned categories</a:t>
-              </a:r>
-              <a:r>
-                <a:rPr lang="en-US" sz="3600" dirty="0" smtClean="0">
-                  <a:solidFill>
-                    <a:schemeClr val="accent6"/>
-                  </a:solidFill>
-                  <a:latin typeface="Raleway" charset="0"/>
-                  <a:ea typeface="Raleway" charset="0"/>
-                  <a:cs typeface="Raleway" charset="0"/>
-                </a:rPr>
-                <a:t>? Is distributional emulation the only factor?</a:t>
-              </a:r>
-            </a:p>
             <a:p>
               <a:pPr>
                 <a:spcBef>
@@ -7200,16 +7292,30 @@
                   <a:ea typeface="Raleway" charset="0"/>
                   <a:cs typeface="Raleway" charset="0"/>
                 </a:rPr>
-                <a:t>Participants (N=122) learned about an experimenter-defined category (‘Alpha’) composed of squares varying in size and color. </a:t>
+                <a:t>Two conditions (Between-</a:t>
               </a:r>
-              <a:endParaRPr lang="en-US" sz="3600" dirty="0">
-                <a:solidFill>
-                  <a:schemeClr val="accent6"/>
-                </a:solidFill>
-                <a:latin typeface="Raleway" charset="0"/>
-                <a:ea typeface="Raleway" charset="0"/>
-                <a:cs typeface="Raleway" charset="0"/>
-              </a:endParaRPr>
+              <a:r>
+                <a:rPr lang="en-US" sz="3600" dirty="0" err="1" smtClean="0">
+                  <a:solidFill>
+                    <a:schemeClr val="accent6"/>
+                  </a:solidFill>
+                  <a:latin typeface="Raleway" charset="0"/>
+                  <a:ea typeface="Raleway" charset="0"/>
+                  <a:cs typeface="Raleway" charset="0"/>
+                </a:rPr>
+                <a:t>Ss</a:t>
+              </a:r>
+              <a:r>
+                <a:rPr lang="en-US" sz="3600" dirty="0" smtClean="0">
+                  <a:solidFill>
+                    <a:schemeClr val="accent6"/>
+                  </a:solidFill>
+                  <a:latin typeface="Raleway" charset="0"/>
+                  <a:ea typeface="Raleway" charset="0"/>
+                  <a:cs typeface="Raleway" charset="0"/>
+                </a:rPr>
+                <a:t>) differed only in category location. </a:t>
+              </a:r>
             </a:p>
             <a:p>
               <a:pPr>
@@ -7220,402 +7326,122 @@
                   <a:spcPts val="600"/>
                 </a:spcAft>
               </a:pPr>
-              <a:endParaRPr lang="en-US" sz="3600" dirty="0" smtClean="0">
-                <a:solidFill>
-                  <a:schemeClr val="accent6"/>
-                </a:solidFill>
-                <a:latin typeface="Raleway" charset="0"/>
-                <a:ea typeface="Raleway" charset="0"/>
-                <a:cs typeface="Raleway" charset="0"/>
-              </a:endParaRPr>
-            </a:p>
-            <a:p>
-              <a:pPr>
-                <a:spcBef>
-                  <a:spcPts val="600"/>
-                </a:spcBef>
-                <a:spcAft>
-                  <a:spcPts val="600"/>
-                </a:spcAft>
-              </a:pPr>
-              <a:endParaRPr lang="en-US" sz="3600" dirty="0">
-                <a:solidFill>
-                  <a:schemeClr val="accent6"/>
-                </a:solidFill>
-                <a:latin typeface="Raleway" charset="0"/>
-                <a:ea typeface="Raleway" charset="0"/>
-                <a:cs typeface="Raleway" charset="0"/>
-              </a:endParaRPr>
-            </a:p>
-            <a:p>
-              <a:pPr>
-                <a:spcBef>
-                  <a:spcPts val="600"/>
-                </a:spcBef>
-                <a:spcAft>
-                  <a:spcPts val="600"/>
-                </a:spcAft>
-              </a:pPr>
-              <a:endParaRPr lang="en-US" sz="3600" dirty="0" smtClean="0">
-                <a:solidFill>
-                  <a:schemeClr val="accent6"/>
-                </a:solidFill>
-                <a:latin typeface="Raleway" charset="0"/>
-                <a:ea typeface="Raleway" charset="0"/>
-                <a:cs typeface="Raleway" charset="0"/>
-              </a:endParaRPr>
-            </a:p>
-            <a:p>
-              <a:pPr>
-                <a:spcBef>
-                  <a:spcPts val="600"/>
-                </a:spcBef>
-                <a:spcAft>
-                  <a:spcPts val="600"/>
-                </a:spcAft>
-              </a:pPr>
-              <a:endParaRPr lang="en-US" sz="3600" dirty="0">
-                <a:solidFill>
-                  <a:schemeClr val="accent6"/>
-                </a:solidFill>
-                <a:latin typeface="Raleway" charset="0"/>
-                <a:ea typeface="Raleway" charset="0"/>
-                <a:cs typeface="Raleway" charset="0"/>
-              </a:endParaRPr>
-            </a:p>
-            <a:p>
-              <a:pPr>
-                <a:spcBef>
-                  <a:spcPts val="600"/>
-                </a:spcBef>
-                <a:spcAft>
-                  <a:spcPts val="600"/>
-                </a:spcAft>
-              </a:pPr>
-              <a:endParaRPr lang="en-US" sz="4400" b="1" dirty="0">
-                <a:solidFill>
-                  <a:schemeClr val="accent6"/>
-                </a:solidFill>
-                <a:latin typeface="Raleway SemiBold" charset="0"/>
-                <a:ea typeface="Raleway SemiBold" charset="0"/>
-                <a:cs typeface="Raleway SemiBold" charset="0"/>
-              </a:endParaRPr>
+              <a:r>
+                <a:rPr lang="en-US" sz="3600" i="1" dirty="0" smtClean="0">
+                  <a:solidFill>
+                    <a:schemeClr val="accent6"/>
+                  </a:solidFill>
+                  <a:latin typeface="Raleway" charset="0"/>
+                  <a:ea typeface="Raleway" charset="0"/>
+                  <a:cs typeface="Raleway" charset="0"/>
+                </a:rPr>
+                <a:t>Condition differences cannot be explained by distributional copying.</a:t>
+              </a:r>
             </a:p>
           </p:txBody>
         </p:sp>
+        <p:pic>
+          <p:nvPicPr>
+            <p:cNvPr id="90" name="Picture 89"/>
+            <p:cNvPicPr>
+              <a:picLocks noChangeAspect="1"/>
+            </p:cNvPicPr>
+            <p:nvPr/>
+          </p:nvPicPr>
+          <p:blipFill>
+            <a:blip r:embed="rId7">
+              <a:extLst>
+                <a:ext uri="{28A0092B-C50C-407E-A947-70E740481C1C}">
+                  <a14:useLocalDpi xmlns:a14="http://schemas.microsoft.com/office/drawing/2010/main" val="0"/>
+                </a:ext>
+              </a:extLst>
+            </a:blip>
+            <a:stretch>
+              <a:fillRect/>
+            </a:stretch>
+          </p:blipFill>
+          <p:spPr>
+            <a:xfrm>
+              <a:off x="37548217" y="6264863"/>
+              <a:ext cx="7314859" cy="4139140"/>
+            </a:xfrm>
+            <a:prstGeom prst="rect">
+              <a:avLst/>
+            </a:prstGeom>
+          </p:spPr>
+        </p:pic>
+      </p:grpSp>
+      <p:grpSp>
+        <p:nvGrpSpPr>
+          <p:cNvPr id="7" name="Group 6"/>
+          <p:cNvGrpSpPr/>
+          <p:nvPr/>
+        </p:nvGrpSpPr>
+        <p:grpSpPr>
+          <a:xfrm>
+            <a:off x="13550774" y="8419019"/>
+            <a:ext cx="14266238" cy="4119397"/>
+            <a:chOff x="13550774" y="8419019"/>
+            <a:chExt cx="14266238" cy="4119397"/>
+          </a:xfrm>
+        </p:grpSpPr>
         <p:grpSp>
           <p:nvGrpSpPr>
-            <p:cNvPr id="66" name="Group 65"/>
+            <p:cNvPr id="68" name="Group 67"/>
             <p:cNvGrpSpPr/>
             <p:nvPr/>
           </p:nvGrpSpPr>
           <p:grpSpPr>
             <a:xfrm>
-              <a:off x="30291254" y="12180461"/>
-              <a:ext cx="14387236" cy="3864935"/>
-              <a:chOff x="30345792" y="7018619"/>
-              <a:chExt cx="14387236" cy="3864935"/>
-            </a:xfrm>
-          </p:grpSpPr>
-          <p:sp>
-            <p:nvSpPr>
-              <p:cNvPr id="89" name="Rectangle 88"/>
-              <p:cNvSpPr/>
-              <p:nvPr/>
-            </p:nvSpPr>
-            <p:spPr>
-              <a:xfrm>
-                <a:off x="30345792" y="7018619"/>
-                <a:ext cx="7447887" cy="3864935"/>
-              </a:xfrm>
-              <a:prstGeom prst="rect">
-                <a:avLst/>
-              </a:prstGeom>
-              <a:noFill/>
-              <a:ln>
-                <a:noFill/>
-              </a:ln>
-            </p:spPr>
-            <p:style>
-              <a:lnRef idx="2">
-                <a:schemeClr val="accent1">
-                  <a:shade val="50000"/>
-                </a:schemeClr>
-              </a:lnRef>
-              <a:fillRef idx="1">
-                <a:schemeClr val="accent1"/>
-              </a:fillRef>
-              <a:effectRef idx="0">
-                <a:schemeClr val="accent1"/>
-              </a:effectRef>
-              <a:fontRef idx="minor">
-                <a:schemeClr val="lt1"/>
-              </a:fontRef>
-            </p:style>
-            <p:txBody>
-              <a:bodyPr lIns="91440" tIns="0" rIns="91440" rtlCol="0" anchor="ctr"/>
-              <a:lstStyle/>
-              <a:p>
-                <a:pPr>
-                  <a:spcBef>
-                    <a:spcPts val="600"/>
-                  </a:spcBef>
-                  <a:spcAft>
-                    <a:spcPts val="600"/>
-                  </a:spcAft>
-                </a:pPr>
-                <a:r>
-                  <a:rPr lang="en-US" sz="3600" dirty="0" smtClean="0">
-                    <a:solidFill>
-                      <a:schemeClr val="accent6"/>
-                    </a:solidFill>
-                    <a:latin typeface="Raleway" charset="0"/>
-                    <a:ea typeface="Raleway" charset="0"/>
-                    <a:cs typeface="Raleway" charset="0"/>
-                  </a:rPr>
-                  <a:t>Two conditions (Between-</a:t>
-                </a:r>
-                <a:r>
-                  <a:rPr lang="en-US" sz="3600" dirty="0" err="1" smtClean="0">
-                    <a:solidFill>
-                      <a:schemeClr val="accent6"/>
-                    </a:solidFill>
-                    <a:latin typeface="Raleway" charset="0"/>
-                    <a:ea typeface="Raleway" charset="0"/>
-                    <a:cs typeface="Raleway" charset="0"/>
-                  </a:rPr>
-                  <a:t>Ss</a:t>
-                </a:r>
-                <a:r>
-                  <a:rPr lang="en-US" sz="3600" dirty="0" smtClean="0">
-                    <a:solidFill>
-                      <a:schemeClr val="accent6"/>
-                    </a:solidFill>
-                    <a:latin typeface="Raleway" charset="0"/>
-                    <a:ea typeface="Raleway" charset="0"/>
-                    <a:cs typeface="Raleway" charset="0"/>
-                  </a:rPr>
-                  <a:t>) differed only in category location. </a:t>
-                </a:r>
-              </a:p>
-              <a:p>
-                <a:pPr>
-                  <a:spcBef>
-                    <a:spcPts val="600"/>
-                  </a:spcBef>
-                  <a:spcAft>
-                    <a:spcPts val="600"/>
-                  </a:spcAft>
-                </a:pPr>
-                <a:r>
-                  <a:rPr lang="en-US" sz="3600" i="1" dirty="0" smtClean="0">
-                    <a:solidFill>
-                      <a:schemeClr val="accent6"/>
-                    </a:solidFill>
-                    <a:latin typeface="Raleway" charset="0"/>
-                    <a:ea typeface="Raleway" charset="0"/>
-                    <a:cs typeface="Raleway" charset="0"/>
-                  </a:rPr>
-                  <a:t>Condition differences cannot be explained by distributional copying.</a:t>
-                </a:r>
-              </a:p>
-            </p:txBody>
-          </p:sp>
-          <p:pic>
-            <p:nvPicPr>
-              <p:cNvPr id="90" name="Picture 89"/>
-              <p:cNvPicPr>
-                <a:picLocks noChangeAspect="1"/>
-              </p:cNvPicPr>
-              <p:nvPr/>
-            </p:nvPicPr>
-            <p:blipFill>
-              <a:blip r:embed="rId7">
-                <a:extLst>
-                  <a:ext uri="{28A0092B-C50C-407E-A947-70E740481C1C}">
-                    <a14:useLocalDpi xmlns:a14="http://schemas.microsoft.com/office/drawing/2010/main" val="0"/>
-                  </a:ext>
-                </a:extLst>
-              </a:blip>
-              <a:stretch>
-                <a:fillRect/>
-              </a:stretch>
-            </p:blipFill>
-            <p:spPr>
-              <a:xfrm>
-                <a:off x="37902756" y="7018619"/>
-                <a:ext cx="6830272" cy="3864935"/>
-              </a:xfrm>
-              <a:prstGeom prst="rect">
-                <a:avLst/>
-              </a:prstGeom>
-            </p:spPr>
-          </p:pic>
-        </p:grpSp>
-        <p:grpSp>
-          <p:nvGrpSpPr>
-            <p:cNvPr id="67" name="Group 66"/>
-            <p:cNvGrpSpPr/>
-            <p:nvPr/>
-          </p:nvGrpSpPr>
-          <p:grpSpPr>
-            <a:xfrm>
-              <a:off x="30377965" y="8651416"/>
-              <a:ext cx="14427634" cy="3818937"/>
-              <a:chOff x="30377965" y="8455474"/>
-              <a:chExt cx="14427634" cy="3818937"/>
+              <a:off x="13550774" y="8419019"/>
+              <a:ext cx="4119396" cy="4119397"/>
+              <a:chOff x="428324" y="916426"/>
+              <a:chExt cx="3243413" cy="3243414"/>
             </a:xfrm>
           </p:grpSpPr>
           <p:grpSp>
             <p:nvGrpSpPr>
-              <p:cNvPr id="68" name="Group 67"/>
+              <p:cNvPr id="70" name="Group 69"/>
               <p:cNvGrpSpPr/>
               <p:nvPr/>
             </p:nvGrpSpPr>
             <p:grpSpPr>
               <a:xfrm>
-                <a:off x="30377965" y="8455685"/>
-                <a:ext cx="3818725" cy="3818726"/>
-                <a:chOff x="428324" y="916426"/>
+                <a:off x="428324" y="916426"/>
+                <a:ext cx="3243413" cy="3243414"/>
+                <a:chOff x="428324" y="915670"/>
                 <a:chExt cx="3243413" cy="3243414"/>
               </a:xfrm>
             </p:grpSpPr>
             <p:grpSp>
               <p:nvGrpSpPr>
-                <p:cNvPr id="70" name="Group 69"/>
+                <p:cNvPr id="85" name="Group 84"/>
                 <p:cNvGrpSpPr/>
                 <p:nvPr/>
               </p:nvGrpSpPr>
               <p:grpSpPr>
                 <a:xfrm>
-                  <a:off x="428324" y="916426"/>
+                  <a:off x="428324" y="915670"/>
                   <a:ext cx="3243413" cy="3243414"/>
-                  <a:chOff x="428324" y="915670"/>
-                  <a:chExt cx="3243413" cy="3243414"/>
+                  <a:chOff x="716216" y="1929305"/>
+                  <a:chExt cx="2531322" cy="2531323"/>
                 </a:xfrm>
               </p:grpSpPr>
-              <p:grpSp>
-                <p:nvGrpSpPr>
-                  <p:cNvPr id="85" name="Group 84"/>
-                  <p:cNvGrpSpPr/>
-                  <p:nvPr/>
-                </p:nvGrpSpPr>
-                <p:grpSpPr>
-                  <a:xfrm>
-                    <a:off x="428324" y="915670"/>
-                    <a:ext cx="3243413" cy="3243414"/>
-                    <a:chOff x="716216" y="1929305"/>
-                    <a:chExt cx="2531322" cy="2531323"/>
-                  </a:xfrm>
-                </p:grpSpPr>
-                <p:sp>
-                  <p:nvSpPr>
-                    <p:cNvPr id="87" name="Rectangle 86"/>
-                    <p:cNvSpPr/>
-                    <p:nvPr/>
-                  </p:nvSpPr>
-                  <p:spPr>
-                    <a:xfrm>
-                      <a:off x="716216" y="1929305"/>
-                      <a:ext cx="2531322" cy="2531323"/>
-                    </a:xfrm>
-                    <a:prstGeom prst="rect">
-                      <a:avLst/>
-                    </a:prstGeom>
-                    <a:noFill/>
-                    <a:ln w="25400">
-                      <a:solidFill>
-                        <a:schemeClr val="tx1"/>
-                      </a:solidFill>
-                    </a:ln>
-                    <a:effectLst/>
-                  </p:spPr>
-                  <p:style>
-                    <a:lnRef idx="1">
-                      <a:schemeClr val="accent1"/>
-                    </a:lnRef>
-                    <a:fillRef idx="3">
-                      <a:schemeClr val="accent1"/>
-                    </a:fillRef>
-                    <a:effectRef idx="2">
-                      <a:schemeClr val="accent1"/>
-                    </a:effectRef>
-                    <a:fontRef idx="minor">
-                      <a:schemeClr val="lt1"/>
-                    </a:fontRef>
-                  </p:style>
-                  <p:txBody>
-                    <a:bodyPr rtlCol="0" anchor="ctr"/>
-                    <a:lstStyle/>
-                    <a:p>
-                      <a:pPr algn="ctr"/>
-                      <a:endParaRPr lang="en-US" sz="3600">
-                        <a:latin typeface="Raleway" charset="0"/>
-                        <a:ea typeface="Raleway" charset="0"/>
-                        <a:cs typeface="Raleway" charset="0"/>
-                      </a:endParaRPr>
-                    </a:p>
-                  </p:txBody>
-                </p:sp>
-                <p:sp>
-                  <p:nvSpPr>
-                    <p:cNvPr id="88" name="TextBox 87"/>
-                    <p:cNvSpPr txBox="1"/>
-                    <p:nvPr/>
-                  </p:nvSpPr>
-                  <p:spPr>
-                    <a:xfrm>
-                      <a:off x="829695" y="3181321"/>
-                      <a:ext cx="2286337" cy="469237"/>
-                    </a:xfrm>
-                    <a:prstGeom prst="rect">
-                      <a:avLst/>
-                    </a:prstGeom>
-                    <a:noFill/>
-                  </p:spPr>
-                  <p:txBody>
-                    <a:bodyPr wrap="square" rtlCol="0">
-                      <a:spAutoFit/>
-                    </a:bodyPr>
-                    <a:lstStyle/>
-                    <a:p>
-                      <a:pPr algn="ctr"/>
-                      <a:r>
-                        <a:rPr lang="en-US" sz="2000" dirty="0" smtClean="0">
-                          <a:latin typeface="Raleway" charset="0"/>
-                          <a:ea typeface="Raleway" charset="0"/>
-                          <a:cs typeface="Raleway" charset="0"/>
-                        </a:rPr>
-                        <a:t>Use the sliders to create a Beta Category example.</a:t>
-                      </a:r>
-                      <a:endParaRPr lang="en-US" sz="2000" dirty="0">
-                        <a:latin typeface="Raleway" charset="0"/>
-                        <a:ea typeface="Raleway" charset="0"/>
-                        <a:cs typeface="Raleway" charset="0"/>
-                      </a:endParaRPr>
-                    </a:p>
-                  </p:txBody>
-                </p:sp>
-              </p:grpSp>
               <p:sp>
                 <p:nvSpPr>
-                  <p:cNvPr id="86" name="Rectangle 85"/>
+                  <p:cNvPr id="87" name="Rectangle 86"/>
                   <p:cNvSpPr/>
                   <p:nvPr/>
                 </p:nvSpPr>
                 <p:spPr>
                   <a:xfrm>
-                    <a:off x="1522425" y="3356378"/>
-                    <a:ext cx="1055210" cy="531228"/>
+                    <a:off x="716216" y="1929305"/>
+                    <a:ext cx="2531322" cy="2531323"/>
                   </a:xfrm>
                   <a:prstGeom prst="rect">
                     <a:avLst/>
                   </a:prstGeom>
-                  <a:solidFill>
-                    <a:schemeClr val="bg1">
-                      <a:lumMod val="75000"/>
-                    </a:schemeClr>
-                  </a:solidFill>
+                  <a:noFill/>
                   <a:ln w="25400">
                     <a:solidFill>
                       <a:schemeClr val="tx1"/>
@@ -7642,21 +7468,46 @@
                   <a:lstStyle/>
                   <a:p>
                     <a:pPr algn="ctr"/>
+                    <a:endParaRPr lang="en-US" sz="3600">
+                      <a:latin typeface="Raleway" charset="0"/>
+                      <a:ea typeface="Raleway" charset="0"/>
+                      <a:cs typeface="Raleway" charset="0"/>
+                    </a:endParaRPr>
+                  </a:p>
+                </p:txBody>
+              </p:sp>
+              <p:sp>
+                <p:nvSpPr>
+                  <p:cNvPr id="88" name="TextBox 87"/>
+                  <p:cNvSpPr txBox="1"/>
+                  <p:nvPr/>
+                </p:nvSpPr>
+                <p:spPr>
+                  <a:xfrm>
+                    <a:off x="829695" y="3181321"/>
+                    <a:ext cx="2286337" cy="469237"/>
+                  </a:xfrm>
+                  <a:prstGeom prst="rect">
+                    <a:avLst/>
+                  </a:prstGeom>
+                  <a:noFill/>
+                </p:spPr>
+                <p:txBody>
+                  <a:bodyPr wrap="square" rtlCol="0">
+                    <a:spAutoFit/>
+                  </a:bodyPr>
+                  <a:lstStyle/>
+                  <a:p>
+                    <a:pPr algn="ctr"/>
                     <a:r>
-                      <a:rPr lang="en-US" sz="2800" dirty="0" smtClean="0">
-                        <a:solidFill>
-                          <a:schemeClr val="tx1"/>
-                        </a:solidFill>
+                      <a:rPr lang="en-US" sz="2000" dirty="0" smtClean="0">
                         <a:latin typeface="Raleway" charset="0"/>
                         <a:ea typeface="Raleway" charset="0"/>
                         <a:cs typeface="Raleway" charset="0"/>
                       </a:rPr>
-                      <a:t>DONE</a:t>
+                      <a:t>Use the sliders to create a Beta Category example.</a:t>
                     </a:r>
-                    <a:endParaRPr lang="en-US" sz="2800" dirty="0">
-                      <a:solidFill>
-                        <a:schemeClr val="tx1"/>
-                      </a:solidFill>
+                    <a:endParaRPr lang="en-US" sz="2000" dirty="0">
                       <a:latin typeface="Raleway" charset="0"/>
                       <a:ea typeface="Raleway" charset="0"/>
                       <a:cs typeface="Raleway" charset="0"/>
@@ -7667,39 +7518,38 @@
             </p:grpSp>
             <p:sp>
               <p:nvSpPr>
-                <p:cNvPr id="71" name="Rectangle 70"/>
+                <p:cNvPr id="86" name="Rectangle 85"/>
                 <p:cNvSpPr/>
                 <p:nvPr/>
               </p:nvSpPr>
               <p:spPr>
                 <a:xfrm>
-                  <a:off x="2570213" y="1318337"/>
-                  <a:ext cx="900112" cy="900112"/>
+                  <a:off x="1522425" y="3356378"/>
+                  <a:ext cx="1055210" cy="531228"/>
                 </a:xfrm>
                 <a:prstGeom prst="rect">
                   <a:avLst/>
                 </a:prstGeom>
                 <a:solidFill>
                   <a:schemeClr val="bg1">
-                    <a:lumMod val="85000"/>
+                    <a:lumMod val="75000"/>
                   </a:schemeClr>
                 </a:solidFill>
-                <a:ln>
+                <a:ln w="25400">
                   <a:solidFill>
                     <a:schemeClr val="tx1"/>
                   </a:solidFill>
                 </a:ln>
+                <a:effectLst/>
               </p:spPr>
               <p:style>
-                <a:lnRef idx="2">
-                  <a:schemeClr val="accent1">
-                    <a:shade val="50000"/>
-                  </a:schemeClr>
+                <a:lnRef idx="1">
+                  <a:schemeClr val="accent1"/>
                 </a:lnRef>
-                <a:fillRef idx="1">
+                <a:fillRef idx="3">
                   <a:schemeClr val="accent1"/>
                 </a:fillRef>
-                <a:effectRef idx="0">
+                <a:effectRef idx="2">
                   <a:schemeClr val="accent1"/>
                 </a:effectRef>
                 <a:fontRef idx="minor">
@@ -7711,7 +7561,21 @@
                 <a:lstStyle/>
                 <a:p>
                   <a:pPr algn="ctr"/>
-                  <a:endParaRPr lang="en-US" sz="2400">
+                  <a:r>
+                    <a:rPr lang="en-US" sz="2800" dirty="0" smtClean="0">
+                      <a:solidFill>
+                        <a:schemeClr val="tx1"/>
+                      </a:solidFill>
+                      <a:latin typeface="Raleway" charset="0"/>
+                      <a:ea typeface="Raleway" charset="0"/>
+                      <a:cs typeface="Raleway" charset="0"/>
+                    </a:rPr>
+                    <a:t>DONE</a:t>
+                  </a:r>
+                  <a:endParaRPr lang="en-US" sz="2800" dirty="0">
+                    <a:solidFill>
+                      <a:schemeClr val="tx1"/>
+                    </a:solidFill>
                     <a:latin typeface="Raleway" charset="0"/>
                     <a:ea typeface="Raleway" charset="0"/>
                     <a:cs typeface="Raleway" charset="0"/>
@@ -7719,425 +7583,30 @@
                 </a:p>
               </p:txBody>
             </p:sp>
-            <p:grpSp>
-              <p:nvGrpSpPr>
-                <p:cNvPr id="72" name="Group 71"/>
-                <p:cNvGrpSpPr/>
-                <p:nvPr/>
-              </p:nvGrpSpPr>
-              <p:grpSpPr>
-                <a:xfrm>
-                  <a:off x="473233" y="1326906"/>
-                  <a:ext cx="2116167" cy="929173"/>
-                  <a:chOff x="4194103" y="5439002"/>
-                  <a:chExt cx="1873128" cy="822458"/>
-                </a:xfrm>
-              </p:grpSpPr>
-              <p:grpSp>
-                <p:nvGrpSpPr>
-                  <p:cNvPr id="73" name="Group 72"/>
-                  <p:cNvGrpSpPr/>
-                  <p:nvPr/>
-                </p:nvGrpSpPr>
-                <p:grpSpPr>
-                  <a:xfrm>
-                    <a:off x="4194103" y="5439002"/>
-                    <a:ext cx="1764518" cy="362487"/>
-                    <a:chOff x="4194103" y="5439002"/>
-                    <a:chExt cx="1764518" cy="362487"/>
-                  </a:xfrm>
-                </p:grpSpPr>
-                <p:grpSp>
-                  <p:nvGrpSpPr>
-                    <p:cNvPr id="80" name="Group 79"/>
-                    <p:cNvGrpSpPr/>
-                    <p:nvPr/>
-                  </p:nvGrpSpPr>
-                  <p:grpSpPr>
-                    <a:xfrm>
-                      <a:off x="4551808" y="5439002"/>
-                      <a:ext cx="991979" cy="123372"/>
-                      <a:chOff x="4551808" y="5439002"/>
-                      <a:chExt cx="991979" cy="123372"/>
-                    </a:xfrm>
-                  </p:grpSpPr>
-                  <p:cxnSp>
-                    <p:nvCxnSpPr>
-                      <p:cNvPr id="83" name="Straight Connector 82"/>
-                      <p:cNvCxnSpPr/>
-                      <p:nvPr/>
-                    </p:nvCxnSpPr>
-                    <p:spPr>
-                      <a:xfrm>
-                        <a:off x="4551808" y="5500688"/>
-                        <a:ext cx="991979" cy="0"/>
-                      </a:xfrm>
-                      <a:prstGeom prst="line">
-                        <a:avLst/>
-                      </a:prstGeom>
-                      <a:ln w="12700">
-                        <a:solidFill>
-                          <a:schemeClr val="tx1"/>
-                        </a:solidFill>
-                        <a:headEnd type="diamond"/>
-                        <a:tailEnd type="diamond"/>
-                      </a:ln>
-                    </p:spPr>
-                    <p:style>
-                      <a:lnRef idx="1">
-                        <a:schemeClr val="accent1"/>
-                      </a:lnRef>
-                      <a:fillRef idx="0">
-                        <a:schemeClr val="accent1"/>
-                      </a:fillRef>
-                      <a:effectRef idx="0">
-                        <a:schemeClr val="accent1"/>
-                      </a:effectRef>
-                      <a:fontRef idx="minor">
-                        <a:schemeClr val="tx1"/>
-                      </a:fontRef>
-                    </p:style>
-                  </p:cxnSp>
-                  <p:sp>
-                    <p:nvSpPr>
-                      <p:cNvPr id="84" name="Oval 83"/>
-                      <p:cNvSpPr/>
-                      <p:nvPr/>
-                    </p:nvSpPr>
-                    <p:spPr>
-                      <a:xfrm>
-                        <a:off x="5268685" y="5439002"/>
-                        <a:ext cx="123372" cy="123372"/>
-                      </a:xfrm>
-                      <a:prstGeom prst="ellipse">
-                        <a:avLst/>
-                      </a:prstGeom>
-                      <a:solidFill>
-                        <a:schemeClr val="tx1"/>
-                      </a:solidFill>
-                      <a:ln>
-                        <a:noFill/>
-                      </a:ln>
-                    </p:spPr>
-                    <p:style>
-                      <a:lnRef idx="2">
-                        <a:schemeClr val="accent1">
-                          <a:shade val="50000"/>
-                        </a:schemeClr>
-                      </a:lnRef>
-                      <a:fillRef idx="1">
-                        <a:schemeClr val="accent1"/>
-                      </a:fillRef>
-                      <a:effectRef idx="0">
-                        <a:schemeClr val="accent1"/>
-                      </a:effectRef>
-                      <a:fontRef idx="minor">
-                        <a:schemeClr val="lt1"/>
-                      </a:fontRef>
-                    </p:style>
-                    <p:txBody>
-                      <a:bodyPr rtlCol="0" anchor="ctr"/>
-                      <a:lstStyle/>
-                      <a:p>
-                        <a:pPr algn="ctr"/>
-                        <a:endParaRPr lang="en-US" sz="3600">
-                          <a:latin typeface="Raleway" charset="0"/>
-                          <a:ea typeface="Raleway" charset="0"/>
-                          <a:cs typeface="Raleway" charset="0"/>
-                        </a:endParaRPr>
-                      </a:p>
-                    </p:txBody>
-                  </p:sp>
-                </p:grpSp>
-                <p:sp>
-                  <p:nvSpPr>
-                    <p:cNvPr id="81" name="TextBox 80"/>
-                    <p:cNvSpPr txBox="1"/>
-                    <p:nvPr/>
-                  </p:nvSpPr>
-                  <p:spPr>
-                    <a:xfrm>
-                      <a:off x="4194103" y="5500687"/>
-                      <a:ext cx="824553" cy="300802"/>
-                    </a:xfrm>
-                    <a:prstGeom prst="rect">
-                      <a:avLst/>
-                    </a:prstGeom>
-                    <a:noFill/>
-                  </p:spPr>
-                  <p:txBody>
-                    <a:bodyPr wrap="none" rtlCol="0">
-                      <a:spAutoFit/>
-                    </a:bodyPr>
-                    <a:lstStyle/>
-                    <a:p>
-                      <a:r>
-                        <a:rPr lang="en-US" sz="2000" smtClean="0">
-                          <a:latin typeface="Raleway" charset="0"/>
-                          <a:ea typeface="Raleway" charset="0"/>
-                          <a:cs typeface="Raleway" charset="0"/>
-                        </a:rPr>
-                        <a:t>Smaller</a:t>
-                      </a:r>
-                      <a:endParaRPr lang="en-US" sz="2000">
-                        <a:latin typeface="Raleway" charset="0"/>
-                        <a:ea typeface="Raleway" charset="0"/>
-                        <a:cs typeface="Raleway" charset="0"/>
-                      </a:endParaRPr>
-                    </a:p>
-                  </p:txBody>
-                </p:sp>
-                <p:sp>
-                  <p:nvSpPr>
-                    <p:cNvPr id="82" name="TextBox 81"/>
-                    <p:cNvSpPr txBox="1"/>
-                    <p:nvPr/>
-                  </p:nvSpPr>
-                  <p:spPr>
-                    <a:xfrm>
-                      <a:off x="5229274" y="5500687"/>
-                      <a:ext cx="729347" cy="300802"/>
-                    </a:xfrm>
-                    <a:prstGeom prst="rect">
-                      <a:avLst/>
-                    </a:prstGeom>
-                    <a:noFill/>
-                  </p:spPr>
-                  <p:txBody>
-                    <a:bodyPr wrap="none" rtlCol="0">
-                      <a:spAutoFit/>
-                    </a:bodyPr>
-                    <a:lstStyle/>
-                    <a:p>
-                      <a:r>
-                        <a:rPr lang="en-US" sz="2000" smtClean="0">
-                          <a:latin typeface="Raleway" charset="0"/>
-                          <a:ea typeface="Raleway" charset="0"/>
-                          <a:cs typeface="Raleway" charset="0"/>
-                        </a:rPr>
-                        <a:t>Bigger</a:t>
-                      </a:r>
-                      <a:endParaRPr lang="en-US" sz="2000">
-                        <a:latin typeface="Raleway" charset="0"/>
-                        <a:ea typeface="Raleway" charset="0"/>
-                        <a:cs typeface="Raleway" charset="0"/>
-                      </a:endParaRPr>
-                    </a:p>
-                  </p:txBody>
-                </p:sp>
-              </p:grpSp>
-              <p:grpSp>
-                <p:nvGrpSpPr>
-                  <p:cNvPr id="74" name="Group 73"/>
-                  <p:cNvGrpSpPr/>
-                  <p:nvPr/>
-                </p:nvGrpSpPr>
-                <p:grpSpPr>
-                  <a:xfrm>
-                    <a:off x="4253922" y="5898973"/>
-                    <a:ext cx="1813309" cy="362487"/>
-                    <a:chOff x="4237091" y="5439002"/>
-                    <a:chExt cx="1813309" cy="362487"/>
-                  </a:xfrm>
-                </p:grpSpPr>
-                <p:grpSp>
-                  <p:nvGrpSpPr>
-                    <p:cNvPr id="75" name="Group 74"/>
-                    <p:cNvGrpSpPr/>
-                    <p:nvPr/>
-                  </p:nvGrpSpPr>
-                  <p:grpSpPr>
-                    <a:xfrm>
-                      <a:off x="4543425" y="5439002"/>
-                      <a:ext cx="1009324" cy="123372"/>
-                      <a:chOff x="4543425" y="5439002"/>
-                      <a:chExt cx="1009324" cy="123372"/>
-                    </a:xfrm>
-                  </p:grpSpPr>
-                  <p:cxnSp>
-                    <p:nvCxnSpPr>
-                      <p:cNvPr id="78" name="Straight Connector 77"/>
-                      <p:cNvCxnSpPr/>
-                      <p:nvPr/>
-                    </p:nvCxnSpPr>
-                    <p:spPr>
-                      <a:xfrm>
-                        <a:off x="4543425" y="5500688"/>
-                        <a:ext cx="1009324" cy="0"/>
-                      </a:xfrm>
-                      <a:prstGeom prst="line">
-                        <a:avLst/>
-                      </a:prstGeom>
-                      <a:ln w="12700">
-                        <a:solidFill>
-                          <a:schemeClr val="tx1"/>
-                        </a:solidFill>
-                        <a:headEnd type="diamond"/>
-                        <a:tailEnd type="diamond"/>
-                      </a:ln>
-                    </p:spPr>
-                    <p:style>
-                      <a:lnRef idx="1">
-                        <a:schemeClr val="accent1"/>
-                      </a:lnRef>
-                      <a:fillRef idx="0">
-                        <a:schemeClr val="accent1"/>
-                      </a:fillRef>
-                      <a:effectRef idx="0">
-                        <a:schemeClr val="accent1"/>
-                      </a:effectRef>
-                      <a:fontRef idx="minor">
-                        <a:schemeClr val="tx1"/>
-                      </a:fontRef>
-                    </p:style>
-                  </p:cxnSp>
-                  <p:sp>
-                    <p:nvSpPr>
-                      <p:cNvPr id="79" name="Oval 78"/>
-                      <p:cNvSpPr/>
-                      <p:nvPr/>
-                    </p:nvSpPr>
-                    <p:spPr>
-                      <a:xfrm>
-                        <a:off x="5160620" y="5439002"/>
-                        <a:ext cx="123372" cy="123372"/>
-                      </a:xfrm>
-                      <a:prstGeom prst="ellipse">
-                        <a:avLst/>
-                      </a:prstGeom>
-                      <a:solidFill>
-                        <a:schemeClr val="tx1"/>
-                      </a:solidFill>
-                      <a:ln>
-                        <a:noFill/>
-                      </a:ln>
-                    </p:spPr>
-                    <p:style>
-                      <a:lnRef idx="2">
-                        <a:schemeClr val="accent1">
-                          <a:shade val="50000"/>
-                        </a:schemeClr>
-                      </a:lnRef>
-                      <a:fillRef idx="1">
-                        <a:schemeClr val="accent1"/>
-                      </a:fillRef>
-                      <a:effectRef idx="0">
-                        <a:schemeClr val="accent1"/>
-                      </a:effectRef>
-                      <a:fontRef idx="minor">
-                        <a:schemeClr val="lt1"/>
-                      </a:fontRef>
-                    </p:style>
-                    <p:txBody>
-                      <a:bodyPr rtlCol="0" anchor="ctr"/>
-                      <a:lstStyle/>
-                      <a:p>
-                        <a:pPr algn="ctr"/>
-                        <a:endParaRPr lang="en-US" sz="3600">
-                          <a:latin typeface="Raleway" charset="0"/>
-                          <a:ea typeface="Raleway" charset="0"/>
-                          <a:cs typeface="Raleway" charset="0"/>
-                        </a:endParaRPr>
-                      </a:p>
-                    </p:txBody>
-                  </p:sp>
-                </p:grpSp>
-                <p:sp>
-                  <p:nvSpPr>
-                    <p:cNvPr id="76" name="TextBox 75"/>
-                    <p:cNvSpPr txBox="1"/>
-                    <p:nvPr/>
-                  </p:nvSpPr>
-                  <p:spPr>
-                    <a:xfrm>
-                      <a:off x="4237091" y="5500687"/>
-                      <a:ext cx="731758" cy="300802"/>
-                    </a:xfrm>
-                    <a:prstGeom prst="rect">
-                      <a:avLst/>
-                    </a:prstGeom>
-                    <a:noFill/>
-                  </p:spPr>
-                  <p:txBody>
-                    <a:bodyPr wrap="none" rtlCol="0">
-                      <a:spAutoFit/>
-                    </a:bodyPr>
-                    <a:lstStyle/>
-                    <a:p>
-                      <a:r>
-                        <a:rPr lang="en-US" sz="2000" dirty="0" smtClean="0">
-                          <a:latin typeface="Raleway" charset="0"/>
-                          <a:ea typeface="Raleway" charset="0"/>
-                          <a:cs typeface="Raleway" charset="0"/>
-                        </a:rPr>
-                        <a:t>Darker</a:t>
-                      </a:r>
-                      <a:endParaRPr lang="en-US" sz="2000" dirty="0">
-                        <a:latin typeface="Raleway" charset="0"/>
-                        <a:ea typeface="Raleway" charset="0"/>
-                        <a:cs typeface="Raleway" charset="0"/>
-                      </a:endParaRPr>
-                    </a:p>
-                  </p:txBody>
-                </p:sp>
-                <p:sp>
-                  <p:nvSpPr>
-                    <p:cNvPr id="77" name="TextBox 76"/>
-                    <p:cNvSpPr txBox="1"/>
-                    <p:nvPr/>
-                  </p:nvSpPr>
-                  <p:spPr>
-                    <a:xfrm>
-                      <a:off x="5280078" y="5500687"/>
-                      <a:ext cx="770322" cy="300802"/>
-                    </a:xfrm>
-                    <a:prstGeom prst="rect">
-                      <a:avLst/>
-                    </a:prstGeom>
-                    <a:noFill/>
-                  </p:spPr>
-                  <p:txBody>
-                    <a:bodyPr wrap="none" rtlCol="0">
-                      <a:spAutoFit/>
-                    </a:bodyPr>
-                    <a:lstStyle/>
-                    <a:p>
-                      <a:r>
-                        <a:rPr lang="en-US" sz="2000" dirty="0" smtClean="0">
-                          <a:latin typeface="Raleway" charset="0"/>
-                          <a:ea typeface="Raleway" charset="0"/>
-                          <a:cs typeface="Raleway" charset="0"/>
-                        </a:rPr>
-                        <a:t>Lighter</a:t>
-                      </a:r>
-                      <a:endParaRPr lang="en-US" sz="2000" dirty="0">
-                        <a:latin typeface="Raleway" charset="0"/>
-                        <a:ea typeface="Raleway" charset="0"/>
-                        <a:cs typeface="Raleway" charset="0"/>
-                      </a:endParaRPr>
-                    </a:p>
-                  </p:txBody>
-                </p:sp>
-              </p:grpSp>
-            </p:grpSp>
           </p:grpSp>
           <p:sp>
             <p:nvSpPr>
-              <p:cNvPr id="69" name="Rectangle 68"/>
+              <p:cNvPr id="71" name="Rectangle 70"/>
               <p:cNvSpPr/>
               <p:nvPr/>
             </p:nvSpPr>
             <p:spPr>
               <a:xfrm>
-                <a:off x="34546106" y="8455474"/>
-                <a:ext cx="10259493" cy="3818937"/>
+                <a:off x="2570213" y="1318337"/>
+                <a:ext cx="900112" cy="900112"/>
               </a:xfrm>
               <a:prstGeom prst="rect">
                 <a:avLst/>
               </a:prstGeom>
-              <a:noFill/>
+              <a:solidFill>
+                <a:schemeClr val="bg1">
+                  <a:lumMod val="85000"/>
+                </a:schemeClr>
+              </a:solidFill>
               <a:ln>
-                <a:noFill/>
+                <a:solidFill>
+                  <a:schemeClr val="tx1"/>
+                </a:solidFill>
               </a:ln>
             </p:spPr>
             <p:style>
@@ -8157,108 +7626,527 @@
               </a:fontRef>
             </p:style>
             <p:txBody>
-              <a:bodyPr lIns="91440" tIns="0" rIns="91440" rtlCol="0" anchor="ctr"/>
+              <a:bodyPr rtlCol="0" anchor="ctr"/>
               <a:lstStyle/>
               <a:p>
-                <a:pPr>
-                  <a:spcBef>
-                    <a:spcPts val="600"/>
-                  </a:spcBef>
-                  <a:spcAft>
-                    <a:spcPts val="600"/>
-                  </a:spcAft>
-                </a:pPr>
-                <a:r>
-                  <a:rPr lang="en-US" sz="3600" dirty="0" smtClean="0">
-                    <a:solidFill>
-                      <a:schemeClr val="accent6"/>
-                    </a:solidFill>
-                    <a:latin typeface="Raleway" charset="0"/>
-                    <a:ea typeface="Raleway" charset="0"/>
-                    <a:cs typeface="Raleway" charset="0"/>
-                  </a:rPr>
-                  <a:t>After training, participants generated four examples of a new ‘Beta’ category.</a:t>
-                </a:r>
-              </a:p>
-              <a:p>
-                <a:pPr>
-                  <a:spcBef>
-                    <a:spcPts val="600"/>
-                  </a:spcBef>
-                  <a:spcAft>
-                    <a:spcPts val="600"/>
-                  </a:spcAft>
-                </a:pPr>
-                <a:r>
-                  <a:rPr lang="en-US" sz="3600" i="1" dirty="0" smtClean="0">
-                    <a:solidFill>
-                      <a:schemeClr val="accent6"/>
-                    </a:solidFill>
-                    <a:latin typeface="Raleway" charset="0"/>
-                    <a:ea typeface="Raleway" charset="0"/>
-                    <a:cs typeface="Raleway" charset="0"/>
-                  </a:rPr>
-                  <a:t>Generation completed using sliding-scale interface (as in Jern &amp; Kemp, 2013).</a:t>
-                </a:r>
+                <a:pPr algn="ctr"/>
+                <a:endParaRPr lang="en-US" sz="2400">
+                  <a:latin typeface="Raleway" charset="0"/>
+                  <a:ea typeface="Raleway" charset="0"/>
+                  <a:cs typeface="Raleway" charset="0"/>
+                </a:endParaRPr>
               </a:p>
             </p:txBody>
           </p:sp>
+          <p:grpSp>
+            <p:nvGrpSpPr>
+              <p:cNvPr id="72" name="Group 71"/>
+              <p:cNvGrpSpPr/>
+              <p:nvPr/>
+            </p:nvGrpSpPr>
+            <p:grpSpPr>
+              <a:xfrm>
+                <a:off x="473233" y="1326906"/>
+                <a:ext cx="2116167" cy="929173"/>
+                <a:chOff x="4194103" y="5439002"/>
+                <a:chExt cx="1873128" cy="822458"/>
+              </a:xfrm>
+            </p:grpSpPr>
+            <p:grpSp>
+              <p:nvGrpSpPr>
+                <p:cNvPr id="73" name="Group 72"/>
+                <p:cNvGrpSpPr/>
+                <p:nvPr/>
+              </p:nvGrpSpPr>
+              <p:grpSpPr>
+                <a:xfrm>
+                  <a:off x="4194103" y="5439002"/>
+                  <a:ext cx="1764518" cy="362487"/>
+                  <a:chOff x="4194103" y="5439002"/>
+                  <a:chExt cx="1764518" cy="362487"/>
+                </a:xfrm>
+              </p:grpSpPr>
+              <p:grpSp>
+                <p:nvGrpSpPr>
+                  <p:cNvPr id="80" name="Group 79"/>
+                  <p:cNvGrpSpPr/>
+                  <p:nvPr/>
+                </p:nvGrpSpPr>
+                <p:grpSpPr>
+                  <a:xfrm>
+                    <a:off x="4551808" y="5439002"/>
+                    <a:ext cx="991979" cy="123372"/>
+                    <a:chOff x="4551808" y="5439002"/>
+                    <a:chExt cx="991979" cy="123372"/>
+                  </a:xfrm>
+                </p:grpSpPr>
+                <p:cxnSp>
+                  <p:nvCxnSpPr>
+                    <p:cNvPr id="83" name="Straight Connector 82"/>
+                    <p:cNvCxnSpPr/>
+                    <p:nvPr/>
+                  </p:nvCxnSpPr>
+                  <p:spPr>
+                    <a:xfrm>
+                      <a:off x="4551808" y="5500688"/>
+                      <a:ext cx="991979" cy="0"/>
+                    </a:xfrm>
+                    <a:prstGeom prst="line">
+                      <a:avLst/>
+                    </a:prstGeom>
+                    <a:ln w="12700">
+                      <a:solidFill>
+                        <a:schemeClr val="tx1"/>
+                      </a:solidFill>
+                      <a:headEnd type="diamond"/>
+                      <a:tailEnd type="diamond"/>
+                    </a:ln>
+                  </p:spPr>
+                  <p:style>
+                    <a:lnRef idx="1">
+                      <a:schemeClr val="accent1"/>
+                    </a:lnRef>
+                    <a:fillRef idx="0">
+                      <a:schemeClr val="accent1"/>
+                    </a:fillRef>
+                    <a:effectRef idx="0">
+                      <a:schemeClr val="accent1"/>
+                    </a:effectRef>
+                    <a:fontRef idx="minor">
+                      <a:schemeClr val="tx1"/>
+                    </a:fontRef>
+                  </p:style>
+                </p:cxnSp>
+                <p:sp>
+                  <p:nvSpPr>
+                    <p:cNvPr id="84" name="Oval 83"/>
+                    <p:cNvSpPr/>
+                    <p:nvPr/>
+                  </p:nvSpPr>
+                  <p:spPr>
+                    <a:xfrm>
+                      <a:off x="5268685" y="5439002"/>
+                      <a:ext cx="123372" cy="123372"/>
+                    </a:xfrm>
+                    <a:prstGeom prst="ellipse">
+                      <a:avLst/>
+                    </a:prstGeom>
+                    <a:solidFill>
+                      <a:schemeClr val="tx1"/>
+                    </a:solidFill>
+                    <a:ln>
+                      <a:noFill/>
+                    </a:ln>
+                  </p:spPr>
+                  <p:style>
+                    <a:lnRef idx="2">
+                      <a:schemeClr val="accent1">
+                        <a:shade val="50000"/>
+                      </a:schemeClr>
+                    </a:lnRef>
+                    <a:fillRef idx="1">
+                      <a:schemeClr val="accent1"/>
+                    </a:fillRef>
+                    <a:effectRef idx="0">
+                      <a:schemeClr val="accent1"/>
+                    </a:effectRef>
+                    <a:fontRef idx="minor">
+                      <a:schemeClr val="lt1"/>
+                    </a:fontRef>
+                  </p:style>
+                  <p:txBody>
+                    <a:bodyPr rtlCol="0" anchor="ctr"/>
+                    <a:lstStyle/>
+                    <a:p>
+                      <a:pPr algn="ctr"/>
+                      <a:endParaRPr lang="en-US" sz="3600">
+                        <a:latin typeface="Raleway" charset="0"/>
+                        <a:ea typeface="Raleway" charset="0"/>
+                        <a:cs typeface="Raleway" charset="0"/>
+                      </a:endParaRPr>
+                    </a:p>
+                  </p:txBody>
+                </p:sp>
+              </p:grpSp>
+              <p:sp>
+                <p:nvSpPr>
+                  <p:cNvPr id="81" name="TextBox 80"/>
+                  <p:cNvSpPr txBox="1"/>
+                  <p:nvPr/>
+                </p:nvSpPr>
+                <p:spPr>
+                  <a:xfrm>
+                    <a:off x="4194103" y="5500687"/>
+                    <a:ext cx="824553" cy="300802"/>
+                  </a:xfrm>
+                  <a:prstGeom prst="rect">
+                    <a:avLst/>
+                  </a:prstGeom>
+                  <a:noFill/>
+                </p:spPr>
+                <p:txBody>
+                  <a:bodyPr wrap="none" rtlCol="0">
+                    <a:spAutoFit/>
+                  </a:bodyPr>
+                  <a:lstStyle/>
+                  <a:p>
+                    <a:r>
+                      <a:rPr lang="en-US" sz="2000" smtClean="0">
+                        <a:latin typeface="Raleway" charset="0"/>
+                        <a:ea typeface="Raleway" charset="0"/>
+                        <a:cs typeface="Raleway" charset="0"/>
+                      </a:rPr>
+                      <a:t>Smaller</a:t>
+                    </a:r>
+                    <a:endParaRPr lang="en-US" sz="2000">
+                      <a:latin typeface="Raleway" charset="0"/>
+                      <a:ea typeface="Raleway" charset="0"/>
+                      <a:cs typeface="Raleway" charset="0"/>
+                    </a:endParaRPr>
+                  </a:p>
+                </p:txBody>
+              </p:sp>
+              <p:sp>
+                <p:nvSpPr>
+                  <p:cNvPr id="82" name="TextBox 81"/>
+                  <p:cNvSpPr txBox="1"/>
+                  <p:nvPr/>
+                </p:nvSpPr>
+                <p:spPr>
+                  <a:xfrm>
+                    <a:off x="5229274" y="5500687"/>
+                    <a:ext cx="729347" cy="300802"/>
+                  </a:xfrm>
+                  <a:prstGeom prst="rect">
+                    <a:avLst/>
+                  </a:prstGeom>
+                  <a:noFill/>
+                </p:spPr>
+                <p:txBody>
+                  <a:bodyPr wrap="none" rtlCol="0">
+                    <a:spAutoFit/>
+                  </a:bodyPr>
+                  <a:lstStyle/>
+                  <a:p>
+                    <a:r>
+                      <a:rPr lang="en-US" sz="2000" smtClean="0">
+                        <a:latin typeface="Raleway" charset="0"/>
+                        <a:ea typeface="Raleway" charset="0"/>
+                        <a:cs typeface="Raleway" charset="0"/>
+                      </a:rPr>
+                      <a:t>Bigger</a:t>
+                    </a:r>
+                    <a:endParaRPr lang="en-US" sz="2000">
+                      <a:latin typeface="Raleway" charset="0"/>
+                      <a:ea typeface="Raleway" charset="0"/>
+                      <a:cs typeface="Raleway" charset="0"/>
+                    </a:endParaRPr>
+                  </a:p>
+                </p:txBody>
+              </p:sp>
+            </p:grpSp>
+            <p:grpSp>
+              <p:nvGrpSpPr>
+                <p:cNvPr id="74" name="Group 73"/>
+                <p:cNvGrpSpPr/>
+                <p:nvPr/>
+              </p:nvGrpSpPr>
+              <p:grpSpPr>
+                <a:xfrm>
+                  <a:off x="4253922" y="5898973"/>
+                  <a:ext cx="1813309" cy="362487"/>
+                  <a:chOff x="4237091" y="5439002"/>
+                  <a:chExt cx="1813309" cy="362487"/>
+                </a:xfrm>
+              </p:grpSpPr>
+              <p:grpSp>
+                <p:nvGrpSpPr>
+                  <p:cNvPr id="75" name="Group 74"/>
+                  <p:cNvGrpSpPr/>
+                  <p:nvPr/>
+                </p:nvGrpSpPr>
+                <p:grpSpPr>
+                  <a:xfrm>
+                    <a:off x="4543425" y="5439002"/>
+                    <a:ext cx="1009324" cy="123372"/>
+                    <a:chOff x="4543425" y="5439002"/>
+                    <a:chExt cx="1009324" cy="123372"/>
+                  </a:xfrm>
+                </p:grpSpPr>
+                <p:cxnSp>
+                  <p:nvCxnSpPr>
+                    <p:cNvPr id="78" name="Straight Connector 77"/>
+                    <p:cNvCxnSpPr/>
+                    <p:nvPr/>
+                  </p:nvCxnSpPr>
+                  <p:spPr>
+                    <a:xfrm>
+                      <a:off x="4543425" y="5500688"/>
+                      <a:ext cx="1009324" cy="0"/>
+                    </a:xfrm>
+                    <a:prstGeom prst="line">
+                      <a:avLst/>
+                    </a:prstGeom>
+                    <a:ln w="12700">
+                      <a:solidFill>
+                        <a:schemeClr val="tx1"/>
+                      </a:solidFill>
+                      <a:headEnd type="diamond"/>
+                      <a:tailEnd type="diamond"/>
+                    </a:ln>
+                  </p:spPr>
+                  <p:style>
+                    <a:lnRef idx="1">
+                      <a:schemeClr val="accent1"/>
+                    </a:lnRef>
+                    <a:fillRef idx="0">
+                      <a:schemeClr val="accent1"/>
+                    </a:fillRef>
+                    <a:effectRef idx="0">
+                      <a:schemeClr val="accent1"/>
+                    </a:effectRef>
+                    <a:fontRef idx="minor">
+                      <a:schemeClr val="tx1"/>
+                    </a:fontRef>
+                  </p:style>
+                </p:cxnSp>
+                <p:sp>
+                  <p:nvSpPr>
+                    <p:cNvPr id="79" name="Oval 78"/>
+                    <p:cNvSpPr/>
+                    <p:nvPr/>
+                  </p:nvSpPr>
+                  <p:spPr>
+                    <a:xfrm>
+                      <a:off x="5160620" y="5439002"/>
+                      <a:ext cx="123372" cy="123372"/>
+                    </a:xfrm>
+                    <a:prstGeom prst="ellipse">
+                      <a:avLst/>
+                    </a:prstGeom>
+                    <a:solidFill>
+                      <a:schemeClr val="tx1"/>
+                    </a:solidFill>
+                    <a:ln>
+                      <a:noFill/>
+                    </a:ln>
+                  </p:spPr>
+                  <p:style>
+                    <a:lnRef idx="2">
+                      <a:schemeClr val="accent1">
+                        <a:shade val="50000"/>
+                      </a:schemeClr>
+                    </a:lnRef>
+                    <a:fillRef idx="1">
+                      <a:schemeClr val="accent1"/>
+                    </a:fillRef>
+                    <a:effectRef idx="0">
+                      <a:schemeClr val="accent1"/>
+                    </a:effectRef>
+                    <a:fontRef idx="minor">
+                      <a:schemeClr val="lt1"/>
+                    </a:fontRef>
+                  </p:style>
+                  <p:txBody>
+                    <a:bodyPr rtlCol="0" anchor="ctr"/>
+                    <a:lstStyle/>
+                    <a:p>
+                      <a:pPr algn="ctr"/>
+                      <a:endParaRPr lang="en-US" sz="3600">
+                        <a:latin typeface="Raleway" charset="0"/>
+                        <a:ea typeface="Raleway" charset="0"/>
+                        <a:cs typeface="Raleway" charset="0"/>
+                      </a:endParaRPr>
+                    </a:p>
+                  </p:txBody>
+                </p:sp>
+              </p:grpSp>
+              <p:sp>
+                <p:nvSpPr>
+                  <p:cNvPr id="76" name="TextBox 75"/>
+                  <p:cNvSpPr txBox="1"/>
+                  <p:nvPr/>
+                </p:nvSpPr>
+                <p:spPr>
+                  <a:xfrm>
+                    <a:off x="4237091" y="5500687"/>
+                    <a:ext cx="731758" cy="300802"/>
+                  </a:xfrm>
+                  <a:prstGeom prst="rect">
+                    <a:avLst/>
+                  </a:prstGeom>
+                  <a:noFill/>
+                </p:spPr>
+                <p:txBody>
+                  <a:bodyPr wrap="none" rtlCol="0">
+                    <a:spAutoFit/>
+                  </a:bodyPr>
+                  <a:lstStyle/>
+                  <a:p>
+                    <a:r>
+                      <a:rPr lang="en-US" sz="2000" dirty="0" smtClean="0">
+                        <a:latin typeface="Raleway" charset="0"/>
+                        <a:ea typeface="Raleway" charset="0"/>
+                        <a:cs typeface="Raleway" charset="0"/>
+                      </a:rPr>
+                      <a:t>Darker</a:t>
+                    </a:r>
+                    <a:endParaRPr lang="en-US" sz="2000" dirty="0">
+                      <a:latin typeface="Raleway" charset="0"/>
+                      <a:ea typeface="Raleway" charset="0"/>
+                      <a:cs typeface="Raleway" charset="0"/>
+                    </a:endParaRPr>
+                  </a:p>
+                </p:txBody>
+              </p:sp>
+              <p:sp>
+                <p:nvSpPr>
+                  <p:cNvPr id="77" name="TextBox 76"/>
+                  <p:cNvSpPr txBox="1"/>
+                  <p:nvPr/>
+                </p:nvSpPr>
+                <p:spPr>
+                  <a:xfrm>
+                    <a:off x="5280078" y="5500687"/>
+                    <a:ext cx="770322" cy="300802"/>
+                  </a:xfrm>
+                  <a:prstGeom prst="rect">
+                    <a:avLst/>
+                  </a:prstGeom>
+                  <a:noFill/>
+                </p:spPr>
+                <p:txBody>
+                  <a:bodyPr wrap="none" rtlCol="0">
+                    <a:spAutoFit/>
+                  </a:bodyPr>
+                  <a:lstStyle/>
+                  <a:p>
+                    <a:r>
+                      <a:rPr lang="en-US" sz="2000" dirty="0" smtClean="0">
+                        <a:latin typeface="Raleway" charset="0"/>
+                        <a:ea typeface="Raleway" charset="0"/>
+                        <a:cs typeface="Raleway" charset="0"/>
+                      </a:rPr>
+                      <a:t>Lighter</a:t>
+                    </a:r>
+                    <a:endParaRPr lang="en-US" sz="2000" dirty="0">
+                      <a:latin typeface="Raleway" charset="0"/>
+                      <a:ea typeface="Raleway" charset="0"/>
+                      <a:cs typeface="Raleway" charset="0"/>
+                    </a:endParaRPr>
+                  </a:p>
+                </p:txBody>
+              </p:sp>
+            </p:grpSp>
+          </p:grpSp>
         </p:grpSp>
+        <p:sp>
+          <p:nvSpPr>
+            <p:cNvPr id="69" name="Rectangle 68"/>
+            <p:cNvSpPr/>
+            <p:nvPr/>
+          </p:nvSpPr>
+          <p:spPr>
+            <a:xfrm>
+              <a:off x="18047098" y="8460400"/>
+              <a:ext cx="9769914" cy="2885572"/>
+            </a:xfrm>
+            <a:prstGeom prst="rect">
+              <a:avLst/>
+            </a:prstGeom>
+            <a:noFill/>
+            <a:ln>
+              <a:noFill/>
+            </a:ln>
+          </p:spPr>
+          <p:style>
+            <a:lnRef idx="2">
+              <a:schemeClr val="accent1">
+                <a:shade val="50000"/>
+              </a:schemeClr>
+            </a:lnRef>
+            <a:fillRef idx="1">
+              <a:schemeClr val="accent1"/>
+            </a:fillRef>
+            <a:effectRef idx="0">
+              <a:schemeClr val="accent1"/>
+            </a:effectRef>
+            <a:fontRef idx="minor">
+              <a:schemeClr val="lt1"/>
+            </a:fontRef>
+          </p:style>
+          <p:txBody>
+            <a:bodyPr lIns="91440" tIns="0" rIns="91440" rtlCol="0" anchor="ctr"/>
+            <a:lstStyle/>
+            <a:p>
+              <a:pPr>
+                <a:spcBef>
+                  <a:spcPts val="600"/>
+                </a:spcBef>
+                <a:spcAft>
+                  <a:spcPts val="600"/>
+                </a:spcAft>
+              </a:pPr>
+              <a:r>
+                <a:rPr lang="en-US" sz="3600" dirty="0" smtClean="0">
+                  <a:solidFill>
+                    <a:schemeClr val="accent6"/>
+                  </a:solidFill>
+                  <a:latin typeface="Raleway" charset="0"/>
+                  <a:ea typeface="Raleway" charset="0"/>
+                  <a:cs typeface="Raleway" charset="0"/>
+                </a:rPr>
+                <a:t>After training, participants generated four examples of a new ‘Beta’ category.</a:t>
+              </a:r>
+            </a:p>
+            <a:p>
+              <a:pPr>
+                <a:spcBef>
+                  <a:spcPts val="600"/>
+                </a:spcBef>
+                <a:spcAft>
+                  <a:spcPts val="600"/>
+                </a:spcAft>
+              </a:pPr>
+              <a:r>
+                <a:rPr lang="en-US" sz="3600" i="1" dirty="0" smtClean="0">
+                  <a:solidFill>
+                    <a:schemeClr val="accent6"/>
+                  </a:solidFill>
+                  <a:latin typeface="Raleway" charset="0"/>
+                  <a:ea typeface="Raleway" charset="0"/>
+                  <a:cs typeface="Raleway" charset="0"/>
+                </a:rPr>
+                <a:t>Generation completed using sliding-scale interface (as in Jern &amp; Kemp, 2013).</a:t>
+              </a:r>
+            </a:p>
+          </p:txBody>
+        </p:sp>
       </p:grpSp>
-      <p:pic>
-        <p:nvPicPr>
-          <p:cNvPr id="94" name="Picture 93"/>
-          <p:cNvPicPr>
-            <a:picLocks noChangeAspect="1"/>
-          </p:cNvPicPr>
-          <p:nvPr/>
-        </p:nvPicPr>
-        <p:blipFill>
-          <a:blip r:embed="rId8">
-            <a:extLst>
-              <a:ext uri="{28A0092B-C50C-407E-A947-70E740481C1C}">
-                <a14:useLocalDpi xmlns:a14="http://schemas.microsoft.com/office/drawing/2010/main" val="0"/>
-              </a:ext>
-            </a:extLst>
-          </a:blip>
-          <a:stretch>
-            <a:fillRect/>
-          </a:stretch>
-        </p:blipFill>
-        <p:spPr>
-          <a:xfrm>
-            <a:off x="28382651" y="17067742"/>
-            <a:ext cx="16760724" cy="6180307"/>
-          </a:xfrm>
-          <a:prstGeom prst="rect">
-            <a:avLst/>
-          </a:prstGeom>
-        </p:spPr>
-      </p:pic>
       <p:grpSp>
         <p:nvGrpSpPr>
-          <p:cNvPr id="99" name="Group 98"/>
+          <p:cNvPr id="52" name="Group 51"/>
           <p:cNvGrpSpPr/>
           <p:nvPr/>
         </p:nvGrpSpPr>
         <p:grpSpPr>
           <a:xfrm>
-            <a:off x="13550774" y="19828276"/>
-            <a:ext cx="9575266" cy="4439207"/>
-            <a:chOff x="29323748" y="25254019"/>
-            <a:chExt cx="4711700" cy="2184400"/>
+            <a:off x="22967929" y="19629574"/>
+            <a:ext cx="4670396" cy="8863709"/>
+            <a:chOff x="17132361" y="18754460"/>
+            <a:chExt cx="3725518" cy="7070472"/>
           </a:xfrm>
         </p:grpSpPr>
         <p:sp>
           <p:nvSpPr>
-            <p:cNvPr id="98" name="Rectangle 97"/>
+            <p:cNvPr id="53" name="Rectangle 52"/>
             <p:cNvSpPr/>
             <p:nvPr/>
           </p:nvSpPr>
           <p:spPr>
             <a:xfrm>
-              <a:off x="32181248" y="25336677"/>
-              <a:ext cx="1841500" cy="1893042"/>
+              <a:off x="17830800" y="18836640"/>
+              <a:ext cx="3022471" cy="3017520"/>
             </a:xfrm>
             <a:prstGeom prst="rect">
               <a:avLst/>
@@ -8297,14 +8185,14 @@
         </p:sp>
         <p:sp>
           <p:nvSpPr>
-            <p:cNvPr id="97" name="Rectangle 96"/>
+            <p:cNvPr id="54" name="Rectangle 53"/>
             <p:cNvSpPr/>
             <p:nvPr/>
           </p:nvSpPr>
           <p:spPr>
             <a:xfrm>
-              <a:off x="29781500" y="25335758"/>
-              <a:ext cx="1841500" cy="1893042"/>
+              <a:off x="17830800" y="22473920"/>
+              <a:ext cx="3022471" cy="3017520"/>
             </a:xfrm>
             <a:prstGeom prst="rect">
               <a:avLst/>
@@ -8343,7 +8231,144 @@
         </p:sp>
         <p:pic>
           <p:nvPicPr>
-            <p:cNvPr id="96" name="Picture 95"/>
+            <p:cNvPr id="55" name="Picture 54"/>
+            <p:cNvPicPr>
+              <a:picLocks noChangeAspect="1"/>
+            </p:cNvPicPr>
+            <p:nvPr/>
+          </p:nvPicPr>
+          <p:blipFill>
+            <a:blip r:embed="rId8">
+              <a:extLst>
+                <a:ext uri="{28A0092B-C50C-407E-A947-70E740481C1C}">
+                  <a14:useLocalDpi xmlns:a14="http://schemas.microsoft.com/office/drawing/2010/main" val="0"/>
+                </a:ext>
+              </a:extLst>
+            </a:blip>
+            <a:stretch>
+              <a:fillRect/>
+            </a:stretch>
+          </p:blipFill>
+          <p:spPr>
+            <a:xfrm>
+              <a:off x="17132361" y="18754460"/>
+              <a:ext cx="3725518" cy="7070472"/>
+            </a:xfrm>
+            <a:prstGeom prst="rect">
+              <a:avLst/>
+            </a:prstGeom>
+          </p:spPr>
+        </p:pic>
+      </p:grpSp>
+      <p:grpSp>
+        <p:nvGrpSpPr>
+          <p:cNvPr id="91" name="Group 90"/>
+          <p:cNvGrpSpPr/>
+          <p:nvPr/>
+        </p:nvGrpSpPr>
+        <p:grpSpPr>
+          <a:xfrm>
+            <a:off x="13450275" y="24673649"/>
+            <a:ext cx="2148345" cy="4173928"/>
+            <a:chOff x="21021027" y="24560251"/>
+            <a:chExt cx="2144000" cy="4165486"/>
+          </a:xfrm>
+        </p:grpSpPr>
+        <p:sp>
+          <p:nvSpPr>
+            <p:cNvPr id="92" name="Rectangle 91"/>
+            <p:cNvSpPr/>
+            <p:nvPr/>
+          </p:nvSpPr>
+          <p:spPr>
+            <a:xfrm>
+              <a:off x="21230347" y="24772257"/>
+              <a:ext cx="1707712" cy="1689587"/>
+            </a:xfrm>
+            <a:prstGeom prst="rect">
+              <a:avLst/>
+            </a:prstGeom>
+            <a:solidFill>
+              <a:schemeClr val="bg2"/>
+            </a:solidFill>
+            <a:ln>
+              <a:noFill/>
+            </a:ln>
+          </p:spPr>
+          <p:style>
+            <a:lnRef idx="2">
+              <a:schemeClr val="accent1">
+                <a:shade val="50000"/>
+              </a:schemeClr>
+            </a:lnRef>
+            <a:fillRef idx="1">
+              <a:schemeClr val="accent1"/>
+            </a:fillRef>
+            <a:effectRef idx="0">
+              <a:schemeClr val="accent1"/>
+            </a:effectRef>
+            <a:fontRef idx="minor">
+              <a:schemeClr val="lt1"/>
+            </a:fontRef>
+          </p:style>
+          <p:txBody>
+            <a:bodyPr rtlCol="0" anchor="ctr"/>
+            <a:lstStyle/>
+            <a:p>
+              <a:pPr algn="ctr"/>
+              <a:endParaRPr lang="en-US"/>
+            </a:p>
+          </p:txBody>
+        </p:sp>
+        <p:sp>
+          <p:nvSpPr>
+            <p:cNvPr id="93" name="Rectangle 92"/>
+            <p:cNvSpPr/>
+            <p:nvPr/>
+          </p:nvSpPr>
+          <p:spPr>
+            <a:xfrm>
+              <a:off x="21230347" y="26804752"/>
+              <a:ext cx="1707712" cy="1706240"/>
+            </a:xfrm>
+            <a:prstGeom prst="rect">
+              <a:avLst/>
+            </a:prstGeom>
+            <a:solidFill>
+              <a:schemeClr val="bg2"/>
+            </a:solidFill>
+            <a:ln>
+              <a:noFill/>
+            </a:ln>
+          </p:spPr>
+          <p:style>
+            <a:lnRef idx="2">
+              <a:schemeClr val="accent1">
+                <a:shade val="50000"/>
+              </a:schemeClr>
+            </a:lnRef>
+            <a:fillRef idx="1">
+              <a:schemeClr val="accent1"/>
+            </a:fillRef>
+            <a:effectRef idx="0">
+              <a:schemeClr val="accent1"/>
+            </a:effectRef>
+            <a:fontRef idx="minor">
+              <a:schemeClr val="lt1"/>
+            </a:fontRef>
+          </p:style>
+          <p:txBody>
+            <a:bodyPr rtlCol="0" anchor="ctr"/>
+            <a:lstStyle/>
+            <a:p>
+              <a:pPr algn="ctr"/>
+              <a:endParaRPr lang="en-US"/>
+            </a:p>
+          </p:txBody>
+        </p:sp>
+        <p:pic>
+          <p:nvPicPr>
+            <p:cNvPr id="95" name="Picture 94"/>
             <p:cNvPicPr>
               <a:picLocks noChangeAspect="1"/>
             </p:cNvPicPr>
@@ -8363,8 +8388,8 @@
           </p:blipFill>
           <p:spPr>
             <a:xfrm>
-              <a:off x="29323748" y="25254019"/>
-              <a:ext cx="4711700" cy="2184400"/>
+              <a:off x="21021027" y="24560251"/>
+              <a:ext cx="2144000" cy="4165486"/>
             </a:xfrm>
             <a:prstGeom prst="rect">
               <a:avLst/>
@@ -8372,6 +8397,1015 @@
           </p:spPr>
         </p:pic>
       </p:grpSp>
+      <p:sp>
+        <p:nvSpPr>
+          <p:cNvPr id="100" name="Rectangle 99"/>
+          <p:cNvSpPr/>
+          <p:nvPr/>
+        </p:nvSpPr>
+        <p:spPr>
+          <a:xfrm>
+            <a:off x="13384721" y="22045255"/>
+            <a:ext cx="9381088" cy="2484637"/>
+          </a:xfrm>
+          <a:prstGeom prst="rect">
+            <a:avLst/>
+          </a:prstGeom>
+          <a:noFill/>
+          <a:ln>
+            <a:noFill/>
+          </a:ln>
+        </p:spPr>
+        <p:style>
+          <a:lnRef idx="2">
+            <a:schemeClr val="accent1">
+              <a:shade val="50000"/>
+            </a:schemeClr>
+          </a:lnRef>
+          <a:fillRef idx="1">
+            <a:schemeClr val="accent1"/>
+          </a:fillRef>
+          <a:effectRef idx="0">
+            <a:schemeClr val="accent1"/>
+          </a:effectRef>
+          <a:fontRef idx="minor">
+            <a:schemeClr val="lt1"/>
+          </a:fontRef>
+        </p:style>
+        <p:txBody>
+          <a:bodyPr lIns="91440" tIns="0" rIns="91440" rtlCol="0" anchor="ctr"/>
+          <a:lstStyle/>
+          <a:p>
+            <a:pPr>
+              <a:spcBef>
+                <a:spcPts val="600"/>
+              </a:spcBef>
+              <a:spcAft>
+                <a:spcPts val="600"/>
+              </a:spcAft>
+            </a:pPr>
+            <a:r>
+              <a:rPr lang="en-US" sz="3600" dirty="0" smtClean="0">
+                <a:solidFill>
+                  <a:schemeClr val="accent6"/>
+                </a:solidFill>
+                <a:latin typeface="Raleway" charset="0"/>
+                <a:ea typeface="Raleway" charset="0"/>
+                <a:cs typeface="Raleway" charset="0"/>
+              </a:rPr>
+              <a:t>Middle participants more likely to create categories spanning the entire Y-axis </a:t>
+            </a:r>
+            <a:r>
+              <a:rPr lang="mr-IN" sz="3600" dirty="0" smtClean="0">
+                <a:solidFill>
+                  <a:schemeClr val="accent6"/>
+                </a:solidFill>
+                <a:latin typeface="Raleway" charset="0"/>
+                <a:ea typeface="Raleway" charset="0"/>
+                <a:cs typeface="Raleway" charset="0"/>
+              </a:rPr>
+              <a:t>–</a:t>
+            </a:r>
+            <a:r>
+              <a:rPr lang="en-US" sz="3600" dirty="0" smtClean="0">
+                <a:solidFill>
+                  <a:schemeClr val="accent6"/>
+                </a:solidFill>
+                <a:latin typeface="Raleway" charset="0"/>
+                <a:ea typeface="Raleway" charset="0"/>
+                <a:cs typeface="Raleway" charset="0"/>
+              </a:rPr>
+              <a:t> </a:t>
+            </a:r>
+            <a:r>
+              <a:rPr lang="en-US" sz="3600" b="1" dirty="0" smtClean="0">
+                <a:solidFill>
+                  <a:schemeClr val="accent6"/>
+                </a:solidFill>
+                <a:latin typeface="Raleway" charset="0"/>
+                <a:ea typeface="Raleway" charset="0"/>
+                <a:cs typeface="Raleway" charset="0"/>
+              </a:rPr>
+              <a:t>the </a:t>
+            </a:r>
+            <a:r>
+              <a:rPr lang="en-US" sz="3600" b="1" i="1" dirty="0" smtClean="0">
+                <a:solidFill>
+                  <a:schemeClr val="accent6"/>
+                </a:solidFill>
+                <a:latin typeface="Raleway" charset="0"/>
+                <a:ea typeface="Raleway" charset="0"/>
+                <a:cs typeface="Raleway" charset="0"/>
+              </a:rPr>
+              <a:t>location </a:t>
+            </a:r>
+            <a:r>
+              <a:rPr lang="en-US" sz="3600" b="1" dirty="0" smtClean="0">
+                <a:solidFill>
+                  <a:schemeClr val="accent6"/>
+                </a:solidFill>
+                <a:latin typeface="Raleway" charset="0"/>
+                <a:ea typeface="Raleway" charset="0"/>
+                <a:cs typeface="Raleway" charset="0"/>
+              </a:rPr>
+              <a:t>of contrast categories influences the distribution of generated categories.</a:t>
+            </a:r>
+            <a:endParaRPr lang="en-US" sz="3600" b="1" i="1" dirty="0" smtClean="0">
+              <a:solidFill>
+                <a:schemeClr val="accent6"/>
+              </a:solidFill>
+              <a:latin typeface="Raleway" charset="0"/>
+              <a:ea typeface="Raleway" charset="0"/>
+              <a:cs typeface="Raleway" charset="0"/>
+            </a:endParaRPr>
+          </a:p>
+        </p:txBody>
+      </p:sp>
+      <p:sp>
+        <p:nvSpPr>
+          <p:cNvPr id="101" name="Rectangle 100"/>
+          <p:cNvSpPr/>
+          <p:nvPr/>
+        </p:nvSpPr>
+        <p:spPr>
+          <a:xfrm>
+            <a:off x="13336955" y="20103273"/>
+            <a:ext cx="9290892" cy="1908109"/>
+          </a:xfrm>
+          <a:prstGeom prst="rect">
+            <a:avLst/>
+          </a:prstGeom>
+          <a:noFill/>
+          <a:ln>
+            <a:noFill/>
+          </a:ln>
+        </p:spPr>
+        <p:style>
+          <a:lnRef idx="2">
+            <a:schemeClr val="accent1">
+              <a:shade val="50000"/>
+            </a:schemeClr>
+          </a:lnRef>
+          <a:fillRef idx="1">
+            <a:schemeClr val="accent1"/>
+          </a:fillRef>
+          <a:effectRef idx="0">
+            <a:schemeClr val="accent1"/>
+          </a:effectRef>
+          <a:fontRef idx="minor">
+            <a:schemeClr val="lt1"/>
+          </a:fontRef>
+        </p:style>
+        <p:txBody>
+          <a:bodyPr lIns="91440" tIns="0" rIns="91440" rtlCol="0" anchor="ctr"/>
+          <a:lstStyle/>
+          <a:p>
+            <a:pPr>
+              <a:spcBef>
+                <a:spcPts val="600"/>
+              </a:spcBef>
+              <a:spcAft>
+                <a:spcPts val="600"/>
+              </a:spcAft>
+            </a:pPr>
+            <a:r>
+              <a:rPr lang="en-US" sz="3600" dirty="0" smtClean="0">
+                <a:solidFill>
+                  <a:schemeClr val="accent6"/>
+                </a:solidFill>
+                <a:latin typeface="Raleway" charset="0"/>
+                <a:ea typeface="Raleway" charset="0"/>
+                <a:cs typeface="Raleway" charset="0"/>
+              </a:rPr>
+              <a:t>Generated category members were more similar to each other than to Alphas..</a:t>
+            </a:r>
+            <a:endParaRPr lang="en-US" sz="3600" dirty="0" smtClean="0">
+              <a:solidFill>
+                <a:schemeClr val="accent6"/>
+              </a:solidFill>
+              <a:latin typeface="Raleway" charset="0"/>
+              <a:ea typeface="Raleway" charset="0"/>
+              <a:cs typeface="Raleway" charset="0"/>
+            </a:endParaRPr>
+          </a:p>
+        </p:txBody>
+      </p:sp>
+      <p:sp>
+        <p:nvSpPr>
+          <p:cNvPr id="102" name="Rectangle 101"/>
+          <p:cNvSpPr/>
+          <p:nvPr/>
+        </p:nvSpPr>
+        <p:spPr>
+          <a:xfrm>
+            <a:off x="28318490" y="27383874"/>
+            <a:ext cx="16438365" cy="1443189"/>
+          </a:xfrm>
+          <a:prstGeom prst="rect">
+            <a:avLst/>
+          </a:prstGeom>
+          <a:solidFill>
+            <a:schemeClr val="accent3">
+              <a:lumMod val="20000"/>
+              <a:lumOff val="80000"/>
+            </a:schemeClr>
+          </a:solidFill>
+          <a:ln>
+            <a:solidFill>
+              <a:schemeClr val="tx2"/>
+            </a:solidFill>
+          </a:ln>
+        </p:spPr>
+        <p:style>
+          <a:lnRef idx="2">
+            <a:schemeClr val="accent1">
+              <a:shade val="50000"/>
+            </a:schemeClr>
+          </a:lnRef>
+          <a:fillRef idx="1">
+            <a:schemeClr val="accent1"/>
+          </a:fillRef>
+          <a:effectRef idx="0">
+            <a:schemeClr val="accent1"/>
+          </a:effectRef>
+          <a:fontRef idx="minor">
+            <a:schemeClr val="lt1"/>
+          </a:fontRef>
+        </p:style>
+        <p:txBody>
+          <a:bodyPr lIns="91440" tIns="0" rIns="91440" rtlCol="0" anchor="t"/>
+          <a:lstStyle/>
+          <a:p>
+            <a:pPr marL="350838" indent="-350838"/>
+            <a:r>
+              <a:rPr lang="en-US" sz="2400" smtClean="0">
+                <a:solidFill>
+                  <a:schemeClr val="accent6"/>
+                </a:solidFill>
+              </a:rPr>
+              <a:t>Jern</a:t>
+            </a:r>
+            <a:r>
+              <a:rPr lang="en-US" sz="2400" dirty="0">
+                <a:solidFill>
+                  <a:schemeClr val="accent6"/>
+                </a:solidFill>
+              </a:rPr>
+              <a:t>, A., &amp; Kemp, C. (2013). A probabilistic account of exemplar and category generation. Cognitive Psychology, 66(1), 85–125</a:t>
+            </a:r>
+            <a:r>
+              <a:rPr lang="en-US" sz="2400" dirty="0" smtClean="0">
+                <a:solidFill>
+                  <a:schemeClr val="accent6"/>
+                </a:solidFill>
+              </a:rPr>
+              <a:t>.</a:t>
+            </a:r>
+          </a:p>
+          <a:p>
+            <a:pPr marL="350838" indent="-350838"/>
+            <a:r>
+              <a:rPr lang="en-US" sz="2400" dirty="0" smtClean="0">
+                <a:solidFill>
+                  <a:schemeClr val="accent6"/>
+                </a:solidFill>
+              </a:rPr>
+              <a:t>Nosofsky</a:t>
+            </a:r>
+            <a:r>
+              <a:rPr lang="en-US" sz="2400" dirty="0">
+                <a:solidFill>
+                  <a:schemeClr val="accent6"/>
+                </a:solidFill>
+              </a:rPr>
+              <a:t>, R</a:t>
+            </a:r>
+            <a:r>
+              <a:rPr lang="en-US" sz="2400" dirty="0" smtClean="0">
+                <a:solidFill>
+                  <a:schemeClr val="accent6"/>
+                </a:solidFill>
+              </a:rPr>
+              <a:t>.  </a:t>
+            </a:r>
+            <a:r>
+              <a:rPr lang="en-US" sz="2400" dirty="0">
+                <a:solidFill>
+                  <a:schemeClr val="accent6"/>
+                </a:solidFill>
+              </a:rPr>
+              <a:t>(1984). Choice, similarity, and the context theory of classification. J</a:t>
+            </a:r>
+            <a:r>
+              <a:rPr lang="en-US" sz="2400" dirty="0" smtClean="0">
+                <a:solidFill>
+                  <a:schemeClr val="accent6"/>
+                </a:solidFill>
+              </a:rPr>
+              <a:t>EP:LMC, </a:t>
+            </a:r>
+            <a:r>
+              <a:rPr lang="en-US" sz="2400" dirty="0">
+                <a:solidFill>
+                  <a:schemeClr val="accent6"/>
+                </a:solidFill>
+              </a:rPr>
+              <a:t>10(1), 104</a:t>
+            </a:r>
+            <a:r>
+              <a:rPr lang="en-US" sz="2400" dirty="0" smtClean="0">
+                <a:solidFill>
+                  <a:schemeClr val="accent6"/>
+                </a:solidFill>
+              </a:rPr>
+              <a:t>.</a:t>
+            </a:r>
+          </a:p>
+          <a:p>
+            <a:pPr marL="350838" indent="-350838"/>
+            <a:r>
+              <a:rPr lang="en-US" sz="2400" dirty="0" smtClean="0">
+                <a:solidFill>
+                  <a:schemeClr val="accent6"/>
+                </a:solidFill>
+              </a:rPr>
+              <a:t>Ward</a:t>
+            </a:r>
+            <a:r>
+              <a:rPr lang="en-US" sz="2400" dirty="0">
+                <a:solidFill>
+                  <a:schemeClr val="accent6"/>
+                </a:solidFill>
+              </a:rPr>
+              <a:t>, T</a:t>
+            </a:r>
+            <a:r>
+              <a:rPr lang="en-US" sz="2400" dirty="0" smtClean="0">
+                <a:solidFill>
+                  <a:schemeClr val="accent6"/>
+                </a:solidFill>
+              </a:rPr>
+              <a:t>. </a:t>
+            </a:r>
+            <a:r>
+              <a:rPr lang="en-US" sz="2400" dirty="0">
+                <a:solidFill>
+                  <a:schemeClr val="accent6"/>
+                </a:solidFill>
+              </a:rPr>
+              <a:t>(1994). Structured imagination: The role of category structure in exemplar generation. Cognitive Psychology, 27(1), 1–40</a:t>
+            </a:r>
+            <a:r>
+              <a:rPr lang="en-US" sz="2400" dirty="0" smtClean="0">
+                <a:solidFill>
+                  <a:schemeClr val="accent6"/>
+                </a:solidFill>
+              </a:rPr>
+              <a:t>.</a:t>
+            </a:r>
+          </a:p>
+          <a:p>
+            <a:pPr marL="350838" indent="-350838"/>
+            <a:r>
+              <a:rPr lang="en-US" sz="2400" dirty="0" smtClean="0">
+                <a:solidFill>
+                  <a:schemeClr val="accent6"/>
+                </a:solidFill>
+              </a:rPr>
+              <a:t>Ward</a:t>
+            </a:r>
+            <a:r>
+              <a:rPr lang="en-US" sz="2400" dirty="0">
+                <a:solidFill>
+                  <a:schemeClr val="accent6"/>
+                </a:solidFill>
+              </a:rPr>
+              <a:t>, T</a:t>
+            </a:r>
+            <a:r>
+              <a:rPr lang="en-US" sz="2400" dirty="0" smtClean="0">
+                <a:solidFill>
+                  <a:schemeClr val="accent6"/>
+                </a:solidFill>
+              </a:rPr>
+              <a:t>. </a:t>
+            </a:r>
+            <a:r>
+              <a:rPr lang="en-US" sz="2400" dirty="0">
+                <a:solidFill>
+                  <a:schemeClr val="accent6"/>
+                </a:solidFill>
+              </a:rPr>
+              <a:t>(1995). </a:t>
+            </a:r>
+            <a:r>
+              <a:rPr lang="en-US" sz="2400" dirty="0" smtClean="0">
+                <a:solidFill>
+                  <a:schemeClr val="accent6"/>
+                </a:solidFill>
+              </a:rPr>
+              <a:t>What’s </a:t>
+            </a:r>
+            <a:r>
+              <a:rPr lang="en-US" sz="2400" dirty="0">
+                <a:solidFill>
+                  <a:schemeClr val="accent6"/>
+                </a:solidFill>
+              </a:rPr>
+              <a:t>old about new ideas. The creative cognition approach, 157–178.</a:t>
+            </a:r>
+            <a:endParaRPr lang="en-US" sz="2400" dirty="0">
+              <a:solidFill>
+                <a:schemeClr val="accent6"/>
+              </a:solidFill>
+              <a:latin typeface="Raleway" charset="0"/>
+              <a:ea typeface="Raleway" charset="0"/>
+              <a:cs typeface="Raleway" charset="0"/>
+            </a:endParaRPr>
+          </a:p>
+        </p:txBody>
+      </p:sp>
+      <p:sp>
+        <p:nvSpPr>
+          <p:cNvPr id="103" name="Rectangle 102"/>
+          <p:cNvSpPr/>
+          <p:nvPr/>
+        </p:nvSpPr>
+        <p:spPr>
+          <a:xfrm>
+            <a:off x="13489354" y="5230552"/>
+            <a:ext cx="14641454" cy="12695483"/>
+          </a:xfrm>
+          <a:prstGeom prst="rect">
+            <a:avLst/>
+          </a:prstGeom>
+          <a:noFill/>
+          <a:ln>
+            <a:noFill/>
+          </a:ln>
+        </p:spPr>
+        <p:style>
+          <a:lnRef idx="2">
+            <a:schemeClr val="accent1">
+              <a:shade val="50000"/>
+            </a:schemeClr>
+          </a:lnRef>
+          <a:fillRef idx="1">
+            <a:schemeClr val="accent1"/>
+          </a:fillRef>
+          <a:effectRef idx="0">
+            <a:schemeClr val="accent1"/>
+          </a:effectRef>
+          <a:fontRef idx="minor">
+            <a:schemeClr val="lt1"/>
+          </a:fontRef>
+        </p:style>
+        <p:txBody>
+          <a:bodyPr lIns="91440" tIns="0" rIns="91440" rtlCol="0" anchor="t"/>
+          <a:lstStyle/>
+          <a:p>
+            <a:pPr>
+              <a:spcBef>
+                <a:spcPts val="600"/>
+              </a:spcBef>
+              <a:spcAft>
+                <a:spcPts val="600"/>
+              </a:spcAft>
+            </a:pPr>
+            <a:r>
+              <a:rPr lang="en-US" sz="4400" b="1" dirty="0" smtClean="0">
+                <a:solidFill>
+                  <a:schemeClr val="accent6"/>
+                </a:solidFill>
+                <a:latin typeface="Raleway SemiBold" charset="0"/>
+                <a:ea typeface="Raleway SemiBold" charset="0"/>
+                <a:cs typeface="Raleway SemiBold" charset="0"/>
+              </a:rPr>
+              <a:t>Behavioral Experiment</a:t>
+            </a:r>
+          </a:p>
+          <a:p>
+            <a:pPr>
+              <a:spcBef>
+                <a:spcPts val="600"/>
+              </a:spcBef>
+              <a:spcAft>
+                <a:spcPts val="600"/>
+              </a:spcAft>
+            </a:pPr>
+            <a:r>
+              <a:rPr lang="en-US" sz="3600" b="1" dirty="0" smtClean="0">
+                <a:solidFill>
+                  <a:schemeClr val="accent6"/>
+                </a:solidFill>
+                <a:latin typeface="Raleway" charset="0"/>
+                <a:ea typeface="Raleway" charset="0"/>
+                <a:cs typeface="Raleway" charset="0"/>
+              </a:rPr>
+              <a:t>Questions: </a:t>
+            </a:r>
+            <a:r>
+              <a:rPr lang="en-US" sz="3600" dirty="0">
+                <a:solidFill>
+                  <a:schemeClr val="accent6"/>
+                </a:solidFill>
+                <a:latin typeface="Raleway" charset="0"/>
+                <a:ea typeface="Raleway" charset="0"/>
+                <a:cs typeface="Raleway" charset="0"/>
+              </a:rPr>
+              <a:t>D</a:t>
+            </a:r>
+            <a:r>
+              <a:rPr lang="en-US" sz="3600" dirty="0" smtClean="0">
+                <a:solidFill>
+                  <a:schemeClr val="accent6"/>
+                </a:solidFill>
+                <a:latin typeface="Raleway" charset="0"/>
+                <a:ea typeface="Raleway" charset="0"/>
+                <a:cs typeface="Raleway" charset="0"/>
+              </a:rPr>
+              <a:t>o </a:t>
+            </a:r>
+            <a:r>
+              <a:rPr lang="en-US" sz="3600" dirty="0">
+                <a:solidFill>
+                  <a:schemeClr val="accent6"/>
+                </a:solidFill>
+                <a:latin typeface="Raleway" charset="0"/>
+                <a:ea typeface="Raleway" charset="0"/>
+                <a:cs typeface="Raleway" charset="0"/>
+              </a:rPr>
+              <a:t>generated categories contrast with previously learned categories</a:t>
+            </a:r>
+            <a:r>
+              <a:rPr lang="en-US" sz="3600" dirty="0" smtClean="0">
+                <a:solidFill>
+                  <a:schemeClr val="accent6"/>
+                </a:solidFill>
+                <a:latin typeface="Raleway" charset="0"/>
+                <a:ea typeface="Raleway" charset="0"/>
+                <a:cs typeface="Raleway" charset="0"/>
+              </a:rPr>
+              <a:t>? Is distributional emulation the only factor?</a:t>
+            </a:r>
+          </a:p>
+          <a:p>
+            <a:pPr>
+              <a:spcBef>
+                <a:spcPts val="600"/>
+              </a:spcBef>
+              <a:spcAft>
+                <a:spcPts val="600"/>
+              </a:spcAft>
+            </a:pPr>
+            <a:r>
+              <a:rPr lang="en-US" sz="3600" dirty="0" smtClean="0">
+                <a:solidFill>
+                  <a:schemeClr val="accent6"/>
+                </a:solidFill>
+                <a:latin typeface="Raleway" charset="0"/>
+                <a:ea typeface="Raleway" charset="0"/>
+                <a:cs typeface="Raleway" charset="0"/>
+              </a:rPr>
+              <a:t>Participants (N=122) learned about an experimenter-defined category (‘Alpha’) composed of squares varying in size and color</a:t>
+            </a:r>
+            <a:r>
+              <a:rPr lang="en-US" sz="3600" dirty="0" smtClean="0">
+                <a:solidFill>
+                  <a:schemeClr val="accent6"/>
+                </a:solidFill>
+                <a:latin typeface="Raleway" charset="0"/>
+                <a:ea typeface="Raleway" charset="0"/>
+                <a:cs typeface="Raleway" charset="0"/>
+              </a:rPr>
+              <a:t>.</a:t>
+            </a:r>
+          </a:p>
+          <a:p>
+            <a:pPr>
+              <a:spcBef>
+                <a:spcPts val="600"/>
+              </a:spcBef>
+              <a:spcAft>
+                <a:spcPts val="600"/>
+              </a:spcAft>
+            </a:pPr>
+            <a:endParaRPr lang="en-US" sz="3600" dirty="0">
+              <a:solidFill>
+                <a:schemeClr val="accent6"/>
+              </a:solidFill>
+              <a:latin typeface="Raleway" charset="0"/>
+              <a:ea typeface="Raleway" charset="0"/>
+              <a:cs typeface="Raleway" charset="0"/>
+            </a:endParaRPr>
+          </a:p>
+          <a:p>
+            <a:pPr>
+              <a:spcBef>
+                <a:spcPts val="600"/>
+              </a:spcBef>
+              <a:spcAft>
+                <a:spcPts val="600"/>
+              </a:spcAft>
+            </a:pPr>
+            <a:endParaRPr lang="en-US" sz="3600" dirty="0" smtClean="0">
+              <a:solidFill>
+                <a:schemeClr val="accent6"/>
+              </a:solidFill>
+              <a:latin typeface="Raleway" charset="0"/>
+              <a:ea typeface="Raleway" charset="0"/>
+              <a:cs typeface="Raleway" charset="0"/>
+            </a:endParaRPr>
+          </a:p>
+          <a:p>
+            <a:pPr>
+              <a:spcBef>
+                <a:spcPts val="600"/>
+              </a:spcBef>
+              <a:spcAft>
+                <a:spcPts val="600"/>
+              </a:spcAft>
+            </a:pPr>
+            <a:endParaRPr lang="en-US" sz="3600" dirty="0">
+              <a:solidFill>
+                <a:schemeClr val="accent6"/>
+              </a:solidFill>
+              <a:latin typeface="Raleway" charset="0"/>
+              <a:ea typeface="Raleway" charset="0"/>
+              <a:cs typeface="Raleway" charset="0"/>
+            </a:endParaRPr>
+          </a:p>
+          <a:p>
+            <a:pPr>
+              <a:spcBef>
+                <a:spcPts val="600"/>
+              </a:spcBef>
+              <a:spcAft>
+                <a:spcPts val="600"/>
+              </a:spcAft>
+            </a:pPr>
+            <a:endParaRPr lang="en-US" sz="3600" dirty="0" smtClean="0">
+              <a:solidFill>
+                <a:schemeClr val="accent6"/>
+              </a:solidFill>
+              <a:latin typeface="Raleway" charset="0"/>
+              <a:ea typeface="Raleway" charset="0"/>
+              <a:cs typeface="Raleway" charset="0"/>
+            </a:endParaRPr>
+          </a:p>
+          <a:p>
+            <a:pPr>
+              <a:spcBef>
+                <a:spcPts val="600"/>
+              </a:spcBef>
+              <a:spcAft>
+                <a:spcPts val="600"/>
+              </a:spcAft>
+            </a:pPr>
+            <a:endParaRPr lang="en-US" sz="3600" dirty="0">
+              <a:solidFill>
+                <a:schemeClr val="accent6"/>
+              </a:solidFill>
+              <a:latin typeface="Raleway" charset="0"/>
+              <a:ea typeface="Raleway" charset="0"/>
+              <a:cs typeface="Raleway" charset="0"/>
+            </a:endParaRPr>
+          </a:p>
+          <a:p>
+            <a:pPr>
+              <a:spcBef>
+                <a:spcPts val="600"/>
+              </a:spcBef>
+              <a:spcAft>
+                <a:spcPts val="600"/>
+              </a:spcAft>
+            </a:pPr>
+            <a:endParaRPr lang="en-US" sz="3600" dirty="0" smtClean="0">
+              <a:solidFill>
+                <a:schemeClr val="accent6"/>
+              </a:solidFill>
+              <a:latin typeface="Raleway" charset="0"/>
+              <a:ea typeface="Raleway" charset="0"/>
+              <a:cs typeface="Raleway" charset="0"/>
+            </a:endParaRPr>
+          </a:p>
+          <a:p>
+            <a:pPr>
+              <a:spcBef>
+                <a:spcPts val="600"/>
+              </a:spcBef>
+              <a:spcAft>
+                <a:spcPts val="600"/>
+              </a:spcAft>
+            </a:pPr>
+            <a:endParaRPr lang="en-US" sz="3600" dirty="0">
+              <a:solidFill>
+                <a:schemeClr val="accent6"/>
+              </a:solidFill>
+              <a:latin typeface="Raleway" charset="0"/>
+              <a:ea typeface="Raleway" charset="0"/>
+              <a:cs typeface="Raleway" charset="0"/>
+            </a:endParaRPr>
+          </a:p>
+          <a:p>
+            <a:pPr>
+              <a:spcBef>
+                <a:spcPts val="600"/>
+              </a:spcBef>
+              <a:spcAft>
+                <a:spcPts val="600"/>
+              </a:spcAft>
+            </a:pPr>
+            <a:endParaRPr lang="en-US" sz="3600" dirty="0" smtClean="0">
+              <a:solidFill>
+                <a:schemeClr val="accent6"/>
+              </a:solidFill>
+              <a:latin typeface="Raleway" charset="0"/>
+              <a:ea typeface="Raleway" charset="0"/>
+              <a:cs typeface="Raleway" charset="0"/>
+            </a:endParaRPr>
+          </a:p>
+          <a:p>
+            <a:pPr>
+              <a:spcBef>
+                <a:spcPts val="600"/>
+              </a:spcBef>
+              <a:spcAft>
+                <a:spcPts val="600"/>
+              </a:spcAft>
+            </a:pPr>
+            <a:endParaRPr lang="en-US" sz="3600" dirty="0">
+              <a:solidFill>
+                <a:schemeClr val="accent6"/>
+              </a:solidFill>
+              <a:latin typeface="Raleway" charset="0"/>
+              <a:ea typeface="Raleway" charset="0"/>
+              <a:cs typeface="Raleway" charset="0"/>
+            </a:endParaRPr>
+          </a:p>
+          <a:p>
+            <a:pPr>
+              <a:spcBef>
+                <a:spcPts val="600"/>
+              </a:spcBef>
+              <a:spcAft>
+                <a:spcPts val="600"/>
+              </a:spcAft>
+            </a:pPr>
+            <a:endParaRPr lang="en-US" sz="3600" dirty="0" smtClean="0">
+              <a:solidFill>
+                <a:schemeClr val="accent6"/>
+              </a:solidFill>
+              <a:latin typeface="Raleway" charset="0"/>
+              <a:ea typeface="Raleway" charset="0"/>
+              <a:cs typeface="Raleway" charset="0"/>
+            </a:endParaRPr>
+          </a:p>
+          <a:p>
+            <a:pPr>
+              <a:spcBef>
+                <a:spcPts val="600"/>
+              </a:spcBef>
+              <a:spcAft>
+                <a:spcPts val="600"/>
+              </a:spcAft>
+            </a:pPr>
+            <a:r>
+              <a:rPr lang="en-US" sz="3600" b="1" dirty="0" smtClean="0">
+                <a:solidFill>
+                  <a:schemeClr val="accent6"/>
+                </a:solidFill>
+                <a:latin typeface="Raleway" charset="0"/>
+                <a:ea typeface="Raleway" charset="0"/>
+                <a:cs typeface="Raleway" charset="0"/>
+              </a:rPr>
+              <a:t>If category contrast is a factor, the </a:t>
+            </a:r>
+            <a:r>
+              <a:rPr lang="en-US" sz="3600" b="1" i="1" dirty="0" smtClean="0">
+                <a:solidFill>
+                  <a:schemeClr val="accent6"/>
+                </a:solidFill>
+                <a:latin typeface="Raleway" charset="0"/>
+                <a:ea typeface="Raleway" charset="0"/>
+                <a:cs typeface="Raleway" charset="0"/>
+              </a:rPr>
+              <a:t>unoccupied</a:t>
+            </a:r>
+            <a:r>
+              <a:rPr lang="en-US" sz="3600" b="1" dirty="0" smtClean="0">
+                <a:solidFill>
+                  <a:schemeClr val="accent6"/>
+                </a:solidFill>
+                <a:latin typeface="Raleway" charset="0"/>
+                <a:ea typeface="Raleway" charset="0"/>
+                <a:cs typeface="Raleway" charset="0"/>
+              </a:rPr>
+              <a:t> </a:t>
+            </a:r>
+            <a:r>
+              <a:rPr lang="en-US" sz="3600" b="1" i="1" dirty="0" smtClean="0">
+                <a:solidFill>
+                  <a:schemeClr val="accent6"/>
+                </a:solidFill>
+                <a:latin typeface="Raleway" charset="0"/>
+                <a:ea typeface="Raleway" charset="0"/>
+                <a:cs typeface="Raleway" charset="0"/>
+              </a:rPr>
+              <a:t>space</a:t>
+            </a:r>
+            <a:r>
+              <a:rPr lang="en-US" sz="3600" b="1" dirty="0" smtClean="0">
+                <a:solidFill>
+                  <a:schemeClr val="accent6"/>
+                </a:solidFill>
+                <a:latin typeface="Raleway" charset="0"/>
+                <a:ea typeface="Raleway" charset="0"/>
+                <a:cs typeface="Raleway" charset="0"/>
+              </a:rPr>
+              <a:t> is important:</a:t>
+            </a:r>
+          </a:p>
+          <a:p>
+            <a:pPr marL="571500" indent="-571500">
+              <a:spcBef>
+                <a:spcPts val="600"/>
+              </a:spcBef>
+              <a:spcAft>
+                <a:spcPts val="600"/>
+              </a:spcAft>
+              <a:buFontTx/>
+              <a:buChar char="-"/>
+            </a:pPr>
+            <a:r>
+              <a:rPr lang="en-US" sz="3600" dirty="0" smtClean="0">
+                <a:solidFill>
+                  <a:schemeClr val="accent6"/>
+                </a:solidFill>
+                <a:latin typeface="Raleway" charset="0"/>
+                <a:ea typeface="Raleway" charset="0"/>
+                <a:cs typeface="Raleway" charset="0"/>
+              </a:rPr>
+              <a:t>Participants should generate items distant from the Alphas.</a:t>
+            </a:r>
+          </a:p>
+          <a:p>
+            <a:pPr marL="571500" indent="-571500">
+              <a:spcBef>
+                <a:spcPts val="600"/>
+              </a:spcBef>
+              <a:spcAft>
+                <a:spcPts val="600"/>
+              </a:spcAft>
+              <a:buFontTx/>
+              <a:buChar char="-"/>
+            </a:pPr>
+            <a:r>
+              <a:rPr lang="en-US" sz="3600" dirty="0" smtClean="0">
+                <a:solidFill>
+                  <a:schemeClr val="accent6"/>
+                </a:solidFill>
+                <a:latin typeface="Raleway" charset="0"/>
+                <a:ea typeface="Raleway" charset="0"/>
+                <a:cs typeface="Raleway" charset="0"/>
+              </a:rPr>
+              <a:t>Middle </a:t>
+            </a:r>
+            <a:r>
+              <a:rPr lang="en-US" sz="3600" dirty="0" err="1" smtClean="0">
+                <a:solidFill>
+                  <a:schemeClr val="accent6"/>
+                </a:solidFill>
+                <a:latin typeface="Raleway" charset="0"/>
+                <a:ea typeface="Raleway" charset="0"/>
+                <a:cs typeface="Raleway" charset="0"/>
+              </a:rPr>
+              <a:t>Ss</a:t>
+            </a:r>
+            <a:r>
+              <a:rPr lang="en-US" sz="3600" dirty="0" smtClean="0">
+                <a:solidFill>
+                  <a:schemeClr val="accent6"/>
+                </a:solidFill>
+                <a:latin typeface="Raleway" charset="0"/>
+                <a:ea typeface="Raleway" charset="0"/>
+                <a:cs typeface="Raleway" charset="0"/>
+              </a:rPr>
+              <a:t> should create categories spanning the entire Y-axis.</a:t>
+            </a:r>
+            <a:endParaRPr lang="en-US" sz="3600" dirty="0" smtClean="0">
+              <a:solidFill>
+                <a:schemeClr val="accent6"/>
+              </a:solidFill>
+              <a:latin typeface="Raleway" charset="0"/>
+              <a:ea typeface="Raleway" charset="0"/>
+              <a:cs typeface="Raleway" charset="0"/>
+            </a:endParaRPr>
+          </a:p>
+          <a:p>
+            <a:pPr>
+              <a:spcBef>
+                <a:spcPts val="600"/>
+              </a:spcBef>
+              <a:spcAft>
+                <a:spcPts val="600"/>
+              </a:spcAft>
+            </a:pPr>
+            <a:endParaRPr lang="en-US" sz="3600" dirty="0">
+              <a:solidFill>
+                <a:schemeClr val="accent6"/>
+              </a:solidFill>
+              <a:latin typeface="Raleway" charset="0"/>
+              <a:ea typeface="Raleway" charset="0"/>
+              <a:cs typeface="Raleway" charset="0"/>
+            </a:endParaRPr>
+          </a:p>
+          <a:p>
+            <a:pPr>
+              <a:spcBef>
+                <a:spcPts val="600"/>
+              </a:spcBef>
+              <a:spcAft>
+                <a:spcPts val="600"/>
+              </a:spcAft>
+            </a:pPr>
+            <a:endParaRPr lang="en-US" sz="3600" dirty="0" smtClean="0">
+              <a:solidFill>
+                <a:schemeClr val="accent6"/>
+              </a:solidFill>
+              <a:latin typeface="Raleway" charset="0"/>
+              <a:ea typeface="Raleway" charset="0"/>
+              <a:cs typeface="Raleway" charset="0"/>
+            </a:endParaRPr>
+          </a:p>
+          <a:p>
+            <a:pPr>
+              <a:spcBef>
+                <a:spcPts val="600"/>
+              </a:spcBef>
+              <a:spcAft>
+                <a:spcPts val="600"/>
+              </a:spcAft>
+            </a:pPr>
+            <a:endParaRPr lang="en-US" sz="3600" dirty="0">
+              <a:solidFill>
+                <a:schemeClr val="accent6"/>
+              </a:solidFill>
+              <a:latin typeface="Raleway" charset="0"/>
+              <a:ea typeface="Raleway" charset="0"/>
+              <a:cs typeface="Raleway" charset="0"/>
+            </a:endParaRPr>
+          </a:p>
+          <a:p>
+            <a:pPr>
+              <a:spcBef>
+                <a:spcPts val="600"/>
+              </a:spcBef>
+              <a:spcAft>
+                <a:spcPts val="600"/>
+              </a:spcAft>
+            </a:pPr>
+            <a:endParaRPr lang="en-US" sz="4400" b="1" dirty="0">
+              <a:solidFill>
+                <a:schemeClr val="accent6"/>
+              </a:solidFill>
+              <a:latin typeface="Raleway SemiBold" charset="0"/>
+              <a:ea typeface="Raleway SemiBold" charset="0"/>
+              <a:cs typeface="Raleway SemiBold" charset="0"/>
+            </a:endParaRPr>
+          </a:p>
+        </p:txBody>
+      </p:sp>
+      <p:pic>
+        <p:nvPicPr>
+          <p:cNvPr id="9" name="Picture 8"/>
+          <p:cNvPicPr>
+            <a:picLocks noChangeAspect="1"/>
+          </p:cNvPicPr>
+          <p:nvPr/>
+        </p:nvPicPr>
+        <p:blipFill>
+          <a:blip r:embed="rId10">
+            <a:extLst>
+              <a:ext uri="{28A0092B-C50C-407E-A947-70E740481C1C}">
+                <a14:useLocalDpi xmlns:a14="http://schemas.microsoft.com/office/drawing/2010/main" val="0"/>
+              </a:ext>
+            </a:extLst>
+          </a:blip>
+          <a:stretch>
+            <a:fillRect/>
+          </a:stretch>
+        </p:blipFill>
+        <p:spPr>
+          <a:xfrm>
+            <a:off x="28380606" y="21265330"/>
+            <a:ext cx="16376248" cy="6062836"/>
+          </a:xfrm>
+          <a:prstGeom prst="rect">
+            <a:avLst/>
+          </a:prstGeom>
+        </p:spPr>
+      </p:pic>
     </p:spTree>
     <p:extLst>
       <p:ext uri="{BB962C8B-B14F-4D97-AF65-F5344CB8AC3E}">

--- a/Presentations/cogsci-2017-poster.pptx
+++ b/Presentations/cogsci-2017-poster.pptx
@@ -122,6 +122,96 @@
     </p:ext>
   </p:extLst>
 </p:presentation>
+</file>
+
+<file path=ppt/commentAuthors.xml><?xml version="1.0" encoding="utf-8"?>
+<p:cmAuthorLst xmlns:a="http://schemas.openxmlformats.org/drawingml/2006/main" xmlns:r="http://schemas.openxmlformats.org/officeDocument/2006/relationships" xmlns:p="http://schemas.openxmlformats.org/presentationml/2006/main">
+  <p:cmAuthor id="1" name="Joe Austerweil" initials="JA" lastIdx="1" clrIdx="0">
+    <p:extLst>
+      <p:ext uri="{19B8F6BF-5375-455C-9EA6-DF929625EA0E}">
+        <p15:presenceInfo xmlns:p15="http://schemas.microsoft.com/office/powerpoint/2012/main" userId="" providerId=""/>
+      </p:ext>
+    </p:extLst>
+  </p:cmAuthor>
+  <p:cmAuthor id="2" name="Joe Austerweil" initials="JA [2]" lastIdx="1" clrIdx="1">
+    <p:extLst>
+      <p:ext uri="{19B8F6BF-5375-455C-9EA6-DF929625EA0E}">
+        <p15:presenceInfo xmlns:p15="http://schemas.microsoft.com/office/powerpoint/2012/main" userId="" providerId=""/>
+      </p:ext>
+    </p:extLst>
+  </p:cmAuthor>
+  <p:cmAuthor id="3" name="Joe Austerweil" initials="JA [3]" lastIdx="1" clrIdx="2">
+    <p:extLst>
+      <p:ext uri="{19B8F6BF-5375-455C-9EA6-DF929625EA0E}">
+        <p15:presenceInfo xmlns:p15="http://schemas.microsoft.com/office/powerpoint/2012/main" userId="" providerId=""/>
+      </p:ext>
+    </p:extLst>
+  </p:cmAuthor>
+  <p:cmAuthor id="4" name="Joe Austerweil" initials="JA [4]" lastIdx="1" clrIdx="3">
+    <p:extLst>
+      <p:ext uri="{19B8F6BF-5375-455C-9EA6-DF929625EA0E}">
+        <p15:presenceInfo xmlns:p15="http://schemas.microsoft.com/office/powerpoint/2012/main" userId="" providerId=""/>
+      </p:ext>
+    </p:extLst>
+  </p:cmAuthor>
+  <p:cmAuthor id="5" name="Joe Austerweil" initials="JA [5]" lastIdx="1" clrIdx="4">
+    <p:extLst>
+      <p:ext uri="{19B8F6BF-5375-455C-9EA6-DF929625EA0E}">
+        <p15:presenceInfo xmlns:p15="http://schemas.microsoft.com/office/powerpoint/2012/main" userId="" providerId=""/>
+      </p:ext>
+    </p:extLst>
+  </p:cmAuthor>
+</p:cmAuthorLst>
+</file>
+
+<file path=ppt/comments/comment1.xml><?xml version="1.0" encoding="utf-8"?>
+<p:cmLst xmlns:a="http://schemas.openxmlformats.org/drawingml/2006/main" xmlns:r="http://schemas.openxmlformats.org/officeDocument/2006/relationships" xmlns:p="http://schemas.openxmlformats.org/presentationml/2006/main">
+  <p:cm authorId="1" dt="2017-06-22T20:53:18.230" idx="1">
+    <p:pos x="7001" y="10855"/>
+    <p:text>Do you mean Ward 1995 here?</p:text>
+    <p:extLst>
+      <p:ext uri="{C676402C-5697-4E1C-873F-D02D1690AC5C}">
+        <p15:threadingInfo xmlns:p15="http://schemas.microsoft.com/office/powerpoint/2012/main" timeZoneBias="300"/>
+      </p:ext>
+    </p:extLst>
+  </p:cm>
+  <p:cm authorId="2" dt="2017-06-22T20:55:32.806" idx="1">
+    <p:pos x="8132" y="11300"/>
+    <p:text>I don't get what you mean in the description of "Path of Least Resistance/Copy &amp; Tweak".</p:text>
+    <p:extLst>
+      <p:ext uri="{C676402C-5697-4E1C-873F-D02D1690AC5C}">
+        <p15:threadingInfo xmlns:p15="http://schemas.microsoft.com/office/powerpoint/2012/main" timeZoneBias="300"/>
+      </p:ext>
+    </p:extLst>
+  </p:cm>
+  <p:cm authorId="3" dt="2017-06-22T21:13:05.189" idx="1">
+    <p:pos x="10995" y="6472"/>
+    <p:text>This area is too bunchy. I can't move or edit it for some reason. Also change "Ss" -&gt; "Ps"</p:text>
+    <p:extLst>
+      <p:ext uri="{C676402C-5697-4E1C-873F-D02D1690AC5C}">
+        <p15:threadingInfo xmlns:p15="http://schemas.microsoft.com/office/powerpoint/2012/main" timeZoneBias="300"/>
+      </p:ext>
+    </p:extLst>
+  </p:cm>
+  <p:cm authorId="4" dt="2017-06-22T21:16:41.743" idx="1">
+    <p:pos x="9826" y="15542"/>
+    <p:text>Middle and Bottom are opposite of stimuli images</p:text>
+    <p:extLst>
+      <p:ext uri="{C676402C-5697-4E1C-873F-D02D1690AC5C}">
+        <p15:threadingInfo xmlns:p15="http://schemas.microsoft.com/office/powerpoint/2012/main" timeZoneBias="300"/>
+      </p:ext>
+    </p:extLst>
+  </p:cm>
+  <p:cm authorId="5" dt="2017-06-22T21:18:37.719" idx="1">
+    <p:pos x="28193" y="7103"/>
+    <p:text>I"m torn about showing Exponentiated Luce choice rule, but I feel like we should have a line that says generation via exponentiated luce choice rule with parameter \theta...</p:text>
+    <p:extLst>
+      <p:ext uri="{C676402C-5697-4E1C-873F-D02D1690AC5C}">
+        <p15:threadingInfo xmlns:p15="http://schemas.microsoft.com/office/powerpoint/2012/main" timeZoneBias="300"/>
+      </p:ext>
+    </p:extLst>
+  </p:cm>
+</p:cmLst>
 </file>
 
 <file path=ppt/notesMasters/notesMaster1.xml><?xml version="1.0" encoding="utf-8"?>
@@ -3543,7 +3633,18 @@
                   <a:ea typeface="Raleway SemiBold" charset="0"/>
                   <a:cs typeface="Raleway SemiBold" charset="0"/>
                 </a:rPr>
-                <a:t>PACKER: An Exemplar Model of Category Generation.</a:t>
+                <a:t>PACKER: An Exemplar Model of Category </a:t>
+              </a:r>
+              <a:r>
+                <a:rPr lang="en-US" sz="8000" b="1" dirty="0" smtClean="0">
+                  <a:solidFill>
+                    <a:schemeClr val="accent6"/>
+                  </a:solidFill>
+                  <a:latin typeface="Raleway SemiBold" charset="0"/>
+                  <a:ea typeface="Raleway SemiBold" charset="0"/>
+                  <a:cs typeface="Raleway SemiBold" charset="0"/>
+                </a:rPr>
+                <a:t>Generation</a:t>
               </a:r>
               <a:endParaRPr lang="en-US" sz="8000" b="1" dirty="0">
                 <a:solidFill>
@@ -3601,7 +3702,18 @@
                   <a:ea typeface="Raleway" charset="0"/>
                   <a:cs typeface="Raleway" charset="0"/>
                 </a:rPr>
-                <a:t>University of Wisconsin-Madison</a:t>
+                <a:t>University of </a:t>
+              </a:r>
+              <a:r>
+                <a:rPr lang="en-US" sz="6000" dirty="0" smtClean="0">
+                  <a:solidFill>
+                    <a:schemeClr val="accent6"/>
+                  </a:solidFill>
+                  <a:latin typeface="Raleway" charset="0"/>
+                  <a:ea typeface="Raleway" charset="0"/>
+                  <a:cs typeface="Raleway" charset="0"/>
+                </a:rPr>
+                <a:t>Wisconsin-Madison; Department of Psychology</a:t>
               </a:r>
               <a:endParaRPr lang="en-US" sz="6000" dirty="0">
                 <a:solidFill>
@@ -3685,7 +3797,7 @@
         <p:spPr>
           <a:xfrm>
             <a:off x="914399" y="10334578"/>
-            <a:ext cx="12115800" cy="11480066"/>
+            <a:ext cx="12115800" cy="9987349"/>
           </a:xfrm>
           <a:prstGeom prst="rect">
             <a:avLst/>
@@ -3749,15 +3861,26 @@
               <a:t>: </a:t>
             </a:r>
             <a:r>
-              <a:rPr lang="en-US" sz="3600" dirty="0" err="1">
-                <a:solidFill>
-                  <a:schemeClr val="accent6"/>
-                </a:solidFill>
-                <a:latin typeface="Raleway" charset="0"/>
-                <a:ea typeface="Raleway" charset="0"/>
-                <a:cs typeface="Raleway" charset="0"/>
-              </a:rPr>
-              <a:t>Ss</a:t>
+              <a:rPr lang="en-US" sz="3600" dirty="0" smtClean="0">
+                <a:solidFill>
+                  <a:schemeClr val="accent6"/>
+                </a:solidFill>
+                <a:latin typeface="Raleway" charset="0"/>
+                <a:ea typeface="Raleway" charset="0"/>
+                <a:cs typeface="Raleway" charset="0"/>
+              </a:rPr>
+              <a:t>Ps drew pictures </a:t>
+            </a:r>
+            <a:r>
+              <a:rPr lang="en-US" sz="3600" dirty="0" smtClean="0">
+                <a:solidFill>
+                  <a:schemeClr val="accent6"/>
+                </a:solidFill>
+                <a:latin typeface="Raleway" charset="0"/>
+                <a:ea typeface="Raleway" charset="0"/>
+                <a:cs typeface="Raleway" charset="0"/>
+              </a:rPr>
+              <a:t>of new </a:t>
             </a:r>
             <a:r>
               <a:rPr lang="en-US" sz="3600" dirty="0">
@@ -3768,7 +3891,7 @@
                 <a:ea typeface="Raleway" charset="0"/>
                 <a:cs typeface="Raleway" charset="0"/>
               </a:rPr>
-              <a:t> </a:t>
+              <a:t>categories (e.g., new plants or animals), analyze what they created</a:t>
             </a:r>
             <a:r>
               <a:rPr lang="en-US" sz="3600" dirty="0" smtClean="0">
@@ -3779,18 +3902,7 @@
                 <a:ea typeface="Raleway" charset="0"/>
                 <a:cs typeface="Raleway" charset="0"/>
               </a:rPr>
-              <a:t>asked to draw pictures of new </a:t>
-            </a:r>
-            <a:r>
-              <a:rPr lang="en-US" sz="3600" dirty="0">
-                <a:solidFill>
-                  <a:schemeClr val="accent6"/>
-                </a:solidFill>
-                <a:latin typeface="Raleway" charset="0"/>
-                <a:ea typeface="Raleway" charset="0"/>
-                <a:cs typeface="Raleway" charset="0"/>
-              </a:rPr>
-              <a:t>categories (e.g., new plants or animals), analyze what they created</a:t>
+              <a:t>. (Ward, 1994</a:t>
             </a:r>
             <a:r>
               <a:rPr lang="en-US" sz="3600" dirty="0" smtClean="0">
@@ -3801,7 +3913,7 @@
                 <a:ea typeface="Raleway" charset="0"/>
                 <a:cs typeface="Raleway" charset="0"/>
               </a:rPr>
-              <a:t>. (Ward, 1994)</a:t>
+              <a:t>).</a:t>
             </a:r>
             <a:endParaRPr lang="en-US" sz="3600" dirty="0">
               <a:solidFill>
@@ -3844,17 +3956,6 @@
               <a:t>: </a:t>
             </a:r>
             <a:r>
-              <a:rPr lang="en-US" sz="3600" dirty="0" err="1" smtClean="0">
-                <a:solidFill>
-                  <a:schemeClr val="accent6"/>
-                </a:solidFill>
-                <a:latin typeface="Raleway" charset="0"/>
-                <a:ea typeface="Raleway" charset="0"/>
-                <a:cs typeface="Raleway" charset="0"/>
-              </a:rPr>
-              <a:t>Ss</a:t>
-            </a:r>
-            <a:r>
               <a:rPr lang="en-US" sz="3600" dirty="0" smtClean="0">
                 <a:solidFill>
                   <a:schemeClr val="accent6"/>
@@ -3863,7 +3964,62 @@
                 <a:ea typeface="Raleway" charset="0"/>
                 <a:cs typeface="Raleway" charset="0"/>
               </a:rPr>
-              <a:t> learn about categories in an artificial domain, then generate new categories (Jern &amp; Kemp. 2013). Designed to allow testing of formal models.</a:t>
+              <a:t>Ps </a:t>
+            </a:r>
+            <a:r>
+              <a:rPr lang="en-US" sz="3600" dirty="0" smtClean="0">
+                <a:solidFill>
+                  <a:schemeClr val="accent6"/>
+                </a:solidFill>
+                <a:latin typeface="Raleway" charset="0"/>
+                <a:ea typeface="Raleway" charset="0"/>
+                <a:cs typeface="Raleway" charset="0"/>
+              </a:rPr>
+              <a:t>learn about categories in an artificial domain, then generate new categories (Jern &amp; </a:t>
+            </a:r>
+            <a:r>
+              <a:rPr lang="en-US" sz="3600" dirty="0" smtClean="0">
+                <a:solidFill>
+                  <a:schemeClr val="accent6"/>
+                </a:solidFill>
+                <a:latin typeface="Raleway" charset="0"/>
+                <a:ea typeface="Raleway" charset="0"/>
+                <a:cs typeface="Raleway" charset="0"/>
+              </a:rPr>
+              <a:t>Kemp, </a:t>
+            </a:r>
+            <a:r>
+              <a:rPr lang="en-US" sz="3600" dirty="0" smtClean="0">
+                <a:solidFill>
+                  <a:schemeClr val="accent6"/>
+                </a:solidFill>
+                <a:latin typeface="Raleway" charset="0"/>
+                <a:ea typeface="Raleway" charset="0"/>
+                <a:cs typeface="Raleway" charset="0"/>
+              </a:rPr>
+              <a:t>2013). Designed to </a:t>
+            </a:r>
+            <a:r>
+              <a:rPr lang="en-US" sz="3600" dirty="0" smtClean="0">
+                <a:solidFill>
+                  <a:schemeClr val="accent6"/>
+                </a:solidFill>
+                <a:latin typeface="Raleway" charset="0"/>
+                <a:ea typeface="Raleway" charset="0"/>
+                <a:cs typeface="Raleway" charset="0"/>
+              </a:rPr>
+              <a:t>enable testing </a:t>
+            </a:r>
+            <a:r>
+              <a:rPr lang="en-US" sz="3600" dirty="0" smtClean="0">
+                <a:solidFill>
+                  <a:schemeClr val="accent6"/>
+                </a:solidFill>
+                <a:latin typeface="Raleway" charset="0"/>
+                <a:ea typeface="Raleway" charset="0"/>
+                <a:cs typeface="Raleway" charset="0"/>
+              </a:rPr>
+              <a:t>of formal models.</a:t>
             </a:r>
             <a:endParaRPr lang="en-US" sz="3600" b="1" dirty="0" smtClean="0">
               <a:solidFill>
@@ -3895,15 +4051,15 @@
               <a:t>Common </a:t>
             </a:r>
             <a:r>
-              <a:rPr lang="en-US" sz="3600" b="1" dirty="0">
-                <a:solidFill>
-                  <a:schemeClr val="accent6"/>
-                </a:solidFill>
-                <a:latin typeface="Raleway" charset="0"/>
-                <a:ea typeface="Raleway" charset="0"/>
-                <a:cs typeface="Raleway" charset="0"/>
-              </a:rPr>
-              <a:t>findings</a:t>
+              <a:rPr lang="en-US" sz="3600" b="1" dirty="0" smtClean="0">
+                <a:solidFill>
+                  <a:schemeClr val="accent6"/>
+                </a:solidFill>
+                <a:latin typeface="Raleway" charset="0"/>
+                <a:ea typeface="Raleway" charset="0"/>
+                <a:cs typeface="Raleway" charset="0"/>
+              </a:rPr>
+              <a:t>finding</a:t>
             </a:r>
             <a:r>
               <a:rPr lang="en-US" sz="3600" dirty="0">
@@ -3914,7 +4070,29 @@
                 <a:ea typeface="Raleway" charset="0"/>
                 <a:cs typeface="Raleway" charset="0"/>
               </a:rPr>
-              <a:t>: generated categories are distributionally similar to known categories:</a:t>
+              <a:t>.</a:t>
+            </a:r>
+            <a:r>
+              <a:rPr lang="en-US" sz="3600" dirty="0" smtClean="0">
+                <a:solidFill>
+                  <a:schemeClr val="accent6"/>
+                </a:solidFill>
+                <a:latin typeface="Raleway" charset="0"/>
+                <a:ea typeface="Raleway" charset="0"/>
+                <a:cs typeface="Raleway" charset="0"/>
+              </a:rPr>
+              <a:t> Generated </a:t>
+            </a:r>
+            <a:r>
+              <a:rPr lang="en-US" sz="3600" dirty="0">
+                <a:solidFill>
+                  <a:schemeClr val="accent6"/>
+                </a:solidFill>
+                <a:latin typeface="Raleway" charset="0"/>
+                <a:ea typeface="Raleway" charset="0"/>
+                <a:cs typeface="Raleway" charset="0"/>
+              </a:rPr>
+              <a:t>categories are distributionally similar to known categories:</a:t>
             </a:r>
           </a:p>
           <a:p>
@@ -4059,7 +4237,29 @@
                 <a:ea typeface="Raleway" charset="0"/>
                 <a:cs typeface="Raleway" charset="0"/>
               </a:rPr>
-              <a:t>: generated category members are copied from known members.</a:t>
+              <a:t>: </a:t>
+            </a:r>
+            <a:r>
+              <a:rPr lang="en-US" sz="3600" dirty="0" smtClean="0">
+                <a:solidFill>
+                  <a:schemeClr val="accent6"/>
+                </a:solidFill>
+                <a:latin typeface="Raleway" charset="0"/>
+                <a:ea typeface="Raleway" charset="0"/>
+                <a:cs typeface="Raleway" charset="0"/>
+              </a:rPr>
+              <a:t>Generated </a:t>
+            </a:r>
+            <a:r>
+              <a:rPr lang="en-US" sz="3600" dirty="0" smtClean="0">
+                <a:solidFill>
+                  <a:schemeClr val="accent6"/>
+                </a:solidFill>
+                <a:latin typeface="Raleway" charset="0"/>
+                <a:ea typeface="Raleway" charset="0"/>
+                <a:cs typeface="Raleway" charset="0"/>
+              </a:rPr>
+              <a:t>category members are copied from known members.</a:t>
             </a:r>
           </a:p>
           <a:p>
@@ -4090,7 +4290,29 @@
                 <a:ea typeface="Raleway" charset="0"/>
                 <a:cs typeface="Raleway" charset="0"/>
               </a:rPr>
-              <a:t>: New categories are samples from a domain-wide distribution. </a:t>
+              <a:t>: New categories are samples from a </a:t>
+            </a:r>
+            <a:r>
+              <a:rPr lang="en-US" sz="3600" dirty="0" smtClean="0">
+                <a:solidFill>
+                  <a:schemeClr val="accent6"/>
+                </a:solidFill>
+                <a:latin typeface="Raleway" charset="0"/>
+                <a:ea typeface="Raleway" charset="0"/>
+                <a:cs typeface="Raleway" charset="0"/>
+              </a:rPr>
+              <a:t>common, but latent, domain-wide </a:t>
+            </a:r>
+            <a:r>
+              <a:rPr lang="en-US" sz="3600" dirty="0" smtClean="0">
+                <a:solidFill>
+                  <a:schemeClr val="accent6"/>
+                </a:solidFill>
+                <a:latin typeface="Raleway" charset="0"/>
+                <a:ea typeface="Raleway" charset="0"/>
+                <a:cs typeface="Raleway" charset="0"/>
+              </a:rPr>
+              <a:t>distribution. </a:t>
             </a:r>
           </a:p>
         </p:txBody>
@@ -4103,8 +4325,8 @@
         </p:nvSpPr>
         <p:spPr>
           <a:xfrm>
-            <a:off x="914399" y="21655301"/>
-            <a:ext cx="12115800" cy="7197437"/>
+            <a:off x="914399" y="20931173"/>
+            <a:ext cx="12115800" cy="8210969"/>
           </a:xfrm>
           <a:prstGeom prst="rect">
             <a:avLst/>
@@ -4238,7 +4460,18 @@
                 <a:ea typeface="Raleway" charset="0"/>
                 <a:cs typeface="Raleway" charset="0"/>
               </a:rPr>
-              <a:t>. How do people ensure their creations are unique?</a:t>
+              <a:t>. </a:t>
+            </a:r>
+            <a:r>
+              <a:rPr lang="en-US" sz="3600" dirty="0" smtClean="0">
+                <a:solidFill>
+                  <a:schemeClr val="accent6"/>
+                </a:solidFill>
+                <a:latin typeface="Raleway" charset="0"/>
+                <a:ea typeface="Raleway" charset="0"/>
+                <a:cs typeface="Raleway" charset="0"/>
+              </a:rPr>
+              <a:t>New concepts should be different.</a:t>
             </a:r>
           </a:p>
           <a:p>
@@ -4251,17 +4484,6 @@
               </a:spcAft>
             </a:pPr>
             <a:r>
-              <a:rPr lang="en-US" sz="3600" b="1" dirty="0" smtClean="0">
-                <a:solidFill>
-                  <a:schemeClr val="accent6"/>
-                </a:solidFill>
-                <a:latin typeface="Raleway" charset="0"/>
-                <a:ea typeface="Raleway" charset="0"/>
-                <a:cs typeface="Raleway" charset="0"/>
-              </a:rPr>
-              <a:t>Our Contribution: </a:t>
-            </a:r>
-            <a:r>
               <a:rPr lang="en-US" sz="3600" dirty="0" smtClean="0">
                 <a:solidFill>
                   <a:schemeClr val="accent6"/>
@@ -4270,19 +4492,39 @@
                 <a:ea typeface="Raleway" charset="0"/>
                 <a:cs typeface="Raleway" charset="0"/>
               </a:rPr>
-              <a:t>We developed an exemplar-based approach to explain differences between generated and known categories, We evaluated our model in a novel experiment.</a:t>
-            </a:r>
-          </a:p>
-          <a:p>
-            <a:pPr marL="571500" indent="-571500">
+              <a:t>How </a:t>
+            </a:r>
+            <a:r>
+              <a:rPr lang="en-US" sz="3600" dirty="0" smtClean="0">
+                <a:solidFill>
+                  <a:schemeClr val="accent6"/>
+                </a:solidFill>
+                <a:latin typeface="Raleway" charset="0"/>
+                <a:ea typeface="Raleway" charset="0"/>
+                <a:cs typeface="Raleway" charset="0"/>
+              </a:rPr>
+              <a:t>do people ensure their creations are unique</a:t>
+            </a:r>
+            <a:r>
+              <a:rPr lang="en-US" sz="3600" dirty="0" smtClean="0">
+                <a:solidFill>
+                  <a:schemeClr val="accent6"/>
+                </a:solidFill>
+                <a:latin typeface="Raleway" charset="0"/>
+                <a:ea typeface="Raleway" charset="0"/>
+                <a:cs typeface="Raleway" charset="0"/>
+              </a:rPr>
+              <a:t>?</a:t>
+            </a:r>
+          </a:p>
+          <a:p>
+            <a:pPr>
               <a:spcBef>
                 <a:spcPts val="600"/>
               </a:spcBef>
               <a:spcAft>
                 <a:spcPts val="600"/>
               </a:spcAft>
-              <a:buFontTx/>
-              <a:buChar char="-"/>
             </a:pPr>
             <a:endParaRPr lang="en-US" sz="3600" dirty="0" smtClean="0">
               <a:solidFill>
@@ -4294,16 +4536,105 @@
             </a:endParaRPr>
           </a:p>
           <a:p>
-            <a:pPr marL="571500" indent="-571500">
+            <a:pPr>
               <a:spcBef>
                 <a:spcPts val="600"/>
               </a:spcBef>
               <a:spcAft>
                 <a:spcPts val="600"/>
               </a:spcAft>
-              <a:buFontTx/>
-              <a:buChar char="-"/>
             </a:pPr>
+            <a:r>
+              <a:rPr lang="en-US" sz="3600" b="1" dirty="0" smtClean="0">
+                <a:solidFill>
+                  <a:schemeClr val="accent6"/>
+                </a:solidFill>
+                <a:latin typeface="Raleway" charset="0"/>
+                <a:ea typeface="Raleway" charset="0"/>
+                <a:cs typeface="Raleway" charset="0"/>
+              </a:rPr>
+              <a:t>Our </a:t>
+            </a:r>
+            <a:r>
+              <a:rPr lang="en-US" sz="3600" b="1" dirty="0" smtClean="0">
+                <a:solidFill>
+                  <a:schemeClr val="accent6"/>
+                </a:solidFill>
+                <a:latin typeface="Raleway" charset="0"/>
+                <a:ea typeface="Raleway" charset="0"/>
+                <a:cs typeface="Raleway" charset="0"/>
+              </a:rPr>
+              <a:t>Contributions: </a:t>
+            </a:r>
+          </a:p>
+          <a:p>
+            <a:pPr marL="742950" indent="-742950">
+              <a:spcBef>
+                <a:spcPts val="600"/>
+              </a:spcBef>
+              <a:spcAft>
+                <a:spcPts val="600"/>
+              </a:spcAft>
+              <a:buFont typeface="+mj-lt"/>
+              <a:buAutoNum type="arabicPeriod"/>
+            </a:pPr>
+            <a:r>
+              <a:rPr lang="en-US" sz="3600" dirty="0" smtClean="0">
+                <a:solidFill>
+                  <a:schemeClr val="accent6"/>
+                </a:solidFill>
+                <a:latin typeface="Raleway" charset="0"/>
+                <a:ea typeface="Raleway" charset="0"/>
+                <a:cs typeface="Raleway" charset="0"/>
+              </a:rPr>
+              <a:t>Proposed contrast as a core principle of category generation.</a:t>
+            </a:r>
+          </a:p>
+          <a:p>
+            <a:pPr marL="742950" indent="-742950">
+              <a:spcBef>
+                <a:spcPts val="600"/>
+              </a:spcBef>
+              <a:spcAft>
+                <a:spcPts val="600"/>
+              </a:spcAft>
+              <a:buFont typeface="+mj-lt"/>
+              <a:buAutoNum type="arabicPeriod"/>
+            </a:pPr>
+            <a:r>
+              <a:rPr lang="en-US" sz="3600" dirty="0" smtClean="0">
+                <a:solidFill>
+                  <a:schemeClr val="accent6"/>
+                </a:solidFill>
+                <a:latin typeface="Raleway" charset="0"/>
+                <a:ea typeface="Raleway" charset="0"/>
+                <a:cs typeface="Raleway" charset="0"/>
+              </a:rPr>
+              <a:t>Developed an exemplar-based model that includes contrast as a basic mechanism for generating new categories.</a:t>
+            </a:r>
+          </a:p>
+          <a:p>
+            <a:pPr marL="742950" indent="-742950">
+              <a:spcBef>
+                <a:spcPts val="600"/>
+              </a:spcBef>
+              <a:spcAft>
+                <a:spcPts val="600"/>
+              </a:spcAft>
+              <a:buFont typeface="+mj-lt"/>
+              <a:buAutoNum type="arabicPeriod"/>
+            </a:pPr>
+            <a:r>
+              <a:rPr lang="en-US" sz="3600" dirty="0" smtClean="0">
+                <a:solidFill>
+                  <a:schemeClr val="accent6"/>
+                </a:solidFill>
+                <a:latin typeface="Raleway" charset="0"/>
+                <a:ea typeface="Raleway" charset="0"/>
+                <a:cs typeface="Raleway" charset="0"/>
+              </a:rPr>
+              <a:t>Tested differences between our model and others in a behavioral experiment. We found strong support for ours and contrast as a core principle of category generation.</a:t>
+            </a:r>
             <a:endParaRPr lang="en-US" sz="3600" dirty="0" smtClean="0">
               <a:solidFill>
                 <a:schemeClr val="accent6"/>
@@ -4464,8 +4795,8 @@
             </a:p>
           </p:txBody>
         </p:sp>
-        <mc:AlternateContent xmlns:mc="http://schemas.openxmlformats.org/markup-compatibility/2006" xmlns:a14="http://schemas.microsoft.com/office/drawing/2010/main">
-          <mc:Choice Requires="a14">
+        <mc:AlternateContent xmlns:mc="http://schemas.openxmlformats.org/markup-compatibility/2006">
+          <mc:Choice xmlns:a14="http://schemas.microsoft.com/office/drawing/2010/main" Requires="a14">
             <p:sp>
               <p:nvSpPr>
                 <p:cNvPr id="20" name="Rectangle 19"/>
@@ -4699,7 +5030,29 @@
                       <a:ea typeface="Raleway" charset="0"/>
                       <a:cs typeface="Raleway" charset="0"/>
                     </a:rPr>
-                    <a:t>: generation is constrained by within- and between-class similarity. </a:t>
+                    <a:t>: </a:t>
+                  </a:r>
+                  <a:r>
+                    <a:rPr lang="en-US" sz="3600" dirty="0" smtClean="0">
+                      <a:solidFill>
+                        <a:schemeClr val="accent6"/>
+                      </a:solidFill>
+                      <a:latin typeface="Raleway" charset="0"/>
+                      <a:ea typeface="Raleway" charset="0"/>
+                      <a:cs typeface="Raleway" charset="0"/>
+                    </a:rPr>
+                    <a:t>Generation </a:t>
+                  </a:r>
+                  <a:r>
+                    <a:rPr lang="en-US" sz="3600" dirty="0" smtClean="0">
+                      <a:solidFill>
+                        <a:schemeClr val="accent6"/>
+                      </a:solidFill>
+                      <a:latin typeface="Raleway" charset="0"/>
+                      <a:ea typeface="Raleway" charset="0"/>
+                      <a:cs typeface="Raleway" charset="0"/>
+                    </a:rPr>
+                    <a:t>is constrained by within- and between-class similarity. </a:t>
                   </a:r>
                 </a:p>
                 <a:p>
@@ -5463,7 +5816,7 @@
               </p:txBody>
             </p:sp>
           </mc:Choice>
-          <mc:Fallback xmlns="">
+          <mc:Fallback>
             <p:sp>
               <p:nvSpPr>
                 <p:cNvPr id="20" name="Rectangle 19"/>
@@ -5483,7 +5836,7 @@
                 <a:blipFill rotWithShape="0">
                   <a:blip r:embed="rId5"/>
                   <a:stretch>
-                    <a:fillRect l="-2085" t="-2090" r="-819"/>
+                    <a:fillRect l="-2085" t="-2015" r="-1750"/>
                   </a:stretch>
                 </a:blipFill>
               </p:spPr>
@@ -5596,18 +5949,7 @@
                 <a:ea typeface="Raleway SemiBold" charset="0"/>
                 <a:cs typeface="Raleway SemiBold" charset="0"/>
               </a:rPr>
-              <a:t>Behavioral </a:t>
-            </a:r>
-            <a:r>
-              <a:rPr lang="en-US" sz="4400" b="1" dirty="0" smtClean="0">
-                <a:solidFill>
-                  <a:schemeClr val="accent6"/>
-                </a:solidFill>
-                <a:latin typeface="Raleway SemiBold" charset="0"/>
-                <a:ea typeface="Raleway SemiBold" charset="0"/>
-                <a:cs typeface="Raleway SemiBold" charset="0"/>
-              </a:rPr>
-              <a:t>Results</a:t>
+              <a:t>Behavioral Results</a:t>
             </a:r>
             <a:endParaRPr lang="en-US" sz="3600" dirty="0">
               <a:solidFill>
@@ -5628,6 +5970,17 @@
               </a:spcAft>
             </a:pPr>
             <a:r>
+              <a:rPr lang="en-US" sz="3600" dirty="0" err="1" smtClean="0">
+                <a:solidFill>
+                  <a:schemeClr val="accent6"/>
+                </a:solidFill>
+                <a:latin typeface="Raleway" charset="0"/>
+                <a:ea typeface="Raleway" charset="0"/>
+                <a:cs typeface="Raleway" charset="0"/>
+              </a:rPr>
+              <a:t>Examplars</a:t>
+            </a:r>
+            <a:r>
               <a:rPr lang="en-US" sz="3600" dirty="0" smtClean="0">
                 <a:solidFill>
                   <a:schemeClr val="accent6"/>
@@ -5636,7 +5989,40 @@
                 <a:ea typeface="Raleway" charset="0"/>
                 <a:cs typeface="Raleway" charset="0"/>
               </a:rPr>
-              <a:t>Examples that are highly distant from Alpha category members are more likely to be generated. </a:t>
+              <a:t> </a:t>
+            </a:r>
+            <a:r>
+              <a:rPr lang="en-US" sz="3600" dirty="0" smtClean="0">
+                <a:solidFill>
+                  <a:schemeClr val="accent6"/>
+                </a:solidFill>
+                <a:latin typeface="Raleway" charset="0"/>
+                <a:ea typeface="Raleway" charset="0"/>
+                <a:cs typeface="Raleway" charset="0"/>
+              </a:rPr>
+              <a:t>that are highly distant from Alpha category members </a:t>
+            </a:r>
+            <a:r>
+              <a:rPr lang="en-US" sz="3600" dirty="0" smtClean="0">
+                <a:solidFill>
+                  <a:schemeClr val="accent6"/>
+                </a:solidFill>
+                <a:latin typeface="Raleway" charset="0"/>
+                <a:ea typeface="Raleway" charset="0"/>
+                <a:cs typeface="Raleway" charset="0"/>
+              </a:rPr>
+              <a:t>were more </a:t>
+            </a:r>
+            <a:r>
+              <a:rPr lang="en-US" sz="3600" dirty="0" smtClean="0">
+                <a:solidFill>
+                  <a:schemeClr val="accent6"/>
+                </a:solidFill>
+                <a:latin typeface="Raleway" charset="0"/>
+                <a:ea typeface="Raleway" charset="0"/>
+                <a:cs typeface="Raleway" charset="0"/>
+              </a:rPr>
+              <a:t>likely to be generated. </a:t>
             </a:r>
             <a:endParaRPr lang="en-US" sz="3600" dirty="0">
               <a:solidFill>
@@ -7090,7 +7476,7 @@
                 <a:ea typeface="Raleway" charset="0"/>
                 <a:cs typeface="Raleway" charset="0"/>
               </a:rPr>
-              <a:t>Fitted </a:t>
+              <a:t>We fit the </a:t>
             </a:r>
             <a:r>
               <a:rPr lang="en-US" sz="3600" b="1" dirty="0" smtClean="0">
@@ -7156,7 +7542,7 @@
                 <a:ea typeface="Raleway" charset="0"/>
                 <a:cs typeface="Raleway" charset="0"/>
               </a:rPr>
-              <a:t> models, maximizing log-likelihood to every response in our dataset. </a:t>
+              <a:t> models, maximizing log-likelihood to every response in our </a:t>
             </a:r>
             <a:r>
               <a:rPr lang="en-US" sz="3600" dirty="0" smtClean="0">
@@ -7167,8 +7553,60 @@
                 <a:ea typeface="Raleway" charset="0"/>
                 <a:cs typeface="Raleway" charset="0"/>
               </a:rPr>
-              <a:t>PACKER produced an ~11% improvement in log-likelihood.</a:t>
-            </a:r>
+              <a:t>dataset. PACKER’s fit greatly outperformed the other models (~</a:t>
+            </a:r>
+            <a:r>
+              <a:rPr lang="en-US" sz="3600" dirty="0" smtClean="0">
+                <a:solidFill>
+                  <a:schemeClr val="accent6"/>
+                </a:solidFill>
+                <a:latin typeface="Raleway" charset="0"/>
+                <a:ea typeface="Raleway" charset="0"/>
+                <a:cs typeface="Raleway" charset="0"/>
+              </a:rPr>
+              <a:t>11% </a:t>
+            </a:r>
+            <a:r>
+              <a:rPr lang="en-US" sz="3600" dirty="0" smtClean="0">
+                <a:solidFill>
+                  <a:schemeClr val="accent6"/>
+                </a:solidFill>
+                <a:latin typeface="Raleway" charset="0"/>
+                <a:ea typeface="Raleway" charset="0"/>
+                <a:cs typeface="Raleway" charset="0"/>
+              </a:rPr>
+              <a:t>larger </a:t>
+            </a:r>
+            <a:r>
+              <a:rPr lang="en-US" sz="3600" dirty="0" smtClean="0">
+                <a:solidFill>
+                  <a:schemeClr val="accent6"/>
+                </a:solidFill>
+                <a:latin typeface="Raleway" charset="0"/>
+                <a:ea typeface="Raleway" charset="0"/>
+                <a:cs typeface="Raleway" charset="0"/>
+              </a:rPr>
+              <a:t>log-likelihood)</a:t>
+            </a:r>
+            <a:r>
+              <a:rPr lang="en-US" sz="3600" dirty="0" smtClean="0">
+                <a:solidFill>
+                  <a:schemeClr val="accent6"/>
+                </a:solidFill>
+                <a:latin typeface="Raleway" charset="0"/>
+                <a:ea typeface="Raleway" charset="0"/>
+                <a:cs typeface="Raleway" charset="0"/>
+              </a:rPr>
+              <a:t>.</a:t>
+            </a:r>
+            <a:endParaRPr lang="en-US" sz="3600" dirty="0" smtClean="0">
+              <a:solidFill>
+                <a:schemeClr val="accent6"/>
+              </a:solidFill>
+              <a:latin typeface="Raleway" charset="0"/>
+              <a:ea typeface="Raleway" charset="0"/>
+              <a:cs typeface="Raleway" charset="0"/>
+            </a:endParaRPr>
           </a:p>
           <a:p>
             <a:pPr>
@@ -7209,7 +7647,84 @@
                 <a:ea typeface="Raleway" charset="0"/>
                 <a:cs typeface="Raleway" charset="0"/>
               </a:rPr>
-              <a:t>Computed, for each stimulus, the difference between the X- and Y-axis  ranges of each category it was generated in. Categories oriented to increase dissimilarity to the Alpha categories.</a:t>
+              <a:t>We computed</a:t>
+            </a:r>
+            <a:r>
+              <a:rPr lang="en-US" sz="3600" dirty="0" smtClean="0">
+                <a:solidFill>
+                  <a:schemeClr val="accent6"/>
+                </a:solidFill>
+                <a:latin typeface="Raleway" charset="0"/>
+                <a:ea typeface="Raleway" charset="0"/>
+                <a:cs typeface="Raleway" charset="0"/>
+              </a:rPr>
+              <a:t>, for each stimulus, the difference between the X- </a:t>
+            </a:r>
+            <a:r>
+              <a:rPr lang="en-US" sz="3600" smtClean="0">
+                <a:solidFill>
+                  <a:schemeClr val="accent6"/>
+                </a:solidFill>
+                <a:latin typeface="Raleway" charset="0"/>
+                <a:ea typeface="Raleway" charset="0"/>
+                <a:cs typeface="Raleway" charset="0"/>
+              </a:rPr>
+              <a:t>and </a:t>
+            </a:r>
+            <a:r>
+              <a:rPr lang="en-US" sz="3600" smtClean="0">
+                <a:solidFill>
+                  <a:schemeClr val="accent6"/>
+                </a:solidFill>
+                <a:latin typeface="Raleway" charset="0"/>
+                <a:ea typeface="Raleway" charset="0"/>
+                <a:cs typeface="Raleway" charset="0"/>
+              </a:rPr>
+              <a:t>Y-axis </a:t>
+            </a:r>
+            <a:r>
+              <a:rPr lang="en-US" sz="3600" dirty="0" smtClean="0">
+                <a:solidFill>
+                  <a:schemeClr val="accent6"/>
+                </a:solidFill>
+                <a:latin typeface="Raleway" charset="0"/>
+                <a:ea typeface="Raleway" charset="0"/>
+                <a:cs typeface="Raleway" charset="0"/>
+              </a:rPr>
+              <a:t>ranges of each category it was generated in. </a:t>
+            </a:r>
+            <a:r>
+              <a:rPr lang="en-US" sz="3600" smtClean="0">
+                <a:solidFill>
+                  <a:schemeClr val="accent6"/>
+                </a:solidFill>
+                <a:latin typeface="Raleway" charset="0"/>
+                <a:ea typeface="Raleway" charset="0"/>
+                <a:cs typeface="Raleway" charset="0"/>
+              </a:rPr>
+              <a:t>Categories </a:t>
+            </a:r>
+            <a:r>
+              <a:rPr lang="en-US" sz="3600" smtClean="0">
+                <a:solidFill>
+                  <a:schemeClr val="accent6"/>
+                </a:solidFill>
+                <a:latin typeface="Raleway" charset="0"/>
+                <a:ea typeface="Raleway" charset="0"/>
+                <a:cs typeface="Raleway" charset="0"/>
+              </a:rPr>
+              <a:t>were oriented </a:t>
+            </a:r>
+            <a:r>
+              <a:rPr lang="en-US" sz="3600" dirty="0" smtClean="0">
+                <a:solidFill>
+                  <a:schemeClr val="accent6"/>
+                </a:solidFill>
+                <a:latin typeface="Raleway" charset="0"/>
+                <a:ea typeface="Raleway" charset="0"/>
+                <a:cs typeface="Raleway" charset="0"/>
+              </a:rPr>
+              <a:t>to increase dissimilarity to the Alpha categories.</a:t>
             </a:r>
             <a:endParaRPr lang="en-US" sz="4000" dirty="0">
               <a:solidFill>
@@ -8453,18 +8968,7 @@
                 <a:ea typeface="Raleway" charset="0"/>
                 <a:cs typeface="Raleway" charset="0"/>
               </a:rPr>
-              <a:t>Middle participants more likely to create categories spanning the entire Y-axis </a:t>
-            </a:r>
-            <a:r>
-              <a:rPr lang="mr-IN" sz="3600" dirty="0" smtClean="0">
-                <a:solidFill>
-                  <a:schemeClr val="accent6"/>
-                </a:solidFill>
-                <a:latin typeface="Raleway" charset="0"/>
-                <a:ea typeface="Raleway" charset="0"/>
-                <a:cs typeface="Raleway" charset="0"/>
-              </a:rPr>
-              <a:t>–</a:t>
+              <a:t>Middle </a:t>
             </a:r>
             <a:r>
               <a:rPr lang="en-US" sz="3600" dirty="0" smtClean="0">
@@ -8475,6 +8979,41 @@
                 <a:ea typeface="Raleway" charset="0"/>
                 <a:cs typeface="Raleway" charset="0"/>
               </a:rPr>
+              <a:t>Ps were more </a:t>
+            </a:r>
+            <a:r>
+              <a:rPr lang="en-US" sz="3600" dirty="0" smtClean="0">
+                <a:solidFill>
+                  <a:schemeClr val="accent6"/>
+                </a:solidFill>
+                <a:latin typeface="Raleway" charset="0"/>
+                <a:ea typeface="Raleway" charset="0"/>
+                <a:cs typeface="Raleway" charset="0"/>
+              </a:rPr>
+              <a:t>likely to create categories spanning the entire </a:t>
+            </a:r>
+            <a:r>
+              <a:rPr lang="en-US" sz="3600" dirty="0" smtClean="0">
+                <a:solidFill>
+                  <a:schemeClr val="accent6"/>
+                </a:solidFill>
+                <a:latin typeface="Raleway" charset="0"/>
+                <a:ea typeface="Raleway" charset="0"/>
+                <a:cs typeface="Raleway" charset="0"/>
+              </a:rPr>
+              <a:t>Y-axis:</a:t>
+            </a:r>
+          </a:p>
+          <a:p>
+            <a:r>
+              <a:rPr lang="en-US" sz="3600" b="1" dirty="0">
+                <a:solidFill>
+                  <a:schemeClr val="accent6"/>
+                </a:solidFill>
+                <a:latin typeface="Raleway" charset="0"/>
+                <a:ea typeface="Raleway" charset="0"/>
+                <a:cs typeface="Raleway" charset="0"/>
+              </a:rPr>
               <a:t> </a:t>
             </a:r>
             <a:r>
@@ -8486,20 +9025,99 @@
                 <a:ea typeface="Raleway" charset="0"/>
                 <a:cs typeface="Raleway" charset="0"/>
               </a:rPr>
+              <a:t>  </a:t>
+            </a:r>
+            <a:r>
+              <a:rPr lang="en-US" sz="3600" b="1" dirty="0">
+                <a:solidFill>
+                  <a:schemeClr val="accent6"/>
+                </a:solidFill>
+                <a:latin typeface="Raleway" charset="0"/>
+                <a:ea typeface="Raleway" charset="0"/>
+                <a:cs typeface="Raleway" charset="0"/>
+              </a:rPr>
+              <a:t>T</a:t>
+            </a:r>
+            <a:r>
+              <a:rPr lang="en-US" sz="3600" b="1" dirty="0" smtClean="0">
+                <a:solidFill>
+                  <a:schemeClr val="accent6"/>
+                </a:solidFill>
+                <a:latin typeface="Raleway" charset="0"/>
+                <a:ea typeface="Raleway" charset="0"/>
+                <a:cs typeface="Raleway" charset="0"/>
+              </a:rPr>
+              <a:t>he </a:t>
+            </a:r>
+            <a:r>
+              <a:rPr lang="en-US" sz="3600" b="1" i="1" dirty="0" smtClean="0">
+                <a:solidFill>
+                  <a:schemeClr val="accent6"/>
+                </a:solidFill>
+                <a:latin typeface="Raleway" charset="0"/>
+                <a:ea typeface="Raleway" charset="0"/>
+                <a:cs typeface="Raleway" charset="0"/>
+              </a:rPr>
+              <a:t>location </a:t>
+            </a:r>
+            <a:r>
+              <a:rPr lang="en-US" sz="3600" b="1" dirty="0" smtClean="0">
+                <a:solidFill>
+                  <a:schemeClr val="accent6"/>
+                </a:solidFill>
+                <a:latin typeface="Raleway" charset="0"/>
+                <a:ea typeface="Raleway" charset="0"/>
+                <a:cs typeface="Raleway" charset="0"/>
+              </a:rPr>
+              <a:t>of contrast categories </a:t>
+            </a:r>
+            <a:r>
+              <a:rPr lang="en-US" sz="3600" b="1" dirty="0" smtClean="0">
+                <a:solidFill>
+                  <a:schemeClr val="accent6"/>
+                </a:solidFill>
+                <a:latin typeface="Raleway" charset="0"/>
+                <a:ea typeface="Raleway" charset="0"/>
+                <a:cs typeface="Raleway" charset="0"/>
+              </a:rPr>
+              <a:t>influences</a:t>
+            </a:r>
+          </a:p>
+          <a:p>
+            <a:r>
+              <a:rPr lang="en-US" sz="3600" b="1" dirty="0">
+                <a:solidFill>
+                  <a:schemeClr val="accent6"/>
+                </a:solidFill>
+                <a:latin typeface="Raleway" charset="0"/>
+                <a:ea typeface="Raleway" charset="0"/>
+                <a:cs typeface="Raleway" charset="0"/>
+              </a:rPr>
+              <a:t> </a:t>
+            </a:r>
+            <a:r>
+              <a:rPr lang="en-US" sz="3600" b="1" dirty="0" smtClean="0">
+                <a:solidFill>
+                  <a:schemeClr val="accent6"/>
+                </a:solidFill>
+                <a:latin typeface="Raleway" charset="0"/>
+                <a:ea typeface="Raleway" charset="0"/>
+                <a:cs typeface="Raleway" charset="0"/>
+              </a:rPr>
+              <a:t>      </a:t>
+            </a:r>
+            <a:r>
+              <a:rPr lang="en-US" sz="3600" b="1" dirty="0" smtClean="0">
+                <a:solidFill>
+                  <a:schemeClr val="accent6"/>
+                </a:solidFill>
+                <a:latin typeface="Raleway" charset="0"/>
+                <a:ea typeface="Raleway" charset="0"/>
+                <a:cs typeface="Raleway" charset="0"/>
+              </a:rPr>
               <a:t>the </a:t>
             </a:r>
             <a:r>
-              <a:rPr lang="en-US" sz="3600" b="1" i="1" dirty="0" smtClean="0">
-                <a:solidFill>
-                  <a:schemeClr val="accent6"/>
-                </a:solidFill>
-                <a:latin typeface="Raleway" charset="0"/>
-                <a:ea typeface="Raleway" charset="0"/>
-                <a:cs typeface="Raleway" charset="0"/>
-              </a:rPr>
-              <a:t>location </a:t>
-            </a:r>
-            <a:r>
               <a:rPr lang="en-US" sz="3600" b="1" dirty="0" smtClean="0">
                 <a:solidFill>
                   <a:schemeClr val="accent6"/>
@@ -8508,7 +9126,7 @@
                 <a:ea typeface="Raleway" charset="0"/>
                 <a:cs typeface="Raleway" charset="0"/>
               </a:rPr>
-              <a:t>of contrast categories influences the distribution of generated categories.</a:t>
+              <a:t>distribution of generated categories.</a:t>
             </a:r>
             <a:endParaRPr lang="en-US" sz="3600" b="1" i="1" dirty="0" smtClean="0">
               <a:solidFill>
@@ -8579,14 +9197,6 @@
               </a:rPr>
               <a:t>Generated category members were more similar to each other than to Alphas..</a:t>
             </a:r>
-            <a:endParaRPr lang="en-US" sz="3600" dirty="0" smtClean="0">
-              <a:solidFill>
-                <a:schemeClr val="accent6"/>
-              </a:solidFill>
-              <a:latin typeface="Raleway" charset="0"/>
-              <a:ea typeface="Raleway" charset="0"/>
-              <a:cs typeface="Raleway" charset="0"/>
-            </a:endParaRPr>
           </a:p>
         </p:txBody>
       </p:sp>
@@ -8638,7 +9248,7 @@
           <a:p>
             <a:pPr marL="350838" indent="-350838"/>
             <a:r>
-              <a:rPr lang="en-US" sz="2400" smtClean="0">
+              <a:rPr lang="en-US" sz="2400" dirty="0" err="1" smtClean="0">
                 <a:solidFill>
                   <a:schemeClr val="accent6"/>
                 </a:solidFill>
@@ -8651,7 +9261,39 @@
                   <a:schemeClr val="accent6"/>
                 </a:solidFill>
               </a:rPr>
-              <a:t>, A., &amp; Kemp, C. (2013). A probabilistic account of exemplar and category generation. Cognitive Psychology, 66(1), 85–125</a:t>
+              <a:t>, A., &amp; Kemp, C. (2013). A probabilistic account of exemplar and category generation. </a:t>
+            </a:r>
+            <a:r>
+              <a:rPr lang="en-US" sz="2400" i="1" dirty="0">
+                <a:solidFill>
+                  <a:schemeClr val="accent6"/>
+                </a:solidFill>
+              </a:rPr>
+              <a:t>Cognitive Psychology</a:t>
+            </a:r>
+            <a:r>
+              <a:rPr lang="en-US" sz="2400" dirty="0">
+                <a:solidFill>
+                  <a:schemeClr val="accent6"/>
+                </a:solidFill>
+              </a:rPr>
+              <a:t>, </a:t>
+            </a:r>
+            <a:r>
+              <a:rPr lang="en-US" sz="2400" i="1" dirty="0">
+                <a:solidFill>
+                  <a:schemeClr val="accent6"/>
+                </a:solidFill>
+              </a:rPr>
+              <a:t>66</a:t>
+            </a:r>
+            <a:r>
+              <a:rPr lang="en-US" sz="2400" dirty="0">
+                <a:solidFill>
+                  <a:schemeClr val="accent6"/>
+                </a:solidFill>
+              </a:rPr>
+              <a:t>(1), 85–125</a:t>
             </a:r>
             <a:r>
               <a:rPr lang="en-US" sz="2400" dirty="0" smtClean="0">
@@ -8694,7 +9336,39 @@
                   <a:schemeClr val="accent6"/>
                 </a:solidFill>
               </a:rPr>
-              <a:t>(1984). Choice, similarity, and the context theory of classification. J</a:t>
+              <a:t>(1984). Choice, similarity, and the context theory of classification. </a:t>
+            </a:r>
+            <a:r>
+              <a:rPr lang="en-US" sz="2400" i="1" dirty="0">
+                <a:solidFill>
+                  <a:schemeClr val="accent6"/>
+                </a:solidFill>
+              </a:rPr>
+              <a:t>J</a:t>
+            </a:r>
+            <a:r>
+              <a:rPr lang="en-US" sz="2400" i="1" dirty="0" smtClean="0">
+                <a:solidFill>
+                  <a:schemeClr val="accent6"/>
+                </a:solidFill>
+              </a:rPr>
+              <a:t>EP:LMC, </a:t>
+            </a:r>
+            <a:r>
+              <a:rPr lang="en-US" sz="2400" i="1" dirty="0">
+                <a:solidFill>
+                  <a:schemeClr val="accent6"/>
+                </a:solidFill>
+              </a:rPr>
+              <a:t>10(</a:t>
+            </a:r>
+            <a:r>
+              <a:rPr lang="en-US" sz="2400" dirty="0">
+                <a:solidFill>
+                  <a:schemeClr val="accent6"/>
+                </a:solidFill>
+              </a:rPr>
+              <a:t>1), 104</a:t>
             </a:r>
             <a:r>
               <a:rPr lang="en-US" sz="2400" dirty="0" smtClean="0">
@@ -8702,7 +9376,18 @@
                   <a:schemeClr val="accent6"/>
                 </a:solidFill>
               </a:rPr>
-              <a:t>EP:LMC, </a:t>
+              <a:t>.</a:t>
+            </a:r>
+          </a:p>
+          <a:p>
+            <a:pPr marL="350838" indent="-350838"/>
+            <a:r>
+              <a:rPr lang="en-US" sz="2400" dirty="0" smtClean="0">
+                <a:solidFill>
+                  <a:schemeClr val="accent6"/>
+                </a:solidFill>
+              </a:rPr>
+              <a:t>Ward</a:t>
             </a:r>
             <a:r>
               <a:rPr lang="en-US" sz="2400" dirty="0">
@@ -8710,7 +9395,7 @@
                   <a:schemeClr val="accent6"/>
                 </a:solidFill>
               </a:rPr>
-              <a:t>10(1), 104</a:t>
+              <a:t>, T</a:t>
             </a:r>
             <a:r>
               <a:rPr lang="en-US" sz="2400" dirty="0" smtClean="0">
@@ -8718,6 +9403,54 @@
                   <a:schemeClr val="accent6"/>
                 </a:solidFill>
               </a:rPr>
+              <a:t>. </a:t>
+            </a:r>
+            <a:r>
+              <a:rPr lang="en-US" sz="2400" dirty="0">
+                <a:solidFill>
+                  <a:schemeClr val="accent6"/>
+                </a:solidFill>
+              </a:rPr>
+              <a:t>(1994). Structured imagination: The role of category structure in exemplar generation. </a:t>
+            </a:r>
+            <a:r>
+              <a:rPr lang="en-US" sz="2400" i="1" dirty="0">
+                <a:solidFill>
+                  <a:schemeClr val="accent6"/>
+                </a:solidFill>
+              </a:rPr>
+              <a:t>Cognitive Psychology</a:t>
+            </a:r>
+            <a:r>
+              <a:rPr lang="en-US" sz="2400" dirty="0">
+                <a:solidFill>
+                  <a:schemeClr val="accent6"/>
+                </a:solidFill>
+              </a:rPr>
+              <a:t>, </a:t>
+            </a:r>
+            <a:r>
+              <a:rPr lang="en-US" sz="2400" i="1" dirty="0">
+                <a:solidFill>
+                  <a:schemeClr val="accent6"/>
+                </a:solidFill>
+              </a:rPr>
+              <a:t>27</a:t>
+            </a:r>
+            <a:r>
+              <a:rPr lang="en-US" sz="2400" dirty="0">
+                <a:solidFill>
+                  <a:schemeClr val="accent6"/>
+                </a:solidFill>
+              </a:rPr>
+              <a:t>(1), 1–40</a:t>
+            </a:r>
+            <a:r>
+              <a:rPr lang="en-US" sz="2400" dirty="0" smtClean="0">
+                <a:solidFill>
+                  <a:schemeClr val="accent6"/>
+                </a:solidFill>
+              </a:rPr>
               <a:t>.</a:t>
             </a:r>
           </a:p>
@@ -8753,7 +9486,7 @@
                   <a:schemeClr val="accent6"/>
                 </a:solidFill>
               </a:rPr>
-              <a:t>(1994). Structured imagination: The role of category structure in exemplar generation. Cognitive Psychology, 27(1), 1–40</a:t>
+              <a:t>(1995). </a:t>
             </a:r>
             <a:r>
               <a:rPr lang="en-US" sz="2400" dirty="0" smtClean="0">
@@ -8761,26 +9494,39 @@
                   <a:schemeClr val="accent6"/>
                 </a:solidFill>
               </a:rPr>
-              <a:t>.</a:t>
-            </a:r>
-          </a:p>
-          <a:p>
-            <a:pPr marL="350838" indent="-350838"/>
+              <a:t>What’s </a:t>
+            </a:r>
+            <a:r>
+              <a:rPr lang="en-US" sz="2400" dirty="0">
+                <a:solidFill>
+                  <a:schemeClr val="accent6"/>
+                </a:solidFill>
+              </a:rPr>
+              <a:t>old about new ideas</a:t>
+            </a:r>
             <a:r>
               <a:rPr lang="en-US" sz="2400" dirty="0" smtClean="0">
                 <a:solidFill>
                   <a:schemeClr val="accent6"/>
                 </a:solidFill>
               </a:rPr>
-              <a:t>Ward</a:t>
-            </a:r>
-            <a:r>
-              <a:rPr lang="en-US" sz="2400" dirty="0">
-                <a:solidFill>
-                  <a:schemeClr val="accent6"/>
-                </a:solidFill>
-              </a:rPr>
-              <a:t>, T</a:t>
+              <a:t>. In </a:t>
+            </a:r>
+            <a:r>
+              <a:rPr lang="en-US" sz="2400" i="1" dirty="0">
+                <a:solidFill>
+                  <a:schemeClr val="accent6"/>
+                </a:solidFill>
+              </a:rPr>
+              <a:t>The creative cognition </a:t>
+            </a:r>
+            <a:r>
+              <a:rPr lang="en-US" sz="2400" i="1" dirty="0" smtClean="0">
+                <a:solidFill>
+                  <a:schemeClr val="accent6"/>
+                </a:solidFill>
+              </a:rPr>
+              <a:t>approach</a:t>
             </a:r>
             <a:r>
               <a:rPr lang="en-US" sz="2400" dirty="0" smtClean="0">
@@ -8788,31 +9534,7 @@
                   <a:schemeClr val="accent6"/>
                 </a:solidFill>
               </a:rPr>
-              <a:t>. </a:t>
-            </a:r>
-            <a:r>
-              <a:rPr lang="en-US" sz="2400" dirty="0">
-                <a:solidFill>
-                  <a:schemeClr val="accent6"/>
-                </a:solidFill>
-              </a:rPr>
-              <a:t>(1995). </a:t>
-            </a:r>
-            <a:r>
-              <a:rPr lang="en-US" sz="2400" dirty="0" smtClean="0">
-                <a:solidFill>
-                  <a:schemeClr val="accent6"/>
-                </a:solidFill>
-              </a:rPr>
-              <a:t>What’s </a:t>
-            </a:r>
-            <a:r>
-              <a:rPr lang="en-US" sz="2400" dirty="0">
-                <a:solidFill>
-                  <a:schemeClr val="accent6"/>
-                </a:solidFill>
-              </a:rPr>
-              <a:t>old about new ideas. The creative cognition approach, 157–178.</a:t>
+              <a:t> (pp. 157–178).</a:t>
             </a:r>
             <a:endParaRPr lang="en-US" sz="2400" dirty="0">
               <a:solidFill>
@@ -8905,17 +9627,6 @@
               <a:t>Questions: </a:t>
             </a:r>
             <a:r>
-              <a:rPr lang="en-US" sz="3600" dirty="0">
-                <a:solidFill>
-                  <a:schemeClr val="accent6"/>
-                </a:solidFill>
-                <a:latin typeface="Raleway" charset="0"/>
-                <a:ea typeface="Raleway" charset="0"/>
-                <a:cs typeface="Raleway" charset="0"/>
-              </a:rPr>
-              <a:t>D</a:t>
-            </a:r>
-            <a:r>
               <a:rPr lang="en-US" sz="3600" dirty="0" smtClean="0">
                 <a:solidFill>
                   <a:schemeClr val="accent6"/>
@@ -8924,18 +9635,7 @@
                 <a:ea typeface="Raleway" charset="0"/>
                 <a:cs typeface="Raleway" charset="0"/>
               </a:rPr>
-              <a:t>o </a:t>
-            </a:r>
-            <a:r>
-              <a:rPr lang="en-US" sz="3600" dirty="0">
-                <a:solidFill>
-                  <a:schemeClr val="accent6"/>
-                </a:solidFill>
-                <a:latin typeface="Raleway" charset="0"/>
-                <a:ea typeface="Raleway" charset="0"/>
-                <a:cs typeface="Raleway" charset="0"/>
-              </a:rPr>
-              <a:t>generated categories contrast with previously learned categories</a:t>
+              <a:t>Does contrast with a previously learned category influence category generation? </a:t>
             </a:r>
             <a:r>
               <a:rPr lang="en-US" sz="3600" dirty="0" smtClean="0">
@@ -8946,7 +9646,18 @@
                 <a:ea typeface="Raleway" charset="0"/>
                 <a:cs typeface="Raleway" charset="0"/>
               </a:rPr>
-              <a:t>? Is distributional emulation the only factor?</a:t>
+              <a:t>Is </a:t>
+            </a:r>
+            <a:r>
+              <a:rPr lang="en-US" sz="3600" dirty="0" smtClean="0">
+                <a:solidFill>
+                  <a:schemeClr val="accent6"/>
+                </a:solidFill>
+                <a:latin typeface="Raleway" charset="0"/>
+                <a:ea typeface="Raleway" charset="0"/>
+                <a:cs typeface="Raleway" charset="0"/>
+              </a:rPr>
+              <a:t>distributional emulation the only factor?</a:t>
             </a:r>
           </a:p>
           <a:p>
@@ -8959,6 +9670,17 @@
               </a:spcAft>
             </a:pPr>
             <a:r>
+              <a:rPr lang="en-US" sz="3600" b="1" dirty="0" smtClean="0">
+                <a:solidFill>
+                  <a:schemeClr val="accent6"/>
+                </a:solidFill>
+                <a:latin typeface="Raleway" charset="0"/>
+                <a:ea typeface="Raleway" charset="0"/>
+                <a:cs typeface="Raleway" charset="0"/>
+              </a:rPr>
+              <a:t>Participants</a:t>
+            </a:r>
+            <a:r>
               <a:rPr lang="en-US" sz="3600" dirty="0" smtClean="0">
                 <a:solidFill>
                   <a:schemeClr val="accent6"/>
@@ -8967,7 +9689,7 @@
                 <a:ea typeface="Raleway" charset="0"/>
                 <a:cs typeface="Raleway" charset="0"/>
               </a:rPr>
-              <a:t>Participants (N=122) learned about an experimenter-defined category (‘Alpha’) composed of squares varying in size and color</a:t>
+              <a:t> </a:t>
             </a:r>
             <a:r>
               <a:rPr lang="en-US" sz="3600" dirty="0" smtClean="0">
@@ -8978,7 +9700,40 @@
                 <a:ea typeface="Raleway" charset="0"/>
                 <a:cs typeface="Raleway" charset="0"/>
               </a:rPr>
-              <a:t>.</a:t>
+              <a:t>(</a:t>
+            </a:r>
+            <a:r>
+              <a:rPr lang="en-US" sz="3600" dirty="0" err="1" smtClean="0">
+                <a:solidFill>
+                  <a:schemeClr val="accent6"/>
+                </a:solidFill>
+                <a:latin typeface="Raleway" charset="0"/>
+                <a:ea typeface="Raleway" charset="0"/>
+                <a:cs typeface="Raleway" charset="0"/>
+              </a:rPr>
+              <a:t>MTurk</a:t>
+            </a:r>
+            <a:r>
+              <a:rPr lang="en-US" sz="3600" dirty="0" smtClean="0">
+                <a:solidFill>
+                  <a:schemeClr val="accent6"/>
+                </a:solidFill>
+                <a:latin typeface="Raleway" charset="0"/>
+                <a:ea typeface="Raleway" charset="0"/>
+                <a:cs typeface="Raleway" charset="0"/>
+              </a:rPr>
+              <a:t>; N=122</a:t>
+            </a:r>
+            <a:r>
+              <a:rPr lang="en-US" sz="3600" dirty="0" smtClean="0">
+                <a:solidFill>
+                  <a:schemeClr val="accent6"/>
+                </a:solidFill>
+                <a:latin typeface="Raleway" charset="0"/>
+                <a:ea typeface="Raleway" charset="0"/>
+                <a:cs typeface="Raleway" charset="0"/>
+              </a:rPr>
+              <a:t>) learned about an experimenter-defined category (‘Alpha’) composed of squares varying in size and color.</a:t>
             </a:r>
           </a:p>
           <a:p>
@@ -9246,7 +10001,18 @@
                 <a:ea typeface="Raleway" charset="0"/>
                 <a:cs typeface="Raleway" charset="0"/>
               </a:rPr>
-              <a:t>Participants should generate items distant from the Alphas.</a:t>
+              <a:t>All Ps </a:t>
+            </a:r>
+            <a:r>
+              <a:rPr lang="en-US" sz="3600" dirty="0" smtClean="0">
+                <a:solidFill>
+                  <a:schemeClr val="accent6"/>
+                </a:solidFill>
+                <a:latin typeface="Raleway" charset="0"/>
+                <a:ea typeface="Raleway" charset="0"/>
+                <a:cs typeface="Raleway" charset="0"/>
+              </a:rPr>
+              <a:t>should generate items distant from the Alphas.</a:t>
             </a:r>
           </a:p>
           <a:p>
@@ -9272,17 +10038,6 @@
               <a:t>Middle </a:t>
             </a:r>
             <a:r>
-              <a:rPr lang="en-US" sz="3600" dirty="0" err="1" smtClean="0">
-                <a:solidFill>
-                  <a:schemeClr val="accent6"/>
-                </a:solidFill>
-                <a:latin typeface="Raleway" charset="0"/>
-                <a:ea typeface="Raleway" charset="0"/>
-                <a:cs typeface="Raleway" charset="0"/>
-              </a:rPr>
-              <a:t>Ss</a:t>
-            </a:r>
-            <a:r>
               <a:rPr lang="en-US" sz="3600" dirty="0" smtClean="0">
                 <a:solidFill>
                   <a:schemeClr val="accent6"/>
@@ -9291,16 +10046,19 @@
                 <a:ea typeface="Raleway" charset="0"/>
                 <a:cs typeface="Raleway" charset="0"/>
               </a:rPr>
-              <a:t> should create categories spanning the entire Y-axis.</a:t>
-            </a:r>
-            <a:endParaRPr lang="en-US" sz="3600" dirty="0" smtClean="0">
-              <a:solidFill>
-                <a:schemeClr val="accent6"/>
-              </a:solidFill>
-              <a:latin typeface="Raleway" charset="0"/>
-              <a:ea typeface="Raleway" charset="0"/>
-              <a:cs typeface="Raleway" charset="0"/>
-            </a:endParaRPr>
+              <a:t>Ps </a:t>
+            </a:r>
+            <a:r>
+              <a:rPr lang="en-US" sz="3600" dirty="0" smtClean="0">
+                <a:solidFill>
+                  <a:schemeClr val="accent6"/>
+                </a:solidFill>
+                <a:latin typeface="Raleway" charset="0"/>
+                <a:ea typeface="Raleway" charset="0"/>
+                <a:cs typeface="Raleway" charset="0"/>
+              </a:rPr>
+              <a:t>should create categories spanning the entire Y-axis.</a:t>
+            </a:r>
           </a:p>
           <a:p>
             <a:pPr>
@@ -9416,6 +10174,13 @@
   <p:clrMapOvr>
     <a:masterClrMapping/>
   </p:clrMapOvr>
+  <p:timing>
+    <p:tnLst>
+      <p:par>
+        <p:cTn id="1" dur="indefinite" restart="never" nodeType="tmRoot"/>
+      </p:par>
+    </p:tnLst>
+  </p:timing>
 </p:sld>
 </file>
 

--- a/Presentations/cogsci-2017-poster.pptx
+++ b/Presentations/cogsci-2017-poster.pptx
@@ -5,10 +5,11 @@
     <p:sldMasterId id="2147483672" r:id="rId1"/>
   </p:sldMasterIdLst>
   <p:notesMasterIdLst>
-    <p:notesMasterId r:id="rId3"/>
+    <p:notesMasterId r:id="rId4"/>
   </p:notesMasterIdLst>
   <p:sldIdLst>
     <p:sldId id="256" r:id="rId2"/>
+    <p:sldId id="257" r:id="rId3"/>
   </p:sldIdLst>
   <p:sldSz cx="45720000" cy="30175200"/>
   <p:notesSz cx="6858000" cy="9144000"/>
@@ -113,6 +114,7 @@
         <p14:section name="Untitled Section" id="{602BA7F9-4C83-0042-858A-3E6245077966}">
           <p14:sldIdLst>
             <p14:sldId id="256"/>
+            <p14:sldId id="257"/>
           </p14:sldIdLst>
         </p14:section>
       </p14:sectionLst>
@@ -127,91 +129,21 @@
 <file path=ppt/commentAuthors.xml><?xml version="1.0" encoding="utf-8"?>
 <p:cmAuthorLst xmlns:a="http://schemas.openxmlformats.org/drawingml/2006/main" xmlns:r="http://schemas.openxmlformats.org/officeDocument/2006/relationships" xmlns:p="http://schemas.openxmlformats.org/presentationml/2006/main">
   <p:cmAuthor id="1" name="Joe Austerweil" initials="JA" lastIdx="1" clrIdx="0">
-    <p:extLst>
-      <p:ext uri="{19B8F6BF-5375-455C-9EA6-DF929625EA0E}">
-        <p15:presenceInfo xmlns:p15="http://schemas.microsoft.com/office/powerpoint/2012/main" userId="" providerId=""/>
-      </p:ext>
-    </p:extLst>
+    <p:extLst/>
   </p:cmAuthor>
   <p:cmAuthor id="2" name="Joe Austerweil" initials="JA [2]" lastIdx="1" clrIdx="1">
-    <p:extLst>
-      <p:ext uri="{19B8F6BF-5375-455C-9EA6-DF929625EA0E}">
-        <p15:presenceInfo xmlns:p15="http://schemas.microsoft.com/office/powerpoint/2012/main" userId="" providerId=""/>
-      </p:ext>
-    </p:extLst>
+    <p:extLst/>
   </p:cmAuthor>
   <p:cmAuthor id="3" name="Joe Austerweil" initials="JA [3]" lastIdx="1" clrIdx="2">
-    <p:extLst>
-      <p:ext uri="{19B8F6BF-5375-455C-9EA6-DF929625EA0E}">
-        <p15:presenceInfo xmlns:p15="http://schemas.microsoft.com/office/powerpoint/2012/main" userId="" providerId=""/>
-      </p:ext>
-    </p:extLst>
+    <p:extLst/>
   </p:cmAuthor>
   <p:cmAuthor id="4" name="Joe Austerweil" initials="JA [4]" lastIdx="1" clrIdx="3">
-    <p:extLst>
-      <p:ext uri="{19B8F6BF-5375-455C-9EA6-DF929625EA0E}">
-        <p15:presenceInfo xmlns:p15="http://schemas.microsoft.com/office/powerpoint/2012/main" userId="" providerId=""/>
-      </p:ext>
-    </p:extLst>
+    <p:extLst/>
   </p:cmAuthor>
   <p:cmAuthor id="5" name="Joe Austerweil" initials="JA [5]" lastIdx="1" clrIdx="4">
-    <p:extLst>
-      <p:ext uri="{19B8F6BF-5375-455C-9EA6-DF929625EA0E}">
-        <p15:presenceInfo xmlns:p15="http://schemas.microsoft.com/office/powerpoint/2012/main" userId="" providerId=""/>
-      </p:ext>
-    </p:extLst>
+    <p:extLst/>
   </p:cmAuthor>
 </p:cmAuthorLst>
-</file>
-
-<file path=ppt/comments/comment1.xml><?xml version="1.0" encoding="utf-8"?>
-<p:cmLst xmlns:a="http://schemas.openxmlformats.org/drawingml/2006/main" xmlns:r="http://schemas.openxmlformats.org/officeDocument/2006/relationships" xmlns:p="http://schemas.openxmlformats.org/presentationml/2006/main">
-  <p:cm authorId="1" dt="2017-06-22T20:53:18.230" idx="1">
-    <p:pos x="7001" y="10855"/>
-    <p:text>Do you mean Ward 1995 here?</p:text>
-    <p:extLst>
-      <p:ext uri="{C676402C-5697-4E1C-873F-D02D1690AC5C}">
-        <p15:threadingInfo xmlns:p15="http://schemas.microsoft.com/office/powerpoint/2012/main" timeZoneBias="300"/>
-      </p:ext>
-    </p:extLst>
-  </p:cm>
-  <p:cm authorId="2" dt="2017-06-22T20:55:32.806" idx="1">
-    <p:pos x="8132" y="11300"/>
-    <p:text>I don't get what you mean in the description of "Path of Least Resistance/Copy &amp; Tweak".</p:text>
-    <p:extLst>
-      <p:ext uri="{C676402C-5697-4E1C-873F-D02D1690AC5C}">
-        <p15:threadingInfo xmlns:p15="http://schemas.microsoft.com/office/powerpoint/2012/main" timeZoneBias="300"/>
-      </p:ext>
-    </p:extLst>
-  </p:cm>
-  <p:cm authorId="3" dt="2017-06-22T21:13:05.189" idx="1">
-    <p:pos x="10995" y="6472"/>
-    <p:text>This area is too bunchy. I can't move or edit it for some reason. Also change "Ss" -&gt; "Ps"</p:text>
-    <p:extLst>
-      <p:ext uri="{C676402C-5697-4E1C-873F-D02D1690AC5C}">
-        <p15:threadingInfo xmlns:p15="http://schemas.microsoft.com/office/powerpoint/2012/main" timeZoneBias="300"/>
-      </p:ext>
-    </p:extLst>
-  </p:cm>
-  <p:cm authorId="4" dt="2017-06-22T21:16:41.743" idx="1">
-    <p:pos x="9826" y="15542"/>
-    <p:text>Middle and Bottom are opposite of stimuli images</p:text>
-    <p:extLst>
-      <p:ext uri="{C676402C-5697-4E1C-873F-D02D1690AC5C}">
-        <p15:threadingInfo xmlns:p15="http://schemas.microsoft.com/office/powerpoint/2012/main" timeZoneBias="300"/>
-      </p:ext>
-    </p:extLst>
-  </p:cm>
-  <p:cm authorId="5" dt="2017-06-22T21:18:37.719" idx="1">
-    <p:pos x="28193" y="7103"/>
-    <p:text>I"m torn about showing Exponentiated Luce choice rule, but I feel like we should have a line that says generation via exponentiated luce choice rule with parameter \theta...</p:text>
-    <p:extLst>
-      <p:ext uri="{C676402C-5697-4E1C-873F-D02D1690AC5C}">
-        <p15:threadingInfo xmlns:p15="http://schemas.microsoft.com/office/powerpoint/2012/main" timeZoneBias="300"/>
-      </p:ext>
-    </p:extLst>
-  </p:cm>
-</p:cmLst>
 </file>
 
 <file path=ppt/notesMasters/notesMaster1.xml><?xml version="1.0" encoding="utf-8"?>
@@ -296,7 +228,7 @@
           <a:p>
             <a:fld id="{CDC9373C-994F-E447-87BC-0883031F8899}" type="datetimeFigureOut">
               <a:rPr lang="en-US" smtClean="0"/>
-              <a:t>6/22/17</a:t>
+              <a:t>7/7/17</a:t>
             </a:fld>
             <a:endParaRPr lang="en-US"/>
           </a:p>
@@ -618,12 +550,8 @@
           </a:p>
           <a:p>
             <a:r>
-              <a:rPr lang="en-US" smtClean="0"/>
-              <a:t>Generation </a:t>
-            </a:r>
-            <a:r>
               <a:rPr lang="en-US" dirty="0" smtClean="0"/>
-              <a:t>samples</a:t>
+              <a:t>Generation samples</a:t>
             </a:r>
           </a:p>
           <a:p>
@@ -633,6 +561,10 @@
             <a:endParaRPr lang="en-US" dirty="0" smtClean="0"/>
           </a:p>
           <a:p>
+            <a:r>
+              <a:rPr lang="en-US" dirty="0" smtClean="0"/>
+              <a:t>VCRGE note</a:t>
+            </a:r>
             <a:endParaRPr lang="en-US" dirty="0"/>
           </a:p>
         </p:txBody>
@@ -804,7 +736,7 @@
           <a:p>
             <a:fld id="{BE537D98-B3AD-A54B-94FE-0511E43D51EA}" type="datetimeFigureOut">
               <a:rPr lang="en-US" smtClean="0"/>
-              <a:t>6/22/17</a:t>
+              <a:t>7/7/17</a:t>
             </a:fld>
             <a:endParaRPr lang="en-US"/>
           </a:p>
@@ -969,7 +901,7 @@
           <a:p>
             <a:fld id="{BE537D98-B3AD-A54B-94FE-0511E43D51EA}" type="datetimeFigureOut">
               <a:rPr lang="en-US" smtClean="0"/>
-              <a:t>6/22/17</a:t>
+              <a:t>7/7/17</a:t>
             </a:fld>
             <a:endParaRPr lang="en-US"/>
           </a:p>
@@ -1144,7 +1076,7 @@
           <a:p>
             <a:fld id="{BE537D98-B3AD-A54B-94FE-0511E43D51EA}" type="datetimeFigureOut">
               <a:rPr lang="en-US" smtClean="0"/>
-              <a:t>6/22/17</a:t>
+              <a:t>7/7/17</a:t>
             </a:fld>
             <a:endParaRPr lang="en-US"/>
           </a:p>
@@ -1309,7 +1241,7 @@
           <a:p>
             <a:fld id="{BE537D98-B3AD-A54B-94FE-0511E43D51EA}" type="datetimeFigureOut">
               <a:rPr lang="en-US" smtClean="0"/>
-              <a:t>6/22/17</a:t>
+              <a:t>7/7/17</a:t>
             </a:fld>
             <a:endParaRPr lang="en-US"/>
           </a:p>
@@ -1548,7 +1480,7 @@
           <a:p>
             <a:fld id="{BE537D98-B3AD-A54B-94FE-0511E43D51EA}" type="datetimeFigureOut">
               <a:rPr lang="en-US" smtClean="0"/>
-              <a:t>6/22/17</a:t>
+              <a:t>7/7/17</a:t>
             </a:fld>
             <a:endParaRPr lang="en-US"/>
           </a:p>
@@ -1775,7 +1707,7 @@
           <a:p>
             <a:fld id="{BE537D98-B3AD-A54B-94FE-0511E43D51EA}" type="datetimeFigureOut">
               <a:rPr lang="en-US" smtClean="0"/>
-              <a:t>6/22/17</a:t>
+              <a:t>7/7/17</a:t>
             </a:fld>
             <a:endParaRPr lang="en-US"/>
           </a:p>
@@ -2137,7 +2069,7 @@
           <a:p>
             <a:fld id="{BE537D98-B3AD-A54B-94FE-0511E43D51EA}" type="datetimeFigureOut">
               <a:rPr lang="en-US" smtClean="0"/>
-              <a:t>6/22/17</a:t>
+              <a:t>7/7/17</a:t>
             </a:fld>
             <a:endParaRPr lang="en-US"/>
           </a:p>
@@ -2250,7 +2182,7 @@
           <a:p>
             <a:fld id="{BE537D98-B3AD-A54B-94FE-0511E43D51EA}" type="datetimeFigureOut">
               <a:rPr lang="en-US" smtClean="0"/>
-              <a:t>6/22/17</a:t>
+              <a:t>7/7/17</a:t>
             </a:fld>
             <a:endParaRPr lang="en-US"/>
           </a:p>
@@ -2340,7 +2272,7 @@
           <a:p>
             <a:fld id="{BE537D98-B3AD-A54B-94FE-0511E43D51EA}" type="datetimeFigureOut">
               <a:rPr lang="en-US" smtClean="0"/>
-              <a:t>6/22/17</a:t>
+              <a:t>7/7/17</a:t>
             </a:fld>
             <a:endParaRPr lang="en-US"/>
           </a:p>
@@ -2612,7 +2544,7 @@
           <a:p>
             <a:fld id="{BE537D98-B3AD-A54B-94FE-0511E43D51EA}" type="datetimeFigureOut">
               <a:rPr lang="en-US" smtClean="0"/>
-              <a:t>6/22/17</a:t>
+              <a:t>7/7/17</a:t>
             </a:fld>
             <a:endParaRPr lang="en-US"/>
           </a:p>
@@ -2864,7 +2796,7 @@
           <a:p>
             <a:fld id="{BE537D98-B3AD-A54B-94FE-0511E43D51EA}" type="datetimeFigureOut">
               <a:rPr lang="en-US" smtClean="0"/>
-              <a:t>6/22/17</a:t>
+              <a:t>7/7/17</a:t>
             </a:fld>
             <a:endParaRPr lang="en-US"/>
           </a:p>
@@ -3075,7 +3007,7 @@
           <a:p>
             <a:fld id="{BE537D98-B3AD-A54B-94FE-0511E43D51EA}" type="datetimeFigureOut">
               <a:rPr lang="en-US" smtClean="0"/>
-              <a:t>6/22/17</a:t>
+              <a:t>7/7/17</a:t>
             </a:fld>
             <a:endParaRPr lang="en-US"/>
           </a:p>
@@ -3545,8 +3477,8 @@
         </p:blipFill>
         <p:spPr>
           <a:xfrm>
-            <a:off x="914399" y="1176130"/>
-            <a:ext cx="7748801" cy="3228667"/>
+            <a:off x="914399" y="342778"/>
+            <a:ext cx="8988714" cy="3745297"/>
           </a:xfrm>
           <a:prstGeom prst="rect">
             <a:avLst/>
@@ -3633,18 +3565,7 @@
                   <a:ea typeface="Raleway SemiBold" charset="0"/>
                   <a:cs typeface="Raleway SemiBold" charset="0"/>
                 </a:rPr>
-                <a:t>PACKER: An Exemplar Model of Category </a:t>
-              </a:r>
-              <a:r>
-                <a:rPr lang="en-US" sz="8000" b="1" dirty="0" smtClean="0">
-                  <a:solidFill>
-                    <a:schemeClr val="accent6"/>
-                  </a:solidFill>
-                  <a:latin typeface="Raleway SemiBold" charset="0"/>
-                  <a:ea typeface="Raleway SemiBold" charset="0"/>
-                  <a:cs typeface="Raleway SemiBold" charset="0"/>
-                </a:rPr>
-                <a:t>Generation</a:t>
+                <a:t>PACKER: An Exemplar Model of Category Generation</a:t>
               </a:r>
               <a:endParaRPr lang="en-US" sz="8000" b="1" dirty="0">
                 <a:solidFill>
@@ -3702,18 +3623,7 @@
                   <a:ea typeface="Raleway" charset="0"/>
                   <a:cs typeface="Raleway" charset="0"/>
                 </a:rPr>
-                <a:t>University of </a:t>
-              </a:r>
-              <a:r>
-                <a:rPr lang="en-US" sz="6000" dirty="0" smtClean="0">
-                  <a:solidFill>
-                    <a:schemeClr val="accent6"/>
-                  </a:solidFill>
-                  <a:latin typeface="Raleway" charset="0"/>
-                  <a:ea typeface="Raleway" charset="0"/>
-                  <a:cs typeface="Raleway" charset="0"/>
-                </a:rPr>
-                <a:t>Wisconsin-Madison; Department of Psychology</a:t>
+                <a:t>University of Wisconsin-Madison; Department of Psychology</a:t>
               </a:r>
               <a:endParaRPr lang="en-US" sz="6000" dirty="0">
                 <a:solidFill>
@@ -3796,8 +3706,8 @@
         </p:nvSpPr>
         <p:spPr>
           <a:xfrm>
-            <a:off x="914399" y="10334578"/>
-            <a:ext cx="12115800" cy="9987349"/>
+            <a:off x="883597" y="10344289"/>
+            <a:ext cx="12115800" cy="11095345"/>
           </a:xfrm>
           <a:prstGeom prst="rect">
             <a:avLst/>
@@ -3869,7 +3779,7 @@
                 <a:ea typeface="Raleway" charset="0"/>
                 <a:cs typeface="Raleway" charset="0"/>
               </a:rPr>
-              <a:t>Ps drew pictures </a:t>
+              <a:t>Ps draw </a:t>
             </a:r>
             <a:r>
               <a:rPr lang="en-US" sz="3600" dirty="0" smtClean="0">
@@ -3880,7 +3790,7 @@
                 <a:ea typeface="Raleway" charset="0"/>
                 <a:cs typeface="Raleway" charset="0"/>
               </a:rPr>
-              <a:t>of new </a:t>
+              <a:t>pictures of new </a:t>
             </a:r>
             <a:r>
               <a:rPr lang="en-US" sz="3600" dirty="0">
@@ -3891,7 +3801,7 @@
                 <a:ea typeface="Raleway" charset="0"/>
                 <a:cs typeface="Raleway" charset="0"/>
               </a:rPr>
-              <a:t>categories (e.g., new plants or animals), analyze what they created</a:t>
+              <a:t>categories (e.g., </a:t>
             </a:r>
             <a:r>
               <a:rPr lang="en-US" sz="3600" dirty="0" smtClean="0">
@@ -3902,7 +3812,18 @@
                 <a:ea typeface="Raleway" charset="0"/>
                 <a:cs typeface="Raleway" charset="0"/>
               </a:rPr>
-              <a:t>. (Ward, 1994</a:t>
+              <a:t>alien plants and </a:t>
+            </a:r>
+            <a:r>
+              <a:rPr lang="en-US" sz="3600" dirty="0">
+                <a:solidFill>
+                  <a:schemeClr val="accent6"/>
+                </a:solidFill>
+                <a:latin typeface="Raleway" charset="0"/>
+                <a:ea typeface="Raleway" charset="0"/>
+                <a:cs typeface="Raleway" charset="0"/>
+              </a:rPr>
+              <a:t>animals</a:t>
             </a:r>
             <a:r>
               <a:rPr lang="en-US" sz="3600" dirty="0" smtClean="0">
@@ -3913,7 +3834,29 @@
                 <a:ea typeface="Raleway" charset="0"/>
                 <a:cs typeface="Raleway" charset="0"/>
               </a:rPr>
-              <a:t>).</a:t>
+              <a:t>), experimenter analyzes </a:t>
+            </a:r>
+            <a:r>
+              <a:rPr lang="en-US" sz="3600" dirty="0">
+                <a:solidFill>
+                  <a:schemeClr val="accent6"/>
+                </a:solidFill>
+                <a:latin typeface="Raleway" charset="0"/>
+                <a:ea typeface="Raleway" charset="0"/>
+                <a:cs typeface="Raleway" charset="0"/>
+              </a:rPr>
+              <a:t>what they created</a:t>
+            </a:r>
+            <a:r>
+              <a:rPr lang="en-US" sz="3600" dirty="0" smtClean="0">
+                <a:solidFill>
+                  <a:schemeClr val="accent6"/>
+                </a:solidFill>
+                <a:latin typeface="Raleway" charset="0"/>
+                <a:ea typeface="Raleway" charset="0"/>
+                <a:cs typeface="Raleway" charset="0"/>
+              </a:rPr>
+              <a:t>. (Ward, 1994).</a:t>
             </a:r>
             <a:endParaRPr lang="en-US" sz="3600" dirty="0">
               <a:solidFill>
@@ -3964,62 +3907,7 @@
                 <a:ea typeface="Raleway" charset="0"/>
                 <a:cs typeface="Raleway" charset="0"/>
               </a:rPr>
-              <a:t>Ps </a:t>
-            </a:r>
-            <a:r>
-              <a:rPr lang="en-US" sz="3600" dirty="0" smtClean="0">
-                <a:solidFill>
-                  <a:schemeClr val="accent6"/>
-                </a:solidFill>
-                <a:latin typeface="Raleway" charset="0"/>
-                <a:ea typeface="Raleway" charset="0"/>
-                <a:cs typeface="Raleway" charset="0"/>
-              </a:rPr>
-              <a:t>learn about categories in an artificial domain, then generate new categories (Jern &amp; </a:t>
-            </a:r>
-            <a:r>
-              <a:rPr lang="en-US" sz="3600" dirty="0" smtClean="0">
-                <a:solidFill>
-                  <a:schemeClr val="accent6"/>
-                </a:solidFill>
-                <a:latin typeface="Raleway" charset="0"/>
-                <a:ea typeface="Raleway" charset="0"/>
-                <a:cs typeface="Raleway" charset="0"/>
-              </a:rPr>
-              <a:t>Kemp, </a:t>
-            </a:r>
-            <a:r>
-              <a:rPr lang="en-US" sz="3600" dirty="0" smtClean="0">
-                <a:solidFill>
-                  <a:schemeClr val="accent6"/>
-                </a:solidFill>
-                <a:latin typeface="Raleway" charset="0"/>
-                <a:ea typeface="Raleway" charset="0"/>
-                <a:cs typeface="Raleway" charset="0"/>
-              </a:rPr>
-              <a:t>2013). Designed to </a:t>
-            </a:r>
-            <a:r>
-              <a:rPr lang="en-US" sz="3600" dirty="0" smtClean="0">
-                <a:solidFill>
-                  <a:schemeClr val="accent6"/>
-                </a:solidFill>
-                <a:latin typeface="Raleway" charset="0"/>
-                <a:ea typeface="Raleway" charset="0"/>
-                <a:cs typeface="Raleway" charset="0"/>
-              </a:rPr>
-              <a:t>enable testing </a:t>
-            </a:r>
-            <a:r>
-              <a:rPr lang="en-US" sz="3600" dirty="0" smtClean="0">
-                <a:solidFill>
-                  <a:schemeClr val="accent6"/>
-                </a:solidFill>
-                <a:latin typeface="Raleway" charset="0"/>
-                <a:ea typeface="Raleway" charset="0"/>
-                <a:cs typeface="Raleway" charset="0"/>
-              </a:rPr>
-              <a:t>of formal models.</a:t>
+              <a:t>Ps learn about categories in an artificial domain, then generate new categories (Jern &amp; Kemp, 2013). Designed to enable testing of formal models.</a:t>
             </a:r>
             <a:endParaRPr lang="en-US" sz="3600" b="1" dirty="0" smtClean="0">
               <a:solidFill>
@@ -4048,18 +3936,7 @@
                 <a:ea typeface="Raleway" charset="0"/>
                 <a:cs typeface="Raleway" charset="0"/>
               </a:rPr>
-              <a:t>Common </a:t>
-            </a:r>
-            <a:r>
-              <a:rPr lang="en-US" sz="3600" b="1" dirty="0" smtClean="0">
-                <a:solidFill>
-                  <a:schemeClr val="accent6"/>
-                </a:solidFill>
-                <a:latin typeface="Raleway" charset="0"/>
-                <a:ea typeface="Raleway" charset="0"/>
-                <a:cs typeface="Raleway" charset="0"/>
-              </a:rPr>
-              <a:t>finding</a:t>
+              <a:t>Common finding</a:t>
             </a:r>
             <a:r>
               <a:rPr lang="en-US" sz="3600" dirty="0">
@@ -4206,8 +4083,38 @@
                 <a:ea typeface="Raleway" charset="0"/>
                 <a:cs typeface="Raleway" charset="0"/>
               </a:rPr>
-              <a:t>Existing Accounts (Jern &amp; Kemp, 2013; Ward, 2005):</a:t>
-            </a:r>
+              <a:t>Existing Accounts (Jern &amp; Kemp, 2013; Ward, </a:t>
+            </a:r>
+            <a:r>
+              <a:rPr lang="en-US" sz="3600" b="1" dirty="0" smtClean="0">
+                <a:solidFill>
+                  <a:schemeClr val="accent6"/>
+                </a:solidFill>
+                <a:latin typeface="Raleway" charset="0"/>
+                <a:ea typeface="Raleway" charset="0"/>
+                <a:cs typeface="Raleway" charset="0"/>
+              </a:rPr>
+              <a:t>199</a:t>
+            </a:r>
+            <a:r>
+              <a:rPr lang="en-US" sz="3600" b="1" dirty="0" smtClean="0">
+                <a:solidFill>
+                  <a:schemeClr val="accent6"/>
+                </a:solidFill>
+                <a:latin typeface="Raleway" charset="0"/>
+                <a:ea typeface="Raleway" charset="0"/>
+                <a:cs typeface="Raleway" charset="0"/>
+              </a:rPr>
+              <a:t>5)</a:t>
+            </a:r>
+            <a:endParaRPr lang="en-US" sz="3600" b="1" dirty="0" smtClean="0">
+              <a:solidFill>
+                <a:schemeClr val="accent6"/>
+              </a:solidFill>
+              <a:latin typeface="Raleway" charset="0"/>
+              <a:ea typeface="Raleway" charset="0"/>
+              <a:cs typeface="Raleway" charset="0"/>
+            </a:endParaRPr>
           </a:p>
           <a:p>
             <a:pPr marL="403225" indent="-284163">
@@ -4237,29 +4144,7 @@
                 <a:ea typeface="Raleway" charset="0"/>
                 <a:cs typeface="Raleway" charset="0"/>
               </a:rPr>
-              <a:t>: </a:t>
-            </a:r>
-            <a:r>
-              <a:rPr lang="en-US" sz="3600" dirty="0" smtClean="0">
-                <a:solidFill>
-                  <a:schemeClr val="accent6"/>
-                </a:solidFill>
-                <a:latin typeface="Raleway" charset="0"/>
-                <a:ea typeface="Raleway" charset="0"/>
-                <a:cs typeface="Raleway" charset="0"/>
-              </a:rPr>
-              <a:t>Generated </a:t>
-            </a:r>
-            <a:r>
-              <a:rPr lang="en-US" sz="3600" dirty="0" smtClean="0">
-                <a:solidFill>
-                  <a:schemeClr val="accent6"/>
-                </a:solidFill>
-                <a:latin typeface="Raleway" charset="0"/>
-                <a:ea typeface="Raleway" charset="0"/>
-                <a:cs typeface="Raleway" charset="0"/>
-              </a:rPr>
-              <a:t>category members are copied from known members.</a:t>
+              <a:t>: Generated category members are copied from known members.</a:t>
             </a:r>
           </a:p>
           <a:p>
@@ -4290,29 +4175,7 @@
                 <a:ea typeface="Raleway" charset="0"/>
                 <a:cs typeface="Raleway" charset="0"/>
               </a:rPr>
-              <a:t>: New categories are samples from a </a:t>
-            </a:r>
-            <a:r>
-              <a:rPr lang="en-US" sz="3600" dirty="0" smtClean="0">
-                <a:solidFill>
-                  <a:schemeClr val="accent6"/>
-                </a:solidFill>
-                <a:latin typeface="Raleway" charset="0"/>
-                <a:ea typeface="Raleway" charset="0"/>
-                <a:cs typeface="Raleway" charset="0"/>
-              </a:rPr>
-              <a:t>common, but latent, domain-wide </a:t>
-            </a:r>
-            <a:r>
-              <a:rPr lang="en-US" sz="3600" dirty="0" smtClean="0">
-                <a:solidFill>
-                  <a:schemeClr val="accent6"/>
-                </a:solidFill>
-                <a:latin typeface="Raleway" charset="0"/>
-                <a:ea typeface="Raleway" charset="0"/>
-                <a:cs typeface="Raleway" charset="0"/>
-              </a:rPr>
-              <a:t>distribution. </a:t>
+              <a:t>: New categories are samples from a common, but latent, domain-wide distribution. </a:t>
             </a:r>
           </a:p>
         </p:txBody>
@@ -4325,8 +4188,8 @@
         </p:nvSpPr>
         <p:spPr>
           <a:xfrm>
-            <a:off x="914399" y="20931173"/>
-            <a:ext cx="12115800" cy="8210969"/>
+            <a:off x="914399" y="21421029"/>
+            <a:ext cx="12115800" cy="7721114"/>
           </a:xfrm>
           <a:prstGeom prst="rect">
             <a:avLst/>
@@ -4460,7 +4323,7 @@
                 <a:ea typeface="Raleway" charset="0"/>
                 <a:cs typeface="Raleway" charset="0"/>
               </a:rPr>
-              <a:t>. </a:t>
+              <a:t>. New concepts should be </a:t>
             </a:r>
             <a:r>
               <a:rPr lang="en-US" sz="3600" dirty="0" smtClean="0">
@@ -4471,8 +4334,16 @@
                 <a:ea typeface="Raleway" charset="0"/>
                 <a:cs typeface="Raleway" charset="0"/>
               </a:rPr>
-              <a:t>New concepts should be different.</a:t>
-            </a:r>
+              <a:t>distinct from known ones.</a:t>
+            </a:r>
+            <a:endParaRPr lang="en-US" sz="3600" dirty="0" smtClean="0">
+              <a:solidFill>
+                <a:schemeClr val="accent6"/>
+              </a:solidFill>
+              <a:latin typeface="Raleway" charset="0"/>
+              <a:ea typeface="Raleway" charset="0"/>
+              <a:cs typeface="Raleway" charset="0"/>
+            </a:endParaRPr>
           </a:p>
           <a:p>
             <a:pPr>
@@ -4484,29 +4355,18 @@
               </a:spcAft>
             </a:pPr>
             <a:r>
-              <a:rPr lang="en-US" sz="3600" dirty="0" smtClean="0">
-                <a:solidFill>
-                  <a:schemeClr val="accent6"/>
-                </a:solidFill>
-                <a:latin typeface="Raleway" charset="0"/>
-                <a:ea typeface="Raleway" charset="0"/>
-                <a:cs typeface="Raleway" charset="0"/>
-              </a:rPr>
-              <a:t>How </a:t>
-            </a:r>
-            <a:r>
-              <a:rPr lang="en-US" sz="3600" dirty="0" smtClean="0">
-                <a:solidFill>
-                  <a:schemeClr val="accent6"/>
-                </a:solidFill>
-                <a:latin typeface="Raleway" charset="0"/>
-                <a:ea typeface="Raleway" charset="0"/>
-                <a:cs typeface="Raleway" charset="0"/>
-              </a:rPr>
-              <a:t>do people ensure their creations are unique</a:t>
-            </a:r>
-            <a:r>
-              <a:rPr lang="en-US" sz="3600" dirty="0" smtClean="0">
+              <a:rPr lang="en-US" sz="3600" i="1" dirty="0" smtClean="0">
+                <a:solidFill>
+                  <a:schemeClr val="accent6"/>
+                </a:solidFill>
+                <a:latin typeface="Raleway" charset="0"/>
+                <a:ea typeface="Raleway" charset="0"/>
+                <a:cs typeface="Raleway" charset="0"/>
+              </a:rPr>
+              <a:t>How do people ensure their creations are unique</a:t>
+            </a:r>
+            <a:r>
+              <a:rPr lang="en-US" sz="3600" i="1" dirty="0" smtClean="0">
                 <a:solidFill>
                   <a:schemeClr val="accent6"/>
                 </a:solidFill>
@@ -4516,6 +4376,14 @@
               </a:rPr>
               <a:t>?</a:t>
             </a:r>
+            <a:endParaRPr lang="en-US" sz="3600" i="1" dirty="0" smtClean="0">
+              <a:solidFill>
+                <a:schemeClr val="accent6"/>
+              </a:solidFill>
+              <a:latin typeface="Raleway" charset="0"/>
+              <a:ea typeface="Raleway" charset="0"/>
+              <a:cs typeface="Raleway" charset="0"/>
+            </a:endParaRPr>
           </a:p>
           <a:p>
             <a:pPr>
@@ -4526,24 +4394,6 @@
                 <a:spcPts val="600"/>
               </a:spcAft>
             </a:pPr>
-            <a:endParaRPr lang="en-US" sz="3600" dirty="0" smtClean="0">
-              <a:solidFill>
-                <a:schemeClr val="accent6"/>
-              </a:solidFill>
-              <a:latin typeface="Raleway" charset="0"/>
-              <a:ea typeface="Raleway" charset="0"/>
-              <a:cs typeface="Raleway" charset="0"/>
-            </a:endParaRPr>
-          </a:p>
-          <a:p>
-            <a:pPr>
-              <a:spcBef>
-                <a:spcPts val="600"/>
-              </a:spcBef>
-              <a:spcAft>
-                <a:spcPts val="600"/>
-              </a:spcAft>
-            </a:pPr>
             <a:r>
               <a:rPr lang="en-US" sz="3600" b="1" dirty="0" smtClean="0">
                 <a:solidFill>
@@ -4553,18 +4403,7 @@
                 <a:ea typeface="Raleway" charset="0"/>
                 <a:cs typeface="Raleway" charset="0"/>
               </a:rPr>
-              <a:t>Our </a:t>
-            </a:r>
-            <a:r>
-              <a:rPr lang="en-US" sz="3600" b="1" dirty="0" smtClean="0">
-                <a:solidFill>
-                  <a:schemeClr val="accent6"/>
-                </a:solidFill>
-                <a:latin typeface="Raleway" charset="0"/>
-                <a:ea typeface="Raleway" charset="0"/>
-                <a:cs typeface="Raleway" charset="0"/>
-              </a:rPr>
-              <a:t>Contributions: </a:t>
+              <a:t>Our Contributions: </a:t>
             </a:r>
           </a:p>
           <a:p>
@@ -4587,7 +4426,29 @@
                 <a:ea typeface="Raleway" charset="0"/>
                 <a:cs typeface="Raleway" charset="0"/>
               </a:rPr>
-              <a:t>Proposed contrast as a core principle of category generation.</a:t>
+              <a:t>Proposed contrast as a core principle of </a:t>
+            </a:r>
+            <a:r>
+              <a:rPr lang="en-US" sz="3600" dirty="0" smtClean="0">
+                <a:solidFill>
+                  <a:schemeClr val="accent6"/>
+                </a:solidFill>
+                <a:latin typeface="Raleway" charset="0"/>
+                <a:ea typeface="Raleway" charset="0"/>
+                <a:cs typeface="Raleway" charset="0"/>
+              </a:rPr>
+              <a:t>generation</a:t>
+            </a:r>
+            <a:r>
+              <a:rPr lang="en-US" sz="3600" dirty="0" smtClean="0">
+                <a:solidFill>
+                  <a:schemeClr val="accent6"/>
+                </a:solidFill>
+                <a:latin typeface="Raleway" charset="0"/>
+                <a:ea typeface="Raleway" charset="0"/>
+                <a:cs typeface="Raleway" charset="0"/>
+              </a:rPr>
+              <a:t>.</a:t>
             </a:r>
           </a:p>
           <a:p>
@@ -4610,7 +4471,84 @@
                 <a:ea typeface="Raleway" charset="0"/>
                 <a:cs typeface="Raleway" charset="0"/>
               </a:rPr>
-              <a:t>Developed an exemplar-based model that includes contrast as a basic mechanism for generating new categories.</a:t>
+              <a:t>Developed an exemplar-based model </a:t>
+            </a:r>
+            <a:r>
+              <a:rPr lang="en-US" sz="3600" dirty="0" smtClean="0">
+                <a:solidFill>
+                  <a:schemeClr val="accent6"/>
+                </a:solidFill>
+                <a:latin typeface="Raleway" charset="0"/>
+                <a:ea typeface="Raleway" charset="0"/>
+                <a:cs typeface="Raleway" charset="0"/>
+              </a:rPr>
+              <a:t>including </a:t>
+            </a:r>
+            <a:r>
+              <a:rPr lang="en-US" sz="3600" dirty="0" smtClean="0">
+                <a:solidFill>
+                  <a:schemeClr val="accent6"/>
+                </a:solidFill>
+                <a:latin typeface="Raleway" charset="0"/>
+                <a:ea typeface="Raleway" charset="0"/>
+                <a:cs typeface="Raleway" charset="0"/>
+              </a:rPr>
+              <a:t>contrast </a:t>
+            </a:r>
+            <a:r>
+              <a:rPr lang="en-US" sz="3600" dirty="0" smtClean="0">
+                <a:solidFill>
+                  <a:schemeClr val="accent6"/>
+                </a:solidFill>
+                <a:latin typeface="Raleway" charset="0"/>
+                <a:ea typeface="Raleway" charset="0"/>
+                <a:cs typeface="Raleway" charset="0"/>
+              </a:rPr>
+              <a:t>as a </a:t>
+            </a:r>
+            <a:r>
+              <a:rPr lang="en-US" sz="3600" dirty="0" smtClean="0">
+                <a:solidFill>
+                  <a:schemeClr val="accent6"/>
+                </a:solidFill>
+                <a:latin typeface="Raleway" charset="0"/>
+                <a:ea typeface="Raleway" charset="0"/>
+                <a:cs typeface="Raleway" charset="0"/>
+              </a:rPr>
+              <a:t>mechanism </a:t>
+            </a:r>
+            <a:r>
+              <a:rPr lang="en-US" sz="3600" dirty="0" smtClean="0">
+                <a:solidFill>
+                  <a:schemeClr val="accent6"/>
+                </a:solidFill>
+                <a:latin typeface="Raleway" charset="0"/>
+                <a:ea typeface="Raleway" charset="0"/>
+                <a:cs typeface="Raleway" charset="0"/>
+              </a:rPr>
+              <a:t>for generating </a:t>
+            </a:r>
+            <a:r>
+              <a:rPr lang="en-US" sz="3600" dirty="0" smtClean="0">
+                <a:solidFill>
+                  <a:schemeClr val="accent6"/>
+                </a:solidFill>
+                <a:latin typeface="Raleway" charset="0"/>
+                <a:ea typeface="Raleway" charset="0"/>
+                <a:cs typeface="Raleway" charset="0"/>
+              </a:rPr>
+              <a:t>categories</a:t>
+            </a:r>
+            <a:r>
+              <a:rPr lang="en-US" sz="3600" dirty="0" smtClean="0">
+                <a:solidFill>
+                  <a:schemeClr val="accent6"/>
+                </a:solidFill>
+                <a:latin typeface="Raleway" charset="0"/>
+                <a:ea typeface="Raleway" charset="0"/>
+                <a:cs typeface="Raleway" charset="0"/>
+              </a:rPr>
+              <a:t>.</a:t>
             </a:r>
           </a:p>
           <a:p>
@@ -4633,44 +4571,118 @@
                 <a:ea typeface="Raleway" charset="0"/>
                 <a:cs typeface="Raleway" charset="0"/>
               </a:rPr>
-              <a:t>Tested differences between our model and others in a behavioral experiment. We found strong support for ours and contrast as a core principle of category generation.</a:t>
-            </a:r>
-            <a:endParaRPr lang="en-US" sz="3600" dirty="0" smtClean="0">
-              <a:solidFill>
-                <a:schemeClr val="accent6"/>
-              </a:solidFill>
-              <a:latin typeface="Raleway" charset="0"/>
-              <a:ea typeface="Raleway" charset="0"/>
-              <a:cs typeface="Raleway" charset="0"/>
-            </a:endParaRPr>
-          </a:p>
-          <a:p>
-            <a:pPr>
-              <a:spcBef>
-                <a:spcPts val="600"/>
-              </a:spcBef>
-              <a:spcAft>
-                <a:spcPts val="600"/>
-              </a:spcAft>
-            </a:pPr>
-            <a:endParaRPr lang="en-US" sz="3600" dirty="0">
-              <a:solidFill>
-                <a:schemeClr val="accent6"/>
-              </a:solidFill>
-              <a:latin typeface="Raleway" charset="0"/>
-              <a:ea typeface="Raleway" charset="0"/>
-              <a:cs typeface="Raleway" charset="0"/>
-            </a:endParaRPr>
-          </a:p>
-          <a:p>
-            <a:pPr>
-              <a:spcBef>
-                <a:spcPts val="600"/>
-              </a:spcBef>
-              <a:spcAft>
-                <a:spcPts val="600"/>
-              </a:spcAft>
-            </a:pPr>
+              <a:t>Tested </a:t>
+            </a:r>
+            <a:r>
+              <a:rPr lang="en-US" sz="3600" dirty="0" smtClean="0">
+                <a:solidFill>
+                  <a:schemeClr val="accent6"/>
+                </a:solidFill>
+                <a:latin typeface="Raleway" charset="0"/>
+                <a:ea typeface="Raleway" charset="0"/>
+                <a:cs typeface="Raleway" charset="0"/>
+              </a:rPr>
+              <a:t>the model in </a:t>
+            </a:r>
+            <a:r>
+              <a:rPr lang="en-US" sz="3600" dirty="0" smtClean="0">
+                <a:solidFill>
+                  <a:schemeClr val="accent6"/>
+                </a:solidFill>
+                <a:latin typeface="Raleway" charset="0"/>
+                <a:ea typeface="Raleway" charset="0"/>
+                <a:cs typeface="Raleway" charset="0"/>
+              </a:rPr>
+              <a:t>a behavioral experiment. We found strong support for ours </a:t>
+            </a:r>
+            <a:r>
+              <a:rPr lang="en-US" sz="3600" dirty="0" smtClean="0">
+                <a:solidFill>
+                  <a:schemeClr val="accent6"/>
+                </a:solidFill>
+                <a:latin typeface="Raleway" charset="0"/>
+                <a:ea typeface="Raleway" charset="0"/>
+                <a:cs typeface="Raleway" charset="0"/>
+              </a:rPr>
+              <a:t>model, supporting </a:t>
+            </a:r>
+            <a:r>
+              <a:rPr lang="en-US" sz="3600" dirty="0" smtClean="0">
+                <a:solidFill>
+                  <a:schemeClr val="accent6"/>
+                </a:solidFill>
+                <a:latin typeface="Raleway" charset="0"/>
+                <a:ea typeface="Raleway" charset="0"/>
+                <a:cs typeface="Raleway" charset="0"/>
+              </a:rPr>
+              <a:t>contrast </a:t>
+            </a:r>
+            <a:r>
+              <a:rPr lang="en-US" sz="3600" dirty="0">
+                <a:solidFill>
+                  <a:schemeClr val="accent6"/>
+                </a:solidFill>
+                <a:latin typeface="Raleway" charset="0"/>
+                <a:ea typeface="Raleway" charset="0"/>
+                <a:cs typeface="Raleway" charset="0"/>
+              </a:rPr>
+              <a:t>a</a:t>
+            </a:r>
+            <a:r>
+              <a:rPr lang="en-US" sz="3600" dirty="0" smtClean="0">
+                <a:solidFill>
+                  <a:schemeClr val="accent6"/>
+                </a:solidFill>
+                <a:latin typeface="Raleway" charset="0"/>
+                <a:ea typeface="Raleway" charset="0"/>
+                <a:cs typeface="Raleway" charset="0"/>
+              </a:rPr>
+              <a:t>s </a:t>
+            </a:r>
+            <a:r>
+              <a:rPr lang="en-US" sz="3600" dirty="0" smtClean="0">
+                <a:solidFill>
+                  <a:schemeClr val="accent6"/>
+                </a:solidFill>
+                <a:latin typeface="Raleway" charset="0"/>
+                <a:ea typeface="Raleway" charset="0"/>
+                <a:cs typeface="Raleway" charset="0"/>
+              </a:rPr>
+              <a:t>core </a:t>
+            </a:r>
+            <a:r>
+              <a:rPr lang="en-US" sz="3600" dirty="0" smtClean="0">
+                <a:solidFill>
+                  <a:schemeClr val="accent6"/>
+                </a:solidFill>
+                <a:latin typeface="Raleway" charset="0"/>
+                <a:ea typeface="Raleway" charset="0"/>
+                <a:cs typeface="Raleway" charset="0"/>
+              </a:rPr>
+              <a:t>constraint in </a:t>
+            </a:r>
+            <a:r>
+              <a:rPr lang="en-US" sz="3600" dirty="0" smtClean="0">
+                <a:solidFill>
+                  <a:schemeClr val="accent6"/>
+                </a:solidFill>
+                <a:latin typeface="Raleway" charset="0"/>
+                <a:ea typeface="Raleway" charset="0"/>
+                <a:cs typeface="Raleway" charset="0"/>
+              </a:rPr>
+              <a:t>category generation</a:t>
+            </a:r>
+            <a:r>
+              <a:rPr lang="en-US" sz="3600" dirty="0" smtClean="0">
+                <a:solidFill>
+                  <a:schemeClr val="accent6"/>
+                </a:solidFill>
+                <a:latin typeface="Raleway" charset="0"/>
+                <a:ea typeface="Raleway" charset="0"/>
+                <a:cs typeface="Raleway" charset="0"/>
+              </a:rPr>
+              <a:t>.</a:t>
+            </a:r>
             <a:endParaRPr lang="en-US" sz="4400" b="1" dirty="0">
               <a:solidFill>
                 <a:schemeClr val="accent6"/>
@@ -4682,36 +4694,6 @@
           </a:p>
         </p:txBody>
       </p:sp>
-      <p:pic>
-        <p:nvPicPr>
-          <p:cNvPr id="23" name="Picture 22"/>
-          <p:cNvPicPr>
-            <a:picLocks noChangeAspect="1"/>
-          </p:cNvPicPr>
-          <p:nvPr/>
-        </p:nvPicPr>
-        <p:blipFill>
-          <a:blip r:embed="rId4">
-            <a:extLst>
-              <a:ext uri="{28A0092B-C50C-407E-A947-70E740481C1C}">
-                <a14:useLocalDpi xmlns:a14="http://schemas.microsoft.com/office/drawing/2010/main" val="0"/>
-              </a:ext>
-            </a:extLst>
-          </a:blip>
-          <a:stretch>
-            <a:fillRect/>
-          </a:stretch>
-        </p:blipFill>
-        <p:spPr>
-          <a:xfrm>
-            <a:off x="7430399" y="454652"/>
-            <a:ext cx="2035634" cy="2035634"/>
-          </a:xfrm>
-          <a:prstGeom prst="rect">
-            <a:avLst/>
-          </a:prstGeom>
-        </p:spPr>
-      </p:pic>
       <p:grpSp>
         <p:nvGrpSpPr>
           <p:cNvPr id="30" name="Group 29"/>
@@ -4721,9 +4703,9 @@
         <p:grpSpPr>
           <a:xfrm>
             <a:off x="28333907" y="5086290"/>
-            <a:ext cx="16471692" cy="10893415"/>
+            <a:ext cx="16471692" cy="10940410"/>
             <a:chOff x="13336954" y="4933890"/>
-            <a:chExt cx="16471692" cy="10893415"/>
+            <a:chExt cx="16471692" cy="10825408"/>
           </a:xfrm>
         </p:grpSpPr>
         <p:sp>
@@ -4806,7 +4788,7 @@
               <p:spPr>
                 <a:xfrm>
                   <a:off x="13434443" y="5043616"/>
-                  <a:ext cx="16374203" cy="8166955"/>
+                  <a:ext cx="16374203" cy="8873839"/>
                 </a:xfrm>
                 <a:prstGeom prst="rect">
                   <a:avLst/>
@@ -4832,7 +4814,7 @@
                       <a:ea typeface="Raleway" charset="0"/>
                       <a:cs typeface="Raleway" charset="0"/>
                     </a:rPr>
-                    <a:t>PACKER</a:t>
+                    <a:t>        PACKER</a:t>
                   </a:r>
                   <a:r>
                     <a:rPr lang="en-US" sz="4400" dirty="0" smtClean="0">
@@ -5030,35 +5012,13 @@
                       <a:ea typeface="Raleway" charset="0"/>
                       <a:cs typeface="Raleway" charset="0"/>
                     </a:rPr>
-                    <a:t>: </a:t>
-                  </a:r>
-                  <a:r>
-                    <a:rPr lang="en-US" sz="3600" dirty="0" smtClean="0">
-                      <a:solidFill>
-                        <a:schemeClr val="accent6"/>
-                      </a:solidFill>
-                      <a:latin typeface="Raleway" charset="0"/>
-                      <a:ea typeface="Raleway" charset="0"/>
-                      <a:cs typeface="Raleway" charset="0"/>
-                    </a:rPr>
-                    <a:t>Generation </a:t>
-                  </a:r>
-                  <a:r>
-                    <a:rPr lang="en-US" sz="3600" dirty="0" smtClean="0">
-                      <a:solidFill>
-                        <a:schemeClr val="accent6"/>
-                      </a:solidFill>
-                      <a:latin typeface="Raleway" charset="0"/>
-                      <a:ea typeface="Raleway" charset="0"/>
-                      <a:cs typeface="Raleway" charset="0"/>
-                    </a:rPr>
-                    <a:t>is constrained by within- and between-class similarity. </a:t>
+                    <a:t>: Generation is constrained by within- and between-class similarity. </a:t>
                   </a:r>
                 </a:p>
                 <a:p>
                   <a:pPr marL="522288" indent="-341313">
                     <a:spcAft>
-                      <a:spcPts val="600"/>
+                      <a:spcPts val="200"/>
                     </a:spcAft>
                     <a:buFontTx/>
                     <a:buChar char="-"/>
@@ -5333,7 +5293,7 @@
                 <a:p>
                   <a:pPr marL="522288" indent="-341313">
                     <a:spcAft>
-                      <a:spcPts val="600"/>
+                      <a:spcPts val="200"/>
                     </a:spcAft>
                     <a:buFontTx/>
                     <a:buChar char="-"/>
@@ -5530,7 +5490,7 @@
                 <a:p>
                   <a:pPr marL="522288" indent="-341313">
                     <a:spcAft>
-                      <a:spcPts val="600"/>
+                      <a:spcPts val="200"/>
                     </a:spcAft>
                     <a:buFontTx/>
                     <a:buChar char="-"/>
@@ -5695,8 +5655,171 @@
                       <a:ea typeface="Raleway" charset="0"/>
                       <a:cs typeface="Raleway" charset="0"/>
                     </a:rPr>
-                    <a:t>otherwise.</a:t>
+                    <a:t>otherwise</a:t>
                   </a:r>
+                  <a:r>
+                    <a:rPr lang="en-US" sz="3600" dirty="0" smtClean="0">
+                      <a:solidFill>
+                        <a:schemeClr val="accent6"/>
+                      </a:solidFill>
+                      <a:latin typeface="Raleway" charset="0"/>
+                      <a:ea typeface="Raleway" charset="0"/>
+                      <a:cs typeface="Raleway" charset="0"/>
+                    </a:rPr>
+                    <a:t>.</a:t>
+                  </a:r>
+                </a:p>
+                <a:p>
+                  <a:pPr marL="522288" indent="-341313">
+                    <a:spcAft>
+                      <a:spcPts val="600"/>
+                    </a:spcAft>
+                    <a:buFontTx/>
+                    <a:buChar char="-"/>
+                  </a:pPr>
+                  <a:r>
+                    <a:rPr lang="en-US" sz="3600" dirty="0" smtClean="0">
+                      <a:solidFill>
+                        <a:schemeClr val="accent6"/>
+                      </a:solidFill>
+                      <a:latin typeface="Raleway" charset="0"/>
+                      <a:ea typeface="Raleway" charset="0"/>
+                      <a:cs typeface="Raleway" charset="0"/>
+                    </a:rPr>
+                    <a:t>Generation probability </a:t>
+                  </a:r>
+                  <a14:m>
+                    <m:oMath xmlns:m="http://schemas.openxmlformats.org/officeDocument/2006/math">
+                      <m:r>
+                        <a:rPr lang="en-US" sz="3600" b="0" i="1" smtClean="0">
+                          <a:latin typeface="Cambria Math" charset="0"/>
+                        </a:rPr>
+                        <m:t>𝑝</m:t>
+                      </m:r>
+                      <m:d>
+                        <m:dPr>
+                          <m:ctrlPr>
+                            <a:rPr lang="mr-IN" sz="3600" i="1" smtClean="0">
+                              <a:latin typeface="Cambria Math" charset="0"/>
+                            </a:rPr>
+                          </m:ctrlPr>
+                        </m:dPr>
+                        <m:e>
+                          <m:r>
+                            <a:rPr lang="en-US" sz="3600" b="0" i="1" smtClean="0">
+                              <a:latin typeface="Cambria Math" charset="0"/>
+                            </a:rPr>
+                            <m:t>𝑦</m:t>
+                          </m:r>
+                        </m:e>
+                      </m:d>
+                    </m:oMath>
+                  </a14:m>
+                  <a:r>
+                    <a:rPr lang="en-US" sz="3600" dirty="0" smtClean="0">
+                      <a:solidFill>
+                        <a:schemeClr val="accent6"/>
+                      </a:solidFill>
+                      <a:latin typeface="Raleway" charset="0"/>
+                      <a:ea typeface="Raleway" charset="0"/>
+                      <a:cs typeface="Raleway" charset="0"/>
+                    </a:rPr>
+                    <a:t> computed via </a:t>
+                  </a:r>
+                  <a:r>
+                    <a:rPr lang="en-US" sz="3600" dirty="0" err="1" smtClean="0">
+                      <a:solidFill>
+                        <a:schemeClr val="accent6"/>
+                      </a:solidFill>
+                      <a:latin typeface="Raleway" charset="0"/>
+                      <a:ea typeface="Raleway" charset="0"/>
+                      <a:cs typeface="Raleway" charset="0"/>
+                    </a:rPr>
+                    <a:t>softmax</a:t>
+                  </a:r>
+                  <a:r>
+                    <a:rPr lang="en-US" sz="3600" dirty="0" smtClean="0">
+                      <a:solidFill>
+                        <a:schemeClr val="accent6"/>
+                      </a:solidFill>
+                      <a:latin typeface="Raleway" charset="0"/>
+                      <a:ea typeface="Raleway" charset="0"/>
+                      <a:cs typeface="Raleway" charset="0"/>
+                    </a:rPr>
+                    <a:t> among </a:t>
+                  </a:r>
+                  <a14:m>
+                    <m:oMath xmlns:m="http://schemas.openxmlformats.org/officeDocument/2006/math">
+                      <m:r>
+                        <m:rPr>
+                          <m:sty m:val="p"/>
+                        </m:rPr>
+                        <a:rPr lang="el-GR" sz="3600" i="1" smtClean="0">
+                          <a:latin typeface="Cambria Math" charset="0"/>
+                          <a:ea typeface="Cambria Math" charset="0"/>
+                          <a:cs typeface="Cambria Math" charset="0"/>
+                        </a:rPr>
+                        <m:t>θ</m:t>
+                      </m:r>
+                      <m:r>
+                        <a:rPr lang="el-GR" sz="3600" i="1" smtClean="0">
+                          <a:latin typeface="Cambria Math" charset="0"/>
+                          <a:ea typeface="Cambria Math" charset="0"/>
+                          <a:cs typeface="Cambria Math" charset="0"/>
+                        </a:rPr>
+                        <m:t>∙</m:t>
+                      </m:r>
+                      <m:r>
+                        <a:rPr lang="en-US" sz="3600" i="1">
+                          <a:latin typeface="Cambria Math" charset="0"/>
+                        </a:rPr>
+                        <m:t>𝑎</m:t>
+                      </m:r>
+                      <m:d>
+                        <m:dPr>
+                          <m:ctrlPr>
+                            <a:rPr lang="mr-IN" sz="3600" i="1">
+                              <a:latin typeface="Cambria Math" charset="0"/>
+                            </a:rPr>
+                          </m:ctrlPr>
+                        </m:dPr>
+                        <m:e>
+                          <m:r>
+                            <a:rPr lang="en-US" sz="3600" i="1">
+                              <a:latin typeface="Cambria Math" charset="0"/>
+                            </a:rPr>
+                            <m:t>𝑦</m:t>
+                          </m:r>
+                          <m:r>
+                            <a:rPr lang="en-US" sz="3600" i="1">
+                              <a:latin typeface="Cambria Math" charset="0"/>
+                            </a:rPr>
+                            <m:t>,</m:t>
+                          </m:r>
+                          <m:r>
+                            <a:rPr lang="en-US" sz="3600" i="1">
+                              <a:latin typeface="Cambria Math" charset="0"/>
+                            </a:rPr>
+                            <m:t>𝑥</m:t>
+                          </m:r>
+                          <m:r>
+                            <a:rPr lang="en-US" sz="3600" i="1">
+                              <a:latin typeface="Cambria Math" charset="0"/>
+                            </a:rPr>
+                            <m:t> </m:t>
+                          </m:r>
+                        </m:e>
+                      </m:d>
+                    </m:oMath>
+                  </a14:m>
+                  <a:endParaRPr lang="en-US" sz="3600" dirty="0" smtClean="0">
+                    <a:solidFill>
+                      <a:schemeClr val="accent6"/>
+                    </a:solidFill>
+                    <a:latin typeface="Raleway" charset="0"/>
+                    <a:ea typeface="Raleway" charset="0"/>
+                    <a:cs typeface="Raleway" charset="0"/>
+                  </a:endParaRPr>
                 </a:p>
                 <a:p>
                   <a:pPr marL="180975">
@@ -5828,15 +5951,15 @@
               <p:spPr>
                 <a:xfrm>
                   <a:off x="13434443" y="5043616"/>
-                  <a:ext cx="16374203" cy="8166955"/>
+                  <a:ext cx="16374203" cy="8873839"/>
                 </a:xfrm>
                 <a:prstGeom prst="rect">
                   <a:avLst/>
                 </a:prstGeom>
                 <a:blipFill rotWithShape="0">
-                  <a:blip r:embed="rId5"/>
+                  <a:blip r:embed="rId4"/>
                   <a:stretch>
-                    <a:fillRect l="-2085" t="-2015" r="-1750"/>
+                    <a:fillRect l="-2085" t="-1903" r="-1117"/>
                   </a:stretch>
                 </a:blipFill>
               </p:spPr>
@@ -5855,36 +5978,6 @@
             </p:sp>
           </mc:Fallback>
         </mc:AlternateContent>
-        <p:pic>
-          <p:nvPicPr>
-            <p:cNvPr id="26" name="Picture 25"/>
-            <p:cNvPicPr>
-              <a:picLocks noChangeAspect="1"/>
-            </p:cNvPicPr>
-            <p:nvPr/>
-          </p:nvPicPr>
-          <p:blipFill>
-            <a:blip r:embed="rId6">
-              <a:extLst>
-                <a:ext uri="{28A0092B-C50C-407E-A947-70E740481C1C}">
-                  <a14:useLocalDpi xmlns:a14="http://schemas.microsoft.com/office/drawing/2010/main" val="0"/>
-                </a:ext>
-              </a:extLst>
-            </a:blip>
-            <a:stretch>
-              <a:fillRect/>
-            </a:stretch>
-          </p:blipFill>
-          <p:spPr>
-            <a:xfrm>
-              <a:off x="13385698" y="11123038"/>
-              <a:ext cx="16374203" cy="4704267"/>
-            </a:xfrm>
-            <a:prstGeom prst="rect">
-              <a:avLst/>
-            </a:prstGeom>
-          </p:spPr>
-        </p:pic>
       </p:grpSp>
       <p:sp>
         <p:nvSpPr>
@@ -5894,8 +5987,8 @@
         </p:nvSpPr>
         <p:spPr>
           <a:xfrm>
-            <a:off x="13336954" y="17988815"/>
-            <a:ext cx="14641454" cy="10863922"/>
+            <a:off x="13336954" y="17169745"/>
+            <a:ext cx="14641454" cy="11682992"/>
           </a:xfrm>
           <a:prstGeom prst="rect">
             <a:avLst/>
@@ -5934,7 +6027,25 @@
           <a:p>
             <a:pPr>
               <a:spcBef>
+                <a:spcPts val="2400"/>
+              </a:spcBef>
+              <a:spcAft>
                 <a:spcPts val="600"/>
+              </a:spcAft>
+            </a:pPr>
+            <a:endParaRPr lang="en-US" sz="900" b="1" dirty="0" smtClean="0">
+              <a:solidFill>
+                <a:schemeClr val="accent6"/>
+              </a:solidFill>
+              <a:latin typeface="Raleway SemiBold" charset="0"/>
+              <a:ea typeface="Raleway SemiBold" charset="0"/>
+              <a:cs typeface="Raleway SemiBold" charset="0"/>
+            </a:endParaRPr>
+          </a:p>
+          <a:p>
+            <a:pPr>
+              <a:spcBef>
+                <a:spcPts val="1200"/>
               </a:spcBef>
               <a:spcAft>
                 <a:spcPts val="600"/>
@@ -5958,133 +6069,6 @@
               <a:latin typeface="Raleway" charset="0"/>
               <a:ea typeface="Raleway" charset="0"/>
               <a:cs typeface="Raleway" charset="0"/>
-            </a:endParaRPr>
-          </a:p>
-          <a:p>
-            <a:pPr>
-              <a:spcBef>
-                <a:spcPts val="600"/>
-              </a:spcBef>
-              <a:spcAft>
-                <a:spcPts val="600"/>
-              </a:spcAft>
-            </a:pPr>
-            <a:r>
-              <a:rPr lang="en-US" sz="3600" dirty="0" err="1" smtClean="0">
-                <a:solidFill>
-                  <a:schemeClr val="accent6"/>
-                </a:solidFill>
-                <a:latin typeface="Raleway" charset="0"/>
-                <a:ea typeface="Raleway" charset="0"/>
-                <a:cs typeface="Raleway" charset="0"/>
-              </a:rPr>
-              <a:t>Examplars</a:t>
-            </a:r>
-            <a:r>
-              <a:rPr lang="en-US" sz="3600" dirty="0" smtClean="0">
-                <a:solidFill>
-                  <a:schemeClr val="accent6"/>
-                </a:solidFill>
-                <a:latin typeface="Raleway" charset="0"/>
-                <a:ea typeface="Raleway" charset="0"/>
-                <a:cs typeface="Raleway" charset="0"/>
-              </a:rPr>
-              <a:t> </a:t>
-            </a:r>
-            <a:r>
-              <a:rPr lang="en-US" sz="3600" dirty="0" smtClean="0">
-                <a:solidFill>
-                  <a:schemeClr val="accent6"/>
-                </a:solidFill>
-                <a:latin typeface="Raleway" charset="0"/>
-                <a:ea typeface="Raleway" charset="0"/>
-                <a:cs typeface="Raleway" charset="0"/>
-              </a:rPr>
-              <a:t>that are highly distant from Alpha category members </a:t>
-            </a:r>
-            <a:r>
-              <a:rPr lang="en-US" sz="3600" dirty="0" smtClean="0">
-                <a:solidFill>
-                  <a:schemeClr val="accent6"/>
-                </a:solidFill>
-                <a:latin typeface="Raleway" charset="0"/>
-                <a:ea typeface="Raleway" charset="0"/>
-                <a:cs typeface="Raleway" charset="0"/>
-              </a:rPr>
-              <a:t>were more </a:t>
-            </a:r>
-            <a:r>
-              <a:rPr lang="en-US" sz="3600" dirty="0" smtClean="0">
-                <a:solidFill>
-                  <a:schemeClr val="accent6"/>
-                </a:solidFill>
-                <a:latin typeface="Raleway" charset="0"/>
-                <a:ea typeface="Raleway" charset="0"/>
-                <a:cs typeface="Raleway" charset="0"/>
-              </a:rPr>
-              <a:t>likely to be generated. </a:t>
-            </a:r>
-            <a:endParaRPr lang="en-US" sz="3600" dirty="0">
-              <a:solidFill>
-                <a:schemeClr val="accent6"/>
-              </a:solidFill>
-              <a:latin typeface="Raleway" charset="0"/>
-              <a:ea typeface="Raleway" charset="0"/>
-              <a:cs typeface="Raleway" charset="0"/>
-            </a:endParaRPr>
-          </a:p>
-          <a:p>
-            <a:pPr>
-              <a:spcBef>
-                <a:spcPts val="600"/>
-              </a:spcBef>
-              <a:spcAft>
-                <a:spcPts val="600"/>
-              </a:spcAft>
-            </a:pPr>
-            <a:endParaRPr lang="en-US" sz="3600" dirty="0" smtClean="0">
-              <a:solidFill>
-                <a:schemeClr val="accent6"/>
-              </a:solidFill>
-              <a:latin typeface="Raleway" charset="0"/>
-              <a:ea typeface="Raleway" charset="0"/>
-              <a:cs typeface="Raleway" charset="0"/>
-            </a:endParaRPr>
-          </a:p>
-          <a:p>
-            <a:pPr>
-              <a:spcBef>
-                <a:spcPts val="600"/>
-              </a:spcBef>
-              <a:spcAft>
-                <a:spcPts val="600"/>
-              </a:spcAft>
-            </a:pPr>
-            <a:endParaRPr lang="en-US" sz="3600" dirty="0">
-              <a:solidFill>
-                <a:schemeClr val="accent6"/>
-              </a:solidFill>
-              <a:latin typeface="Raleway" charset="0"/>
-              <a:ea typeface="Raleway" charset="0"/>
-              <a:cs typeface="Raleway" charset="0"/>
-            </a:endParaRPr>
-          </a:p>
-          <a:p>
-            <a:pPr>
-              <a:spcBef>
-                <a:spcPts val="600"/>
-              </a:spcBef>
-              <a:spcAft>
-                <a:spcPts val="600"/>
-              </a:spcAft>
-            </a:pPr>
-            <a:endParaRPr lang="en-US" sz="4400" b="1" dirty="0">
-              <a:solidFill>
-                <a:schemeClr val="accent6"/>
-              </a:solidFill>
-              <a:latin typeface="Raleway SemiBold" charset="0"/>
-              <a:ea typeface="Raleway SemiBold" charset="0"/>
-              <a:cs typeface="Raleway SemiBold" charset="0"/>
             </a:endParaRPr>
           </a:p>
         </p:txBody>
@@ -6098,13 +6082,13 @@
           <p:nvPr>
             <p:extLst>
               <p:ext uri="{D42A27DB-BD31-4B8C-83A1-F6EECF244321}">
-                <p14:modId xmlns:p14="http://schemas.microsoft.com/office/powerpoint/2010/main" val="1744240205"/>
+                <p14:modId xmlns:p14="http://schemas.microsoft.com/office/powerpoint/2010/main" val="232281404"/>
               </p:ext>
             </p:extLst>
           </p:nvPr>
         </p:nvGraphicFramePr>
         <p:xfrm>
-          <a:off x="15461668" y="24741656"/>
+          <a:off x="15461668" y="24513057"/>
           <a:ext cx="7665337" cy="3870960"/>
         </p:xfrm>
         <a:graphic>
@@ -6131,9 +6115,9 @@
                           <a:ea typeface="Raleway" charset="0"/>
                           <a:cs typeface="Raleway" charset="0"/>
                         </a:rPr>
-                        <a:t>Middle</a:t>
+                        <a:t>Bottom</a:t>
                       </a:r>
-                      <a:endParaRPr lang="en-US" sz="4000" b="1" dirty="0">
+                      <a:endParaRPr lang="en-US" sz="3600" b="1" dirty="0">
                         <a:latin typeface="Raleway" charset="0"/>
                         <a:ea typeface="Raleway" charset="0"/>
                         <a:cs typeface="Raleway" charset="0"/>
@@ -6349,7 +6333,7 @@
                           <a:ea typeface="Raleway" charset="0"/>
                           <a:cs typeface="Raleway" charset="0"/>
                         </a:rPr>
-                        <a:t>28</a:t>
+                        <a:t>16</a:t>
                       </a:r>
                       <a:endParaRPr lang="en-US" sz="2800" b="1" dirty="0">
                         <a:latin typeface="Raleway" charset="0"/>
@@ -6417,7 +6401,7 @@
                           <a:ea typeface="Raleway" charset="0"/>
                           <a:cs typeface="Raleway" charset="0"/>
                         </a:rPr>
-                        <a:t>18</a:t>
+                        <a:t>8</a:t>
                       </a:r>
                       <a:endParaRPr lang="en-US" sz="2800" dirty="0">
                         <a:latin typeface="Raleway" charset="0"/>
@@ -6541,7 +6525,7 @@
                           <a:ea typeface="Raleway" charset="0"/>
                           <a:cs typeface="Raleway" charset="0"/>
                         </a:rPr>
-                        <a:t>11</a:t>
+                        <a:t>31</a:t>
                       </a:r>
                       <a:endParaRPr lang="en-US" sz="2800" dirty="0">
                         <a:latin typeface="Raleway" charset="0"/>
@@ -6607,8 +6591,13 @@
                           <a:ea typeface="Raleway" charset="0"/>
                           <a:cs typeface="Raleway" charset="0"/>
                         </a:rPr>
-                        <a:t>4</a:t>
+                        <a:t>6</a:t>
                       </a:r>
+                      <a:endParaRPr lang="en-US" sz="2800" dirty="0">
+                        <a:latin typeface="Raleway" charset="0"/>
+                        <a:ea typeface="Raleway" charset="0"/>
+                        <a:cs typeface="Raleway" charset="0"/>
+                      </a:endParaRPr>
                     </a:p>
                   </a:txBody>
                   <a:tcPr>
@@ -6834,9 +6823,9 @@
                           <a:ea typeface="Raleway" charset="0"/>
                           <a:cs typeface="Raleway" charset="0"/>
                         </a:rPr>
-                        <a:t>Bottom</a:t>
+                        <a:t>Middle</a:t>
                       </a:r>
-                      <a:endParaRPr lang="en-US" sz="3600" b="1" dirty="0">
+                      <a:endParaRPr lang="en-US" sz="4000" b="1" dirty="0">
                         <a:latin typeface="Raleway" charset="0"/>
                         <a:ea typeface="Raleway" charset="0"/>
                         <a:cs typeface="Raleway" charset="0"/>
@@ -7080,7 +7069,7 @@
                           <a:ea typeface="Raleway" charset="0"/>
                           <a:cs typeface="Raleway" charset="0"/>
                         </a:rPr>
-                        <a:t>16</a:t>
+                        <a:t>28</a:t>
                       </a:r>
                       <a:endParaRPr lang="en-US" sz="2800" b="1" dirty="0">
                         <a:latin typeface="Raleway" charset="0"/>
@@ -7148,7 +7137,7 @@
                           <a:ea typeface="Raleway" charset="0"/>
                           <a:cs typeface="Raleway" charset="0"/>
                         </a:rPr>
-                        <a:t>8</a:t>
+                        <a:t>18</a:t>
                       </a:r>
                       <a:endParaRPr lang="en-US" sz="2800" dirty="0">
                         <a:latin typeface="Raleway" charset="0"/>
@@ -7272,7 +7261,7 @@
                           <a:ea typeface="Raleway" charset="0"/>
                           <a:cs typeface="Raleway" charset="0"/>
                         </a:rPr>
-                        <a:t>31</a:t>
+                        <a:t>11</a:t>
                       </a:r>
                       <a:endParaRPr lang="en-US" sz="2800" dirty="0">
                         <a:latin typeface="Raleway" charset="0"/>
@@ -7338,13 +7327,8 @@
                           <a:ea typeface="Raleway" charset="0"/>
                           <a:cs typeface="Raleway" charset="0"/>
                         </a:rPr>
-                        <a:t>6</a:t>
+                        <a:t>4</a:t>
                       </a:r>
-                      <a:endParaRPr lang="en-US" sz="2800" dirty="0">
-                        <a:latin typeface="Raleway" charset="0"/>
-                        <a:ea typeface="Raleway" charset="0"/>
-                        <a:cs typeface="Raleway" charset="0"/>
-                      </a:endParaRPr>
                     </a:p>
                   </a:txBody>
                   <a:tcPr>
@@ -7542,71 +7526,8 @@
                 <a:ea typeface="Raleway" charset="0"/>
                 <a:cs typeface="Raleway" charset="0"/>
               </a:rPr>
-              <a:t> models, maximizing log-likelihood to every response in our </a:t>
-            </a:r>
-            <a:r>
-              <a:rPr lang="en-US" sz="3600" dirty="0" smtClean="0">
-                <a:solidFill>
-                  <a:schemeClr val="accent6"/>
-                </a:solidFill>
-                <a:latin typeface="Raleway" charset="0"/>
-                <a:ea typeface="Raleway" charset="0"/>
-                <a:cs typeface="Raleway" charset="0"/>
-              </a:rPr>
-              <a:t>dataset. PACKER’s fit greatly outperformed the other models (~</a:t>
-            </a:r>
-            <a:r>
-              <a:rPr lang="en-US" sz="3600" dirty="0" smtClean="0">
-                <a:solidFill>
-                  <a:schemeClr val="accent6"/>
-                </a:solidFill>
-                <a:latin typeface="Raleway" charset="0"/>
-                <a:ea typeface="Raleway" charset="0"/>
-                <a:cs typeface="Raleway" charset="0"/>
-              </a:rPr>
-              <a:t>11% </a:t>
-            </a:r>
-            <a:r>
-              <a:rPr lang="en-US" sz="3600" dirty="0" smtClean="0">
-                <a:solidFill>
-                  <a:schemeClr val="accent6"/>
-                </a:solidFill>
-                <a:latin typeface="Raleway" charset="0"/>
-                <a:ea typeface="Raleway" charset="0"/>
-                <a:cs typeface="Raleway" charset="0"/>
-              </a:rPr>
-              <a:t>larger </a:t>
-            </a:r>
-            <a:r>
-              <a:rPr lang="en-US" sz="3600" dirty="0" smtClean="0">
-                <a:solidFill>
-                  <a:schemeClr val="accent6"/>
-                </a:solidFill>
-                <a:latin typeface="Raleway" charset="0"/>
-                <a:ea typeface="Raleway" charset="0"/>
-                <a:cs typeface="Raleway" charset="0"/>
-              </a:rPr>
-              <a:t>log-likelihood)</a:t>
-            </a:r>
-            <a:r>
-              <a:rPr lang="en-US" sz="3600" dirty="0" smtClean="0">
-                <a:solidFill>
-                  <a:schemeClr val="accent6"/>
-                </a:solidFill>
-                <a:latin typeface="Raleway" charset="0"/>
-                <a:ea typeface="Raleway" charset="0"/>
-                <a:cs typeface="Raleway" charset="0"/>
-              </a:rPr>
-              <a:t>.</a:t>
-            </a:r>
-            <a:endParaRPr lang="en-US" sz="3600" dirty="0" smtClean="0">
-              <a:solidFill>
-                <a:schemeClr val="accent6"/>
-              </a:solidFill>
-              <a:latin typeface="Raleway" charset="0"/>
-              <a:ea typeface="Raleway" charset="0"/>
-              <a:cs typeface="Raleway" charset="0"/>
-            </a:endParaRPr>
+              <a:t> models, maximizing log-likelihood to every response in our dataset. PACKER’s fit greatly outperformed the other models (~11% larger log-likelihood).</a:t>
+            </a:r>
           </a:p>
           <a:p>
             <a:pPr>
@@ -7647,7 +7568,18 @@
                 <a:ea typeface="Raleway" charset="0"/>
                 <a:cs typeface="Raleway" charset="0"/>
               </a:rPr>
-              <a:t>We computed</a:t>
+              <a:t>We computed, for each stimulus, the difference between the X- and Y-axis ranges of each category it was generated in. </a:t>
+            </a:r>
+            <a:r>
+              <a:rPr lang="en-US" sz="3600" b="1" dirty="0" smtClean="0">
+                <a:solidFill>
+                  <a:schemeClr val="accent6"/>
+                </a:solidFill>
+                <a:latin typeface="Raleway" charset="0"/>
+                <a:ea typeface="Raleway" charset="0"/>
+                <a:cs typeface="Raleway" charset="0"/>
+              </a:rPr>
+              <a:t>Result</a:t>
             </a:r>
             <a:r>
               <a:rPr lang="en-US" sz="3600" dirty="0" smtClean="0">
@@ -7658,29 +7590,7 @@
                 <a:ea typeface="Raleway" charset="0"/>
                 <a:cs typeface="Raleway" charset="0"/>
               </a:rPr>
-              <a:t>, for each stimulus, the difference between the X- </a:t>
-            </a:r>
-            <a:r>
-              <a:rPr lang="en-US" sz="3600" smtClean="0">
-                <a:solidFill>
-                  <a:schemeClr val="accent6"/>
-                </a:solidFill>
-                <a:latin typeface="Raleway" charset="0"/>
-                <a:ea typeface="Raleway" charset="0"/>
-                <a:cs typeface="Raleway" charset="0"/>
-              </a:rPr>
-              <a:t>and </a:t>
-            </a:r>
-            <a:r>
-              <a:rPr lang="en-US" sz="3600" smtClean="0">
-                <a:solidFill>
-                  <a:schemeClr val="accent6"/>
-                </a:solidFill>
-                <a:latin typeface="Raleway" charset="0"/>
-                <a:ea typeface="Raleway" charset="0"/>
-                <a:cs typeface="Raleway" charset="0"/>
-              </a:rPr>
-              <a:t>Y-axis </a:t>
+              <a:t>: Categories </a:t>
             </a:r>
             <a:r>
               <a:rPr lang="en-US" sz="3600" dirty="0" smtClean="0">
@@ -7691,29 +7601,7 @@
                 <a:ea typeface="Raleway" charset="0"/>
                 <a:cs typeface="Raleway" charset="0"/>
               </a:rPr>
-              <a:t>ranges of each category it was generated in. </a:t>
-            </a:r>
-            <a:r>
-              <a:rPr lang="en-US" sz="3600" smtClean="0">
-                <a:solidFill>
-                  <a:schemeClr val="accent6"/>
-                </a:solidFill>
-                <a:latin typeface="Raleway" charset="0"/>
-                <a:ea typeface="Raleway" charset="0"/>
-                <a:cs typeface="Raleway" charset="0"/>
-              </a:rPr>
-              <a:t>Categories </a:t>
-            </a:r>
-            <a:r>
-              <a:rPr lang="en-US" sz="3600" smtClean="0">
-                <a:solidFill>
-                  <a:schemeClr val="accent6"/>
-                </a:solidFill>
-                <a:latin typeface="Raleway" charset="0"/>
-                <a:ea typeface="Raleway" charset="0"/>
-                <a:cs typeface="Raleway" charset="0"/>
-              </a:rPr>
-              <a:t>were oriented </a:t>
+              <a:t>were oriented to increase dissimilarity to </a:t>
             </a:r>
             <a:r>
               <a:rPr lang="en-US" sz="3600" dirty="0" smtClean="0">
@@ -7724,7 +7612,7 @@
                 <a:ea typeface="Raleway" charset="0"/>
                 <a:cs typeface="Raleway" charset="0"/>
               </a:rPr>
-              <a:t>to increase dissimilarity to the Alpha categories.</a:t>
+              <a:t>members of the contrast category.</a:t>
             </a:r>
             <a:endParaRPr lang="en-US" sz="4000" dirty="0">
               <a:solidFill>
@@ -7739,33 +7627,35 @@
       </p:sp>
       <p:grpSp>
         <p:nvGrpSpPr>
-          <p:cNvPr id="66" name="Group 65"/>
+          <p:cNvPr id="52" name="Group 51"/>
           <p:cNvGrpSpPr/>
           <p:nvPr/>
         </p:nvGrpSpPr>
         <p:grpSpPr>
           <a:xfrm>
-            <a:off x="13464063" y="11266168"/>
-            <a:ext cx="14517284" cy="4618691"/>
-            <a:chOff x="30345792" y="6264863"/>
-            <a:chExt cx="14517284" cy="4618691"/>
+            <a:off x="22855936" y="19084544"/>
+            <a:ext cx="4919472" cy="9180576"/>
+            <a:chOff x="17132361" y="18754460"/>
+            <a:chExt cx="3725518" cy="7070472"/>
           </a:xfrm>
         </p:grpSpPr>
         <p:sp>
           <p:nvSpPr>
-            <p:cNvPr id="89" name="Rectangle 88"/>
+            <p:cNvPr id="53" name="Rectangle 52"/>
             <p:cNvSpPr/>
             <p:nvPr/>
           </p:nvSpPr>
           <p:spPr>
             <a:xfrm>
-              <a:off x="30345792" y="7018619"/>
-              <a:ext cx="7849572" cy="3864935"/>
+              <a:off x="17830800" y="18836640"/>
+              <a:ext cx="3022471" cy="3017520"/>
             </a:xfrm>
             <a:prstGeom prst="rect">
               <a:avLst/>
             </a:prstGeom>
-            <a:noFill/>
+            <a:solidFill>
+              <a:schemeClr val="bg2"/>
+            </a:solidFill>
             <a:ln>
               <a:noFill/>
             </a:ln>
@@ -7787,84 +7677,70 @@
             </a:fontRef>
           </p:style>
           <p:txBody>
-            <a:bodyPr lIns="91440" tIns="0" rIns="91440" rtlCol="0" anchor="ctr"/>
+            <a:bodyPr rtlCol="0" anchor="ctr"/>
             <a:lstStyle/>
             <a:p>
-              <a:pPr>
-                <a:spcBef>
-                  <a:spcPts val="600"/>
-                </a:spcBef>
-                <a:spcAft>
-                  <a:spcPts val="600"/>
-                </a:spcAft>
-              </a:pPr>
-              <a:r>
-                <a:rPr lang="en-US" sz="3600" dirty="0" smtClean="0">
-                  <a:solidFill>
-                    <a:schemeClr val="accent6"/>
-                  </a:solidFill>
-                  <a:latin typeface="Raleway" charset="0"/>
-                  <a:ea typeface="Raleway" charset="0"/>
-                  <a:cs typeface="Raleway" charset="0"/>
-                </a:rPr>
-                <a:t>Two conditions (Between-</a:t>
-              </a:r>
-              <a:r>
-                <a:rPr lang="en-US" sz="3600" dirty="0" err="1" smtClean="0">
-                  <a:solidFill>
-                    <a:schemeClr val="accent6"/>
-                  </a:solidFill>
-                  <a:latin typeface="Raleway" charset="0"/>
-                  <a:ea typeface="Raleway" charset="0"/>
-                  <a:cs typeface="Raleway" charset="0"/>
-                </a:rPr>
-                <a:t>Ss</a:t>
-              </a:r>
-              <a:r>
-                <a:rPr lang="en-US" sz="3600" dirty="0" smtClean="0">
-                  <a:solidFill>
-                    <a:schemeClr val="accent6"/>
-                  </a:solidFill>
-                  <a:latin typeface="Raleway" charset="0"/>
-                  <a:ea typeface="Raleway" charset="0"/>
-                  <a:cs typeface="Raleway" charset="0"/>
-                </a:rPr>
-                <a:t>) differed only in category location. </a:t>
-              </a:r>
+              <a:pPr algn="ctr"/>
+              <a:endParaRPr lang="en-US"/>
             </a:p>
+          </p:txBody>
+        </p:sp>
+        <p:sp>
+          <p:nvSpPr>
+            <p:cNvPr id="54" name="Rectangle 53"/>
+            <p:cNvSpPr/>
+            <p:nvPr/>
+          </p:nvSpPr>
+          <p:spPr>
+            <a:xfrm>
+              <a:off x="17830800" y="22473920"/>
+              <a:ext cx="3022471" cy="3017520"/>
+            </a:xfrm>
+            <a:prstGeom prst="rect">
+              <a:avLst/>
+            </a:prstGeom>
+            <a:solidFill>
+              <a:schemeClr val="bg2"/>
+            </a:solidFill>
+            <a:ln>
+              <a:noFill/>
+            </a:ln>
+          </p:spPr>
+          <p:style>
+            <a:lnRef idx="2">
+              <a:schemeClr val="accent1">
+                <a:shade val="50000"/>
+              </a:schemeClr>
+            </a:lnRef>
+            <a:fillRef idx="1">
+              <a:schemeClr val="accent1"/>
+            </a:fillRef>
+            <a:effectRef idx="0">
+              <a:schemeClr val="accent1"/>
+            </a:effectRef>
+            <a:fontRef idx="minor">
+              <a:schemeClr val="lt1"/>
+            </a:fontRef>
+          </p:style>
+          <p:txBody>
+            <a:bodyPr rtlCol="0" anchor="ctr"/>
+            <a:lstStyle/>
             <a:p>
-              <a:pPr>
-                <a:spcBef>
-                  <a:spcPts val="600"/>
-                </a:spcBef>
-                <a:spcAft>
-                  <a:spcPts val="600"/>
-                </a:spcAft>
-              </a:pPr>
-              <a:r>
-                <a:rPr lang="en-US" sz="3600" i="1" dirty="0" smtClean="0">
-                  <a:solidFill>
-                    <a:schemeClr val="accent6"/>
-                  </a:solidFill>
-                  <a:latin typeface="Raleway" charset="0"/>
-                  <a:ea typeface="Raleway" charset="0"/>
-                  <a:cs typeface="Raleway" charset="0"/>
-                </a:rPr>
-                <a:t>Condition differences cannot be explained by distributional copying.</a:t>
-              </a:r>
+              <a:pPr algn="ctr"/>
+              <a:endParaRPr lang="en-US"/>
             </a:p>
           </p:txBody>
         </p:sp>
         <p:pic>
           <p:nvPicPr>
-            <p:cNvPr id="90" name="Picture 89"/>
+            <p:cNvPr id="55" name="Picture 54"/>
             <p:cNvPicPr>
               <a:picLocks noChangeAspect="1"/>
             </p:cNvPicPr>
             <p:nvPr/>
           </p:nvPicPr>
           <p:blipFill>
-            <a:blip r:embed="rId7">
+            <a:blip r:embed="rId5">
               <a:extLst>
                 <a:ext uri="{28A0092B-C50C-407E-A947-70E740481C1C}">
                   <a14:useLocalDpi xmlns:a14="http://schemas.microsoft.com/office/drawing/2010/main" val="0"/>
@@ -7877,8 +7753,8 @@
           </p:blipFill>
           <p:spPr>
             <a:xfrm>
-              <a:off x="37548217" y="6264863"/>
-              <a:ext cx="7314859" cy="4139140"/>
+              <a:off x="17132361" y="18754460"/>
+              <a:ext cx="3725518" cy="7070472"/>
             </a:xfrm>
             <a:prstGeom prst="rect">
               <a:avLst/>
@@ -7888,16 +7764,1489 @@
       </p:grpSp>
       <p:grpSp>
         <p:nvGrpSpPr>
-          <p:cNvPr id="7" name="Group 6"/>
+          <p:cNvPr id="91" name="Group 90"/>
           <p:cNvGrpSpPr/>
           <p:nvPr/>
         </p:nvGrpSpPr>
         <p:grpSpPr>
           <a:xfrm>
-            <a:off x="13550774" y="8419019"/>
-            <a:ext cx="14266238" cy="4119397"/>
-            <a:chOff x="13550774" y="8419019"/>
-            <a:chExt cx="14266238" cy="4119397"/>
+            <a:off x="13372997" y="24152223"/>
+            <a:ext cx="2366300" cy="4597383"/>
+            <a:chOff x="21021027" y="24560251"/>
+            <a:chExt cx="2144000" cy="4165486"/>
+          </a:xfrm>
+        </p:grpSpPr>
+        <p:sp>
+          <p:nvSpPr>
+            <p:cNvPr id="92" name="Rectangle 91"/>
+            <p:cNvSpPr/>
+            <p:nvPr/>
+          </p:nvSpPr>
+          <p:spPr>
+            <a:xfrm>
+              <a:off x="21230347" y="24772257"/>
+              <a:ext cx="1707712" cy="1689587"/>
+            </a:xfrm>
+            <a:prstGeom prst="rect">
+              <a:avLst/>
+            </a:prstGeom>
+            <a:solidFill>
+              <a:schemeClr val="bg2"/>
+            </a:solidFill>
+            <a:ln>
+              <a:noFill/>
+            </a:ln>
+          </p:spPr>
+          <p:style>
+            <a:lnRef idx="2">
+              <a:schemeClr val="accent1">
+                <a:shade val="50000"/>
+              </a:schemeClr>
+            </a:lnRef>
+            <a:fillRef idx="1">
+              <a:schemeClr val="accent1"/>
+            </a:fillRef>
+            <a:effectRef idx="0">
+              <a:schemeClr val="accent1"/>
+            </a:effectRef>
+            <a:fontRef idx="minor">
+              <a:schemeClr val="lt1"/>
+            </a:fontRef>
+          </p:style>
+          <p:txBody>
+            <a:bodyPr rtlCol="0" anchor="ctr"/>
+            <a:lstStyle/>
+            <a:p>
+              <a:pPr algn="ctr"/>
+              <a:endParaRPr lang="en-US"/>
+            </a:p>
+          </p:txBody>
+        </p:sp>
+        <p:sp>
+          <p:nvSpPr>
+            <p:cNvPr id="93" name="Rectangle 92"/>
+            <p:cNvSpPr/>
+            <p:nvPr/>
+          </p:nvSpPr>
+          <p:spPr>
+            <a:xfrm>
+              <a:off x="21230347" y="26804752"/>
+              <a:ext cx="1707712" cy="1706240"/>
+            </a:xfrm>
+            <a:prstGeom prst="rect">
+              <a:avLst/>
+            </a:prstGeom>
+            <a:solidFill>
+              <a:schemeClr val="bg2"/>
+            </a:solidFill>
+            <a:ln>
+              <a:noFill/>
+            </a:ln>
+          </p:spPr>
+          <p:style>
+            <a:lnRef idx="2">
+              <a:schemeClr val="accent1">
+                <a:shade val="50000"/>
+              </a:schemeClr>
+            </a:lnRef>
+            <a:fillRef idx="1">
+              <a:schemeClr val="accent1"/>
+            </a:fillRef>
+            <a:effectRef idx="0">
+              <a:schemeClr val="accent1"/>
+            </a:effectRef>
+            <a:fontRef idx="minor">
+              <a:schemeClr val="lt1"/>
+            </a:fontRef>
+          </p:style>
+          <p:txBody>
+            <a:bodyPr rtlCol="0" anchor="ctr"/>
+            <a:lstStyle/>
+            <a:p>
+              <a:pPr algn="ctr"/>
+              <a:endParaRPr lang="en-US"/>
+            </a:p>
+          </p:txBody>
+        </p:sp>
+        <p:pic>
+          <p:nvPicPr>
+            <p:cNvPr id="95" name="Picture 94"/>
+            <p:cNvPicPr>
+              <a:picLocks noChangeAspect="1"/>
+            </p:cNvPicPr>
+            <p:nvPr/>
+          </p:nvPicPr>
+          <p:blipFill>
+            <a:blip r:embed="rId6">
+              <a:extLst>
+                <a:ext uri="{28A0092B-C50C-407E-A947-70E740481C1C}">
+                  <a14:useLocalDpi xmlns:a14="http://schemas.microsoft.com/office/drawing/2010/main" val="0"/>
+                </a:ext>
+              </a:extLst>
+            </a:blip>
+            <a:stretch>
+              <a:fillRect/>
+            </a:stretch>
+          </p:blipFill>
+          <p:spPr>
+            <a:xfrm>
+              <a:off x="21021027" y="24560251"/>
+              <a:ext cx="2144000" cy="4165486"/>
+            </a:xfrm>
+            <a:prstGeom prst="rect">
+              <a:avLst/>
+            </a:prstGeom>
+          </p:spPr>
+        </p:pic>
+      </p:grpSp>
+      <p:sp>
+        <p:nvSpPr>
+          <p:cNvPr id="101" name="Rectangle 100"/>
+          <p:cNvSpPr/>
+          <p:nvPr/>
+        </p:nvSpPr>
+        <p:spPr>
+          <a:xfrm>
+            <a:off x="13336955" y="18732137"/>
+            <a:ext cx="9417381" cy="5550944"/>
+          </a:xfrm>
+          <a:prstGeom prst="rect">
+            <a:avLst/>
+          </a:prstGeom>
+          <a:noFill/>
+          <a:ln>
+            <a:noFill/>
+          </a:ln>
+        </p:spPr>
+        <p:style>
+          <a:lnRef idx="2">
+            <a:schemeClr val="accent1">
+              <a:shade val="50000"/>
+            </a:schemeClr>
+          </a:lnRef>
+          <a:fillRef idx="1">
+            <a:schemeClr val="accent1"/>
+          </a:fillRef>
+          <a:effectRef idx="0">
+            <a:schemeClr val="accent1"/>
+          </a:effectRef>
+          <a:fontRef idx="minor">
+            <a:schemeClr val="lt1"/>
+          </a:fontRef>
+        </p:style>
+        <p:txBody>
+          <a:bodyPr lIns="91440" tIns="0" rIns="91440" rtlCol="0" anchor="t"/>
+          <a:lstStyle/>
+          <a:p>
+            <a:pPr>
+              <a:spcBef>
+                <a:spcPts val="600"/>
+              </a:spcBef>
+              <a:spcAft>
+                <a:spcPts val="600"/>
+              </a:spcAft>
+            </a:pPr>
+            <a:r>
+              <a:rPr lang="en-US" sz="3600" dirty="0">
+                <a:solidFill>
+                  <a:schemeClr val="accent6"/>
+                </a:solidFill>
+                <a:latin typeface="Raleway" charset="0"/>
+                <a:ea typeface="Raleway" charset="0"/>
+                <a:cs typeface="Raleway" charset="0"/>
+              </a:rPr>
+              <a:t>Exemplars that are highly distant from Alpha category members were more likely to be generated. </a:t>
+            </a:r>
+            <a:endParaRPr lang="en-US" sz="3600" dirty="0" smtClean="0">
+              <a:solidFill>
+                <a:schemeClr val="accent6"/>
+              </a:solidFill>
+              <a:latin typeface="Raleway" charset="0"/>
+              <a:ea typeface="Raleway" charset="0"/>
+              <a:cs typeface="Raleway" charset="0"/>
+            </a:endParaRPr>
+          </a:p>
+          <a:p>
+            <a:pPr>
+              <a:spcBef>
+                <a:spcPts val="600"/>
+              </a:spcBef>
+              <a:spcAft>
+                <a:spcPts val="600"/>
+              </a:spcAft>
+            </a:pPr>
+            <a:r>
+              <a:rPr lang="en-US" sz="3600" dirty="0" smtClean="0">
+                <a:solidFill>
+                  <a:schemeClr val="accent6"/>
+                </a:solidFill>
+                <a:latin typeface="Raleway" charset="0"/>
+                <a:ea typeface="Raleway" charset="0"/>
+                <a:cs typeface="Raleway" charset="0"/>
+              </a:rPr>
+              <a:t>Generated </a:t>
+            </a:r>
+            <a:r>
+              <a:rPr lang="en-US" sz="3600" dirty="0" smtClean="0">
+                <a:solidFill>
+                  <a:schemeClr val="accent6"/>
+                </a:solidFill>
+                <a:latin typeface="Raleway" charset="0"/>
+                <a:ea typeface="Raleway" charset="0"/>
+                <a:cs typeface="Raleway" charset="0"/>
+              </a:rPr>
+              <a:t>category members were more similar to each other than to Alphas</a:t>
+            </a:r>
+            <a:r>
+              <a:rPr lang="en-US" sz="3600" dirty="0" smtClean="0">
+                <a:solidFill>
+                  <a:schemeClr val="accent6"/>
+                </a:solidFill>
+                <a:latin typeface="Raleway" charset="0"/>
+                <a:ea typeface="Raleway" charset="0"/>
+                <a:cs typeface="Raleway" charset="0"/>
+              </a:rPr>
+              <a:t>.</a:t>
+            </a:r>
+            <a:endParaRPr lang="en-US" sz="3600" dirty="0">
+              <a:solidFill>
+                <a:schemeClr val="accent6"/>
+              </a:solidFill>
+              <a:latin typeface="Raleway" charset="0"/>
+              <a:ea typeface="Raleway" charset="0"/>
+              <a:cs typeface="Raleway" charset="0"/>
+            </a:endParaRPr>
+          </a:p>
+          <a:p>
+            <a:pPr>
+              <a:spcBef>
+                <a:spcPts val="600"/>
+              </a:spcBef>
+              <a:spcAft>
+                <a:spcPts val="600"/>
+              </a:spcAft>
+            </a:pPr>
+            <a:r>
+              <a:rPr lang="en-US" sz="3600" dirty="0">
+                <a:solidFill>
+                  <a:schemeClr val="accent6"/>
+                </a:solidFill>
+                <a:latin typeface="Raleway" charset="0"/>
+                <a:ea typeface="Raleway" charset="0"/>
+                <a:cs typeface="Raleway" charset="0"/>
+              </a:rPr>
+              <a:t>Middle Ps were more likely to create categories spanning the entire </a:t>
+            </a:r>
+            <a:r>
+              <a:rPr lang="en-US" sz="3600" dirty="0" smtClean="0">
+                <a:solidFill>
+                  <a:schemeClr val="accent6"/>
+                </a:solidFill>
+                <a:latin typeface="Raleway" charset="0"/>
+                <a:ea typeface="Raleway" charset="0"/>
+                <a:cs typeface="Raleway" charset="0"/>
+              </a:rPr>
+              <a:t>Y-axis.</a:t>
+            </a:r>
+            <a:endParaRPr lang="en-US" sz="3600" dirty="0">
+              <a:solidFill>
+                <a:schemeClr val="accent6"/>
+              </a:solidFill>
+              <a:latin typeface="Raleway" charset="0"/>
+              <a:ea typeface="Raleway" charset="0"/>
+              <a:cs typeface="Raleway" charset="0"/>
+            </a:endParaRPr>
+          </a:p>
+          <a:p>
+            <a:r>
+              <a:rPr lang="en-US" sz="3600" b="1" dirty="0">
+                <a:solidFill>
+                  <a:schemeClr val="accent6"/>
+                </a:solidFill>
+                <a:latin typeface="Raleway" charset="0"/>
+                <a:ea typeface="Raleway" charset="0"/>
+                <a:cs typeface="Raleway" charset="0"/>
+              </a:rPr>
+              <a:t>The </a:t>
+            </a:r>
+            <a:r>
+              <a:rPr lang="en-US" sz="3600" b="1" i="1" dirty="0">
+                <a:solidFill>
+                  <a:schemeClr val="accent6"/>
+                </a:solidFill>
+                <a:latin typeface="Raleway" charset="0"/>
+                <a:ea typeface="Raleway" charset="0"/>
+                <a:cs typeface="Raleway" charset="0"/>
+              </a:rPr>
+              <a:t>location </a:t>
+            </a:r>
+            <a:r>
+              <a:rPr lang="en-US" sz="3600" b="1" dirty="0">
+                <a:solidFill>
+                  <a:schemeClr val="accent6"/>
+                </a:solidFill>
+                <a:latin typeface="Raleway" charset="0"/>
+                <a:ea typeface="Raleway" charset="0"/>
+                <a:cs typeface="Raleway" charset="0"/>
+              </a:rPr>
+              <a:t>of </a:t>
+            </a:r>
+            <a:r>
+              <a:rPr lang="en-US" sz="3600" b="1" dirty="0" smtClean="0">
+                <a:solidFill>
+                  <a:schemeClr val="accent6"/>
+                </a:solidFill>
+                <a:latin typeface="Raleway" charset="0"/>
+                <a:ea typeface="Raleway" charset="0"/>
+                <a:cs typeface="Raleway" charset="0"/>
+              </a:rPr>
+              <a:t>known categories impacts the </a:t>
+            </a:r>
+            <a:r>
+              <a:rPr lang="en-US" sz="3600" b="1" i="1" dirty="0">
+                <a:solidFill>
+                  <a:schemeClr val="accent6"/>
+                </a:solidFill>
+                <a:latin typeface="Raleway" charset="0"/>
+                <a:ea typeface="Raleway" charset="0"/>
+                <a:cs typeface="Raleway" charset="0"/>
+              </a:rPr>
+              <a:t>distribution</a:t>
+            </a:r>
+            <a:r>
+              <a:rPr lang="en-US" sz="3600" b="1" dirty="0">
+                <a:solidFill>
+                  <a:schemeClr val="accent6"/>
+                </a:solidFill>
+                <a:latin typeface="Raleway" charset="0"/>
+                <a:ea typeface="Raleway" charset="0"/>
+                <a:cs typeface="Raleway" charset="0"/>
+              </a:rPr>
+              <a:t> of generated categories.</a:t>
+            </a:r>
+            <a:endParaRPr lang="en-US" sz="3600" b="1" i="1" dirty="0">
+              <a:solidFill>
+                <a:schemeClr val="accent6"/>
+              </a:solidFill>
+              <a:latin typeface="Raleway" charset="0"/>
+              <a:ea typeface="Raleway" charset="0"/>
+              <a:cs typeface="Raleway" charset="0"/>
+            </a:endParaRPr>
+          </a:p>
+          <a:p>
+            <a:pPr>
+              <a:spcBef>
+                <a:spcPts val="600"/>
+              </a:spcBef>
+              <a:spcAft>
+                <a:spcPts val="600"/>
+              </a:spcAft>
+            </a:pPr>
+            <a:endParaRPr lang="en-US" sz="3600" dirty="0" smtClean="0">
+              <a:solidFill>
+                <a:schemeClr val="accent6"/>
+              </a:solidFill>
+              <a:latin typeface="Raleway" charset="0"/>
+              <a:ea typeface="Raleway" charset="0"/>
+              <a:cs typeface="Raleway" charset="0"/>
+            </a:endParaRPr>
+          </a:p>
+        </p:txBody>
+      </p:sp>
+      <p:sp>
+        <p:nvSpPr>
+          <p:cNvPr id="102" name="Rectangle 101"/>
+          <p:cNvSpPr/>
+          <p:nvPr/>
+        </p:nvSpPr>
+        <p:spPr>
+          <a:xfrm>
+            <a:off x="28318490" y="27383874"/>
+            <a:ext cx="16438365" cy="1443189"/>
+          </a:xfrm>
+          <a:prstGeom prst="rect">
+            <a:avLst/>
+          </a:prstGeom>
+          <a:solidFill>
+            <a:schemeClr val="accent3">
+              <a:lumMod val="20000"/>
+              <a:lumOff val="80000"/>
+            </a:schemeClr>
+          </a:solidFill>
+          <a:ln>
+            <a:solidFill>
+              <a:schemeClr val="tx2"/>
+            </a:solidFill>
+          </a:ln>
+        </p:spPr>
+        <p:style>
+          <a:lnRef idx="2">
+            <a:schemeClr val="accent1">
+              <a:shade val="50000"/>
+            </a:schemeClr>
+          </a:lnRef>
+          <a:fillRef idx="1">
+            <a:schemeClr val="accent1"/>
+          </a:fillRef>
+          <a:effectRef idx="0">
+            <a:schemeClr val="accent1"/>
+          </a:effectRef>
+          <a:fontRef idx="minor">
+            <a:schemeClr val="lt1"/>
+          </a:fontRef>
+        </p:style>
+        <p:txBody>
+          <a:bodyPr lIns="91440" tIns="0" rIns="91440" rtlCol="0" anchor="t"/>
+          <a:lstStyle/>
+          <a:p>
+            <a:pPr marL="350838" indent="-350838"/>
+            <a:r>
+              <a:rPr lang="en-US" sz="2400" dirty="0" err="1" smtClean="0">
+                <a:solidFill>
+                  <a:schemeClr val="accent6"/>
+                </a:solidFill>
+              </a:rPr>
+              <a:t>Jern</a:t>
+            </a:r>
+            <a:r>
+              <a:rPr lang="en-US" sz="2400" dirty="0">
+                <a:solidFill>
+                  <a:schemeClr val="accent6"/>
+                </a:solidFill>
+              </a:rPr>
+              <a:t>, A., &amp; Kemp, C. (2013). A probabilistic account of exemplar and category generation. </a:t>
+            </a:r>
+            <a:r>
+              <a:rPr lang="en-US" sz="2400" i="1" dirty="0">
+                <a:solidFill>
+                  <a:schemeClr val="accent6"/>
+                </a:solidFill>
+              </a:rPr>
+              <a:t>Cognitive Psychology</a:t>
+            </a:r>
+            <a:r>
+              <a:rPr lang="en-US" sz="2400" dirty="0">
+                <a:solidFill>
+                  <a:schemeClr val="accent6"/>
+                </a:solidFill>
+              </a:rPr>
+              <a:t>, </a:t>
+            </a:r>
+            <a:r>
+              <a:rPr lang="en-US" sz="2400" i="1" dirty="0">
+                <a:solidFill>
+                  <a:schemeClr val="accent6"/>
+                </a:solidFill>
+              </a:rPr>
+              <a:t>66</a:t>
+            </a:r>
+            <a:r>
+              <a:rPr lang="en-US" sz="2400" dirty="0">
+                <a:solidFill>
+                  <a:schemeClr val="accent6"/>
+                </a:solidFill>
+              </a:rPr>
+              <a:t>(1), 85–125</a:t>
+            </a:r>
+            <a:r>
+              <a:rPr lang="en-US" sz="2400" dirty="0" smtClean="0">
+                <a:solidFill>
+                  <a:schemeClr val="accent6"/>
+                </a:solidFill>
+              </a:rPr>
+              <a:t>.</a:t>
+            </a:r>
+          </a:p>
+          <a:p>
+            <a:pPr marL="350838" indent="-350838"/>
+            <a:r>
+              <a:rPr lang="en-US" sz="2400" dirty="0" smtClean="0">
+                <a:solidFill>
+                  <a:schemeClr val="accent6"/>
+                </a:solidFill>
+              </a:rPr>
+              <a:t>Nosofsky</a:t>
+            </a:r>
+            <a:r>
+              <a:rPr lang="en-US" sz="2400" dirty="0">
+                <a:solidFill>
+                  <a:schemeClr val="accent6"/>
+                </a:solidFill>
+              </a:rPr>
+              <a:t>, R</a:t>
+            </a:r>
+            <a:r>
+              <a:rPr lang="en-US" sz="2400" dirty="0" smtClean="0">
+                <a:solidFill>
+                  <a:schemeClr val="accent6"/>
+                </a:solidFill>
+              </a:rPr>
+              <a:t>.  </a:t>
+            </a:r>
+            <a:r>
+              <a:rPr lang="en-US" sz="2400" dirty="0">
+                <a:solidFill>
+                  <a:schemeClr val="accent6"/>
+                </a:solidFill>
+              </a:rPr>
+              <a:t>(1984). Choice, similarity, and the context theory of classification. </a:t>
+            </a:r>
+            <a:r>
+              <a:rPr lang="en-US" sz="2400" i="1" dirty="0">
+                <a:solidFill>
+                  <a:schemeClr val="accent6"/>
+                </a:solidFill>
+              </a:rPr>
+              <a:t>J</a:t>
+            </a:r>
+            <a:r>
+              <a:rPr lang="en-US" sz="2400" i="1" dirty="0" smtClean="0">
+                <a:solidFill>
+                  <a:schemeClr val="accent6"/>
+                </a:solidFill>
+              </a:rPr>
+              <a:t>EP:LMC, </a:t>
+            </a:r>
+            <a:r>
+              <a:rPr lang="en-US" sz="2400" i="1" dirty="0">
+                <a:solidFill>
+                  <a:schemeClr val="accent6"/>
+                </a:solidFill>
+              </a:rPr>
+              <a:t>10(</a:t>
+            </a:r>
+            <a:r>
+              <a:rPr lang="en-US" sz="2400" dirty="0">
+                <a:solidFill>
+                  <a:schemeClr val="accent6"/>
+                </a:solidFill>
+              </a:rPr>
+              <a:t>1), 104</a:t>
+            </a:r>
+            <a:r>
+              <a:rPr lang="en-US" sz="2400" dirty="0" smtClean="0">
+                <a:solidFill>
+                  <a:schemeClr val="accent6"/>
+                </a:solidFill>
+              </a:rPr>
+              <a:t>.</a:t>
+            </a:r>
+          </a:p>
+          <a:p>
+            <a:pPr marL="350838" indent="-350838"/>
+            <a:r>
+              <a:rPr lang="en-US" sz="2400" dirty="0" smtClean="0">
+                <a:solidFill>
+                  <a:schemeClr val="accent6"/>
+                </a:solidFill>
+              </a:rPr>
+              <a:t>Ward</a:t>
+            </a:r>
+            <a:r>
+              <a:rPr lang="en-US" sz="2400" dirty="0">
+                <a:solidFill>
+                  <a:schemeClr val="accent6"/>
+                </a:solidFill>
+              </a:rPr>
+              <a:t>, T</a:t>
+            </a:r>
+            <a:r>
+              <a:rPr lang="en-US" sz="2400" dirty="0" smtClean="0">
+                <a:solidFill>
+                  <a:schemeClr val="accent6"/>
+                </a:solidFill>
+              </a:rPr>
+              <a:t>. </a:t>
+            </a:r>
+            <a:r>
+              <a:rPr lang="en-US" sz="2400" dirty="0">
+                <a:solidFill>
+                  <a:schemeClr val="accent6"/>
+                </a:solidFill>
+              </a:rPr>
+              <a:t>(1994). Structured imagination: The role of category structure in exemplar generation. </a:t>
+            </a:r>
+            <a:r>
+              <a:rPr lang="en-US" sz="2400" i="1" dirty="0">
+                <a:solidFill>
+                  <a:schemeClr val="accent6"/>
+                </a:solidFill>
+              </a:rPr>
+              <a:t>Cognitive Psychology</a:t>
+            </a:r>
+            <a:r>
+              <a:rPr lang="en-US" sz="2400" dirty="0">
+                <a:solidFill>
+                  <a:schemeClr val="accent6"/>
+                </a:solidFill>
+              </a:rPr>
+              <a:t>, </a:t>
+            </a:r>
+            <a:r>
+              <a:rPr lang="en-US" sz="2400" i="1" dirty="0">
+                <a:solidFill>
+                  <a:schemeClr val="accent6"/>
+                </a:solidFill>
+              </a:rPr>
+              <a:t>27</a:t>
+            </a:r>
+            <a:r>
+              <a:rPr lang="en-US" sz="2400" dirty="0">
+                <a:solidFill>
+                  <a:schemeClr val="accent6"/>
+                </a:solidFill>
+              </a:rPr>
+              <a:t>(1), 1–40</a:t>
+            </a:r>
+            <a:r>
+              <a:rPr lang="en-US" sz="2400" dirty="0" smtClean="0">
+                <a:solidFill>
+                  <a:schemeClr val="accent6"/>
+                </a:solidFill>
+              </a:rPr>
+              <a:t>.</a:t>
+            </a:r>
+          </a:p>
+          <a:p>
+            <a:pPr marL="350838" indent="-350838"/>
+            <a:r>
+              <a:rPr lang="en-US" sz="2400" dirty="0" smtClean="0">
+                <a:solidFill>
+                  <a:schemeClr val="accent6"/>
+                </a:solidFill>
+              </a:rPr>
+              <a:t>Ward</a:t>
+            </a:r>
+            <a:r>
+              <a:rPr lang="en-US" sz="2400" dirty="0">
+                <a:solidFill>
+                  <a:schemeClr val="accent6"/>
+                </a:solidFill>
+              </a:rPr>
+              <a:t>, T</a:t>
+            </a:r>
+            <a:r>
+              <a:rPr lang="en-US" sz="2400" dirty="0" smtClean="0">
+                <a:solidFill>
+                  <a:schemeClr val="accent6"/>
+                </a:solidFill>
+              </a:rPr>
+              <a:t>. </a:t>
+            </a:r>
+            <a:r>
+              <a:rPr lang="en-US" sz="2400" dirty="0">
+                <a:solidFill>
+                  <a:schemeClr val="accent6"/>
+                </a:solidFill>
+              </a:rPr>
+              <a:t>(1995). </a:t>
+            </a:r>
+            <a:r>
+              <a:rPr lang="en-US" sz="2400" dirty="0" smtClean="0">
+                <a:solidFill>
+                  <a:schemeClr val="accent6"/>
+                </a:solidFill>
+              </a:rPr>
+              <a:t>What’s </a:t>
+            </a:r>
+            <a:r>
+              <a:rPr lang="en-US" sz="2400" dirty="0">
+                <a:solidFill>
+                  <a:schemeClr val="accent6"/>
+                </a:solidFill>
+              </a:rPr>
+              <a:t>old about new ideas</a:t>
+            </a:r>
+            <a:r>
+              <a:rPr lang="en-US" sz="2400" dirty="0" smtClean="0">
+                <a:solidFill>
+                  <a:schemeClr val="accent6"/>
+                </a:solidFill>
+              </a:rPr>
+              <a:t>. In </a:t>
+            </a:r>
+            <a:r>
+              <a:rPr lang="en-US" sz="2400" i="1" dirty="0">
+                <a:solidFill>
+                  <a:schemeClr val="accent6"/>
+                </a:solidFill>
+              </a:rPr>
+              <a:t>The creative cognition </a:t>
+            </a:r>
+            <a:r>
+              <a:rPr lang="en-US" sz="2400" i="1" dirty="0" smtClean="0">
+                <a:solidFill>
+                  <a:schemeClr val="accent6"/>
+                </a:solidFill>
+              </a:rPr>
+              <a:t>approach</a:t>
+            </a:r>
+            <a:r>
+              <a:rPr lang="en-US" sz="2400" dirty="0" smtClean="0">
+                <a:solidFill>
+                  <a:schemeClr val="accent6"/>
+                </a:solidFill>
+              </a:rPr>
+              <a:t> (pp. 157–178).</a:t>
+            </a:r>
+            <a:endParaRPr lang="en-US" sz="2400" dirty="0">
+              <a:solidFill>
+                <a:schemeClr val="accent6"/>
+              </a:solidFill>
+              <a:latin typeface="Raleway" charset="0"/>
+              <a:ea typeface="Raleway" charset="0"/>
+              <a:cs typeface="Raleway" charset="0"/>
+            </a:endParaRPr>
+          </a:p>
+        </p:txBody>
+      </p:sp>
+      <p:sp>
+        <p:nvSpPr>
+          <p:cNvPr id="103" name="Rectangle 102"/>
+          <p:cNvSpPr/>
+          <p:nvPr/>
+        </p:nvSpPr>
+        <p:spPr>
+          <a:xfrm>
+            <a:off x="13489354" y="5086290"/>
+            <a:ext cx="14641454" cy="12839745"/>
+          </a:xfrm>
+          <a:prstGeom prst="rect">
+            <a:avLst/>
+          </a:prstGeom>
+          <a:noFill/>
+          <a:ln>
+            <a:noFill/>
+          </a:ln>
+        </p:spPr>
+        <p:style>
+          <a:lnRef idx="2">
+            <a:schemeClr val="accent1">
+              <a:shade val="50000"/>
+            </a:schemeClr>
+          </a:lnRef>
+          <a:fillRef idx="1">
+            <a:schemeClr val="accent1"/>
+          </a:fillRef>
+          <a:effectRef idx="0">
+            <a:schemeClr val="accent1"/>
+          </a:effectRef>
+          <a:fontRef idx="minor">
+            <a:schemeClr val="lt1"/>
+          </a:fontRef>
+        </p:style>
+        <p:txBody>
+          <a:bodyPr lIns="91440" tIns="0" rIns="91440" rtlCol="0" anchor="t"/>
+          <a:lstStyle/>
+          <a:p>
+            <a:pPr>
+              <a:spcBef>
+                <a:spcPts val="600"/>
+              </a:spcBef>
+              <a:spcAft>
+                <a:spcPts val="600"/>
+              </a:spcAft>
+            </a:pPr>
+            <a:r>
+              <a:rPr lang="en-US" sz="4400" b="1" dirty="0" smtClean="0">
+                <a:solidFill>
+                  <a:schemeClr val="accent6"/>
+                </a:solidFill>
+                <a:latin typeface="Raleway SemiBold" charset="0"/>
+                <a:ea typeface="Raleway SemiBold" charset="0"/>
+                <a:cs typeface="Raleway SemiBold" charset="0"/>
+              </a:rPr>
+              <a:t>Behavioral Experiment</a:t>
+            </a:r>
+          </a:p>
+          <a:p>
+            <a:pPr>
+              <a:spcBef>
+                <a:spcPts val="600"/>
+              </a:spcBef>
+              <a:spcAft>
+                <a:spcPts val="600"/>
+              </a:spcAft>
+            </a:pPr>
+            <a:r>
+              <a:rPr lang="en-US" sz="3600" b="1" dirty="0" smtClean="0">
+                <a:solidFill>
+                  <a:schemeClr val="accent6"/>
+                </a:solidFill>
+                <a:latin typeface="Raleway" charset="0"/>
+                <a:ea typeface="Raleway" charset="0"/>
+                <a:cs typeface="Raleway" charset="0"/>
+              </a:rPr>
+              <a:t>Questions: </a:t>
+            </a:r>
+            <a:r>
+              <a:rPr lang="en-US" sz="3600" dirty="0" smtClean="0">
+                <a:solidFill>
+                  <a:schemeClr val="accent6"/>
+                </a:solidFill>
+                <a:latin typeface="Raleway" charset="0"/>
+                <a:ea typeface="Raleway" charset="0"/>
+                <a:cs typeface="Raleway" charset="0"/>
+              </a:rPr>
+              <a:t>Does contrast with a previously learned category influence </a:t>
+            </a:r>
+            <a:r>
+              <a:rPr lang="en-US" sz="3600" dirty="0" smtClean="0">
+                <a:solidFill>
+                  <a:schemeClr val="accent6"/>
+                </a:solidFill>
+                <a:latin typeface="Raleway" charset="0"/>
+                <a:ea typeface="Raleway" charset="0"/>
+                <a:cs typeface="Raleway" charset="0"/>
+              </a:rPr>
+              <a:t>generation</a:t>
+            </a:r>
+            <a:r>
+              <a:rPr lang="en-US" sz="3600" dirty="0" smtClean="0">
+                <a:solidFill>
+                  <a:schemeClr val="accent6"/>
+                </a:solidFill>
+                <a:latin typeface="Raleway" charset="0"/>
+                <a:ea typeface="Raleway" charset="0"/>
+                <a:cs typeface="Raleway" charset="0"/>
+              </a:rPr>
+              <a:t>? Is distributional emulation the only factor?</a:t>
+            </a:r>
+          </a:p>
+          <a:p>
+            <a:pPr>
+              <a:spcBef>
+                <a:spcPts val="600"/>
+              </a:spcBef>
+              <a:spcAft>
+                <a:spcPts val="600"/>
+              </a:spcAft>
+            </a:pPr>
+            <a:r>
+              <a:rPr lang="en-US" sz="3600" b="1" dirty="0" smtClean="0">
+                <a:solidFill>
+                  <a:schemeClr val="accent6"/>
+                </a:solidFill>
+                <a:latin typeface="Raleway" charset="0"/>
+                <a:ea typeface="Raleway" charset="0"/>
+                <a:cs typeface="Raleway" charset="0"/>
+              </a:rPr>
+              <a:t>Participants</a:t>
+            </a:r>
+            <a:r>
+              <a:rPr lang="en-US" sz="3600" dirty="0" smtClean="0">
+                <a:solidFill>
+                  <a:schemeClr val="accent6"/>
+                </a:solidFill>
+                <a:latin typeface="Raleway" charset="0"/>
+                <a:ea typeface="Raleway" charset="0"/>
+                <a:cs typeface="Raleway" charset="0"/>
+              </a:rPr>
+              <a:t> (</a:t>
+            </a:r>
+            <a:r>
+              <a:rPr lang="en-US" sz="3600" dirty="0" err="1" smtClean="0">
+                <a:solidFill>
+                  <a:schemeClr val="accent6"/>
+                </a:solidFill>
+                <a:latin typeface="Raleway" charset="0"/>
+                <a:ea typeface="Raleway" charset="0"/>
+                <a:cs typeface="Raleway" charset="0"/>
+              </a:rPr>
+              <a:t>MTurk</a:t>
+            </a:r>
+            <a:r>
+              <a:rPr lang="en-US" sz="3600" dirty="0" smtClean="0">
+                <a:solidFill>
+                  <a:schemeClr val="accent6"/>
+                </a:solidFill>
+                <a:latin typeface="Raleway" charset="0"/>
+                <a:ea typeface="Raleway" charset="0"/>
+                <a:cs typeface="Raleway" charset="0"/>
+              </a:rPr>
+              <a:t>; N=122) learned about an experimenter-defined category (‘Alpha’) composed of squares varying in size and color</a:t>
+            </a:r>
+            <a:r>
+              <a:rPr lang="en-US" sz="3600" dirty="0" smtClean="0">
+                <a:solidFill>
+                  <a:schemeClr val="accent6"/>
+                </a:solidFill>
+                <a:latin typeface="Raleway" charset="0"/>
+                <a:ea typeface="Raleway" charset="0"/>
+                <a:cs typeface="Raleway" charset="0"/>
+              </a:rPr>
+              <a:t>.</a:t>
+            </a:r>
+            <a:endParaRPr lang="en-US" sz="4400" b="1" dirty="0">
+              <a:solidFill>
+                <a:schemeClr val="accent6"/>
+              </a:solidFill>
+              <a:latin typeface="Raleway SemiBold" charset="0"/>
+              <a:ea typeface="Raleway SemiBold" charset="0"/>
+              <a:cs typeface="Raleway SemiBold" charset="0"/>
+            </a:endParaRPr>
+          </a:p>
+        </p:txBody>
+      </p:sp>
+      <p:pic>
+        <p:nvPicPr>
+          <p:cNvPr id="9" name="Picture 8"/>
+          <p:cNvPicPr>
+            <a:picLocks noChangeAspect="1"/>
+          </p:cNvPicPr>
+          <p:nvPr/>
+        </p:nvPicPr>
+        <p:blipFill>
+          <a:blip r:embed="rId7">
+            <a:extLst>
+              <a:ext uri="{28A0092B-C50C-407E-A947-70E740481C1C}">
+                <a14:useLocalDpi xmlns:a14="http://schemas.microsoft.com/office/drawing/2010/main" val="0"/>
+              </a:ext>
+            </a:extLst>
+          </a:blip>
+          <a:stretch>
+            <a:fillRect/>
+          </a:stretch>
+        </p:blipFill>
+        <p:spPr>
+          <a:xfrm>
+            <a:off x="28380606" y="21265330"/>
+            <a:ext cx="16376248" cy="6062836"/>
+          </a:xfrm>
+          <a:prstGeom prst="rect">
+            <a:avLst/>
+          </a:prstGeom>
+        </p:spPr>
+      </p:pic>
+      <p:sp>
+        <p:nvSpPr>
+          <p:cNvPr id="89" name="Rectangle 88"/>
+          <p:cNvSpPr/>
+          <p:nvPr/>
+        </p:nvSpPr>
+        <p:spPr>
+          <a:xfrm>
+            <a:off x="13336954" y="12589038"/>
+            <a:ext cx="14641454" cy="4604853"/>
+          </a:xfrm>
+          <a:prstGeom prst="rect">
+            <a:avLst/>
+          </a:prstGeom>
+          <a:noFill/>
+          <a:ln>
+            <a:noFill/>
+          </a:ln>
+        </p:spPr>
+        <p:style>
+          <a:lnRef idx="2">
+            <a:schemeClr val="accent1">
+              <a:shade val="50000"/>
+            </a:schemeClr>
+          </a:lnRef>
+          <a:fillRef idx="1">
+            <a:schemeClr val="accent1"/>
+          </a:fillRef>
+          <a:effectRef idx="0">
+            <a:schemeClr val="accent1"/>
+          </a:effectRef>
+          <a:fontRef idx="minor">
+            <a:schemeClr val="lt1"/>
+          </a:fontRef>
+        </p:style>
+        <p:txBody>
+          <a:bodyPr lIns="91440" tIns="0" rIns="91440" rtlCol="0" anchor="t"/>
+          <a:lstStyle/>
+          <a:p>
+            <a:pPr>
+              <a:spcBef>
+                <a:spcPts val="600"/>
+              </a:spcBef>
+            </a:pPr>
+            <a:r>
+              <a:rPr lang="en-US" sz="3600" dirty="0" smtClean="0">
+                <a:solidFill>
+                  <a:schemeClr val="accent6"/>
+                </a:solidFill>
+                <a:latin typeface="Raleway" charset="0"/>
+                <a:ea typeface="Raleway" charset="0"/>
+                <a:cs typeface="Raleway" charset="0"/>
+              </a:rPr>
+              <a:t>Two conditions (</a:t>
+            </a:r>
+            <a:r>
+              <a:rPr lang="en-US" sz="3600" dirty="0" smtClean="0">
+                <a:solidFill>
+                  <a:schemeClr val="accent6"/>
+                </a:solidFill>
+                <a:latin typeface="Raleway" charset="0"/>
+                <a:ea typeface="Raleway" charset="0"/>
+                <a:cs typeface="Raleway" charset="0"/>
+              </a:rPr>
+              <a:t>Between-</a:t>
+            </a:r>
+            <a:r>
+              <a:rPr lang="en-US" sz="3600" dirty="0">
+                <a:solidFill>
+                  <a:schemeClr val="accent6"/>
+                </a:solidFill>
+                <a:latin typeface="Raleway" charset="0"/>
+                <a:ea typeface="Raleway" charset="0"/>
+                <a:cs typeface="Raleway" charset="0"/>
+              </a:rPr>
+              <a:t>P</a:t>
+            </a:r>
+            <a:r>
+              <a:rPr lang="en-US" sz="3600" dirty="0" smtClean="0">
+                <a:solidFill>
+                  <a:schemeClr val="accent6"/>
+                </a:solidFill>
+                <a:latin typeface="Raleway" charset="0"/>
+                <a:ea typeface="Raleway" charset="0"/>
+                <a:cs typeface="Raleway" charset="0"/>
+              </a:rPr>
+              <a:t>s</a:t>
+            </a:r>
+            <a:r>
+              <a:rPr lang="en-US" sz="3600" dirty="0" smtClean="0">
+                <a:solidFill>
+                  <a:schemeClr val="accent6"/>
+                </a:solidFill>
+                <a:latin typeface="Raleway" charset="0"/>
+                <a:ea typeface="Raleway" charset="0"/>
+                <a:cs typeface="Raleway" charset="0"/>
+              </a:rPr>
+              <a:t>) differed only in category location. </a:t>
+            </a:r>
+          </a:p>
+          <a:p>
+            <a:pPr>
+              <a:spcAft>
+                <a:spcPts val="600"/>
+              </a:spcAft>
+            </a:pPr>
+            <a:r>
+              <a:rPr lang="en-US" sz="3600" i="1" dirty="0" smtClean="0">
+                <a:solidFill>
+                  <a:schemeClr val="accent6"/>
+                </a:solidFill>
+                <a:latin typeface="Raleway" charset="0"/>
+                <a:ea typeface="Raleway" charset="0"/>
+                <a:cs typeface="Raleway" charset="0"/>
+              </a:rPr>
+              <a:t>Condition differences cannot be explained by distributional copying</a:t>
+            </a:r>
+            <a:r>
+              <a:rPr lang="en-US" sz="3600" i="1" dirty="0" smtClean="0">
+                <a:solidFill>
+                  <a:schemeClr val="accent6"/>
+                </a:solidFill>
+                <a:latin typeface="Raleway" charset="0"/>
+                <a:ea typeface="Raleway" charset="0"/>
+                <a:cs typeface="Raleway" charset="0"/>
+              </a:rPr>
+              <a:t>.</a:t>
+            </a:r>
+          </a:p>
+          <a:p>
+            <a:pPr>
+              <a:spcBef>
+                <a:spcPts val="600"/>
+              </a:spcBef>
+            </a:pPr>
+            <a:r>
+              <a:rPr lang="en-US" sz="3600" dirty="0">
+                <a:solidFill>
+                  <a:schemeClr val="accent6"/>
+                </a:solidFill>
+                <a:latin typeface="Raleway" charset="0"/>
+                <a:ea typeface="Raleway" charset="0"/>
+                <a:cs typeface="Raleway" charset="0"/>
+              </a:rPr>
+              <a:t>After training, </a:t>
+            </a:r>
+            <a:r>
+              <a:rPr lang="en-US" sz="3600" dirty="0" smtClean="0">
+                <a:solidFill>
+                  <a:schemeClr val="accent6"/>
+                </a:solidFill>
+                <a:latin typeface="Raleway" charset="0"/>
+                <a:ea typeface="Raleway" charset="0"/>
+                <a:cs typeface="Raleway" charset="0"/>
+              </a:rPr>
+              <a:t>Ps generated </a:t>
+            </a:r>
+            <a:r>
+              <a:rPr lang="en-US" sz="3600" dirty="0">
+                <a:solidFill>
+                  <a:schemeClr val="accent6"/>
+                </a:solidFill>
+                <a:latin typeface="Raleway" charset="0"/>
+                <a:ea typeface="Raleway" charset="0"/>
+                <a:cs typeface="Raleway" charset="0"/>
+              </a:rPr>
+              <a:t>four examples of a new ‘Beta’ category.</a:t>
+            </a:r>
+          </a:p>
+          <a:p>
+            <a:pPr>
+              <a:spcAft>
+                <a:spcPts val="600"/>
+              </a:spcAft>
+            </a:pPr>
+            <a:r>
+              <a:rPr lang="en-US" sz="3600" i="1" dirty="0">
+                <a:solidFill>
+                  <a:schemeClr val="accent6"/>
+                </a:solidFill>
+                <a:latin typeface="Raleway" charset="0"/>
+                <a:ea typeface="Raleway" charset="0"/>
+                <a:cs typeface="Raleway" charset="0"/>
+              </a:rPr>
+              <a:t>Generation </a:t>
+            </a:r>
+            <a:r>
+              <a:rPr lang="en-US" sz="3600" i="1" dirty="0" smtClean="0">
+                <a:solidFill>
+                  <a:schemeClr val="accent6"/>
+                </a:solidFill>
+                <a:latin typeface="Raleway" charset="0"/>
+                <a:ea typeface="Raleway" charset="0"/>
+                <a:cs typeface="Raleway" charset="0"/>
+              </a:rPr>
+              <a:t>using </a:t>
+            </a:r>
+            <a:r>
+              <a:rPr lang="en-US" sz="3600" i="1" dirty="0">
+                <a:solidFill>
+                  <a:schemeClr val="accent6"/>
+                </a:solidFill>
+                <a:latin typeface="Raleway" charset="0"/>
+                <a:ea typeface="Raleway" charset="0"/>
+                <a:cs typeface="Raleway" charset="0"/>
+              </a:rPr>
+              <a:t>sliding-scale interface </a:t>
+            </a:r>
+            <a:r>
+              <a:rPr lang="en-US" sz="3600" i="1" dirty="0" smtClean="0">
+                <a:solidFill>
+                  <a:schemeClr val="accent6"/>
+                </a:solidFill>
+                <a:latin typeface="Raleway" charset="0"/>
+                <a:ea typeface="Raleway" charset="0"/>
+                <a:cs typeface="Raleway" charset="0"/>
+              </a:rPr>
+              <a:t>(as in Jern </a:t>
+            </a:r>
+            <a:r>
+              <a:rPr lang="en-US" sz="3600" i="1" dirty="0">
+                <a:solidFill>
+                  <a:schemeClr val="accent6"/>
+                </a:solidFill>
+                <a:latin typeface="Raleway" charset="0"/>
+                <a:ea typeface="Raleway" charset="0"/>
+                <a:cs typeface="Raleway" charset="0"/>
+              </a:rPr>
+              <a:t>&amp; Kemp, 2013</a:t>
+            </a:r>
+            <a:r>
+              <a:rPr lang="en-US" sz="3600" i="1" dirty="0" smtClean="0">
+                <a:solidFill>
+                  <a:schemeClr val="accent6"/>
+                </a:solidFill>
+                <a:latin typeface="Raleway" charset="0"/>
+                <a:ea typeface="Raleway" charset="0"/>
+                <a:cs typeface="Raleway" charset="0"/>
+              </a:rPr>
+              <a:t>).</a:t>
+            </a:r>
+          </a:p>
+          <a:p>
+            <a:pPr>
+              <a:spcBef>
+                <a:spcPts val="600"/>
+              </a:spcBef>
+              <a:spcAft>
+                <a:spcPts val="600"/>
+              </a:spcAft>
+            </a:pPr>
+            <a:r>
+              <a:rPr lang="en-US" sz="3600" b="1" dirty="0">
+                <a:solidFill>
+                  <a:schemeClr val="accent6"/>
+                </a:solidFill>
+                <a:latin typeface="Raleway" charset="0"/>
+                <a:ea typeface="Raleway" charset="0"/>
+                <a:cs typeface="Raleway" charset="0"/>
+              </a:rPr>
+              <a:t>If category contrast is a factor, the </a:t>
+            </a:r>
+            <a:r>
+              <a:rPr lang="en-US" sz="3600" b="1" i="1" dirty="0">
+                <a:solidFill>
+                  <a:schemeClr val="accent6"/>
+                </a:solidFill>
+                <a:latin typeface="Raleway" charset="0"/>
+                <a:ea typeface="Raleway" charset="0"/>
+                <a:cs typeface="Raleway" charset="0"/>
+              </a:rPr>
+              <a:t>unoccupied</a:t>
+            </a:r>
+            <a:r>
+              <a:rPr lang="en-US" sz="3600" b="1" dirty="0">
+                <a:solidFill>
+                  <a:schemeClr val="accent6"/>
+                </a:solidFill>
+                <a:latin typeface="Raleway" charset="0"/>
+                <a:ea typeface="Raleway" charset="0"/>
+                <a:cs typeface="Raleway" charset="0"/>
+              </a:rPr>
+              <a:t> </a:t>
+            </a:r>
+            <a:r>
+              <a:rPr lang="en-US" sz="3600" b="1" i="1" dirty="0">
+                <a:solidFill>
+                  <a:schemeClr val="accent6"/>
+                </a:solidFill>
+                <a:latin typeface="Raleway" charset="0"/>
+                <a:ea typeface="Raleway" charset="0"/>
+                <a:cs typeface="Raleway" charset="0"/>
+              </a:rPr>
+              <a:t>space</a:t>
+            </a:r>
+            <a:r>
+              <a:rPr lang="en-US" sz="3600" b="1" dirty="0">
+                <a:solidFill>
+                  <a:schemeClr val="accent6"/>
+                </a:solidFill>
+                <a:latin typeface="Raleway" charset="0"/>
+                <a:ea typeface="Raleway" charset="0"/>
+                <a:cs typeface="Raleway" charset="0"/>
+              </a:rPr>
+              <a:t> is important</a:t>
+            </a:r>
+          </a:p>
+          <a:p>
+            <a:pPr marL="571500" indent="-571500">
+              <a:buFontTx/>
+              <a:buChar char="-"/>
+            </a:pPr>
+            <a:r>
+              <a:rPr lang="en-US" sz="3600" dirty="0">
+                <a:solidFill>
+                  <a:schemeClr val="accent6"/>
+                </a:solidFill>
+                <a:latin typeface="Raleway" charset="0"/>
+                <a:ea typeface="Raleway" charset="0"/>
+                <a:cs typeface="Raleway" charset="0"/>
+              </a:rPr>
+              <a:t>All Ps should generate items distant from the Alphas.</a:t>
+            </a:r>
+          </a:p>
+          <a:p>
+            <a:pPr marL="571500" indent="-571500">
+              <a:buFontTx/>
+              <a:buChar char="-"/>
+            </a:pPr>
+            <a:r>
+              <a:rPr lang="en-US" sz="3600" dirty="0">
+                <a:solidFill>
+                  <a:schemeClr val="accent6"/>
+                </a:solidFill>
+                <a:latin typeface="Raleway" charset="0"/>
+                <a:ea typeface="Raleway" charset="0"/>
+                <a:cs typeface="Raleway" charset="0"/>
+              </a:rPr>
+              <a:t>Middle Ps should create categories spanning the entire Y-axis</a:t>
+            </a:r>
+            <a:r>
+              <a:rPr lang="en-US" sz="3600" dirty="0" smtClean="0">
+                <a:solidFill>
+                  <a:schemeClr val="accent6"/>
+                </a:solidFill>
+                <a:latin typeface="Raleway" charset="0"/>
+                <a:ea typeface="Raleway" charset="0"/>
+                <a:cs typeface="Raleway" charset="0"/>
+              </a:rPr>
+              <a:t>.</a:t>
+            </a:r>
+            <a:endParaRPr lang="en-US" sz="3600" dirty="0">
+              <a:solidFill>
+                <a:schemeClr val="accent6"/>
+              </a:solidFill>
+              <a:latin typeface="Raleway" charset="0"/>
+              <a:ea typeface="Raleway" charset="0"/>
+              <a:cs typeface="Raleway" charset="0"/>
+            </a:endParaRPr>
+          </a:p>
+        </p:txBody>
+      </p:sp>
+      <p:pic>
+        <p:nvPicPr>
+          <p:cNvPr id="23" name="Picture 22"/>
+          <p:cNvPicPr>
+            <a:picLocks noChangeAspect="1"/>
+          </p:cNvPicPr>
+          <p:nvPr/>
+        </p:nvPicPr>
+        <p:blipFill>
+          <a:blip r:embed="rId8">
+            <a:extLst>
+              <a:ext uri="{28A0092B-C50C-407E-A947-70E740481C1C}">
+                <a14:useLocalDpi xmlns:a14="http://schemas.microsoft.com/office/drawing/2010/main" val="0"/>
+              </a:ext>
+            </a:extLst>
+          </a:blip>
+          <a:stretch>
+            <a:fillRect/>
+          </a:stretch>
+        </p:blipFill>
+        <p:spPr>
+          <a:xfrm>
+            <a:off x="28515013" y="5140308"/>
+            <a:ext cx="836484" cy="836484"/>
+          </a:xfrm>
+          <a:prstGeom prst="rect">
+            <a:avLst/>
+          </a:prstGeom>
+        </p:spPr>
+      </p:pic>
+      <p:grpSp>
+        <p:nvGrpSpPr>
+          <p:cNvPr id="14" name="Group 13"/>
+          <p:cNvGrpSpPr/>
+          <p:nvPr/>
+        </p:nvGrpSpPr>
+        <p:grpSpPr>
+          <a:xfrm>
+            <a:off x="36454102" y="651563"/>
+            <a:ext cx="8302752" cy="3127729"/>
+            <a:chOff x="35899344" y="873680"/>
+            <a:chExt cx="8302752" cy="3127729"/>
+          </a:xfrm>
+        </p:grpSpPr>
+        <p:pic>
+          <p:nvPicPr>
+            <p:cNvPr id="3" name="Picture 2"/>
+            <p:cNvPicPr>
+              <a:picLocks noChangeAspect="1"/>
+            </p:cNvPicPr>
+            <p:nvPr/>
+          </p:nvPicPr>
+          <p:blipFill>
+            <a:blip r:embed="rId9">
+              <a:extLst>
+                <a:ext uri="{28A0092B-C50C-407E-A947-70E740481C1C}">
+                  <a14:useLocalDpi xmlns:a14="http://schemas.microsoft.com/office/drawing/2010/main" val="0"/>
+                </a:ext>
+              </a:extLst>
+            </a:blip>
+            <a:stretch>
+              <a:fillRect/>
+            </a:stretch>
+          </p:blipFill>
+          <p:spPr>
+            <a:xfrm>
+              <a:off x="40243564" y="873680"/>
+              <a:ext cx="3958532" cy="3127729"/>
+            </a:xfrm>
+            <a:prstGeom prst="rect">
+              <a:avLst/>
+            </a:prstGeom>
+          </p:spPr>
+        </p:pic>
+        <p:sp>
+          <p:nvSpPr>
+            <p:cNvPr id="5" name="TextBox 4"/>
+            <p:cNvSpPr txBox="1"/>
+            <p:nvPr/>
+          </p:nvSpPr>
+          <p:spPr>
+            <a:xfrm>
+              <a:off x="35899344" y="1698880"/>
+              <a:ext cx="4176143" cy="1477328"/>
+            </a:xfrm>
+            <a:prstGeom prst="rect">
+              <a:avLst/>
+            </a:prstGeom>
+            <a:noFill/>
+          </p:spPr>
+          <p:txBody>
+            <a:bodyPr wrap="none" rtlCol="0">
+              <a:spAutoFit/>
+            </a:bodyPr>
+            <a:lstStyle/>
+            <a:p>
+              <a:pPr algn="r"/>
+              <a:r>
+                <a:rPr lang="en-US" sz="4500" dirty="0" smtClean="0">
+                  <a:latin typeface="Raleway" charset="0"/>
+                  <a:ea typeface="Raleway" charset="0"/>
+                  <a:cs typeface="Raleway" charset="0"/>
+                </a:rPr>
+                <a:t>Austerweil Lab</a:t>
+              </a:r>
+            </a:p>
+            <a:p>
+              <a:pPr algn="r"/>
+              <a:r>
+                <a:rPr lang="en-US" sz="4500" dirty="0" smtClean="0">
+                  <a:latin typeface="Raleway" charset="0"/>
+                  <a:ea typeface="Raleway" charset="0"/>
+                  <a:cs typeface="Raleway" charset="0"/>
+                </a:rPr>
+                <a:t>UW-Madison</a:t>
+              </a:r>
+              <a:endParaRPr lang="en-US" sz="4500" dirty="0">
+                <a:latin typeface="Raleway" charset="0"/>
+                <a:ea typeface="Raleway" charset="0"/>
+                <a:cs typeface="Raleway" charset="0"/>
+              </a:endParaRPr>
+            </a:p>
+          </p:txBody>
+        </p:sp>
+      </p:grpSp>
+      <p:pic>
+        <p:nvPicPr>
+          <p:cNvPr id="19" name="Picture 18"/>
+          <p:cNvPicPr>
+            <a:picLocks noChangeAspect="1"/>
+          </p:cNvPicPr>
+          <p:nvPr/>
+        </p:nvPicPr>
+        <p:blipFill>
+          <a:blip r:embed="rId10">
+            <a:extLst>
+              <a:ext uri="{28A0092B-C50C-407E-A947-70E740481C1C}">
+                <a14:useLocalDpi xmlns:a14="http://schemas.microsoft.com/office/drawing/2010/main" val="0"/>
+              </a:ext>
+            </a:extLst>
+          </a:blip>
+          <a:stretch>
+            <a:fillRect/>
+          </a:stretch>
+        </p:blipFill>
+        <p:spPr>
+          <a:xfrm>
+            <a:off x="29110498" y="11704321"/>
+            <a:ext cx="14942536" cy="4432108"/>
+          </a:xfrm>
+          <a:prstGeom prst="rect">
+            <a:avLst/>
+          </a:prstGeom>
+        </p:spPr>
+      </p:pic>
+      <p:grpSp>
+        <p:nvGrpSpPr>
+          <p:cNvPr id="24" name="Group 23"/>
+          <p:cNvGrpSpPr/>
+          <p:nvPr/>
+        </p:nvGrpSpPr>
+        <p:grpSpPr>
+          <a:xfrm>
+            <a:off x="13932757" y="8101434"/>
+            <a:ext cx="13775495" cy="4864290"/>
+            <a:chOff x="14213089" y="8554445"/>
+            <a:chExt cx="13375597" cy="4723081"/>
           </a:xfrm>
         </p:grpSpPr>
         <p:grpSp>
@@ -7908,8 +9257,8 @@
           </p:nvGrpSpPr>
           <p:grpSpPr>
             <a:xfrm>
-              <a:off x="13550774" y="8419019"/>
-              <a:ext cx="4119396" cy="4119397"/>
+              <a:off x="14213089" y="9039313"/>
+              <a:ext cx="3755791" cy="3755792"/>
               <a:chOff x="428324" y="916426"/>
               <a:chExt cx="3243413" cy="3243414"/>
             </a:xfrm>
@@ -8077,7 +9426,7 @@
                 <a:p>
                   <a:pPr algn="ctr"/>
                   <a:r>
-                    <a:rPr lang="en-US" sz="2800" dirty="0" smtClean="0">
+                    <a:rPr lang="en-US" sz="2400" dirty="0" smtClean="0">
                       <a:solidFill>
                         <a:schemeClr val="tx1"/>
                       </a:solidFill>
@@ -8087,7 +9436,7 @@
                     </a:rPr>
                     <a:t>DONE</a:t>
                   </a:r>
-                  <a:endParaRPr lang="en-US" sz="2800" dirty="0">
+                  <a:endParaRPr lang="en-US" sz="2400" dirty="0">
                     <a:solidFill>
                       <a:schemeClr val="tx1"/>
                     </a:solidFill>
@@ -8161,10 +9510,10 @@
             </p:nvGrpSpPr>
             <p:grpSpPr>
               <a:xfrm>
-                <a:off x="473233" y="1326906"/>
-                <a:ext cx="2116167" cy="929173"/>
+                <a:off x="473233" y="1326909"/>
+                <a:ext cx="2116167" cy="957972"/>
                 <a:chOff x="4194103" y="5439002"/>
-                <a:chExt cx="1873128" cy="822458"/>
+                <a:chExt cx="1873128" cy="847949"/>
               </a:xfrm>
             </p:grpSpPr>
             <p:grpSp>
@@ -8176,9 +9525,9 @@
               <p:grpSpPr>
                 <a:xfrm>
                   <a:off x="4194103" y="5439002"/>
-                  <a:ext cx="1764518" cy="362487"/>
+                  <a:ext cx="1764518" cy="387978"/>
                   <a:chOff x="4194103" y="5439002"/>
-                  <a:chExt cx="1764518" cy="362487"/>
+                  <a:chExt cx="1764518" cy="387978"/>
                 </a:xfrm>
               </p:grpSpPr>
               <p:grpSp>
@@ -8291,7 +9640,7 @@
                 </p:nvSpPr>
                 <p:spPr>
                   <a:xfrm>
-                    <a:off x="4194103" y="5500687"/>
+                    <a:off x="4194103" y="5526178"/>
                     <a:ext cx="824553" cy="300802"/>
                   </a:xfrm>
                   <a:prstGeom prst="rect">
@@ -8306,14 +9655,14 @@
                   <a:lstStyle/>
                   <a:p>
                     <a:r>
-                      <a:rPr lang="en-US" sz="2000" smtClean="0">
+                      <a:rPr lang="en-US" sz="2000" dirty="0" smtClean="0">
                         <a:latin typeface="Raleway" charset="0"/>
                         <a:ea typeface="Raleway" charset="0"/>
                         <a:cs typeface="Raleway" charset="0"/>
                       </a:rPr>
                       <a:t>Smaller</a:t>
                     </a:r>
-                    <a:endParaRPr lang="en-US" sz="2000">
+                    <a:endParaRPr lang="en-US" sz="2000" dirty="0">
                       <a:latin typeface="Raleway" charset="0"/>
                       <a:ea typeface="Raleway" charset="0"/>
                       <a:cs typeface="Raleway" charset="0"/>
@@ -8329,7 +9678,7 @@
                 </p:nvSpPr>
                 <p:spPr>
                   <a:xfrm>
-                    <a:off x="5229274" y="5500687"/>
+                    <a:off x="5229274" y="5526178"/>
                     <a:ext cx="729347" cy="300802"/>
                   </a:xfrm>
                   <a:prstGeom prst="rect">
@@ -8344,14 +9693,14 @@
                   <a:lstStyle/>
                   <a:p>
                     <a:r>
-                      <a:rPr lang="en-US" sz="2000" smtClean="0">
+                      <a:rPr lang="en-US" sz="2000" dirty="0" smtClean="0">
                         <a:latin typeface="Raleway" charset="0"/>
                         <a:ea typeface="Raleway" charset="0"/>
                         <a:cs typeface="Raleway" charset="0"/>
                       </a:rPr>
                       <a:t>Bigger</a:t>
                     </a:r>
-                    <a:endParaRPr lang="en-US" sz="2000">
+                    <a:endParaRPr lang="en-US" sz="2000" dirty="0">
                       <a:latin typeface="Raleway" charset="0"/>
                       <a:ea typeface="Raleway" charset="0"/>
                       <a:cs typeface="Raleway" charset="0"/>
@@ -8369,9 +9718,9 @@
               <p:grpSpPr>
                 <a:xfrm>
                   <a:off x="4253922" y="5898973"/>
-                  <a:ext cx="1813309" cy="362487"/>
+                  <a:ext cx="1813309" cy="387978"/>
                   <a:chOff x="4237091" y="5439002"/>
-                  <a:chExt cx="1813309" cy="362487"/>
+                  <a:chExt cx="1813309" cy="387978"/>
                 </a:xfrm>
               </p:grpSpPr>
               <p:grpSp>
@@ -8484,7 +9833,7 @@
                 </p:nvSpPr>
                 <p:spPr>
                   <a:xfrm>
-                    <a:off x="4237091" y="5500687"/>
+                    <a:off x="4237091" y="5526178"/>
                     <a:ext cx="731758" cy="300802"/>
                   </a:xfrm>
                   <a:prstGeom prst="rect">
@@ -8522,7 +9871,7 @@
                 </p:nvSpPr>
                 <p:spPr>
                   <a:xfrm>
-                    <a:off x="5280078" y="5500687"/>
+                    <a:off x="5280078" y="5526178"/>
                     <a:ext cx="770322" cy="300802"/>
                   </a:xfrm>
                   <a:prstGeom prst="rect">
@@ -8555,122 +9904,72 @@
             </p:grpSp>
           </p:grpSp>
         </p:grpSp>
+        <p:pic>
+          <p:nvPicPr>
+            <p:cNvPr id="22" name="Picture 21"/>
+            <p:cNvPicPr>
+              <a:picLocks noChangeAspect="1"/>
+            </p:cNvPicPr>
+            <p:nvPr/>
+          </p:nvPicPr>
+          <p:blipFill>
+            <a:blip r:embed="rId11">
+              <a:extLst>
+                <a:ext uri="{28A0092B-C50C-407E-A947-70E740481C1C}">
+                  <a14:useLocalDpi xmlns:a14="http://schemas.microsoft.com/office/drawing/2010/main" val="0"/>
+                </a:ext>
+              </a:extLst>
+            </a:blip>
+            <a:stretch>
+              <a:fillRect/>
+            </a:stretch>
+          </p:blipFill>
+          <p:spPr>
+            <a:xfrm>
+              <a:off x="18367433" y="8554445"/>
+              <a:ext cx="9221253" cy="4723081"/>
+            </a:xfrm>
+            <a:prstGeom prst="rect">
+              <a:avLst/>
+            </a:prstGeom>
+          </p:spPr>
+        </p:pic>
+      </p:grpSp>
+      <p:grpSp>
+        <p:nvGrpSpPr>
+          <p:cNvPr id="94" name="Group 93"/>
+          <p:cNvGrpSpPr/>
+          <p:nvPr/>
+        </p:nvGrpSpPr>
+        <p:grpSpPr>
+          <a:xfrm>
+            <a:off x="18370379" y="17169745"/>
+            <a:ext cx="9640982" cy="1481780"/>
+            <a:chOff x="18772979" y="17236248"/>
+            <a:chExt cx="9205429" cy="1365472"/>
+          </a:xfrm>
+        </p:grpSpPr>
         <p:sp>
           <p:nvSpPr>
-            <p:cNvPr id="69" name="Rectangle 68"/>
+            <p:cNvPr id="96" name="Rectangle 95"/>
             <p:cNvSpPr/>
             <p:nvPr/>
           </p:nvSpPr>
           <p:spPr>
             <a:xfrm>
-              <a:off x="18047098" y="8460400"/>
-              <a:ext cx="9769914" cy="2885572"/>
-            </a:xfrm>
-            <a:prstGeom prst="rect">
-              <a:avLst/>
-            </a:prstGeom>
-            <a:noFill/>
-            <a:ln>
-              <a:noFill/>
-            </a:ln>
-          </p:spPr>
-          <p:style>
-            <a:lnRef idx="2">
-              <a:schemeClr val="accent1">
-                <a:shade val="50000"/>
-              </a:schemeClr>
-            </a:lnRef>
-            <a:fillRef idx="1">
-              <a:schemeClr val="accent1"/>
-            </a:fillRef>
-            <a:effectRef idx="0">
-              <a:schemeClr val="accent1"/>
-            </a:effectRef>
-            <a:fontRef idx="minor">
-              <a:schemeClr val="lt1"/>
-            </a:fontRef>
-          </p:style>
-          <p:txBody>
-            <a:bodyPr lIns="91440" tIns="0" rIns="91440" rtlCol="0" anchor="ctr"/>
-            <a:lstStyle/>
-            <a:p>
-              <a:pPr>
-                <a:spcBef>
-                  <a:spcPts val="600"/>
-                </a:spcBef>
-                <a:spcAft>
-                  <a:spcPts val="600"/>
-                </a:spcAft>
-              </a:pPr>
-              <a:r>
-                <a:rPr lang="en-US" sz="3600" dirty="0" smtClean="0">
-                  <a:solidFill>
-                    <a:schemeClr val="accent6"/>
-                  </a:solidFill>
-                  <a:latin typeface="Raleway" charset="0"/>
-                  <a:ea typeface="Raleway" charset="0"/>
-                  <a:cs typeface="Raleway" charset="0"/>
-                </a:rPr>
-                <a:t>After training, participants generated four examples of a new ‘Beta’ category.</a:t>
-              </a:r>
-            </a:p>
-            <a:p>
-              <a:pPr>
-                <a:spcBef>
-                  <a:spcPts val="600"/>
-                </a:spcBef>
-                <a:spcAft>
-                  <a:spcPts val="600"/>
-                </a:spcAft>
-              </a:pPr>
-              <a:r>
-                <a:rPr lang="en-US" sz="3600" i="1" dirty="0" smtClean="0">
-                  <a:solidFill>
-                    <a:schemeClr val="accent6"/>
-                  </a:solidFill>
-                  <a:latin typeface="Raleway" charset="0"/>
-                  <a:ea typeface="Raleway" charset="0"/>
-                  <a:cs typeface="Raleway" charset="0"/>
-                </a:rPr>
-                <a:t>Generation completed using sliding-scale interface (as in Jern &amp; Kemp, 2013).</a:t>
-              </a:r>
-            </a:p>
-          </p:txBody>
-        </p:sp>
-      </p:grpSp>
-      <p:grpSp>
-        <p:nvGrpSpPr>
-          <p:cNvPr id="52" name="Group 51"/>
-          <p:cNvGrpSpPr/>
-          <p:nvPr/>
-        </p:nvGrpSpPr>
-        <p:grpSpPr>
-          <a:xfrm>
-            <a:off x="22967929" y="19629574"/>
-            <a:ext cx="4670396" cy="8863709"/>
-            <a:chOff x="17132361" y="18754460"/>
-            <a:chExt cx="3725518" cy="7070472"/>
-          </a:xfrm>
-        </p:grpSpPr>
-        <p:sp>
-          <p:nvSpPr>
-            <p:cNvPr id="53" name="Rectangle 52"/>
-            <p:cNvSpPr/>
-            <p:nvPr/>
-          </p:nvSpPr>
-          <p:spPr>
-            <a:xfrm>
-              <a:off x="17830800" y="18836640"/>
-              <a:ext cx="3022471" cy="3017520"/>
+              <a:off x="18935807" y="17399153"/>
+              <a:ext cx="1042347" cy="1037396"/>
             </a:xfrm>
             <a:prstGeom prst="rect">
               <a:avLst/>
             </a:prstGeom>
             <a:solidFill>
-              <a:schemeClr val="bg2"/>
+              <a:schemeClr val="bg1"/>
             </a:solidFill>
             <a:ln>
-              <a:noFill/>
+              <a:solidFill>
+                <a:schemeClr val="bg1"/>
+              </a:solidFill>
             </a:ln>
           </p:spPr>
           <p:style>
@@ -8700,23 +9999,313 @@
         </p:sp>
         <p:sp>
           <p:nvSpPr>
-            <p:cNvPr id="54" name="Rectangle 53"/>
+            <p:cNvPr id="97" name="Rectangle 96"/>
             <p:cNvSpPr/>
             <p:nvPr/>
           </p:nvSpPr>
           <p:spPr>
             <a:xfrm>
-              <a:off x="17830800" y="22473920"/>
-              <a:ext cx="3022471" cy="3017520"/>
+              <a:off x="20055425" y="17399153"/>
+              <a:ext cx="1042347" cy="1037396"/>
             </a:xfrm>
             <a:prstGeom prst="rect">
               <a:avLst/>
             </a:prstGeom>
             <a:solidFill>
-              <a:schemeClr val="bg2"/>
+              <a:schemeClr val="bg1"/>
             </a:solidFill>
             <a:ln>
-              <a:noFill/>
+              <a:solidFill>
+                <a:schemeClr val="bg1"/>
+              </a:solidFill>
+            </a:ln>
+          </p:spPr>
+          <p:style>
+            <a:lnRef idx="2">
+              <a:schemeClr val="accent1">
+                <a:shade val="50000"/>
+              </a:schemeClr>
+            </a:lnRef>
+            <a:fillRef idx="1">
+              <a:schemeClr val="accent1"/>
+            </a:fillRef>
+            <a:effectRef idx="0">
+              <a:schemeClr val="accent1"/>
+            </a:effectRef>
+            <a:fontRef idx="minor">
+              <a:schemeClr val="lt1"/>
+            </a:fontRef>
+          </p:style>
+          <p:txBody>
+            <a:bodyPr rtlCol="0" anchor="ctr"/>
+            <a:lstStyle/>
+            <a:p>
+              <a:pPr algn="ctr"/>
+              <a:endParaRPr lang="en-US"/>
+            </a:p>
+          </p:txBody>
+        </p:sp>
+        <p:sp>
+          <p:nvSpPr>
+            <p:cNvPr id="98" name="Rectangle 97"/>
+            <p:cNvSpPr/>
+            <p:nvPr/>
+          </p:nvSpPr>
+          <p:spPr>
+            <a:xfrm>
+              <a:off x="21175043" y="17399153"/>
+              <a:ext cx="1042347" cy="1037396"/>
+            </a:xfrm>
+            <a:prstGeom prst="rect">
+              <a:avLst/>
+            </a:prstGeom>
+            <a:solidFill>
+              <a:schemeClr val="bg1"/>
+            </a:solidFill>
+            <a:ln>
+              <a:solidFill>
+                <a:schemeClr val="bg1"/>
+              </a:solidFill>
+            </a:ln>
+          </p:spPr>
+          <p:style>
+            <a:lnRef idx="2">
+              <a:schemeClr val="accent1">
+                <a:shade val="50000"/>
+              </a:schemeClr>
+            </a:lnRef>
+            <a:fillRef idx="1">
+              <a:schemeClr val="accent1"/>
+            </a:fillRef>
+            <a:effectRef idx="0">
+              <a:schemeClr val="accent1"/>
+            </a:effectRef>
+            <a:fontRef idx="minor">
+              <a:schemeClr val="lt1"/>
+            </a:fontRef>
+          </p:style>
+          <p:txBody>
+            <a:bodyPr rtlCol="0" anchor="ctr"/>
+            <a:lstStyle/>
+            <a:p>
+              <a:pPr algn="ctr"/>
+              <a:endParaRPr lang="en-US"/>
+            </a:p>
+          </p:txBody>
+        </p:sp>
+        <p:sp>
+          <p:nvSpPr>
+            <p:cNvPr id="99" name="Rectangle 98"/>
+            <p:cNvSpPr/>
+            <p:nvPr/>
+          </p:nvSpPr>
+          <p:spPr>
+            <a:xfrm>
+              <a:off x="22294661" y="17399153"/>
+              <a:ext cx="1042347" cy="1037396"/>
+            </a:xfrm>
+            <a:prstGeom prst="rect">
+              <a:avLst/>
+            </a:prstGeom>
+            <a:solidFill>
+              <a:schemeClr val="bg1"/>
+            </a:solidFill>
+            <a:ln>
+              <a:solidFill>
+                <a:schemeClr val="bg1"/>
+              </a:solidFill>
+            </a:ln>
+          </p:spPr>
+          <p:style>
+            <a:lnRef idx="2">
+              <a:schemeClr val="accent1">
+                <a:shade val="50000"/>
+              </a:schemeClr>
+            </a:lnRef>
+            <a:fillRef idx="1">
+              <a:schemeClr val="accent1"/>
+            </a:fillRef>
+            <a:effectRef idx="0">
+              <a:schemeClr val="accent1"/>
+            </a:effectRef>
+            <a:fontRef idx="minor">
+              <a:schemeClr val="lt1"/>
+            </a:fontRef>
+          </p:style>
+          <p:txBody>
+            <a:bodyPr rtlCol="0" anchor="ctr"/>
+            <a:lstStyle/>
+            <a:p>
+              <a:pPr algn="ctr"/>
+              <a:endParaRPr lang="en-US"/>
+            </a:p>
+          </p:txBody>
+        </p:sp>
+        <p:sp>
+          <p:nvSpPr>
+            <p:cNvPr id="104" name="Rectangle 103"/>
+            <p:cNvSpPr/>
+            <p:nvPr/>
+          </p:nvSpPr>
+          <p:spPr>
+            <a:xfrm>
+              <a:off x="23414279" y="17399153"/>
+              <a:ext cx="1042347" cy="1037396"/>
+            </a:xfrm>
+            <a:prstGeom prst="rect">
+              <a:avLst/>
+            </a:prstGeom>
+            <a:solidFill>
+              <a:schemeClr val="bg1"/>
+            </a:solidFill>
+            <a:ln>
+              <a:solidFill>
+                <a:schemeClr val="bg1"/>
+              </a:solidFill>
+            </a:ln>
+          </p:spPr>
+          <p:style>
+            <a:lnRef idx="2">
+              <a:schemeClr val="accent1">
+                <a:shade val="50000"/>
+              </a:schemeClr>
+            </a:lnRef>
+            <a:fillRef idx="1">
+              <a:schemeClr val="accent1"/>
+            </a:fillRef>
+            <a:effectRef idx="0">
+              <a:schemeClr val="accent1"/>
+            </a:effectRef>
+            <a:fontRef idx="minor">
+              <a:schemeClr val="lt1"/>
+            </a:fontRef>
+          </p:style>
+          <p:txBody>
+            <a:bodyPr rtlCol="0" anchor="ctr"/>
+            <a:lstStyle/>
+            <a:p>
+              <a:pPr algn="ctr"/>
+              <a:endParaRPr lang="en-US"/>
+            </a:p>
+          </p:txBody>
+        </p:sp>
+        <p:sp>
+          <p:nvSpPr>
+            <p:cNvPr id="105" name="Rectangle 104"/>
+            <p:cNvSpPr/>
+            <p:nvPr/>
+          </p:nvSpPr>
+          <p:spPr>
+            <a:xfrm>
+              <a:off x="24533897" y="17399153"/>
+              <a:ext cx="1042347" cy="1037396"/>
+            </a:xfrm>
+            <a:prstGeom prst="rect">
+              <a:avLst/>
+            </a:prstGeom>
+            <a:solidFill>
+              <a:schemeClr val="bg1"/>
+            </a:solidFill>
+            <a:ln>
+              <a:solidFill>
+                <a:schemeClr val="bg1"/>
+              </a:solidFill>
+            </a:ln>
+          </p:spPr>
+          <p:style>
+            <a:lnRef idx="2">
+              <a:schemeClr val="accent1">
+                <a:shade val="50000"/>
+              </a:schemeClr>
+            </a:lnRef>
+            <a:fillRef idx="1">
+              <a:schemeClr val="accent1"/>
+            </a:fillRef>
+            <a:effectRef idx="0">
+              <a:schemeClr val="accent1"/>
+            </a:effectRef>
+            <a:fontRef idx="minor">
+              <a:schemeClr val="lt1"/>
+            </a:fontRef>
+          </p:style>
+          <p:txBody>
+            <a:bodyPr rtlCol="0" anchor="ctr"/>
+            <a:lstStyle/>
+            <a:p>
+              <a:pPr algn="ctr"/>
+              <a:endParaRPr lang="en-US"/>
+            </a:p>
+          </p:txBody>
+        </p:sp>
+        <p:sp>
+          <p:nvSpPr>
+            <p:cNvPr id="106" name="Rectangle 105"/>
+            <p:cNvSpPr/>
+            <p:nvPr/>
+          </p:nvSpPr>
+          <p:spPr>
+            <a:xfrm>
+              <a:off x="25653515" y="17399153"/>
+              <a:ext cx="1042347" cy="1037396"/>
+            </a:xfrm>
+            <a:prstGeom prst="rect">
+              <a:avLst/>
+            </a:prstGeom>
+            <a:solidFill>
+              <a:schemeClr val="bg1"/>
+            </a:solidFill>
+            <a:ln>
+              <a:solidFill>
+                <a:schemeClr val="bg1"/>
+              </a:solidFill>
+            </a:ln>
+          </p:spPr>
+          <p:style>
+            <a:lnRef idx="2">
+              <a:schemeClr val="accent1">
+                <a:shade val="50000"/>
+              </a:schemeClr>
+            </a:lnRef>
+            <a:fillRef idx="1">
+              <a:schemeClr val="accent1"/>
+            </a:fillRef>
+            <a:effectRef idx="0">
+              <a:schemeClr val="accent1"/>
+            </a:effectRef>
+            <a:fontRef idx="minor">
+              <a:schemeClr val="lt1"/>
+            </a:fontRef>
+          </p:style>
+          <p:txBody>
+            <a:bodyPr rtlCol="0" anchor="ctr"/>
+            <a:lstStyle/>
+            <a:p>
+              <a:pPr algn="ctr"/>
+              <a:endParaRPr lang="en-US"/>
+            </a:p>
+          </p:txBody>
+        </p:sp>
+        <p:sp>
+          <p:nvSpPr>
+            <p:cNvPr id="107" name="Rectangle 106"/>
+            <p:cNvSpPr/>
+            <p:nvPr/>
+          </p:nvSpPr>
+          <p:spPr>
+            <a:xfrm>
+              <a:off x="26773133" y="17399153"/>
+              <a:ext cx="1042347" cy="1037396"/>
+            </a:xfrm>
+            <a:prstGeom prst="rect">
+              <a:avLst/>
+            </a:prstGeom>
+            <a:solidFill>
+              <a:schemeClr val="bg1"/>
+            </a:solidFill>
+            <a:ln>
+              <a:solidFill>
+                <a:schemeClr val="bg1"/>
+              </a:solidFill>
             </a:ln>
           </p:spPr>
           <p:style>
@@ -8746,14 +10335,14 @@
         </p:sp>
         <p:pic>
           <p:nvPicPr>
-            <p:cNvPr id="55" name="Picture 54"/>
+            <p:cNvPr id="108" name="Picture 107"/>
             <p:cNvPicPr>
               <a:picLocks noChangeAspect="1"/>
             </p:cNvPicPr>
             <p:nvPr/>
           </p:nvPicPr>
           <p:blipFill>
-            <a:blip r:embed="rId8">
+            <a:blip r:embed="rId12">
               <a:extLst>
                 <a:ext uri="{28A0092B-C50C-407E-A947-70E740481C1C}">
                   <a14:useLocalDpi xmlns:a14="http://schemas.microsoft.com/office/drawing/2010/main" val="0"/>
@@ -8766,8 +10355,8 @@
           </p:blipFill>
           <p:spPr>
             <a:xfrm>
-              <a:off x="17132361" y="18754460"/>
-              <a:ext cx="3725518" cy="7070472"/>
+              <a:off x="18772979" y="17236248"/>
+              <a:ext cx="9205429" cy="1365472"/>
             </a:xfrm>
             <a:prstGeom prst="rect">
               <a:avLst/>
@@ -8775,39 +10364,78 @@
           </p:spPr>
         </p:pic>
       </p:grpSp>
+    </p:spTree>
+    <p:extLst>
+      <p:ext uri="{BB962C8B-B14F-4D97-AF65-F5344CB8AC3E}">
+        <p14:creationId xmlns:p14="http://schemas.microsoft.com/office/powerpoint/2010/main" val="238403542"/>
+      </p:ext>
+    </p:extLst>
+  </p:cSld>
+  <p:clrMapOvr>
+    <a:masterClrMapping/>
+  </p:clrMapOvr>
+  <p:timing>
+    <p:tnLst>
+      <p:par>
+        <p:cTn id="1" dur="indefinite" restart="never" nodeType="tmRoot"/>
+      </p:par>
+    </p:tnLst>
+  </p:timing>
+</p:sld>
+</file>
+
+<file path=ppt/slides/slide2.xml><?xml version="1.0" encoding="utf-8"?>
+<p:sld xmlns:a="http://schemas.openxmlformats.org/drawingml/2006/main" xmlns:r="http://schemas.openxmlformats.org/officeDocument/2006/relationships" xmlns:p="http://schemas.openxmlformats.org/presentationml/2006/main">
+  <p:cSld>
+    <p:spTree>
+      <p:nvGrpSpPr>
+        <p:cNvPr id="1" name=""/>
+        <p:cNvGrpSpPr/>
+        <p:nvPr/>
+      </p:nvGrpSpPr>
+      <p:grpSpPr>
+        <a:xfrm>
+          <a:off x="0" y="0"/>
+          <a:ext cx="0" cy="0"/>
+          <a:chOff x="0" y="0"/>
+          <a:chExt cx="0" cy="0"/>
+        </a:xfrm>
+      </p:grpSpPr>
       <p:grpSp>
         <p:nvGrpSpPr>
-          <p:cNvPr id="91" name="Group 90"/>
+          <p:cNvPr id="13" name="Group 12"/>
           <p:cNvGrpSpPr/>
           <p:nvPr/>
         </p:nvGrpSpPr>
         <p:grpSpPr>
           <a:xfrm>
-            <a:off x="13450275" y="24673649"/>
-            <a:ext cx="2148345" cy="4173928"/>
-            <a:chOff x="21021027" y="24560251"/>
-            <a:chExt cx="2144000" cy="4165486"/>
+            <a:off x="18772979" y="17236248"/>
+            <a:ext cx="9205429" cy="1365472"/>
+            <a:chOff x="18772979" y="17236248"/>
+            <a:chExt cx="9205429" cy="1365472"/>
           </a:xfrm>
         </p:grpSpPr>
         <p:sp>
           <p:nvSpPr>
-            <p:cNvPr id="92" name="Rectangle 91"/>
+            <p:cNvPr id="5" name="Rectangle 4"/>
             <p:cNvSpPr/>
             <p:nvPr/>
           </p:nvSpPr>
           <p:spPr>
             <a:xfrm>
-              <a:off x="21230347" y="24772257"/>
-              <a:ext cx="1707712" cy="1689587"/>
+              <a:off x="18935807" y="17399153"/>
+              <a:ext cx="1042347" cy="1037396"/>
             </a:xfrm>
             <a:prstGeom prst="rect">
               <a:avLst/>
             </a:prstGeom>
             <a:solidFill>
-              <a:schemeClr val="bg2"/>
+              <a:schemeClr val="bg1"/>
             </a:solidFill>
             <a:ln>
-              <a:noFill/>
+              <a:solidFill>
+                <a:schemeClr val="bg1"/>
+              </a:solidFill>
             </a:ln>
           </p:spPr>
           <p:style>
@@ -8837,23 +10465,313 @@
         </p:sp>
         <p:sp>
           <p:nvSpPr>
-            <p:cNvPr id="93" name="Rectangle 92"/>
+            <p:cNvPr id="6" name="Rectangle 5"/>
             <p:cNvSpPr/>
             <p:nvPr/>
           </p:nvSpPr>
           <p:spPr>
             <a:xfrm>
-              <a:off x="21230347" y="26804752"/>
-              <a:ext cx="1707712" cy="1706240"/>
+              <a:off x="20055425" y="17399153"/>
+              <a:ext cx="1042347" cy="1037396"/>
             </a:xfrm>
             <a:prstGeom prst="rect">
               <a:avLst/>
             </a:prstGeom>
             <a:solidFill>
-              <a:schemeClr val="bg2"/>
+              <a:schemeClr val="bg1"/>
             </a:solidFill>
             <a:ln>
-              <a:noFill/>
+              <a:solidFill>
+                <a:schemeClr val="bg1"/>
+              </a:solidFill>
+            </a:ln>
+          </p:spPr>
+          <p:style>
+            <a:lnRef idx="2">
+              <a:schemeClr val="accent1">
+                <a:shade val="50000"/>
+              </a:schemeClr>
+            </a:lnRef>
+            <a:fillRef idx="1">
+              <a:schemeClr val="accent1"/>
+            </a:fillRef>
+            <a:effectRef idx="0">
+              <a:schemeClr val="accent1"/>
+            </a:effectRef>
+            <a:fontRef idx="minor">
+              <a:schemeClr val="lt1"/>
+            </a:fontRef>
+          </p:style>
+          <p:txBody>
+            <a:bodyPr rtlCol="0" anchor="ctr"/>
+            <a:lstStyle/>
+            <a:p>
+              <a:pPr algn="ctr"/>
+              <a:endParaRPr lang="en-US"/>
+            </a:p>
+          </p:txBody>
+        </p:sp>
+        <p:sp>
+          <p:nvSpPr>
+            <p:cNvPr id="7" name="Rectangle 6"/>
+            <p:cNvSpPr/>
+            <p:nvPr/>
+          </p:nvSpPr>
+          <p:spPr>
+            <a:xfrm>
+              <a:off x="21175043" y="17399153"/>
+              <a:ext cx="1042347" cy="1037396"/>
+            </a:xfrm>
+            <a:prstGeom prst="rect">
+              <a:avLst/>
+            </a:prstGeom>
+            <a:solidFill>
+              <a:schemeClr val="bg1"/>
+            </a:solidFill>
+            <a:ln>
+              <a:solidFill>
+                <a:schemeClr val="bg1"/>
+              </a:solidFill>
+            </a:ln>
+          </p:spPr>
+          <p:style>
+            <a:lnRef idx="2">
+              <a:schemeClr val="accent1">
+                <a:shade val="50000"/>
+              </a:schemeClr>
+            </a:lnRef>
+            <a:fillRef idx="1">
+              <a:schemeClr val="accent1"/>
+            </a:fillRef>
+            <a:effectRef idx="0">
+              <a:schemeClr val="accent1"/>
+            </a:effectRef>
+            <a:fontRef idx="minor">
+              <a:schemeClr val="lt1"/>
+            </a:fontRef>
+          </p:style>
+          <p:txBody>
+            <a:bodyPr rtlCol="0" anchor="ctr"/>
+            <a:lstStyle/>
+            <a:p>
+              <a:pPr algn="ctr"/>
+              <a:endParaRPr lang="en-US"/>
+            </a:p>
+          </p:txBody>
+        </p:sp>
+        <p:sp>
+          <p:nvSpPr>
+            <p:cNvPr id="8" name="Rectangle 7"/>
+            <p:cNvSpPr/>
+            <p:nvPr/>
+          </p:nvSpPr>
+          <p:spPr>
+            <a:xfrm>
+              <a:off x="22294661" y="17399153"/>
+              <a:ext cx="1042347" cy="1037396"/>
+            </a:xfrm>
+            <a:prstGeom prst="rect">
+              <a:avLst/>
+            </a:prstGeom>
+            <a:solidFill>
+              <a:schemeClr val="bg1"/>
+            </a:solidFill>
+            <a:ln>
+              <a:solidFill>
+                <a:schemeClr val="bg1"/>
+              </a:solidFill>
+            </a:ln>
+          </p:spPr>
+          <p:style>
+            <a:lnRef idx="2">
+              <a:schemeClr val="accent1">
+                <a:shade val="50000"/>
+              </a:schemeClr>
+            </a:lnRef>
+            <a:fillRef idx="1">
+              <a:schemeClr val="accent1"/>
+            </a:fillRef>
+            <a:effectRef idx="0">
+              <a:schemeClr val="accent1"/>
+            </a:effectRef>
+            <a:fontRef idx="minor">
+              <a:schemeClr val="lt1"/>
+            </a:fontRef>
+          </p:style>
+          <p:txBody>
+            <a:bodyPr rtlCol="0" anchor="ctr"/>
+            <a:lstStyle/>
+            <a:p>
+              <a:pPr algn="ctr"/>
+              <a:endParaRPr lang="en-US"/>
+            </a:p>
+          </p:txBody>
+        </p:sp>
+        <p:sp>
+          <p:nvSpPr>
+            <p:cNvPr id="9" name="Rectangle 8"/>
+            <p:cNvSpPr/>
+            <p:nvPr/>
+          </p:nvSpPr>
+          <p:spPr>
+            <a:xfrm>
+              <a:off x="23414279" y="17399153"/>
+              <a:ext cx="1042347" cy="1037396"/>
+            </a:xfrm>
+            <a:prstGeom prst="rect">
+              <a:avLst/>
+            </a:prstGeom>
+            <a:solidFill>
+              <a:schemeClr val="bg1"/>
+            </a:solidFill>
+            <a:ln>
+              <a:solidFill>
+                <a:schemeClr val="bg1"/>
+              </a:solidFill>
+            </a:ln>
+          </p:spPr>
+          <p:style>
+            <a:lnRef idx="2">
+              <a:schemeClr val="accent1">
+                <a:shade val="50000"/>
+              </a:schemeClr>
+            </a:lnRef>
+            <a:fillRef idx="1">
+              <a:schemeClr val="accent1"/>
+            </a:fillRef>
+            <a:effectRef idx="0">
+              <a:schemeClr val="accent1"/>
+            </a:effectRef>
+            <a:fontRef idx="minor">
+              <a:schemeClr val="lt1"/>
+            </a:fontRef>
+          </p:style>
+          <p:txBody>
+            <a:bodyPr rtlCol="0" anchor="ctr"/>
+            <a:lstStyle/>
+            <a:p>
+              <a:pPr algn="ctr"/>
+              <a:endParaRPr lang="en-US"/>
+            </a:p>
+          </p:txBody>
+        </p:sp>
+        <p:sp>
+          <p:nvSpPr>
+            <p:cNvPr id="10" name="Rectangle 9"/>
+            <p:cNvSpPr/>
+            <p:nvPr/>
+          </p:nvSpPr>
+          <p:spPr>
+            <a:xfrm>
+              <a:off x="24533897" y="17399153"/>
+              <a:ext cx="1042347" cy="1037396"/>
+            </a:xfrm>
+            <a:prstGeom prst="rect">
+              <a:avLst/>
+            </a:prstGeom>
+            <a:solidFill>
+              <a:schemeClr val="bg1"/>
+            </a:solidFill>
+            <a:ln>
+              <a:solidFill>
+                <a:schemeClr val="bg1"/>
+              </a:solidFill>
+            </a:ln>
+          </p:spPr>
+          <p:style>
+            <a:lnRef idx="2">
+              <a:schemeClr val="accent1">
+                <a:shade val="50000"/>
+              </a:schemeClr>
+            </a:lnRef>
+            <a:fillRef idx="1">
+              <a:schemeClr val="accent1"/>
+            </a:fillRef>
+            <a:effectRef idx="0">
+              <a:schemeClr val="accent1"/>
+            </a:effectRef>
+            <a:fontRef idx="minor">
+              <a:schemeClr val="lt1"/>
+            </a:fontRef>
+          </p:style>
+          <p:txBody>
+            <a:bodyPr rtlCol="0" anchor="ctr"/>
+            <a:lstStyle/>
+            <a:p>
+              <a:pPr algn="ctr"/>
+              <a:endParaRPr lang="en-US"/>
+            </a:p>
+          </p:txBody>
+        </p:sp>
+        <p:sp>
+          <p:nvSpPr>
+            <p:cNvPr id="11" name="Rectangle 10"/>
+            <p:cNvSpPr/>
+            <p:nvPr/>
+          </p:nvSpPr>
+          <p:spPr>
+            <a:xfrm>
+              <a:off x="25653515" y="17399153"/>
+              <a:ext cx="1042347" cy="1037396"/>
+            </a:xfrm>
+            <a:prstGeom prst="rect">
+              <a:avLst/>
+            </a:prstGeom>
+            <a:solidFill>
+              <a:schemeClr val="bg1"/>
+            </a:solidFill>
+            <a:ln>
+              <a:solidFill>
+                <a:schemeClr val="bg1"/>
+              </a:solidFill>
+            </a:ln>
+          </p:spPr>
+          <p:style>
+            <a:lnRef idx="2">
+              <a:schemeClr val="accent1">
+                <a:shade val="50000"/>
+              </a:schemeClr>
+            </a:lnRef>
+            <a:fillRef idx="1">
+              <a:schemeClr val="accent1"/>
+            </a:fillRef>
+            <a:effectRef idx="0">
+              <a:schemeClr val="accent1"/>
+            </a:effectRef>
+            <a:fontRef idx="minor">
+              <a:schemeClr val="lt1"/>
+            </a:fontRef>
+          </p:style>
+          <p:txBody>
+            <a:bodyPr rtlCol="0" anchor="ctr"/>
+            <a:lstStyle/>
+            <a:p>
+              <a:pPr algn="ctr"/>
+              <a:endParaRPr lang="en-US"/>
+            </a:p>
+          </p:txBody>
+        </p:sp>
+        <p:sp>
+          <p:nvSpPr>
+            <p:cNvPr id="12" name="Rectangle 11"/>
+            <p:cNvSpPr/>
+            <p:nvPr/>
+          </p:nvSpPr>
+          <p:spPr>
+            <a:xfrm>
+              <a:off x="26773133" y="17399153"/>
+              <a:ext cx="1042347" cy="1037396"/>
+            </a:xfrm>
+            <a:prstGeom prst="rect">
+              <a:avLst/>
+            </a:prstGeom>
+            <a:solidFill>
+              <a:schemeClr val="bg1"/>
+            </a:solidFill>
+            <a:ln>
+              <a:solidFill>
+                <a:schemeClr val="bg1"/>
+              </a:solidFill>
             </a:ln>
           </p:spPr>
           <p:style>
@@ -8883,14 +10801,14 @@
         </p:sp>
         <p:pic>
           <p:nvPicPr>
-            <p:cNvPr id="95" name="Picture 94"/>
+            <p:cNvPr id="4" name="Picture 3"/>
             <p:cNvPicPr>
               <a:picLocks noChangeAspect="1"/>
             </p:cNvPicPr>
             <p:nvPr/>
           </p:nvPicPr>
           <p:blipFill>
-            <a:blip r:embed="rId9">
+            <a:blip r:embed="rId2">
               <a:extLst>
                 <a:ext uri="{28A0092B-C50C-407E-A947-70E740481C1C}">
                   <a14:useLocalDpi xmlns:a14="http://schemas.microsoft.com/office/drawing/2010/main" val="0"/>
@@ -8903,8 +10821,8 @@
           </p:blipFill>
           <p:spPr>
             <a:xfrm>
-              <a:off x="21021027" y="24560251"/>
-              <a:ext cx="2144000" cy="4165486"/>
+              <a:off x="18772979" y="17236248"/>
+              <a:ext cx="9205429" cy="1365472"/>
             </a:xfrm>
             <a:prstGeom prst="rect">
               <a:avLst/>
@@ -8912,1275 +10830,16 @@
           </p:spPr>
         </p:pic>
       </p:grpSp>
-      <p:sp>
-        <p:nvSpPr>
-          <p:cNvPr id="100" name="Rectangle 99"/>
-          <p:cNvSpPr/>
-          <p:nvPr/>
-        </p:nvSpPr>
-        <p:spPr>
-          <a:xfrm>
-            <a:off x="13384721" y="22045255"/>
-            <a:ext cx="9381088" cy="2484637"/>
-          </a:xfrm>
-          <a:prstGeom prst="rect">
-            <a:avLst/>
-          </a:prstGeom>
-          <a:noFill/>
-          <a:ln>
-            <a:noFill/>
-          </a:ln>
-        </p:spPr>
-        <p:style>
-          <a:lnRef idx="2">
-            <a:schemeClr val="accent1">
-              <a:shade val="50000"/>
-            </a:schemeClr>
-          </a:lnRef>
-          <a:fillRef idx="1">
-            <a:schemeClr val="accent1"/>
-          </a:fillRef>
-          <a:effectRef idx="0">
-            <a:schemeClr val="accent1"/>
-          </a:effectRef>
-          <a:fontRef idx="minor">
-            <a:schemeClr val="lt1"/>
-          </a:fontRef>
-        </p:style>
-        <p:txBody>
-          <a:bodyPr lIns="91440" tIns="0" rIns="91440" rtlCol="0" anchor="ctr"/>
-          <a:lstStyle/>
-          <a:p>
-            <a:pPr>
-              <a:spcBef>
-                <a:spcPts val="600"/>
-              </a:spcBef>
-              <a:spcAft>
-                <a:spcPts val="600"/>
-              </a:spcAft>
-            </a:pPr>
-            <a:r>
-              <a:rPr lang="en-US" sz="3600" dirty="0" smtClean="0">
-                <a:solidFill>
-                  <a:schemeClr val="accent6"/>
-                </a:solidFill>
-                <a:latin typeface="Raleway" charset="0"/>
-                <a:ea typeface="Raleway" charset="0"/>
-                <a:cs typeface="Raleway" charset="0"/>
-              </a:rPr>
-              <a:t>Middle </a:t>
-            </a:r>
-            <a:r>
-              <a:rPr lang="en-US" sz="3600" dirty="0" smtClean="0">
-                <a:solidFill>
-                  <a:schemeClr val="accent6"/>
-                </a:solidFill>
-                <a:latin typeface="Raleway" charset="0"/>
-                <a:ea typeface="Raleway" charset="0"/>
-                <a:cs typeface="Raleway" charset="0"/>
-              </a:rPr>
-              <a:t>Ps were more </a:t>
-            </a:r>
-            <a:r>
-              <a:rPr lang="en-US" sz="3600" dirty="0" smtClean="0">
-                <a:solidFill>
-                  <a:schemeClr val="accent6"/>
-                </a:solidFill>
-                <a:latin typeface="Raleway" charset="0"/>
-                <a:ea typeface="Raleway" charset="0"/>
-                <a:cs typeface="Raleway" charset="0"/>
-              </a:rPr>
-              <a:t>likely to create categories spanning the entire </a:t>
-            </a:r>
-            <a:r>
-              <a:rPr lang="en-US" sz="3600" dirty="0" smtClean="0">
-                <a:solidFill>
-                  <a:schemeClr val="accent6"/>
-                </a:solidFill>
-                <a:latin typeface="Raleway" charset="0"/>
-                <a:ea typeface="Raleway" charset="0"/>
-                <a:cs typeface="Raleway" charset="0"/>
-              </a:rPr>
-              <a:t>Y-axis:</a:t>
-            </a:r>
-          </a:p>
-          <a:p>
-            <a:r>
-              <a:rPr lang="en-US" sz="3600" b="1" dirty="0">
-                <a:solidFill>
-                  <a:schemeClr val="accent6"/>
-                </a:solidFill>
-                <a:latin typeface="Raleway" charset="0"/>
-                <a:ea typeface="Raleway" charset="0"/>
-                <a:cs typeface="Raleway" charset="0"/>
-              </a:rPr>
-              <a:t> </a:t>
-            </a:r>
-            <a:r>
-              <a:rPr lang="en-US" sz="3600" b="1" dirty="0" smtClean="0">
-                <a:solidFill>
-                  <a:schemeClr val="accent6"/>
-                </a:solidFill>
-                <a:latin typeface="Raleway" charset="0"/>
-                <a:ea typeface="Raleway" charset="0"/>
-                <a:cs typeface="Raleway" charset="0"/>
-              </a:rPr>
-              <a:t>  </a:t>
-            </a:r>
-            <a:r>
-              <a:rPr lang="en-US" sz="3600" b="1" dirty="0">
-                <a:solidFill>
-                  <a:schemeClr val="accent6"/>
-                </a:solidFill>
-                <a:latin typeface="Raleway" charset="0"/>
-                <a:ea typeface="Raleway" charset="0"/>
-                <a:cs typeface="Raleway" charset="0"/>
-              </a:rPr>
-              <a:t>T</a:t>
-            </a:r>
-            <a:r>
-              <a:rPr lang="en-US" sz="3600" b="1" dirty="0" smtClean="0">
-                <a:solidFill>
-                  <a:schemeClr val="accent6"/>
-                </a:solidFill>
-                <a:latin typeface="Raleway" charset="0"/>
-                <a:ea typeface="Raleway" charset="0"/>
-                <a:cs typeface="Raleway" charset="0"/>
-              </a:rPr>
-              <a:t>he </a:t>
-            </a:r>
-            <a:r>
-              <a:rPr lang="en-US" sz="3600" b="1" i="1" dirty="0" smtClean="0">
-                <a:solidFill>
-                  <a:schemeClr val="accent6"/>
-                </a:solidFill>
-                <a:latin typeface="Raleway" charset="0"/>
-                <a:ea typeface="Raleway" charset="0"/>
-                <a:cs typeface="Raleway" charset="0"/>
-              </a:rPr>
-              <a:t>location </a:t>
-            </a:r>
-            <a:r>
-              <a:rPr lang="en-US" sz="3600" b="1" dirty="0" smtClean="0">
-                <a:solidFill>
-                  <a:schemeClr val="accent6"/>
-                </a:solidFill>
-                <a:latin typeface="Raleway" charset="0"/>
-                <a:ea typeface="Raleway" charset="0"/>
-                <a:cs typeface="Raleway" charset="0"/>
-              </a:rPr>
-              <a:t>of contrast categories </a:t>
-            </a:r>
-            <a:r>
-              <a:rPr lang="en-US" sz="3600" b="1" dirty="0" smtClean="0">
-                <a:solidFill>
-                  <a:schemeClr val="accent6"/>
-                </a:solidFill>
-                <a:latin typeface="Raleway" charset="0"/>
-                <a:ea typeface="Raleway" charset="0"/>
-                <a:cs typeface="Raleway" charset="0"/>
-              </a:rPr>
-              <a:t>influences</a:t>
-            </a:r>
-          </a:p>
-          <a:p>
-            <a:r>
-              <a:rPr lang="en-US" sz="3600" b="1" dirty="0">
-                <a:solidFill>
-                  <a:schemeClr val="accent6"/>
-                </a:solidFill>
-                <a:latin typeface="Raleway" charset="0"/>
-                <a:ea typeface="Raleway" charset="0"/>
-                <a:cs typeface="Raleway" charset="0"/>
-              </a:rPr>
-              <a:t> </a:t>
-            </a:r>
-            <a:r>
-              <a:rPr lang="en-US" sz="3600" b="1" dirty="0" smtClean="0">
-                <a:solidFill>
-                  <a:schemeClr val="accent6"/>
-                </a:solidFill>
-                <a:latin typeface="Raleway" charset="0"/>
-                <a:ea typeface="Raleway" charset="0"/>
-                <a:cs typeface="Raleway" charset="0"/>
-              </a:rPr>
-              <a:t>      </a:t>
-            </a:r>
-            <a:r>
-              <a:rPr lang="en-US" sz="3600" b="1" dirty="0" smtClean="0">
-                <a:solidFill>
-                  <a:schemeClr val="accent6"/>
-                </a:solidFill>
-                <a:latin typeface="Raleway" charset="0"/>
-                <a:ea typeface="Raleway" charset="0"/>
-                <a:cs typeface="Raleway" charset="0"/>
-              </a:rPr>
-              <a:t>the </a:t>
-            </a:r>
-            <a:r>
-              <a:rPr lang="en-US" sz="3600" b="1" dirty="0" smtClean="0">
-                <a:solidFill>
-                  <a:schemeClr val="accent6"/>
-                </a:solidFill>
-                <a:latin typeface="Raleway" charset="0"/>
-                <a:ea typeface="Raleway" charset="0"/>
-                <a:cs typeface="Raleway" charset="0"/>
-              </a:rPr>
-              <a:t>distribution of generated categories.</a:t>
-            </a:r>
-            <a:endParaRPr lang="en-US" sz="3600" b="1" i="1" dirty="0" smtClean="0">
-              <a:solidFill>
-                <a:schemeClr val="accent6"/>
-              </a:solidFill>
-              <a:latin typeface="Raleway" charset="0"/>
-              <a:ea typeface="Raleway" charset="0"/>
-              <a:cs typeface="Raleway" charset="0"/>
-            </a:endParaRPr>
-          </a:p>
-        </p:txBody>
-      </p:sp>
-      <p:sp>
-        <p:nvSpPr>
-          <p:cNvPr id="101" name="Rectangle 100"/>
-          <p:cNvSpPr/>
-          <p:nvPr/>
-        </p:nvSpPr>
-        <p:spPr>
-          <a:xfrm>
-            <a:off x="13336955" y="20103273"/>
-            <a:ext cx="9290892" cy="1908109"/>
-          </a:xfrm>
-          <a:prstGeom prst="rect">
-            <a:avLst/>
-          </a:prstGeom>
-          <a:noFill/>
-          <a:ln>
-            <a:noFill/>
-          </a:ln>
-        </p:spPr>
-        <p:style>
-          <a:lnRef idx="2">
-            <a:schemeClr val="accent1">
-              <a:shade val="50000"/>
-            </a:schemeClr>
-          </a:lnRef>
-          <a:fillRef idx="1">
-            <a:schemeClr val="accent1"/>
-          </a:fillRef>
-          <a:effectRef idx="0">
-            <a:schemeClr val="accent1"/>
-          </a:effectRef>
-          <a:fontRef idx="minor">
-            <a:schemeClr val="lt1"/>
-          </a:fontRef>
-        </p:style>
-        <p:txBody>
-          <a:bodyPr lIns="91440" tIns="0" rIns="91440" rtlCol="0" anchor="ctr"/>
-          <a:lstStyle/>
-          <a:p>
-            <a:pPr>
-              <a:spcBef>
-                <a:spcPts val="600"/>
-              </a:spcBef>
-              <a:spcAft>
-                <a:spcPts val="600"/>
-              </a:spcAft>
-            </a:pPr>
-            <a:r>
-              <a:rPr lang="en-US" sz="3600" dirty="0" smtClean="0">
-                <a:solidFill>
-                  <a:schemeClr val="accent6"/>
-                </a:solidFill>
-                <a:latin typeface="Raleway" charset="0"/>
-                <a:ea typeface="Raleway" charset="0"/>
-                <a:cs typeface="Raleway" charset="0"/>
-              </a:rPr>
-              <a:t>Generated category members were more similar to each other than to Alphas..</a:t>
-            </a:r>
-          </a:p>
-        </p:txBody>
-      </p:sp>
-      <p:sp>
-        <p:nvSpPr>
-          <p:cNvPr id="102" name="Rectangle 101"/>
-          <p:cNvSpPr/>
-          <p:nvPr/>
-        </p:nvSpPr>
-        <p:spPr>
-          <a:xfrm>
-            <a:off x="28318490" y="27383874"/>
-            <a:ext cx="16438365" cy="1443189"/>
-          </a:xfrm>
-          <a:prstGeom prst="rect">
-            <a:avLst/>
-          </a:prstGeom>
-          <a:solidFill>
-            <a:schemeClr val="accent3">
-              <a:lumMod val="20000"/>
-              <a:lumOff val="80000"/>
-            </a:schemeClr>
-          </a:solidFill>
-          <a:ln>
-            <a:solidFill>
-              <a:schemeClr val="tx2"/>
-            </a:solidFill>
-          </a:ln>
-        </p:spPr>
-        <p:style>
-          <a:lnRef idx="2">
-            <a:schemeClr val="accent1">
-              <a:shade val="50000"/>
-            </a:schemeClr>
-          </a:lnRef>
-          <a:fillRef idx="1">
-            <a:schemeClr val="accent1"/>
-          </a:fillRef>
-          <a:effectRef idx="0">
-            <a:schemeClr val="accent1"/>
-          </a:effectRef>
-          <a:fontRef idx="minor">
-            <a:schemeClr val="lt1"/>
-          </a:fontRef>
-        </p:style>
-        <p:txBody>
-          <a:bodyPr lIns="91440" tIns="0" rIns="91440" rtlCol="0" anchor="t"/>
-          <a:lstStyle/>
-          <a:p>
-            <a:pPr marL="350838" indent="-350838"/>
-            <a:r>
-              <a:rPr lang="en-US" sz="2400" dirty="0" err="1" smtClean="0">
-                <a:solidFill>
-                  <a:schemeClr val="accent6"/>
-                </a:solidFill>
-              </a:rPr>
-              <a:t>Jern</a:t>
-            </a:r>
-            <a:r>
-              <a:rPr lang="en-US" sz="2400" dirty="0">
-                <a:solidFill>
-                  <a:schemeClr val="accent6"/>
-                </a:solidFill>
-              </a:rPr>
-              <a:t>, A., &amp; Kemp, C. (2013). A probabilistic account of exemplar and category generation. </a:t>
-            </a:r>
-            <a:r>
-              <a:rPr lang="en-US" sz="2400" i="1" dirty="0">
-                <a:solidFill>
-                  <a:schemeClr val="accent6"/>
-                </a:solidFill>
-              </a:rPr>
-              <a:t>Cognitive Psychology</a:t>
-            </a:r>
-            <a:r>
-              <a:rPr lang="en-US" sz="2400" dirty="0">
-                <a:solidFill>
-                  <a:schemeClr val="accent6"/>
-                </a:solidFill>
-              </a:rPr>
-              <a:t>, </a:t>
-            </a:r>
-            <a:r>
-              <a:rPr lang="en-US" sz="2400" i="1" dirty="0">
-                <a:solidFill>
-                  <a:schemeClr val="accent6"/>
-                </a:solidFill>
-              </a:rPr>
-              <a:t>66</a:t>
-            </a:r>
-            <a:r>
-              <a:rPr lang="en-US" sz="2400" dirty="0">
-                <a:solidFill>
-                  <a:schemeClr val="accent6"/>
-                </a:solidFill>
-              </a:rPr>
-              <a:t>(1), 85–125</a:t>
-            </a:r>
-            <a:r>
-              <a:rPr lang="en-US" sz="2400" dirty="0" smtClean="0">
-                <a:solidFill>
-                  <a:schemeClr val="accent6"/>
-                </a:solidFill>
-              </a:rPr>
-              <a:t>.</a:t>
-            </a:r>
-          </a:p>
-          <a:p>
-            <a:pPr marL="350838" indent="-350838"/>
-            <a:r>
-              <a:rPr lang="en-US" sz="2400" dirty="0" smtClean="0">
-                <a:solidFill>
-                  <a:schemeClr val="accent6"/>
-                </a:solidFill>
-              </a:rPr>
-              <a:t>Nosofsky</a:t>
-            </a:r>
-            <a:r>
-              <a:rPr lang="en-US" sz="2400" dirty="0">
-                <a:solidFill>
-                  <a:schemeClr val="accent6"/>
-                </a:solidFill>
-              </a:rPr>
-              <a:t>, R</a:t>
-            </a:r>
-            <a:r>
-              <a:rPr lang="en-US" sz="2400" dirty="0" smtClean="0">
-                <a:solidFill>
-                  <a:schemeClr val="accent6"/>
-                </a:solidFill>
-              </a:rPr>
-              <a:t>.  </a:t>
-            </a:r>
-            <a:r>
-              <a:rPr lang="en-US" sz="2400" dirty="0">
-                <a:solidFill>
-                  <a:schemeClr val="accent6"/>
-                </a:solidFill>
-              </a:rPr>
-              <a:t>(1984). Choice, similarity, and the context theory of classification. </a:t>
-            </a:r>
-            <a:r>
-              <a:rPr lang="en-US" sz="2400" i="1" dirty="0">
-                <a:solidFill>
-                  <a:schemeClr val="accent6"/>
-                </a:solidFill>
-              </a:rPr>
-              <a:t>J</a:t>
-            </a:r>
-            <a:r>
-              <a:rPr lang="en-US" sz="2400" i="1" dirty="0" smtClean="0">
-                <a:solidFill>
-                  <a:schemeClr val="accent6"/>
-                </a:solidFill>
-              </a:rPr>
-              <a:t>EP:LMC, </a:t>
-            </a:r>
-            <a:r>
-              <a:rPr lang="en-US" sz="2400" i="1" dirty="0">
-                <a:solidFill>
-                  <a:schemeClr val="accent6"/>
-                </a:solidFill>
-              </a:rPr>
-              <a:t>10(</a:t>
-            </a:r>
-            <a:r>
-              <a:rPr lang="en-US" sz="2400" dirty="0">
-                <a:solidFill>
-                  <a:schemeClr val="accent6"/>
-                </a:solidFill>
-              </a:rPr>
-              <a:t>1), 104</a:t>
-            </a:r>
-            <a:r>
-              <a:rPr lang="en-US" sz="2400" dirty="0" smtClean="0">
-                <a:solidFill>
-                  <a:schemeClr val="accent6"/>
-                </a:solidFill>
-              </a:rPr>
-              <a:t>.</a:t>
-            </a:r>
-          </a:p>
-          <a:p>
-            <a:pPr marL="350838" indent="-350838"/>
-            <a:r>
-              <a:rPr lang="en-US" sz="2400" dirty="0" smtClean="0">
-                <a:solidFill>
-                  <a:schemeClr val="accent6"/>
-                </a:solidFill>
-              </a:rPr>
-              <a:t>Ward</a:t>
-            </a:r>
-            <a:r>
-              <a:rPr lang="en-US" sz="2400" dirty="0">
-                <a:solidFill>
-                  <a:schemeClr val="accent6"/>
-                </a:solidFill>
-              </a:rPr>
-              <a:t>, T</a:t>
-            </a:r>
-            <a:r>
-              <a:rPr lang="en-US" sz="2400" dirty="0" smtClean="0">
-                <a:solidFill>
-                  <a:schemeClr val="accent6"/>
-                </a:solidFill>
-              </a:rPr>
-              <a:t>. </a:t>
-            </a:r>
-            <a:r>
-              <a:rPr lang="en-US" sz="2400" dirty="0">
-                <a:solidFill>
-                  <a:schemeClr val="accent6"/>
-                </a:solidFill>
-              </a:rPr>
-              <a:t>(1994). Structured imagination: The role of category structure in exemplar generation. </a:t>
-            </a:r>
-            <a:r>
-              <a:rPr lang="en-US" sz="2400" i="1" dirty="0">
-                <a:solidFill>
-                  <a:schemeClr val="accent6"/>
-                </a:solidFill>
-              </a:rPr>
-              <a:t>Cognitive Psychology</a:t>
-            </a:r>
-            <a:r>
-              <a:rPr lang="en-US" sz="2400" dirty="0">
-                <a:solidFill>
-                  <a:schemeClr val="accent6"/>
-                </a:solidFill>
-              </a:rPr>
-              <a:t>, </a:t>
-            </a:r>
-            <a:r>
-              <a:rPr lang="en-US" sz="2400" i="1" dirty="0">
-                <a:solidFill>
-                  <a:schemeClr val="accent6"/>
-                </a:solidFill>
-              </a:rPr>
-              <a:t>27</a:t>
-            </a:r>
-            <a:r>
-              <a:rPr lang="en-US" sz="2400" dirty="0">
-                <a:solidFill>
-                  <a:schemeClr val="accent6"/>
-                </a:solidFill>
-              </a:rPr>
-              <a:t>(1), 1–40</a:t>
-            </a:r>
-            <a:r>
-              <a:rPr lang="en-US" sz="2400" dirty="0" smtClean="0">
-                <a:solidFill>
-                  <a:schemeClr val="accent6"/>
-                </a:solidFill>
-              </a:rPr>
-              <a:t>.</a:t>
-            </a:r>
-          </a:p>
-          <a:p>
-            <a:pPr marL="350838" indent="-350838"/>
-            <a:r>
-              <a:rPr lang="en-US" sz="2400" dirty="0" smtClean="0">
-                <a:solidFill>
-                  <a:schemeClr val="accent6"/>
-                </a:solidFill>
-              </a:rPr>
-              <a:t>Ward</a:t>
-            </a:r>
-            <a:r>
-              <a:rPr lang="en-US" sz="2400" dirty="0">
-                <a:solidFill>
-                  <a:schemeClr val="accent6"/>
-                </a:solidFill>
-              </a:rPr>
-              <a:t>, T</a:t>
-            </a:r>
-            <a:r>
-              <a:rPr lang="en-US" sz="2400" dirty="0" smtClean="0">
-                <a:solidFill>
-                  <a:schemeClr val="accent6"/>
-                </a:solidFill>
-              </a:rPr>
-              <a:t>. </a:t>
-            </a:r>
-            <a:r>
-              <a:rPr lang="en-US" sz="2400" dirty="0">
-                <a:solidFill>
-                  <a:schemeClr val="accent6"/>
-                </a:solidFill>
-              </a:rPr>
-              <a:t>(1995). </a:t>
-            </a:r>
-            <a:r>
-              <a:rPr lang="en-US" sz="2400" dirty="0" smtClean="0">
-                <a:solidFill>
-                  <a:schemeClr val="accent6"/>
-                </a:solidFill>
-              </a:rPr>
-              <a:t>What’s </a:t>
-            </a:r>
-            <a:r>
-              <a:rPr lang="en-US" sz="2400" dirty="0">
-                <a:solidFill>
-                  <a:schemeClr val="accent6"/>
-                </a:solidFill>
-              </a:rPr>
-              <a:t>old about new ideas</a:t>
-            </a:r>
-            <a:r>
-              <a:rPr lang="en-US" sz="2400" dirty="0" smtClean="0">
-                <a:solidFill>
-                  <a:schemeClr val="accent6"/>
-                </a:solidFill>
-              </a:rPr>
-              <a:t>. In </a:t>
-            </a:r>
-            <a:r>
-              <a:rPr lang="en-US" sz="2400" i="1" dirty="0">
-                <a:solidFill>
-                  <a:schemeClr val="accent6"/>
-                </a:solidFill>
-              </a:rPr>
-              <a:t>The creative cognition </a:t>
-            </a:r>
-            <a:r>
-              <a:rPr lang="en-US" sz="2400" i="1" dirty="0" smtClean="0">
-                <a:solidFill>
-                  <a:schemeClr val="accent6"/>
-                </a:solidFill>
-              </a:rPr>
-              <a:t>approach</a:t>
-            </a:r>
-            <a:r>
-              <a:rPr lang="en-US" sz="2400" dirty="0" smtClean="0">
-                <a:solidFill>
-                  <a:schemeClr val="accent6"/>
-                </a:solidFill>
-              </a:rPr>
-              <a:t> (pp. 157–178).</a:t>
-            </a:r>
-            <a:endParaRPr lang="en-US" sz="2400" dirty="0">
-              <a:solidFill>
-                <a:schemeClr val="accent6"/>
-              </a:solidFill>
-              <a:latin typeface="Raleway" charset="0"/>
-              <a:ea typeface="Raleway" charset="0"/>
-              <a:cs typeface="Raleway" charset="0"/>
-            </a:endParaRPr>
-          </a:p>
-        </p:txBody>
-      </p:sp>
-      <p:sp>
-        <p:nvSpPr>
-          <p:cNvPr id="103" name="Rectangle 102"/>
-          <p:cNvSpPr/>
-          <p:nvPr/>
-        </p:nvSpPr>
-        <p:spPr>
-          <a:xfrm>
-            <a:off x="13489354" y="5230552"/>
-            <a:ext cx="14641454" cy="12695483"/>
-          </a:xfrm>
-          <a:prstGeom prst="rect">
-            <a:avLst/>
-          </a:prstGeom>
-          <a:noFill/>
-          <a:ln>
-            <a:noFill/>
-          </a:ln>
-        </p:spPr>
-        <p:style>
-          <a:lnRef idx="2">
-            <a:schemeClr val="accent1">
-              <a:shade val="50000"/>
-            </a:schemeClr>
-          </a:lnRef>
-          <a:fillRef idx="1">
-            <a:schemeClr val="accent1"/>
-          </a:fillRef>
-          <a:effectRef idx="0">
-            <a:schemeClr val="accent1"/>
-          </a:effectRef>
-          <a:fontRef idx="minor">
-            <a:schemeClr val="lt1"/>
-          </a:fontRef>
-        </p:style>
-        <p:txBody>
-          <a:bodyPr lIns="91440" tIns="0" rIns="91440" rtlCol="0" anchor="t"/>
-          <a:lstStyle/>
-          <a:p>
-            <a:pPr>
-              <a:spcBef>
-                <a:spcPts val="600"/>
-              </a:spcBef>
-              <a:spcAft>
-                <a:spcPts val="600"/>
-              </a:spcAft>
-            </a:pPr>
-            <a:r>
-              <a:rPr lang="en-US" sz="4400" b="1" dirty="0" smtClean="0">
-                <a:solidFill>
-                  <a:schemeClr val="accent6"/>
-                </a:solidFill>
-                <a:latin typeface="Raleway SemiBold" charset="0"/>
-                <a:ea typeface="Raleway SemiBold" charset="0"/>
-                <a:cs typeface="Raleway SemiBold" charset="0"/>
-              </a:rPr>
-              <a:t>Behavioral Experiment</a:t>
-            </a:r>
-          </a:p>
-          <a:p>
-            <a:pPr>
-              <a:spcBef>
-                <a:spcPts val="600"/>
-              </a:spcBef>
-              <a:spcAft>
-                <a:spcPts val="600"/>
-              </a:spcAft>
-            </a:pPr>
-            <a:r>
-              <a:rPr lang="en-US" sz="3600" b="1" dirty="0" smtClean="0">
-                <a:solidFill>
-                  <a:schemeClr val="accent6"/>
-                </a:solidFill>
-                <a:latin typeface="Raleway" charset="0"/>
-                <a:ea typeface="Raleway" charset="0"/>
-                <a:cs typeface="Raleway" charset="0"/>
-              </a:rPr>
-              <a:t>Questions: </a:t>
-            </a:r>
-            <a:r>
-              <a:rPr lang="en-US" sz="3600" dirty="0" smtClean="0">
-                <a:solidFill>
-                  <a:schemeClr val="accent6"/>
-                </a:solidFill>
-                <a:latin typeface="Raleway" charset="0"/>
-                <a:ea typeface="Raleway" charset="0"/>
-                <a:cs typeface="Raleway" charset="0"/>
-              </a:rPr>
-              <a:t>Does contrast with a previously learned category influence category generation? </a:t>
-            </a:r>
-            <a:r>
-              <a:rPr lang="en-US" sz="3600" dirty="0" smtClean="0">
-                <a:solidFill>
-                  <a:schemeClr val="accent6"/>
-                </a:solidFill>
-                <a:latin typeface="Raleway" charset="0"/>
-                <a:ea typeface="Raleway" charset="0"/>
-                <a:cs typeface="Raleway" charset="0"/>
-              </a:rPr>
-              <a:t>Is </a:t>
-            </a:r>
-            <a:r>
-              <a:rPr lang="en-US" sz="3600" dirty="0" smtClean="0">
-                <a:solidFill>
-                  <a:schemeClr val="accent6"/>
-                </a:solidFill>
-                <a:latin typeface="Raleway" charset="0"/>
-                <a:ea typeface="Raleway" charset="0"/>
-                <a:cs typeface="Raleway" charset="0"/>
-              </a:rPr>
-              <a:t>distributional emulation the only factor?</a:t>
-            </a:r>
-          </a:p>
-          <a:p>
-            <a:pPr>
-              <a:spcBef>
-                <a:spcPts val="600"/>
-              </a:spcBef>
-              <a:spcAft>
-                <a:spcPts val="600"/>
-              </a:spcAft>
-            </a:pPr>
-            <a:r>
-              <a:rPr lang="en-US" sz="3600" b="1" dirty="0" smtClean="0">
-                <a:solidFill>
-                  <a:schemeClr val="accent6"/>
-                </a:solidFill>
-                <a:latin typeface="Raleway" charset="0"/>
-                <a:ea typeface="Raleway" charset="0"/>
-                <a:cs typeface="Raleway" charset="0"/>
-              </a:rPr>
-              <a:t>Participants</a:t>
-            </a:r>
-            <a:r>
-              <a:rPr lang="en-US" sz="3600" dirty="0" smtClean="0">
-                <a:solidFill>
-                  <a:schemeClr val="accent6"/>
-                </a:solidFill>
-                <a:latin typeface="Raleway" charset="0"/>
-                <a:ea typeface="Raleway" charset="0"/>
-                <a:cs typeface="Raleway" charset="0"/>
-              </a:rPr>
-              <a:t> </a:t>
-            </a:r>
-            <a:r>
-              <a:rPr lang="en-US" sz="3600" dirty="0" smtClean="0">
-                <a:solidFill>
-                  <a:schemeClr val="accent6"/>
-                </a:solidFill>
-                <a:latin typeface="Raleway" charset="0"/>
-                <a:ea typeface="Raleway" charset="0"/>
-                <a:cs typeface="Raleway" charset="0"/>
-              </a:rPr>
-              <a:t>(</a:t>
-            </a:r>
-            <a:r>
-              <a:rPr lang="en-US" sz="3600" dirty="0" err="1" smtClean="0">
-                <a:solidFill>
-                  <a:schemeClr val="accent6"/>
-                </a:solidFill>
-                <a:latin typeface="Raleway" charset="0"/>
-                <a:ea typeface="Raleway" charset="0"/>
-                <a:cs typeface="Raleway" charset="0"/>
-              </a:rPr>
-              <a:t>MTurk</a:t>
-            </a:r>
-            <a:r>
-              <a:rPr lang="en-US" sz="3600" dirty="0" smtClean="0">
-                <a:solidFill>
-                  <a:schemeClr val="accent6"/>
-                </a:solidFill>
-                <a:latin typeface="Raleway" charset="0"/>
-                <a:ea typeface="Raleway" charset="0"/>
-                <a:cs typeface="Raleway" charset="0"/>
-              </a:rPr>
-              <a:t>; N=122</a:t>
-            </a:r>
-            <a:r>
-              <a:rPr lang="en-US" sz="3600" dirty="0" smtClean="0">
-                <a:solidFill>
-                  <a:schemeClr val="accent6"/>
-                </a:solidFill>
-                <a:latin typeface="Raleway" charset="0"/>
-                <a:ea typeface="Raleway" charset="0"/>
-                <a:cs typeface="Raleway" charset="0"/>
-              </a:rPr>
-              <a:t>) learned about an experimenter-defined category (‘Alpha’) composed of squares varying in size and color.</a:t>
-            </a:r>
-          </a:p>
-          <a:p>
-            <a:pPr>
-              <a:spcBef>
-                <a:spcPts val="600"/>
-              </a:spcBef>
-              <a:spcAft>
-                <a:spcPts val="600"/>
-              </a:spcAft>
-            </a:pPr>
-            <a:endParaRPr lang="en-US" sz="3600" dirty="0">
-              <a:solidFill>
-                <a:schemeClr val="accent6"/>
-              </a:solidFill>
-              <a:latin typeface="Raleway" charset="0"/>
-              <a:ea typeface="Raleway" charset="0"/>
-              <a:cs typeface="Raleway" charset="0"/>
-            </a:endParaRPr>
-          </a:p>
-          <a:p>
-            <a:pPr>
-              <a:spcBef>
-                <a:spcPts val="600"/>
-              </a:spcBef>
-              <a:spcAft>
-                <a:spcPts val="600"/>
-              </a:spcAft>
-            </a:pPr>
-            <a:endParaRPr lang="en-US" sz="3600" dirty="0" smtClean="0">
-              <a:solidFill>
-                <a:schemeClr val="accent6"/>
-              </a:solidFill>
-              <a:latin typeface="Raleway" charset="0"/>
-              <a:ea typeface="Raleway" charset="0"/>
-              <a:cs typeface="Raleway" charset="0"/>
-            </a:endParaRPr>
-          </a:p>
-          <a:p>
-            <a:pPr>
-              <a:spcBef>
-                <a:spcPts val="600"/>
-              </a:spcBef>
-              <a:spcAft>
-                <a:spcPts val="600"/>
-              </a:spcAft>
-            </a:pPr>
-            <a:endParaRPr lang="en-US" sz="3600" dirty="0">
-              <a:solidFill>
-                <a:schemeClr val="accent6"/>
-              </a:solidFill>
-              <a:latin typeface="Raleway" charset="0"/>
-              <a:ea typeface="Raleway" charset="0"/>
-              <a:cs typeface="Raleway" charset="0"/>
-            </a:endParaRPr>
-          </a:p>
-          <a:p>
-            <a:pPr>
-              <a:spcBef>
-                <a:spcPts val="600"/>
-              </a:spcBef>
-              <a:spcAft>
-                <a:spcPts val="600"/>
-              </a:spcAft>
-            </a:pPr>
-            <a:endParaRPr lang="en-US" sz="3600" dirty="0" smtClean="0">
-              <a:solidFill>
-                <a:schemeClr val="accent6"/>
-              </a:solidFill>
-              <a:latin typeface="Raleway" charset="0"/>
-              <a:ea typeface="Raleway" charset="0"/>
-              <a:cs typeface="Raleway" charset="0"/>
-            </a:endParaRPr>
-          </a:p>
-          <a:p>
-            <a:pPr>
-              <a:spcBef>
-                <a:spcPts val="600"/>
-              </a:spcBef>
-              <a:spcAft>
-                <a:spcPts val="600"/>
-              </a:spcAft>
-            </a:pPr>
-            <a:endParaRPr lang="en-US" sz="3600" dirty="0">
-              <a:solidFill>
-                <a:schemeClr val="accent6"/>
-              </a:solidFill>
-              <a:latin typeface="Raleway" charset="0"/>
-              <a:ea typeface="Raleway" charset="0"/>
-              <a:cs typeface="Raleway" charset="0"/>
-            </a:endParaRPr>
-          </a:p>
-          <a:p>
-            <a:pPr>
-              <a:spcBef>
-                <a:spcPts val="600"/>
-              </a:spcBef>
-              <a:spcAft>
-                <a:spcPts val="600"/>
-              </a:spcAft>
-            </a:pPr>
-            <a:endParaRPr lang="en-US" sz="3600" dirty="0" smtClean="0">
-              <a:solidFill>
-                <a:schemeClr val="accent6"/>
-              </a:solidFill>
-              <a:latin typeface="Raleway" charset="0"/>
-              <a:ea typeface="Raleway" charset="0"/>
-              <a:cs typeface="Raleway" charset="0"/>
-            </a:endParaRPr>
-          </a:p>
-          <a:p>
-            <a:pPr>
-              <a:spcBef>
-                <a:spcPts val="600"/>
-              </a:spcBef>
-              <a:spcAft>
-                <a:spcPts val="600"/>
-              </a:spcAft>
-            </a:pPr>
-            <a:endParaRPr lang="en-US" sz="3600" dirty="0">
-              <a:solidFill>
-                <a:schemeClr val="accent6"/>
-              </a:solidFill>
-              <a:latin typeface="Raleway" charset="0"/>
-              <a:ea typeface="Raleway" charset="0"/>
-              <a:cs typeface="Raleway" charset="0"/>
-            </a:endParaRPr>
-          </a:p>
-          <a:p>
-            <a:pPr>
-              <a:spcBef>
-                <a:spcPts val="600"/>
-              </a:spcBef>
-              <a:spcAft>
-                <a:spcPts val="600"/>
-              </a:spcAft>
-            </a:pPr>
-            <a:endParaRPr lang="en-US" sz="3600" dirty="0" smtClean="0">
-              <a:solidFill>
-                <a:schemeClr val="accent6"/>
-              </a:solidFill>
-              <a:latin typeface="Raleway" charset="0"/>
-              <a:ea typeface="Raleway" charset="0"/>
-              <a:cs typeface="Raleway" charset="0"/>
-            </a:endParaRPr>
-          </a:p>
-          <a:p>
-            <a:pPr>
-              <a:spcBef>
-                <a:spcPts val="600"/>
-              </a:spcBef>
-              <a:spcAft>
-                <a:spcPts val="600"/>
-              </a:spcAft>
-            </a:pPr>
-            <a:endParaRPr lang="en-US" sz="3600" dirty="0">
-              <a:solidFill>
-                <a:schemeClr val="accent6"/>
-              </a:solidFill>
-              <a:latin typeface="Raleway" charset="0"/>
-              <a:ea typeface="Raleway" charset="0"/>
-              <a:cs typeface="Raleway" charset="0"/>
-            </a:endParaRPr>
-          </a:p>
-          <a:p>
-            <a:pPr>
-              <a:spcBef>
-                <a:spcPts val="600"/>
-              </a:spcBef>
-              <a:spcAft>
-                <a:spcPts val="600"/>
-              </a:spcAft>
-            </a:pPr>
-            <a:endParaRPr lang="en-US" sz="3600" dirty="0" smtClean="0">
-              <a:solidFill>
-                <a:schemeClr val="accent6"/>
-              </a:solidFill>
-              <a:latin typeface="Raleway" charset="0"/>
-              <a:ea typeface="Raleway" charset="0"/>
-              <a:cs typeface="Raleway" charset="0"/>
-            </a:endParaRPr>
-          </a:p>
-          <a:p>
-            <a:pPr>
-              <a:spcBef>
-                <a:spcPts val="600"/>
-              </a:spcBef>
-              <a:spcAft>
-                <a:spcPts val="600"/>
-              </a:spcAft>
-            </a:pPr>
-            <a:r>
-              <a:rPr lang="en-US" sz="3600" b="1" dirty="0" smtClean="0">
-                <a:solidFill>
-                  <a:schemeClr val="accent6"/>
-                </a:solidFill>
-                <a:latin typeface="Raleway" charset="0"/>
-                <a:ea typeface="Raleway" charset="0"/>
-                <a:cs typeface="Raleway" charset="0"/>
-              </a:rPr>
-              <a:t>If category contrast is a factor, the </a:t>
-            </a:r>
-            <a:r>
-              <a:rPr lang="en-US" sz="3600" b="1" i="1" dirty="0" smtClean="0">
-                <a:solidFill>
-                  <a:schemeClr val="accent6"/>
-                </a:solidFill>
-                <a:latin typeface="Raleway" charset="0"/>
-                <a:ea typeface="Raleway" charset="0"/>
-                <a:cs typeface="Raleway" charset="0"/>
-              </a:rPr>
-              <a:t>unoccupied</a:t>
-            </a:r>
-            <a:r>
-              <a:rPr lang="en-US" sz="3600" b="1" dirty="0" smtClean="0">
-                <a:solidFill>
-                  <a:schemeClr val="accent6"/>
-                </a:solidFill>
-                <a:latin typeface="Raleway" charset="0"/>
-                <a:ea typeface="Raleway" charset="0"/>
-                <a:cs typeface="Raleway" charset="0"/>
-              </a:rPr>
-              <a:t> </a:t>
-            </a:r>
-            <a:r>
-              <a:rPr lang="en-US" sz="3600" b="1" i="1" dirty="0" smtClean="0">
-                <a:solidFill>
-                  <a:schemeClr val="accent6"/>
-                </a:solidFill>
-                <a:latin typeface="Raleway" charset="0"/>
-                <a:ea typeface="Raleway" charset="0"/>
-                <a:cs typeface="Raleway" charset="0"/>
-              </a:rPr>
-              <a:t>space</a:t>
-            </a:r>
-            <a:r>
-              <a:rPr lang="en-US" sz="3600" b="1" dirty="0" smtClean="0">
-                <a:solidFill>
-                  <a:schemeClr val="accent6"/>
-                </a:solidFill>
-                <a:latin typeface="Raleway" charset="0"/>
-                <a:ea typeface="Raleway" charset="0"/>
-                <a:cs typeface="Raleway" charset="0"/>
-              </a:rPr>
-              <a:t> is important:</a:t>
-            </a:r>
-          </a:p>
-          <a:p>
-            <a:pPr marL="571500" indent="-571500">
-              <a:spcBef>
-                <a:spcPts val="600"/>
-              </a:spcBef>
-              <a:spcAft>
-                <a:spcPts val="600"/>
-              </a:spcAft>
-              <a:buFontTx/>
-              <a:buChar char="-"/>
-            </a:pPr>
-            <a:r>
-              <a:rPr lang="en-US" sz="3600" dirty="0" smtClean="0">
-                <a:solidFill>
-                  <a:schemeClr val="accent6"/>
-                </a:solidFill>
-                <a:latin typeface="Raleway" charset="0"/>
-                <a:ea typeface="Raleway" charset="0"/>
-                <a:cs typeface="Raleway" charset="0"/>
-              </a:rPr>
-              <a:t>All Ps </a:t>
-            </a:r>
-            <a:r>
-              <a:rPr lang="en-US" sz="3600" dirty="0" smtClean="0">
-                <a:solidFill>
-                  <a:schemeClr val="accent6"/>
-                </a:solidFill>
-                <a:latin typeface="Raleway" charset="0"/>
-                <a:ea typeface="Raleway" charset="0"/>
-                <a:cs typeface="Raleway" charset="0"/>
-              </a:rPr>
-              <a:t>should generate items distant from the Alphas.</a:t>
-            </a:r>
-          </a:p>
-          <a:p>
-            <a:pPr marL="571500" indent="-571500">
-              <a:spcBef>
-                <a:spcPts val="600"/>
-              </a:spcBef>
-              <a:spcAft>
-                <a:spcPts val="600"/>
-              </a:spcAft>
-              <a:buFontTx/>
-              <a:buChar char="-"/>
-            </a:pPr>
-            <a:r>
-              <a:rPr lang="en-US" sz="3600" dirty="0" smtClean="0">
-                <a:solidFill>
-                  <a:schemeClr val="accent6"/>
-                </a:solidFill>
-                <a:latin typeface="Raleway" charset="0"/>
-                <a:ea typeface="Raleway" charset="0"/>
-                <a:cs typeface="Raleway" charset="0"/>
-              </a:rPr>
-              <a:t>Middle </a:t>
-            </a:r>
-            <a:r>
-              <a:rPr lang="en-US" sz="3600" dirty="0" smtClean="0">
-                <a:solidFill>
-                  <a:schemeClr val="accent6"/>
-                </a:solidFill>
-                <a:latin typeface="Raleway" charset="0"/>
-                <a:ea typeface="Raleway" charset="0"/>
-                <a:cs typeface="Raleway" charset="0"/>
-              </a:rPr>
-              <a:t>Ps </a:t>
-            </a:r>
-            <a:r>
-              <a:rPr lang="en-US" sz="3600" dirty="0" smtClean="0">
-                <a:solidFill>
-                  <a:schemeClr val="accent6"/>
-                </a:solidFill>
-                <a:latin typeface="Raleway" charset="0"/>
-                <a:ea typeface="Raleway" charset="0"/>
-                <a:cs typeface="Raleway" charset="0"/>
-              </a:rPr>
-              <a:t>should create categories spanning the entire Y-axis.</a:t>
-            </a:r>
-          </a:p>
-          <a:p>
-            <a:pPr>
-              <a:spcBef>
-                <a:spcPts val="600"/>
-              </a:spcBef>
-              <a:spcAft>
-                <a:spcPts val="600"/>
-              </a:spcAft>
-            </a:pPr>
-            <a:endParaRPr lang="en-US" sz="3600" dirty="0">
-              <a:solidFill>
-                <a:schemeClr val="accent6"/>
-              </a:solidFill>
-              <a:latin typeface="Raleway" charset="0"/>
-              <a:ea typeface="Raleway" charset="0"/>
-              <a:cs typeface="Raleway" charset="0"/>
-            </a:endParaRPr>
-          </a:p>
-          <a:p>
-            <a:pPr>
-              <a:spcBef>
-                <a:spcPts val="600"/>
-              </a:spcBef>
-              <a:spcAft>
-                <a:spcPts val="600"/>
-              </a:spcAft>
-            </a:pPr>
-            <a:endParaRPr lang="en-US" sz="3600" dirty="0" smtClean="0">
-              <a:solidFill>
-                <a:schemeClr val="accent6"/>
-              </a:solidFill>
-              <a:latin typeface="Raleway" charset="0"/>
-              <a:ea typeface="Raleway" charset="0"/>
-              <a:cs typeface="Raleway" charset="0"/>
-            </a:endParaRPr>
-          </a:p>
-          <a:p>
-            <a:pPr>
-              <a:spcBef>
-                <a:spcPts val="600"/>
-              </a:spcBef>
-              <a:spcAft>
-                <a:spcPts val="600"/>
-              </a:spcAft>
-            </a:pPr>
-            <a:endParaRPr lang="en-US" sz="3600" dirty="0">
-              <a:solidFill>
-                <a:schemeClr val="accent6"/>
-              </a:solidFill>
-              <a:latin typeface="Raleway" charset="0"/>
-              <a:ea typeface="Raleway" charset="0"/>
-              <a:cs typeface="Raleway" charset="0"/>
-            </a:endParaRPr>
-          </a:p>
-          <a:p>
-            <a:pPr>
-              <a:spcBef>
-                <a:spcPts val="600"/>
-              </a:spcBef>
-              <a:spcAft>
-                <a:spcPts val="600"/>
-              </a:spcAft>
-            </a:pPr>
-            <a:endParaRPr lang="en-US" sz="4400" b="1" dirty="0">
-              <a:solidFill>
-                <a:schemeClr val="accent6"/>
-              </a:solidFill>
-              <a:latin typeface="Raleway SemiBold" charset="0"/>
-              <a:ea typeface="Raleway SemiBold" charset="0"/>
-              <a:cs typeface="Raleway SemiBold" charset="0"/>
-            </a:endParaRPr>
-          </a:p>
-        </p:txBody>
-      </p:sp>
-      <p:pic>
-        <p:nvPicPr>
-          <p:cNvPr id="9" name="Picture 8"/>
-          <p:cNvPicPr>
-            <a:picLocks noChangeAspect="1"/>
-          </p:cNvPicPr>
-          <p:nvPr/>
-        </p:nvPicPr>
-        <p:blipFill>
-          <a:blip r:embed="rId10">
-            <a:extLst>
-              <a:ext uri="{28A0092B-C50C-407E-A947-70E740481C1C}">
-                <a14:useLocalDpi xmlns:a14="http://schemas.microsoft.com/office/drawing/2010/main" val="0"/>
-              </a:ext>
-            </a:extLst>
-          </a:blip>
-          <a:stretch>
-            <a:fillRect/>
-          </a:stretch>
-        </p:blipFill>
-        <p:spPr>
-          <a:xfrm>
-            <a:off x="28380606" y="21265330"/>
-            <a:ext cx="16376248" cy="6062836"/>
-          </a:xfrm>
-          <a:prstGeom prst="rect">
-            <a:avLst/>
-          </a:prstGeom>
-        </p:spPr>
-      </p:pic>
     </p:spTree>
     <p:extLst>
       <p:ext uri="{BB962C8B-B14F-4D97-AF65-F5344CB8AC3E}">
-        <p14:creationId xmlns:p14="http://schemas.microsoft.com/office/powerpoint/2010/main" val="238403542"/>
+        <p14:creationId xmlns:p14="http://schemas.microsoft.com/office/powerpoint/2010/main" val="1561931220"/>
       </p:ext>
     </p:extLst>
   </p:cSld>
   <p:clrMapOvr>
     <a:masterClrMapping/>
   </p:clrMapOvr>
-  <p:timing>
-    <p:tnLst>
-      <p:par>
-        <p:cTn id="1" dur="indefinite" restart="never" nodeType="tmRoot"/>
-      </p:par>
-    </p:tnLst>
-  </p:timing>
 </p:sld>
 </file>
 

--- a/Presentations/cogsci-2017-poster.pptx
+++ b/Presentations/cogsci-2017-poster.pptx
@@ -228,7 +228,7 @@
           <a:p>
             <a:fld id="{CDC9373C-994F-E447-87BC-0883031F8899}" type="datetimeFigureOut">
               <a:rPr lang="en-US" smtClean="0"/>
-              <a:t>7/7/17</a:t>
+              <a:t>7/9/17</a:t>
             </a:fld>
             <a:endParaRPr lang="en-US"/>
           </a:p>
@@ -736,7 +736,7 @@
           <a:p>
             <a:fld id="{BE537D98-B3AD-A54B-94FE-0511E43D51EA}" type="datetimeFigureOut">
               <a:rPr lang="en-US" smtClean="0"/>
-              <a:t>7/7/17</a:t>
+              <a:t>7/9/17</a:t>
             </a:fld>
             <a:endParaRPr lang="en-US"/>
           </a:p>
@@ -901,7 +901,7 @@
           <a:p>
             <a:fld id="{BE537D98-B3AD-A54B-94FE-0511E43D51EA}" type="datetimeFigureOut">
               <a:rPr lang="en-US" smtClean="0"/>
-              <a:t>7/7/17</a:t>
+              <a:t>7/9/17</a:t>
             </a:fld>
             <a:endParaRPr lang="en-US"/>
           </a:p>
@@ -1076,7 +1076,7 @@
           <a:p>
             <a:fld id="{BE537D98-B3AD-A54B-94FE-0511E43D51EA}" type="datetimeFigureOut">
               <a:rPr lang="en-US" smtClean="0"/>
-              <a:t>7/7/17</a:t>
+              <a:t>7/9/17</a:t>
             </a:fld>
             <a:endParaRPr lang="en-US"/>
           </a:p>
@@ -1241,7 +1241,7 @@
           <a:p>
             <a:fld id="{BE537D98-B3AD-A54B-94FE-0511E43D51EA}" type="datetimeFigureOut">
               <a:rPr lang="en-US" smtClean="0"/>
-              <a:t>7/7/17</a:t>
+              <a:t>7/9/17</a:t>
             </a:fld>
             <a:endParaRPr lang="en-US"/>
           </a:p>
@@ -1480,7 +1480,7 @@
           <a:p>
             <a:fld id="{BE537D98-B3AD-A54B-94FE-0511E43D51EA}" type="datetimeFigureOut">
               <a:rPr lang="en-US" smtClean="0"/>
-              <a:t>7/7/17</a:t>
+              <a:t>7/9/17</a:t>
             </a:fld>
             <a:endParaRPr lang="en-US"/>
           </a:p>
@@ -1707,7 +1707,7 @@
           <a:p>
             <a:fld id="{BE537D98-B3AD-A54B-94FE-0511E43D51EA}" type="datetimeFigureOut">
               <a:rPr lang="en-US" smtClean="0"/>
-              <a:t>7/7/17</a:t>
+              <a:t>7/9/17</a:t>
             </a:fld>
             <a:endParaRPr lang="en-US"/>
           </a:p>
@@ -2069,7 +2069,7 @@
           <a:p>
             <a:fld id="{BE537D98-B3AD-A54B-94FE-0511E43D51EA}" type="datetimeFigureOut">
               <a:rPr lang="en-US" smtClean="0"/>
-              <a:t>7/7/17</a:t>
+              <a:t>7/9/17</a:t>
             </a:fld>
             <a:endParaRPr lang="en-US"/>
           </a:p>
@@ -2182,7 +2182,7 @@
           <a:p>
             <a:fld id="{BE537D98-B3AD-A54B-94FE-0511E43D51EA}" type="datetimeFigureOut">
               <a:rPr lang="en-US" smtClean="0"/>
-              <a:t>7/7/17</a:t>
+              <a:t>7/9/17</a:t>
             </a:fld>
             <a:endParaRPr lang="en-US"/>
           </a:p>
@@ -2272,7 +2272,7 @@
           <a:p>
             <a:fld id="{BE537D98-B3AD-A54B-94FE-0511E43D51EA}" type="datetimeFigureOut">
               <a:rPr lang="en-US" smtClean="0"/>
-              <a:t>7/7/17</a:t>
+              <a:t>7/9/17</a:t>
             </a:fld>
             <a:endParaRPr lang="en-US"/>
           </a:p>
@@ -2544,7 +2544,7 @@
           <a:p>
             <a:fld id="{BE537D98-B3AD-A54B-94FE-0511E43D51EA}" type="datetimeFigureOut">
               <a:rPr lang="en-US" smtClean="0"/>
-              <a:t>7/7/17</a:t>
+              <a:t>7/9/17</a:t>
             </a:fld>
             <a:endParaRPr lang="en-US"/>
           </a:p>
@@ -2796,7 +2796,7 @@
           <a:p>
             <a:fld id="{BE537D98-B3AD-A54B-94FE-0511E43D51EA}" type="datetimeFigureOut">
               <a:rPr lang="en-US" smtClean="0"/>
-              <a:t>7/7/17</a:t>
+              <a:t>7/9/17</a:t>
             </a:fld>
             <a:endParaRPr lang="en-US"/>
           </a:p>
@@ -3007,7 +3007,7 @@
           <a:p>
             <a:fld id="{BE537D98-B3AD-A54B-94FE-0511E43D51EA}" type="datetimeFigureOut">
               <a:rPr lang="en-US" smtClean="0"/>
-              <a:t>7/7/17</a:t>
+              <a:t>7/9/17</a:t>
             </a:fld>
             <a:endParaRPr lang="en-US"/>
           </a:p>
@@ -3779,18 +3779,7 @@
                 <a:ea typeface="Raleway" charset="0"/>
                 <a:cs typeface="Raleway" charset="0"/>
               </a:rPr>
-              <a:t>Ps draw </a:t>
-            </a:r>
-            <a:r>
-              <a:rPr lang="en-US" sz="3600" dirty="0" smtClean="0">
-                <a:solidFill>
-                  <a:schemeClr val="accent6"/>
-                </a:solidFill>
-                <a:latin typeface="Raleway" charset="0"/>
-                <a:ea typeface="Raleway" charset="0"/>
-                <a:cs typeface="Raleway" charset="0"/>
-              </a:rPr>
-              <a:t>pictures of new </a:t>
+              <a:t>Ps draw pictures of new </a:t>
             </a:r>
             <a:r>
               <a:rPr lang="en-US" sz="3600" dirty="0">
@@ -4083,38 +4072,8 @@
                 <a:ea typeface="Raleway" charset="0"/>
                 <a:cs typeface="Raleway" charset="0"/>
               </a:rPr>
-              <a:t>Existing Accounts (Jern &amp; Kemp, 2013; Ward, </a:t>
-            </a:r>
-            <a:r>
-              <a:rPr lang="en-US" sz="3600" b="1" dirty="0" smtClean="0">
-                <a:solidFill>
-                  <a:schemeClr val="accent6"/>
-                </a:solidFill>
-                <a:latin typeface="Raleway" charset="0"/>
-                <a:ea typeface="Raleway" charset="0"/>
-                <a:cs typeface="Raleway" charset="0"/>
-              </a:rPr>
-              <a:t>199</a:t>
-            </a:r>
-            <a:r>
-              <a:rPr lang="en-US" sz="3600" b="1" dirty="0" smtClean="0">
-                <a:solidFill>
-                  <a:schemeClr val="accent6"/>
-                </a:solidFill>
-                <a:latin typeface="Raleway" charset="0"/>
-                <a:ea typeface="Raleway" charset="0"/>
-                <a:cs typeface="Raleway" charset="0"/>
-              </a:rPr>
-              <a:t>5)</a:t>
-            </a:r>
-            <a:endParaRPr lang="en-US" sz="3600" b="1" dirty="0" smtClean="0">
-              <a:solidFill>
-                <a:schemeClr val="accent6"/>
-              </a:solidFill>
-              <a:latin typeface="Raleway" charset="0"/>
-              <a:ea typeface="Raleway" charset="0"/>
-              <a:cs typeface="Raleway" charset="0"/>
-            </a:endParaRPr>
+              <a:t>Existing Accounts (Jern &amp; Kemp, 2013; Ward, 1995)</a:t>
+            </a:r>
           </a:p>
           <a:p>
             <a:pPr marL="403225" indent="-284163">
@@ -4323,27 +4282,8 @@
                 <a:ea typeface="Raleway" charset="0"/>
                 <a:cs typeface="Raleway" charset="0"/>
               </a:rPr>
-              <a:t>. New concepts should be </a:t>
-            </a:r>
-            <a:r>
-              <a:rPr lang="en-US" sz="3600" dirty="0" smtClean="0">
-                <a:solidFill>
-                  <a:schemeClr val="accent6"/>
-                </a:solidFill>
-                <a:latin typeface="Raleway" charset="0"/>
-                <a:ea typeface="Raleway" charset="0"/>
-                <a:cs typeface="Raleway" charset="0"/>
-              </a:rPr>
-              <a:t>distinct from known ones.</a:t>
-            </a:r>
-            <a:endParaRPr lang="en-US" sz="3600" dirty="0" smtClean="0">
-              <a:solidFill>
-                <a:schemeClr val="accent6"/>
-              </a:solidFill>
-              <a:latin typeface="Raleway" charset="0"/>
-              <a:ea typeface="Raleway" charset="0"/>
-              <a:cs typeface="Raleway" charset="0"/>
-            </a:endParaRPr>
+              <a:t>. New concepts should be distinct from known ones.</a:t>
+            </a:r>
           </a:p>
           <a:p>
             <a:pPr>
@@ -4363,27 +4303,8 @@
                 <a:ea typeface="Raleway" charset="0"/>
                 <a:cs typeface="Raleway" charset="0"/>
               </a:rPr>
-              <a:t>How do people ensure their creations are unique</a:t>
-            </a:r>
-            <a:r>
-              <a:rPr lang="en-US" sz="3600" i="1" dirty="0" smtClean="0">
-                <a:solidFill>
-                  <a:schemeClr val="accent6"/>
-                </a:solidFill>
-                <a:latin typeface="Raleway" charset="0"/>
-                <a:ea typeface="Raleway" charset="0"/>
-                <a:cs typeface="Raleway" charset="0"/>
-              </a:rPr>
-              <a:t>?</a:t>
-            </a:r>
-            <a:endParaRPr lang="en-US" sz="3600" i="1" dirty="0" smtClean="0">
-              <a:solidFill>
-                <a:schemeClr val="accent6"/>
-              </a:solidFill>
-              <a:latin typeface="Raleway" charset="0"/>
-              <a:ea typeface="Raleway" charset="0"/>
-              <a:cs typeface="Raleway" charset="0"/>
-            </a:endParaRPr>
+              <a:t>How do people ensure their creations are unique?</a:t>
+            </a:r>
           </a:p>
           <a:p>
             <a:pPr>
@@ -4426,29 +4347,7 @@
                 <a:ea typeface="Raleway" charset="0"/>
                 <a:cs typeface="Raleway" charset="0"/>
               </a:rPr>
-              <a:t>Proposed contrast as a core principle of </a:t>
-            </a:r>
-            <a:r>
-              <a:rPr lang="en-US" sz="3600" dirty="0" smtClean="0">
-                <a:solidFill>
-                  <a:schemeClr val="accent6"/>
-                </a:solidFill>
-                <a:latin typeface="Raleway" charset="0"/>
-                <a:ea typeface="Raleway" charset="0"/>
-                <a:cs typeface="Raleway" charset="0"/>
-              </a:rPr>
-              <a:t>generation</a:t>
-            </a:r>
-            <a:r>
-              <a:rPr lang="en-US" sz="3600" dirty="0" smtClean="0">
-                <a:solidFill>
-                  <a:schemeClr val="accent6"/>
-                </a:solidFill>
-                <a:latin typeface="Raleway" charset="0"/>
-                <a:ea typeface="Raleway" charset="0"/>
-                <a:cs typeface="Raleway" charset="0"/>
-              </a:rPr>
-              <a:t>.</a:t>
+              <a:t>Proposed contrast as a core principle of generation.</a:t>
             </a:r>
           </a:p>
           <a:p>
@@ -4471,84 +4370,7 @@
                 <a:ea typeface="Raleway" charset="0"/>
                 <a:cs typeface="Raleway" charset="0"/>
               </a:rPr>
-              <a:t>Developed an exemplar-based model </a:t>
-            </a:r>
-            <a:r>
-              <a:rPr lang="en-US" sz="3600" dirty="0" smtClean="0">
-                <a:solidFill>
-                  <a:schemeClr val="accent6"/>
-                </a:solidFill>
-                <a:latin typeface="Raleway" charset="0"/>
-                <a:ea typeface="Raleway" charset="0"/>
-                <a:cs typeface="Raleway" charset="0"/>
-              </a:rPr>
-              <a:t>including </a:t>
-            </a:r>
-            <a:r>
-              <a:rPr lang="en-US" sz="3600" dirty="0" smtClean="0">
-                <a:solidFill>
-                  <a:schemeClr val="accent6"/>
-                </a:solidFill>
-                <a:latin typeface="Raleway" charset="0"/>
-                <a:ea typeface="Raleway" charset="0"/>
-                <a:cs typeface="Raleway" charset="0"/>
-              </a:rPr>
-              <a:t>contrast </a:t>
-            </a:r>
-            <a:r>
-              <a:rPr lang="en-US" sz="3600" dirty="0" smtClean="0">
-                <a:solidFill>
-                  <a:schemeClr val="accent6"/>
-                </a:solidFill>
-                <a:latin typeface="Raleway" charset="0"/>
-                <a:ea typeface="Raleway" charset="0"/>
-                <a:cs typeface="Raleway" charset="0"/>
-              </a:rPr>
-              <a:t>as a </a:t>
-            </a:r>
-            <a:r>
-              <a:rPr lang="en-US" sz="3600" dirty="0" smtClean="0">
-                <a:solidFill>
-                  <a:schemeClr val="accent6"/>
-                </a:solidFill>
-                <a:latin typeface="Raleway" charset="0"/>
-                <a:ea typeface="Raleway" charset="0"/>
-                <a:cs typeface="Raleway" charset="0"/>
-              </a:rPr>
-              <a:t>mechanism </a:t>
-            </a:r>
-            <a:r>
-              <a:rPr lang="en-US" sz="3600" dirty="0" smtClean="0">
-                <a:solidFill>
-                  <a:schemeClr val="accent6"/>
-                </a:solidFill>
-                <a:latin typeface="Raleway" charset="0"/>
-                <a:ea typeface="Raleway" charset="0"/>
-                <a:cs typeface="Raleway" charset="0"/>
-              </a:rPr>
-              <a:t>for generating </a:t>
-            </a:r>
-            <a:r>
-              <a:rPr lang="en-US" sz="3600" dirty="0" smtClean="0">
-                <a:solidFill>
-                  <a:schemeClr val="accent6"/>
-                </a:solidFill>
-                <a:latin typeface="Raleway" charset="0"/>
-                <a:ea typeface="Raleway" charset="0"/>
-                <a:cs typeface="Raleway" charset="0"/>
-              </a:rPr>
-              <a:t>categories</a:t>
-            </a:r>
-            <a:r>
-              <a:rPr lang="en-US" sz="3600" dirty="0" smtClean="0">
-                <a:solidFill>
-                  <a:schemeClr val="accent6"/>
-                </a:solidFill>
-                <a:latin typeface="Raleway" charset="0"/>
-                <a:ea typeface="Raleway" charset="0"/>
-                <a:cs typeface="Raleway" charset="0"/>
-              </a:rPr>
-              <a:t>.</a:t>
+              <a:t>Developed an exemplar-based model including contrast as a mechanism for generating categories.</a:t>
             </a:r>
           </a:p>
           <a:p>
@@ -4571,7 +4393,7 @@
                 <a:ea typeface="Raleway" charset="0"/>
                 <a:cs typeface="Raleway" charset="0"/>
               </a:rPr>
-              <a:t>Tested </a:t>
+              <a:t>Tested the model in a behavioral experiment. We found strong support for </a:t>
             </a:r>
             <a:r>
               <a:rPr lang="en-US" sz="3600" dirty="0" smtClean="0">
@@ -4582,7 +4404,7 @@
                 <a:ea typeface="Raleway" charset="0"/>
                 <a:cs typeface="Raleway" charset="0"/>
               </a:rPr>
-              <a:t>the model in </a:t>
+              <a:t>our </a:t>
             </a:r>
             <a:r>
               <a:rPr lang="en-US" sz="3600" dirty="0" smtClean="0">
@@ -4593,10 +4415,10 @@
                 <a:ea typeface="Raleway" charset="0"/>
                 <a:cs typeface="Raleway" charset="0"/>
               </a:rPr>
-              <a:t>a behavioral experiment. We found strong support for ours </a:t>
-            </a:r>
-            <a:r>
-              <a:rPr lang="en-US" sz="3600" dirty="0" smtClean="0">
+              <a:t>model, supporting contrast </a:t>
+            </a:r>
+            <a:r>
+              <a:rPr lang="en-US" sz="3600" dirty="0">
                 <a:solidFill>
                   <a:schemeClr val="accent6"/>
                 </a:solidFill>
@@ -4604,7 +4426,7 @@
                 <a:ea typeface="Raleway" charset="0"/>
                 <a:cs typeface="Raleway" charset="0"/>
               </a:rPr>
-              <a:t>model, supporting </a:t>
+              <a:t>a</a:t>
             </a:r>
             <a:r>
               <a:rPr lang="en-US" sz="3600" dirty="0" smtClean="0">
@@ -4615,73 +4437,7 @@
                 <a:ea typeface="Raleway" charset="0"/>
                 <a:cs typeface="Raleway" charset="0"/>
               </a:rPr>
-              <a:t>contrast </a:t>
-            </a:r>
-            <a:r>
-              <a:rPr lang="en-US" sz="3600" dirty="0">
-                <a:solidFill>
-                  <a:schemeClr val="accent6"/>
-                </a:solidFill>
-                <a:latin typeface="Raleway" charset="0"/>
-                <a:ea typeface="Raleway" charset="0"/>
-                <a:cs typeface="Raleway" charset="0"/>
-              </a:rPr>
-              <a:t>a</a:t>
-            </a:r>
-            <a:r>
-              <a:rPr lang="en-US" sz="3600" dirty="0" smtClean="0">
-                <a:solidFill>
-                  <a:schemeClr val="accent6"/>
-                </a:solidFill>
-                <a:latin typeface="Raleway" charset="0"/>
-                <a:ea typeface="Raleway" charset="0"/>
-                <a:cs typeface="Raleway" charset="0"/>
-              </a:rPr>
-              <a:t>s </a:t>
-            </a:r>
-            <a:r>
-              <a:rPr lang="en-US" sz="3600" dirty="0" smtClean="0">
-                <a:solidFill>
-                  <a:schemeClr val="accent6"/>
-                </a:solidFill>
-                <a:latin typeface="Raleway" charset="0"/>
-                <a:ea typeface="Raleway" charset="0"/>
-                <a:cs typeface="Raleway" charset="0"/>
-              </a:rPr>
-              <a:t>core </a:t>
-            </a:r>
-            <a:r>
-              <a:rPr lang="en-US" sz="3600" dirty="0" smtClean="0">
-                <a:solidFill>
-                  <a:schemeClr val="accent6"/>
-                </a:solidFill>
-                <a:latin typeface="Raleway" charset="0"/>
-                <a:ea typeface="Raleway" charset="0"/>
-                <a:cs typeface="Raleway" charset="0"/>
-              </a:rPr>
-              <a:t>constraint in </a:t>
-            </a:r>
-            <a:r>
-              <a:rPr lang="en-US" sz="3600" dirty="0" smtClean="0">
-                <a:solidFill>
-                  <a:schemeClr val="accent6"/>
-                </a:solidFill>
-                <a:latin typeface="Raleway" charset="0"/>
-                <a:ea typeface="Raleway" charset="0"/>
-                <a:cs typeface="Raleway" charset="0"/>
-              </a:rPr>
-              <a:t>category generation</a:t>
-            </a:r>
-            <a:r>
-              <a:rPr lang="en-US" sz="3600" dirty="0" smtClean="0">
-                <a:solidFill>
-                  <a:schemeClr val="accent6"/>
-                </a:solidFill>
-                <a:latin typeface="Raleway" charset="0"/>
-                <a:ea typeface="Raleway" charset="0"/>
-                <a:cs typeface="Raleway" charset="0"/>
-              </a:rPr>
-              <a:t>.</a:t>
+              <a:t>s core constraint in category generation.</a:t>
             </a:r>
             <a:endParaRPr lang="en-US" sz="4400" b="1" dirty="0">
               <a:solidFill>
@@ -4777,8 +4533,8 @@
             </a:p>
           </p:txBody>
         </p:sp>
-        <mc:AlternateContent xmlns:mc="http://schemas.openxmlformats.org/markup-compatibility/2006">
-          <mc:Choice xmlns:a14="http://schemas.microsoft.com/office/drawing/2010/main" Requires="a14">
+        <mc:AlternateContent xmlns:mc="http://schemas.openxmlformats.org/markup-compatibility/2006" xmlns:a14="http://schemas.microsoft.com/office/drawing/2010/main">
+          <mc:Choice Requires="a14">
             <p:sp>
               <p:nvSpPr>
                 <p:cNvPr id="20" name="Rectangle 19"/>
@@ -5655,18 +5411,7 @@
                       <a:ea typeface="Raleway" charset="0"/>
                       <a:cs typeface="Raleway" charset="0"/>
                     </a:rPr>
-                    <a:t>otherwise</a:t>
-                  </a:r>
-                  <a:r>
-                    <a:rPr lang="en-US" sz="3600" dirty="0" smtClean="0">
-                      <a:solidFill>
-                        <a:schemeClr val="accent6"/>
-                      </a:solidFill>
-                      <a:latin typeface="Raleway" charset="0"/>
-                      <a:ea typeface="Raleway" charset="0"/>
-                      <a:cs typeface="Raleway" charset="0"/>
-                    </a:rPr>
-                    <a:t>.</a:t>
+                    <a:t>otherwise.</a:t>
                   </a:r>
                 </a:p>
                 <a:p>
@@ -5939,7 +5684,7 @@
               </p:txBody>
             </p:sp>
           </mc:Choice>
-          <mc:Fallback>
+          <mc:Fallback xmlns="">
             <p:sp>
               <p:nvSpPr>
                 <p:cNvPr id="20" name="Rectangle 19"/>
@@ -7590,29 +7335,7 @@
                 <a:ea typeface="Raleway" charset="0"/>
                 <a:cs typeface="Raleway" charset="0"/>
               </a:rPr>
-              <a:t>: Categories </a:t>
-            </a:r>
-            <a:r>
-              <a:rPr lang="en-US" sz="3600" dirty="0" smtClean="0">
-                <a:solidFill>
-                  <a:schemeClr val="accent6"/>
-                </a:solidFill>
-                <a:latin typeface="Raleway" charset="0"/>
-                <a:ea typeface="Raleway" charset="0"/>
-                <a:cs typeface="Raleway" charset="0"/>
-              </a:rPr>
-              <a:t>were oriented to increase dissimilarity to </a:t>
-            </a:r>
-            <a:r>
-              <a:rPr lang="en-US" sz="3600" dirty="0" smtClean="0">
-                <a:solidFill>
-                  <a:schemeClr val="accent6"/>
-                </a:solidFill>
-                <a:latin typeface="Raleway" charset="0"/>
-                <a:ea typeface="Raleway" charset="0"/>
-                <a:cs typeface="Raleway" charset="0"/>
-              </a:rPr>
-              <a:t>members of the contrast category.</a:t>
+              <a:t>: Categories were oriented to increase dissimilarity to members of the contrast category.</a:t>
             </a:r>
             <a:endParaRPr lang="en-US" sz="4000" dirty="0">
               <a:solidFill>
@@ -7984,29 +7707,7 @@
                 <a:ea typeface="Raleway" charset="0"/>
                 <a:cs typeface="Raleway" charset="0"/>
               </a:rPr>
-              <a:t>Generated </a:t>
-            </a:r>
-            <a:r>
-              <a:rPr lang="en-US" sz="3600" dirty="0" smtClean="0">
-                <a:solidFill>
-                  <a:schemeClr val="accent6"/>
-                </a:solidFill>
-                <a:latin typeface="Raleway" charset="0"/>
-                <a:ea typeface="Raleway" charset="0"/>
-                <a:cs typeface="Raleway" charset="0"/>
-              </a:rPr>
-              <a:t>category members were more similar to each other than to Alphas</a:t>
-            </a:r>
-            <a:r>
-              <a:rPr lang="en-US" sz="3600" dirty="0" smtClean="0">
-                <a:solidFill>
-                  <a:schemeClr val="accent6"/>
-                </a:solidFill>
-                <a:latin typeface="Raleway" charset="0"/>
-                <a:ea typeface="Raleway" charset="0"/>
-                <a:cs typeface="Raleway" charset="0"/>
-              </a:rPr>
-              <a:t>.</a:t>
+              <a:t>Generated category members were more similar to each other than to Alphas.</a:t>
             </a:r>
             <a:endParaRPr lang="en-US" sz="3600" dirty="0">
               <a:solidFill>
@@ -8588,29 +8289,7 @@
                 <a:ea typeface="Raleway" charset="0"/>
                 <a:cs typeface="Raleway" charset="0"/>
               </a:rPr>
-              <a:t>Does contrast with a previously learned category influence </a:t>
-            </a:r>
-            <a:r>
-              <a:rPr lang="en-US" sz="3600" dirty="0" smtClean="0">
-                <a:solidFill>
-                  <a:schemeClr val="accent6"/>
-                </a:solidFill>
-                <a:latin typeface="Raleway" charset="0"/>
-                <a:ea typeface="Raleway" charset="0"/>
-                <a:cs typeface="Raleway" charset="0"/>
-              </a:rPr>
-              <a:t>generation</a:t>
-            </a:r>
-            <a:r>
-              <a:rPr lang="en-US" sz="3600" dirty="0" smtClean="0">
-                <a:solidFill>
-                  <a:schemeClr val="accent6"/>
-                </a:solidFill>
-                <a:latin typeface="Raleway" charset="0"/>
-                <a:ea typeface="Raleway" charset="0"/>
-                <a:cs typeface="Raleway" charset="0"/>
-              </a:rPr>
-              <a:t>? Is distributional emulation the only factor?</a:t>
+              <a:t>Does contrast with a previously learned category influence generation? Is distributional emulation the only factor?</a:t>
             </a:r>
           </a:p>
           <a:p>
@@ -8664,18 +8343,7 @@
                 <a:ea typeface="Raleway" charset="0"/>
                 <a:cs typeface="Raleway" charset="0"/>
               </a:rPr>
-              <a:t>; N=122) learned about an experimenter-defined category (‘Alpha’) composed of squares varying in size and color</a:t>
-            </a:r>
-            <a:r>
-              <a:rPr lang="en-US" sz="3600" dirty="0" smtClean="0">
-                <a:solidFill>
-                  <a:schemeClr val="accent6"/>
-                </a:solidFill>
-                <a:latin typeface="Raleway" charset="0"/>
-                <a:ea typeface="Raleway" charset="0"/>
-                <a:cs typeface="Raleway" charset="0"/>
-              </a:rPr>
-              <a:t>.</a:t>
+              <a:t>; N=122) learned about an experimenter-defined category (‘Alpha’) composed of squares varying in size and color.</a:t>
             </a:r>
             <a:endParaRPr lang="en-US" sz="4400" b="1" dirty="0">
               <a:solidFill>
@@ -8771,10 +8439,10 @@
                 <a:ea typeface="Raleway" charset="0"/>
                 <a:cs typeface="Raleway" charset="0"/>
               </a:rPr>
-              <a:t>Two conditions (</a:t>
-            </a:r>
-            <a:r>
-              <a:rPr lang="en-US" sz="3600" dirty="0" smtClean="0">
+              <a:t>Two conditions (Between-</a:t>
+            </a:r>
+            <a:r>
+              <a:rPr lang="en-US" sz="3600" dirty="0">
                 <a:solidFill>
                   <a:schemeClr val="accent6"/>
                 </a:solidFill>
@@ -8782,10 +8450,10 @@
                 <a:ea typeface="Raleway" charset="0"/>
                 <a:cs typeface="Raleway" charset="0"/>
               </a:rPr>
-              <a:t>Between-</a:t>
-            </a:r>
-            <a:r>
-              <a:rPr lang="en-US" sz="3600" dirty="0">
+              <a:t>P</a:t>
+            </a:r>
+            <a:r>
+              <a:rPr lang="en-US" sz="3600" dirty="0" smtClean="0">
                 <a:solidFill>
                   <a:schemeClr val="accent6"/>
                 </a:solidFill>
@@ -8793,29 +8461,7 @@
                 <a:ea typeface="Raleway" charset="0"/>
                 <a:cs typeface="Raleway" charset="0"/>
               </a:rPr>
-              <a:t>P</a:t>
-            </a:r>
-            <a:r>
-              <a:rPr lang="en-US" sz="3600" dirty="0" smtClean="0">
-                <a:solidFill>
-                  <a:schemeClr val="accent6"/>
-                </a:solidFill>
-                <a:latin typeface="Raleway" charset="0"/>
-                <a:ea typeface="Raleway" charset="0"/>
-                <a:cs typeface="Raleway" charset="0"/>
-              </a:rPr>
-              <a:t>s</a:t>
-            </a:r>
-            <a:r>
-              <a:rPr lang="en-US" sz="3600" dirty="0" smtClean="0">
-                <a:solidFill>
-                  <a:schemeClr val="accent6"/>
-                </a:solidFill>
-                <a:latin typeface="Raleway" charset="0"/>
-                <a:ea typeface="Raleway" charset="0"/>
-                <a:cs typeface="Raleway" charset="0"/>
-              </a:rPr>
-              <a:t>) differed only in category location. </a:t>
+              <a:t>s) differed only in category location. </a:t>
             </a:r>
           </a:p>
           <a:p>
@@ -8833,10 +8479,10 @@
                 <a:ea typeface="Raleway" charset="0"/>
                 <a:cs typeface="Raleway" charset="0"/>
               </a:rPr>
-              <a:t>Condition differences cannot be explained by distributional copying</a:t>
-            </a:r>
-            <a:r>
-              <a:rPr lang="en-US" sz="3600" i="1" dirty="0" smtClean="0">
+              <a:t>Condition differences cannot be explained </a:t>
+            </a:r>
+            <a:r>
+              <a:rPr lang="en-US" sz="3600" i="1" smtClean="0">
                 <a:solidFill>
                   <a:schemeClr val="accent6"/>
                 </a:solidFill>
@@ -8844,8 +8490,27 @@
                 <a:ea typeface="Raleway" charset="0"/>
                 <a:cs typeface="Raleway" charset="0"/>
               </a:rPr>
-              <a:t>.</a:t>
-            </a:r>
+              <a:t>by </a:t>
+            </a:r>
+            <a:r>
+              <a:rPr lang="en-US" sz="3600" i="1" smtClean="0">
+                <a:solidFill>
+                  <a:schemeClr val="accent6"/>
+                </a:solidFill>
+                <a:latin typeface="Raleway" charset="0"/>
+                <a:ea typeface="Raleway" charset="0"/>
+                <a:cs typeface="Raleway" charset="0"/>
+              </a:rPr>
+              <a:t>sharing distributional info.</a:t>
+            </a:r>
+            <a:endParaRPr lang="en-US" sz="3600" i="1" dirty="0" smtClean="0">
+              <a:solidFill>
+                <a:schemeClr val="accent6"/>
+              </a:solidFill>
+              <a:latin typeface="Raleway" charset="0"/>
+              <a:ea typeface="Raleway" charset="0"/>
+              <a:cs typeface="Raleway" charset="0"/>
+            </a:endParaRPr>
           </a:p>
           <a:p>
             <a:pPr>

--- a/Presentations/cogsci-2017-poster.pptx
+++ b/Presentations/cogsci-2017-poster.pptx
@@ -228,7 +228,7 @@
           <a:p>
             <a:fld id="{CDC9373C-994F-E447-87BC-0883031F8899}" type="datetimeFigureOut">
               <a:rPr lang="en-US" smtClean="0"/>
-              <a:t>7/9/17</a:t>
+              <a:t>7/11/17</a:t>
             </a:fld>
             <a:endParaRPr lang="en-US"/>
           </a:p>
@@ -736,7 +736,7 @@
           <a:p>
             <a:fld id="{BE537D98-B3AD-A54B-94FE-0511E43D51EA}" type="datetimeFigureOut">
               <a:rPr lang="en-US" smtClean="0"/>
-              <a:t>7/9/17</a:t>
+              <a:t>7/11/17</a:t>
             </a:fld>
             <a:endParaRPr lang="en-US"/>
           </a:p>
@@ -901,7 +901,7 @@
           <a:p>
             <a:fld id="{BE537D98-B3AD-A54B-94FE-0511E43D51EA}" type="datetimeFigureOut">
               <a:rPr lang="en-US" smtClean="0"/>
-              <a:t>7/9/17</a:t>
+              <a:t>7/11/17</a:t>
             </a:fld>
             <a:endParaRPr lang="en-US"/>
           </a:p>
@@ -1076,7 +1076,7 @@
           <a:p>
             <a:fld id="{BE537D98-B3AD-A54B-94FE-0511E43D51EA}" type="datetimeFigureOut">
               <a:rPr lang="en-US" smtClean="0"/>
-              <a:t>7/9/17</a:t>
+              <a:t>7/11/17</a:t>
             </a:fld>
             <a:endParaRPr lang="en-US"/>
           </a:p>
@@ -1241,7 +1241,7 @@
           <a:p>
             <a:fld id="{BE537D98-B3AD-A54B-94FE-0511E43D51EA}" type="datetimeFigureOut">
               <a:rPr lang="en-US" smtClean="0"/>
-              <a:t>7/9/17</a:t>
+              <a:t>7/11/17</a:t>
             </a:fld>
             <a:endParaRPr lang="en-US"/>
           </a:p>
@@ -1480,7 +1480,7 @@
           <a:p>
             <a:fld id="{BE537D98-B3AD-A54B-94FE-0511E43D51EA}" type="datetimeFigureOut">
               <a:rPr lang="en-US" smtClean="0"/>
-              <a:t>7/9/17</a:t>
+              <a:t>7/11/17</a:t>
             </a:fld>
             <a:endParaRPr lang="en-US"/>
           </a:p>
@@ -1707,7 +1707,7 @@
           <a:p>
             <a:fld id="{BE537D98-B3AD-A54B-94FE-0511E43D51EA}" type="datetimeFigureOut">
               <a:rPr lang="en-US" smtClean="0"/>
-              <a:t>7/9/17</a:t>
+              <a:t>7/11/17</a:t>
             </a:fld>
             <a:endParaRPr lang="en-US"/>
           </a:p>
@@ -2069,7 +2069,7 @@
           <a:p>
             <a:fld id="{BE537D98-B3AD-A54B-94FE-0511E43D51EA}" type="datetimeFigureOut">
               <a:rPr lang="en-US" smtClean="0"/>
-              <a:t>7/9/17</a:t>
+              <a:t>7/11/17</a:t>
             </a:fld>
             <a:endParaRPr lang="en-US"/>
           </a:p>
@@ -2182,7 +2182,7 @@
           <a:p>
             <a:fld id="{BE537D98-B3AD-A54B-94FE-0511E43D51EA}" type="datetimeFigureOut">
               <a:rPr lang="en-US" smtClean="0"/>
-              <a:t>7/9/17</a:t>
+              <a:t>7/11/17</a:t>
             </a:fld>
             <a:endParaRPr lang="en-US"/>
           </a:p>
@@ -2272,7 +2272,7 @@
           <a:p>
             <a:fld id="{BE537D98-B3AD-A54B-94FE-0511E43D51EA}" type="datetimeFigureOut">
               <a:rPr lang="en-US" smtClean="0"/>
-              <a:t>7/9/17</a:t>
+              <a:t>7/11/17</a:t>
             </a:fld>
             <a:endParaRPr lang="en-US"/>
           </a:p>
@@ -2544,7 +2544,7 @@
           <a:p>
             <a:fld id="{BE537D98-B3AD-A54B-94FE-0511E43D51EA}" type="datetimeFigureOut">
               <a:rPr lang="en-US" smtClean="0"/>
-              <a:t>7/9/17</a:t>
+              <a:t>7/11/17</a:t>
             </a:fld>
             <a:endParaRPr lang="en-US"/>
           </a:p>
@@ -2796,7 +2796,7 @@
           <a:p>
             <a:fld id="{BE537D98-B3AD-A54B-94FE-0511E43D51EA}" type="datetimeFigureOut">
               <a:rPr lang="en-US" smtClean="0"/>
-              <a:t>7/9/17</a:t>
+              <a:t>7/11/17</a:t>
             </a:fld>
             <a:endParaRPr lang="en-US"/>
           </a:p>
@@ -3007,7 +3007,7 @@
           <a:p>
             <a:fld id="{BE537D98-B3AD-A54B-94FE-0511E43D51EA}" type="datetimeFigureOut">
               <a:rPr lang="en-US" smtClean="0"/>
-              <a:t>7/9/17</a:t>
+              <a:t>7/11/17</a:t>
             </a:fld>
             <a:endParaRPr lang="en-US"/>
           </a:p>
@@ -4393,29 +4393,7 @@
                 <a:ea typeface="Raleway" charset="0"/>
                 <a:cs typeface="Raleway" charset="0"/>
               </a:rPr>
-              <a:t>Tested the model in a behavioral experiment. We found strong support for </a:t>
-            </a:r>
-            <a:r>
-              <a:rPr lang="en-US" sz="3600" dirty="0" smtClean="0">
-                <a:solidFill>
-                  <a:schemeClr val="accent6"/>
-                </a:solidFill>
-                <a:latin typeface="Raleway" charset="0"/>
-                <a:ea typeface="Raleway" charset="0"/>
-                <a:cs typeface="Raleway" charset="0"/>
-              </a:rPr>
-              <a:t>our </a:t>
-            </a:r>
-            <a:r>
-              <a:rPr lang="en-US" sz="3600" dirty="0" smtClean="0">
-                <a:solidFill>
-                  <a:schemeClr val="accent6"/>
-                </a:solidFill>
-                <a:latin typeface="Raleway" charset="0"/>
-                <a:ea typeface="Raleway" charset="0"/>
-                <a:cs typeface="Raleway" charset="0"/>
-              </a:rPr>
-              <a:t>model, supporting contrast </a:t>
+              <a:t>Tested the model in a behavioral experiment. We found strong support for our model, supporting contrast </a:t>
             </a:r>
             <a:r>
               <a:rPr lang="en-US" sz="3600" dirty="0">
@@ -8479,10 +8457,10 @@
                 <a:ea typeface="Raleway" charset="0"/>
                 <a:cs typeface="Raleway" charset="0"/>
               </a:rPr>
-              <a:t>Condition differences cannot be explained </a:t>
-            </a:r>
-            <a:r>
-              <a:rPr lang="en-US" sz="3600" i="1" smtClean="0">
+              <a:t>Differences </a:t>
+            </a:r>
+            <a:r>
+              <a:rPr lang="en-US" sz="3600" i="1" dirty="0" smtClean="0">
                 <a:solidFill>
                   <a:schemeClr val="accent6"/>
                 </a:solidFill>
@@ -8490,27 +8468,8 @@
                 <a:ea typeface="Raleway" charset="0"/>
                 <a:cs typeface="Raleway" charset="0"/>
               </a:rPr>
-              <a:t>by </a:t>
-            </a:r>
-            <a:r>
-              <a:rPr lang="en-US" sz="3600" i="1" smtClean="0">
-                <a:solidFill>
-                  <a:schemeClr val="accent6"/>
-                </a:solidFill>
-                <a:latin typeface="Raleway" charset="0"/>
-                <a:ea typeface="Raleway" charset="0"/>
-                <a:cs typeface="Raleway" charset="0"/>
-              </a:rPr>
-              <a:t>sharing distributional info.</a:t>
-            </a:r>
-            <a:endParaRPr lang="en-US" sz="3600" i="1" dirty="0" smtClean="0">
-              <a:solidFill>
-                <a:schemeClr val="accent6"/>
-              </a:solidFill>
-              <a:latin typeface="Raleway" charset="0"/>
-              <a:ea typeface="Raleway" charset="0"/>
-              <a:cs typeface="Raleway" charset="0"/>
-            </a:endParaRPr>
+              <a:t>cannot be explained by sharing distributional info.</a:t>
+            </a:r>
           </a:p>
           <a:p>
             <a:pPr>

--- a/Presentations/cogsci-2017-poster.pptx
+++ b/Presentations/cogsci-2017-poster.pptx
@@ -5,11 +5,10 @@
     <p:sldMasterId id="2147483672" r:id="rId1"/>
   </p:sldMasterIdLst>
   <p:notesMasterIdLst>
-    <p:notesMasterId r:id="rId4"/>
+    <p:notesMasterId r:id="rId3"/>
   </p:notesMasterIdLst>
   <p:sldIdLst>
     <p:sldId id="256" r:id="rId2"/>
-    <p:sldId id="257" r:id="rId3"/>
   </p:sldIdLst>
   <p:sldSz cx="45720000" cy="30175200"/>
   <p:notesSz cx="6858000" cy="9144000"/>
@@ -114,7 +113,6 @@
         <p14:section name="Untitled Section" id="{602BA7F9-4C83-0042-858A-3E6245077966}">
           <p14:sldIdLst>
             <p14:sldId id="256"/>
-            <p14:sldId id="257"/>
           </p14:sldIdLst>
         </p14:section>
       </p14:sectionLst>
@@ -8457,18 +8455,7 @@
                 <a:ea typeface="Raleway" charset="0"/>
                 <a:cs typeface="Raleway" charset="0"/>
               </a:rPr>
-              <a:t>Differences </a:t>
-            </a:r>
-            <a:r>
-              <a:rPr lang="en-US" sz="3600" i="1" dirty="0" smtClean="0">
-                <a:solidFill>
-                  <a:schemeClr val="accent6"/>
-                </a:solidFill>
-                <a:latin typeface="Raleway" charset="0"/>
-                <a:ea typeface="Raleway" charset="0"/>
-                <a:cs typeface="Raleway" charset="0"/>
-              </a:rPr>
-              <a:t>cannot be explained by sharing distributional info.</a:t>
+              <a:t>Differences cannot be explained by sharing distributional info.</a:t>
             </a:r>
           </a:p>
           <a:p>
@@ -10008,465 +9995,6 @@
 </p:sld>
 </file>
 
-<file path=ppt/slides/slide2.xml><?xml version="1.0" encoding="utf-8"?>
-<p:sld xmlns:a="http://schemas.openxmlformats.org/drawingml/2006/main" xmlns:r="http://schemas.openxmlformats.org/officeDocument/2006/relationships" xmlns:p="http://schemas.openxmlformats.org/presentationml/2006/main">
-  <p:cSld>
-    <p:spTree>
-      <p:nvGrpSpPr>
-        <p:cNvPr id="1" name=""/>
-        <p:cNvGrpSpPr/>
-        <p:nvPr/>
-      </p:nvGrpSpPr>
-      <p:grpSpPr>
-        <a:xfrm>
-          <a:off x="0" y="0"/>
-          <a:ext cx="0" cy="0"/>
-          <a:chOff x="0" y="0"/>
-          <a:chExt cx="0" cy="0"/>
-        </a:xfrm>
-      </p:grpSpPr>
-      <p:grpSp>
-        <p:nvGrpSpPr>
-          <p:cNvPr id="13" name="Group 12"/>
-          <p:cNvGrpSpPr/>
-          <p:nvPr/>
-        </p:nvGrpSpPr>
-        <p:grpSpPr>
-          <a:xfrm>
-            <a:off x="18772979" y="17236248"/>
-            <a:ext cx="9205429" cy="1365472"/>
-            <a:chOff x="18772979" y="17236248"/>
-            <a:chExt cx="9205429" cy="1365472"/>
-          </a:xfrm>
-        </p:grpSpPr>
-        <p:sp>
-          <p:nvSpPr>
-            <p:cNvPr id="5" name="Rectangle 4"/>
-            <p:cNvSpPr/>
-            <p:nvPr/>
-          </p:nvSpPr>
-          <p:spPr>
-            <a:xfrm>
-              <a:off x="18935807" y="17399153"/>
-              <a:ext cx="1042347" cy="1037396"/>
-            </a:xfrm>
-            <a:prstGeom prst="rect">
-              <a:avLst/>
-            </a:prstGeom>
-            <a:solidFill>
-              <a:schemeClr val="bg1"/>
-            </a:solidFill>
-            <a:ln>
-              <a:solidFill>
-                <a:schemeClr val="bg1"/>
-              </a:solidFill>
-            </a:ln>
-          </p:spPr>
-          <p:style>
-            <a:lnRef idx="2">
-              <a:schemeClr val="accent1">
-                <a:shade val="50000"/>
-              </a:schemeClr>
-            </a:lnRef>
-            <a:fillRef idx="1">
-              <a:schemeClr val="accent1"/>
-            </a:fillRef>
-            <a:effectRef idx="0">
-              <a:schemeClr val="accent1"/>
-            </a:effectRef>
-            <a:fontRef idx="minor">
-              <a:schemeClr val="lt1"/>
-            </a:fontRef>
-          </p:style>
-          <p:txBody>
-            <a:bodyPr rtlCol="0" anchor="ctr"/>
-            <a:lstStyle/>
-            <a:p>
-              <a:pPr algn="ctr"/>
-              <a:endParaRPr lang="en-US"/>
-            </a:p>
-          </p:txBody>
-        </p:sp>
-        <p:sp>
-          <p:nvSpPr>
-            <p:cNvPr id="6" name="Rectangle 5"/>
-            <p:cNvSpPr/>
-            <p:nvPr/>
-          </p:nvSpPr>
-          <p:spPr>
-            <a:xfrm>
-              <a:off x="20055425" y="17399153"/>
-              <a:ext cx="1042347" cy="1037396"/>
-            </a:xfrm>
-            <a:prstGeom prst="rect">
-              <a:avLst/>
-            </a:prstGeom>
-            <a:solidFill>
-              <a:schemeClr val="bg1"/>
-            </a:solidFill>
-            <a:ln>
-              <a:solidFill>
-                <a:schemeClr val="bg1"/>
-              </a:solidFill>
-            </a:ln>
-          </p:spPr>
-          <p:style>
-            <a:lnRef idx="2">
-              <a:schemeClr val="accent1">
-                <a:shade val="50000"/>
-              </a:schemeClr>
-            </a:lnRef>
-            <a:fillRef idx="1">
-              <a:schemeClr val="accent1"/>
-            </a:fillRef>
-            <a:effectRef idx="0">
-              <a:schemeClr val="accent1"/>
-            </a:effectRef>
-            <a:fontRef idx="minor">
-              <a:schemeClr val="lt1"/>
-            </a:fontRef>
-          </p:style>
-          <p:txBody>
-            <a:bodyPr rtlCol="0" anchor="ctr"/>
-            <a:lstStyle/>
-            <a:p>
-              <a:pPr algn="ctr"/>
-              <a:endParaRPr lang="en-US"/>
-            </a:p>
-          </p:txBody>
-        </p:sp>
-        <p:sp>
-          <p:nvSpPr>
-            <p:cNvPr id="7" name="Rectangle 6"/>
-            <p:cNvSpPr/>
-            <p:nvPr/>
-          </p:nvSpPr>
-          <p:spPr>
-            <a:xfrm>
-              <a:off x="21175043" y="17399153"/>
-              <a:ext cx="1042347" cy="1037396"/>
-            </a:xfrm>
-            <a:prstGeom prst="rect">
-              <a:avLst/>
-            </a:prstGeom>
-            <a:solidFill>
-              <a:schemeClr val="bg1"/>
-            </a:solidFill>
-            <a:ln>
-              <a:solidFill>
-                <a:schemeClr val="bg1"/>
-              </a:solidFill>
-            </a:ln>
-          </p:spPr>
-          <p:style>
-            <a:lnRef idx="2">
-              <a:schemeClr val="accent1">
-                <a:shade val="50000"/>
-              </a:schemeClr>
-            </a:lnRef>
-            <a:fillRef idx="1">
-              <a:schemeClr val="accent1"/>
-            </a:fillRef>
-            <a:effectRef idx="0">
-              <a:schemeClr val="accent1"/>
-            </a:effectRef>
-            <a:fontRef idx="minor">
-              <a:schemeClr val="lt1"/>
-            </a:fontRef>
-          </p:style>
-          <p:txBody>
-            <a:bodyPr rtlCol="0" anchor="ctr"/>
-            <a:lstStyle/>
-            <a:p>
-              <a:pPr algn="ctr"/>
-              <a:endParaRPr lang="en-US"/>
-            </a:p>
-          </p:txBody>
-        </p:sp>
-        <p:sp>
-          <p:nvSpPr>
-            <p:cNvPr id="8" name="Rectangle 7"/>
-            <p:cNvSpPr/>
-            <p:nvPr/>
-          </p:nvSpPr>
-          <p:spPr>
-            <a:xfrm>
-              <a:off x="22294661" y="17399153"/>
-              <a:ext cx="1042347" cy="1037396"/>
-            </a:xfrm>
-            <a:prstGeom prst="rect">
-              <a:avLst/>
-            </a:prstGeom>
-            <a:solidFill>
-              <a:schemeClr val="bg1"/>
-            </a:solidFill>
-            <a:ln>
-              <a:solidFill>
-                <a:schemeClr val="bg1"/>
-              </a:solidFill>
-            </a:ln>
-          </p:spPr>
-          <p:style>
-            <a:lnRef idx="2">
-              <a:schemeClr val="accent1">
-                <a:shade val="50000"/>
-              </a:schemeClr>
-            </a:lnRef>
-            <a:fillRef idx="1">
-              <a:schemeClr val="accent1"/>
-            </a:fillRef>
-            <a:effectRef idx="0">
-              <a:schemeClr val="accent1"/>
-            </a:effectRef>
-            <a:fontRef idx="minor">
-              <a:schemeClr val="lt1"/>
-            </a:fontRef>
-          </p:style>
-          <p:txBody>
-            <a:bodyPr rtlCol="0" anchor="ctr"/>
-            <a:lstStyle/>
-            <a:p>
-              <a:pPr algn="ctr"/>
-              <a:endParaRPr lang="en-US"/>
-            </a:p>
-          </p:txBody>
-        </p:sp>
-        <p:sp>
-          <p:nvSpPr>
-            <p:cNvPr id="9" name="Rectangle 8"/>
-            <p:cNvSpPr/>
-            <p:nvPr/>
-          </p:nvSpPr>
-          <p:spPr>
-            <a:xfrm>
-              <a:off x="23414279" y="17399153"/>
-              <a:ext cx="1042347" cy="1037396"/>
-            </a:xfrm>
-            <a:prstGeom prst="rect">
-              <a:avLst/>
-            </a:prstGeom>
-            <a:solidFill>
-              <a:schemeClr val="bg1"/>
-            </a:solidFill>
-            <a:ln>
-              <a:solidFill>
-                <a:schemeClr val="bg1"/>
-              </a:solidFill>
-            </a:ln>
-          </p:spPr>
-          <p:style>
-            <a:lnRef idx="2">
-              <a:schemeClr val="accent1">
-                <a:shade val="50000"/>
-              </a:schemeClr>
-            </a:lnRef>
-            <a:fillRef idx="1">
-              <a:schemeClr val="accent1"/>
-            </a:fillRef>
-            <a:effectRef idx="0">
-              <a:schemeClr val="accent1"/>
-            </a:effectRef>
-            <a:fontRef idx="minor">
-              <a:schemeClr val="lt1"/>
-            </a:fontRef>
-          </p:style>
-          <p:txBody>
-            <a:bodyPr rtlCol="0" anchor="ctr"/>
-            <a:lstStyle/>
-            <a:p>
-              <a:pPr algn="ctr"/>
-              <a:endParaRPr lang="en-US"/>
-            </a:p>
-          </p:txBody>
-        </p:sp>
-        <p:sp>
-          <p:nvSpPr>
-            <p:cNvPr id="10" name="Rectangle 9"/>
-            <p:cNvSpPr/>
-            <p:nvPr/>
-          </p:nvSpPr>
-          <p:spPr>
-            <a:xfrm>
-              <a:off x="24533897" y="17399153"/>
-              <a:ext cx="1042347" cy="1037396"/>
-            </a:xfrm>
-            <a:prstGeom prst="rect">
-              <a:avLst/>
-            </a:prstGeom>
-            <a:solidFill>
-              <a:schemeClr val="bg1"/>
-            </a:solidFill>
-            <a:ln>
-              <a:solidFill>
-                <a:schemeClr val="bg1"/>
-              </a:solidFill>
-            </a:ln>
-          </p:spPr>
-          <p:style>
-            <a:lnRef idx="2">
-              <a:schemeClr val="accent1">
-                <a:shade val="50000"/>
-              </a:schemeClr>
-            </a:lnRef>
-            <a:fillRef idx="1">
-              <a:schemeClr val="accent1"/>
-            </a:fillRef>
-            <a:effectRef idx="0">
-              <a:schemeClr val="accent1"/>
-            </a:effectRef>
-            <a:fontRef idx="minor">
-              <a:schemeClr val="lt1"/>
-            </a:fontRef>
-          </p:style>
-          <p:txBody>
-            <a:bodyPr rtlCol="0" anchor="ctr"/>
-            <a:lstStyle/>
-            <a:p>
-              <a:pPr algn="ctr"/>
-              <a:endParaRPr lang="en-US"/>
-            </a:p>
-          </p:txBody>
-        </p:sp>
-        <p:sp>
-          <p:nvSpPr>
-            <p:cNvPr id="11" name="Rectangle 10"/>
-            <p:cNvSpPr/>
-            <p:nvPr/>
-          </p:nvSpPr>
-          <p:spPr>
-            <a:xfrm>
-              <a:off x="25653515" y="17399153"/>
-              <a:ext cx="1042347" cy="1037396"/>
-            </a:xfrm>
-            <a:prstGeom prst="rect">
-              <a:avLst/>
-            </a:prstGeom>
-            <a:solidFill>
-              <a:schemeClr val="bg1"/>
-            </a:solidFill>
-            <a:ln>
-              <a:solidFill>
-                <a:schemeClr val="bg1"/>
-              </a:solidFill>
-            </a:ln>
-          </p:spPr>
-          <p:style>
-            <a:lnRef idx="2">
-              <a:schemeClr val="accent1">
-                <a:shade val="50000"/>
-              </a:schemeClr>
-            </a:lnRef>
-            <a:fillRef idx="1">
-              <a:schemeClr val="accent1"/>
-            </a:fillRef>
-            <a:effectRef idx="0">
-              <a:schemeClr val="accent1"/>
-            </a:effectRef>
-            <a:fontRef idx="minor">
-              <a:schemeClr val="lt1"/>
-            </a:fontRef>
-          </p:style>
-          <p:txBody>
-            <a:bodyPr rtlCol="0" anchor="ctr"/>
-            <a:lstStyle/>
-            <a:p>
-              <a:pPr algn="ctr"/>
-              <a:endParaRPr lang="en-US"/>
-            </a:p>
-          </p:txBody>
-        </p:sp>
-        <p:sp>
-          <p:nvSpPr>
-            <p:cNvPr id="12" name="Rectangle 11"/>
-            <p:cNvSpPr/>
-            <p:nvPr/>
-          </p:nvSpPr>
-          <p:spPr>
-            <a:xfrm>
-              <a:off x="26773133" y="17399153"/>
-              <a:ext cx="1042347" cy="1037396"/>
-            </a:xfrm>
-            <a:prstGeom prst="rect">
-              <a:avLst/>
-            </a:prstGeom>
-            <a:solidFill>
-              <a:schemeClr val="bg1"/>
-            </a:solidFill>
-            <a:ln>
-              <a:solidFill>
-                <a:schemeClr val="bg1"/>
-              </a:solidFill>
-            </a:ln>
-          </p:spPr>
-          <p:style>
-            <a:lnRef idx="2">
-              <a:schemeClr val="accent1">
-                <a:shade val="50000"/>
-              </a:schemeClr>
-            </a:lnRef>
-            <a:fillRef idx="1">
-              <a:schemeClr val="accent1"/>
-            </a:fillRef>
-            <a:effectRef idx="0">
-              <a:schemeClr val="accent1"/>
-            </a:effectRef>
-            <a:fontRef idx="minor">
-              <a:schemeClr val="lt1"/>
-            </a:fontRef>
-          </p:style>
-          <p:txBody>
-            <a:bodyPr rtlCol="0" anchor="ctr"/>
-            <a:lstStyle/>
-            <a:p>
-              <a:pPr algn="ctr"/>
-              <a:endParaRPr lang="en-US"/>
-            </a:p>
-          </p:txBody>
-        </p:sp>
-        <p:pic>
-          <p:nvPicPr>
-            <p:cNvPr id="4" name="Picture 3"/>
-            <p:cNvPicPr>
-              <a:picLocks noChangeAspect="1"/>
-            </p:cNvPicPr>
-            <p:nvPr/>
-          </p:nvPicPr>
-          <p:blipFill>
-            <a:blip r:embed="rId2">
-              <a:extLst>
-                <a:ext uri="{28A0092B-C50C-407E-A947-70E740481C1C}">
-                  <a14:useLocalDpi xmlns:a14="http://schemas.microsoft.com/office/drawing/2010/main" val="0"/>
-                </a:ext>
-              </a:extLst>
-            </a:blip>
-            <a:stretch>
-              <a:fillRect/>
-            </a:stretch>
-          </p:blipFill>
-          <p:spPr>
-            <a:xfrm>
-              <a:off x="18772979" y="17236248"/>
-              <a:ext cx="9205429" cy="1365472"/>
-            </a:xfrm>
-            <a:prstGeom prst="rect">
-              <a:avLst/>
-            </a:prstGeom>
-          </p:spPr>
-        </p:pic>
-      </p:grpSp>
-    </p:spTree>
-    <p:extLst>
-      <p:ext uri="{BB962C8B-B14F-4D97-AF65-F5344CB8AC3E}">
-        <p14:creationId xmlns:p14="http://schemas.microsoft.com/office/powerpoint/2010/main" val="1561931220"/>
-      </p:ext>
-    </p:extLst>
-  </p:cSld>
-  <p:clrMapOvr>
-    <a:masterClrMapping/>
-  </p:clrMapOvr>
-</p:sld>
-</file>
-
 <file path=ppt/theme/theme1.xml><?xml version="1.0" encoding="utf-8"?>
 <a:theme xmlns:a="http://schemas.openxmlformats.org/drawingml/2006/main" name="Office Theme">
   <a:themeElements>
